--- a/container-apps.pptx
+++ b/container-apps.pptx
@@ -5,7 +5,7 @@
     <p:sldMasterId id="2147483648" r:id="rId1"/>
   </p:sldMasterIdLst>
   <p:notesMasterIdLst>
-    <p:notesMasterId r:id="rId9"/>
+    <p:notesMasterId r:id="rId10"/>
   </p:notesMasterIdLst>
   <p:sldIdLst>
     <p:sldId id="256" r:id="rId2"/>
@@ -15,6 +15,7 @@
     <p:sldId id="260" r:id="rId6"/>
     <p:sldId id="261" r:id="rId7"/>
     <p:sldId id="262" r:id="rId8"/>
+    <p:sldId id="263" r:id="rId9"/>
   </p:sldIdLst>
   <p:sldSz cx="12192000" cy="6858000"/>
   <p:notesSz cx="6858000" cy="9144000"/>
@@ -113,6 +114,11 @@
       </a:defRPr>
     </a:lvl9pPr>
   </p:defaultTextStyle>
+  <p:extLst>
+    <p:ext uri="{EFAFB233-063F-42B5-8137-9DF3F51BA10A}">
+      <p15:sldGuideLst xmlns:p15="http://schemas.microsoft.com/office/powerpoint/2012/main"/>
+    </p:ext>
+  </p:extLst>
 </p:presentation>
 </file>
 
@@ -198,7 +204,7 @@
           <a:p>
             <a:fld id="{00C8EF1D-ABD6-4CA4-BDD1-9AA5FCCA67B3}" type="datetimeFigureOut">
               <a:rPr lang="en-US" smtClean="0"/>
-              <a:t>5/2/2024</a:t>
+              <a:t>7/4/2024</a:t>
             </a:fld>
             <a:endParaRPr lang="en-US"/>
           </a:p>
@@ -602,7 +608,18 @@
           <a:bodyPr/>
           <a:lstStyle/>
           <a:p>
-            <a:endParaRPr lang="en-US"/>
+            <a:r>
+              <a:rPr lang="en-US" dirty="0"/>
+              <a:t>Good for traffic splitting , Blue green deployment </a:t>
+            </a:r>
+            <a:r>
+              <a:rPr lang="en-US" dirty="0" err="1"/>
+              <a:t>etc</a:t>
+            </a:r>
+            <a:r>
+              <a:rPr lang="en-US" dirty="0"/>
+              <a:t> </a:t>
+            </a:r>
           </a:p>
         </p:txBody>
       </p:sp>
@@ -633,6 +650,90 @@
     <p:extLst>
       <p:ext uri="{BB962C8B-B14F-4D97-AF65-F5344CB8AC3E}">
         <p14:creationId xmlns:p14="http://schemas.microsoft.com/office/powerpoint/2010/main" val="2200935973"/>
+      </p:ext>
+    </p:extLst>
+  </p:cSld>
+  <p:clrMapOvr>
+    <a:masterClrMapping/>
+  </p:clrMapOvr>
+</p:notes>
+</file>
+
+<file path=ppt/notesSlides/notesSlide3.xml><?xml version="1.0" encoding="utf-8"?>
+<p:notes xmlns:a="http://schemas.openxmlformats.org/drawingml/2006/main" xmlns:r="http://schemas.openxmlformats.org/officeDocument/2006/relationships" xmlns:p="http://schemas.openxmlformats.org/presentationml/2006/main">
+  <p:cSld>
+    <p:spTree>
+      <p:nvGrpSpPr>
+        <p:cNvPr id="1" name=""/>
+        <p:cNvGrpSpPr/>
+        <p:nvPr/>
+      </p:nvGrpSpPr>
+      <p:grpSpPr>
+        <a:xfrm>
+          <a:off x="0" y="0"/>
+          <a:ext cx="0" cy="0"/>
+          <a:chOff x="0" y="0"/>
+          <a:chExt cx="0" cy="0"/>
+        </a:xfrm>
+      </p:grpSpPr>
+      <p:sp>
+        <p:nvSpPr>
+          <p:cNvPr id="2" name="Slide Image Placeholder 1"/>
+          <p:cNvSpPr>
+            <a:spLocks noGrp="1" noRot="1" noChangeAspect="1"/>
+          </p:cNvSpPr>
+          <p:nvPr>
+            <p:ph type="sldImg"/>
+          </p:nvPr>
+        </p:nvSpPr>
+        <p:spPr/>
+      </p:sp>
+      <p:sp>
+        <p:nvSpPr>
+          <p:cNvPr id="3" name="Notes Placeholder 2"/>
+          <p:cNvSpPr>
+            <a:spLocks noGrp="1"/>
+          </p:cNvSpPr>
+          <p:nvPr>
+            <p:ph type="body" idx="1"/>
+          </p:nvPr>
+        </p:nvSpPr>
+        <p:spPr/>
+        <p:txBody>
+          <a:bodyPr/>
+          <a:lstStyle/>
+          <a:p>
+            <a:endParaRPr lang="en-US"/>
+          </a:p>
+        </p:txBody>
+      </p:sp>
+      <p:sp>
+        <p:nvSpPr>
+          <p:cNvPr id="4" name="Slide Number Placeholder 3"/>
+          <p:cNvSpPr>
+            <a:spLocks noGrp="1"/>
+          </p:cNvSpPr>
+          <p:nvPr>
+            <p:ph type="sldNum" sz="quarter" idx="5"/>
+          </p:nvPr>
+        </p:nvSpPr>
+        <p:spPr/>
+        <p:txBody>
+          <a:bodyPr/>
+          <a:lstStyle/>
+          <a:p>
+            <a:fld id="{574B454C-392B-49AE-A306-157BCCE4709B}" type="slidenum">
+              <a:rPr lang="en-US" smtClean="0"/>
+              <a:t>8</a:t>
+            </a:fld>
+            <a:endParaRPr lang="en-US"/>
+          </a:p>
+        </p:txBody>
+      </p:sp>
+    </p:spTree>
+    <p:extLst>
+      <p:ext uri="{BB962C8B-B14F-4D97-AF65-F5344CB8AC3E}">
+        <p14:creationId xmlns:p14="http://schemas.microsoft.com/office/powerpoint/2010/main" val="1569946406"/>
       </p:ext>
     </p:extLst>
   </p:cSld>
@@ -789,7 +890,7 @@
           <a:p>
             <a:fld id="{AC07A61A-C07A-48FE-AD5E-4AE0E4C8ECA3}" type="datetimeFigureOut">
               <a:rPr lang="en-US" smtClean="0"/>
-              <a:t>5/2/2024</a:t>
+              <a:t>7/4/2024</a:t>
             </a:fld>
             <a:endParaRPr lang="en-US"/>
           </a:p>
@@ -987,7 +1088,7 @@
           <a:p>
             <a:fld id="{AC07A61A-C07A-48FE-AD5E-4AE0E4C8ECA3}" type="datetimeFigureOut">
               <a:rPr lang="en-US" smtClean="0"/>
-              <a:t>5/2/2024</a:t>
+              <a:t>7/4/2024</a:t>
             </a:fld>
             <a:endParaRPr lang="en-US"/>
           </a:p>
@@ -1195,7 +1296,7 @@
           <a:p>
             <a:fld id="{AC07A61A-C07A-48FE-AD5E-4AE0E4C8ECA3}" type="datetimeFigureOut">
               <a:rPr lang="en-US" smtClean="0"/>
-              <a:t>5/2/2024</a:t>
+              <a:t>7/4/2024</a:t>
             </a:fld>
             <a:endParaRPr lang="en-US"/>
           </a:p>
@@ -1393,7 +1494,7 @@
           <a:p>
             <a:fld id="{AC07A61A-C07A-48FE-AD5E-4AE0E4C8ECA3}" type="datetimeFigureOut">
               <a:rPr lang="en-US" smtClean="0"/>
-              <a:t>5/2/2024</a:t>
+              <a:t>7/4/2024</a:t>
             </a:fld>
             <a:endParaRPr lang="en-US"/>
           </a:p>
@@ -1668,7 +1769,7 @@
           <a:p>
             <a:fld id="{AC07A61A-C07A-48FE-AD5E-4AE0E4C8ECA3}" type="datetimeFigureOut">
               <a:rPr lang="en-US" smtClean="0"/>
-              <a:t>5/2/2024</a:t>
+              <a:t>7/4/2024</a:t>
             </a:fld>
             <a:endParaRPr lang="en-US"/>
           </a:p>
@@ -1933,7 +2034,7 @@
           <a:p>
             <a:fld id="{AC07A61A-C07A-48FE-AD5E-4AE0E4C8ECA3}" type="datetimeFigureOut">
               <a:rPr lang="en-US" smtClean="0"/>
-              <a:t>5/2/2024</a:t>
+              <a:t>7/4/2024</a:t>
             </a:fld>
             <a:endParaRPr lang="en-US"/>
           </a:p>
@@ -2345,7 +2446,7 @@
           <a:p>
             <a:fld id="{AC07A61A-C07A-48FE-AD5E-4AE0E4C8ECA3}" type="datetimeFigureOut">
               <a:rPr lang="en-US" smtClean="0"/>
-              <a:t>5/2/2024</a:t>
+              <a:t>7/4/2024</a:t>
             </a:fld>
             <a:endParaRPr lang="en-US"/>
           </a:p>
@@ -2486,7 +2587,7 @@
           <a:p>
             <a:fld id="{AC07A61A-C07A-48FE-AD5E-4AE0E4C8ECA3}" type="datetimeFigureOut">
               <a:rPr lang="en-US" smtClean="0"/>
-              <a:t>5/2/2024</a:t>
+              <a:t>7/4/2024</a:t>
             </a:fld>
             <a:endParaRPr lang="en-US"/>
           </a:p>
@@ -2599,7 +2700,7 @@
           <a:p>
             <a:fld id="{AC07A61A-C07A-48FE-AD5E-4AE0E4C8ECA3}" type="datetimeFigureOut">
               <a:rPr lang="en-US" smtClean="0"/>
-              <a:t>5/2/2024</a:t>
+              <a:t>7/4/2024</a:t>
             </a:fld>
             <a:endParaRPr lang="en-US"/>
           </a:p>
@@ -2910,7 +3011,7 @@
           <a:p>
             <a:fld id="{AC07A61A-C07A-48FE-AD5E-4AE0E4C8ECA3}" type="datetimeFigureOut">
               <a:rPr lang="en-US" smtClean="0"/>
-              <a:t>5/2/2024</a:t>
+              <a:t>7/4/2024</a:t>
             </a:fld>
             <a:endParaRPr lang="en-US"/>
           </a:p>
@@ -3198,7 +3299,7 @@
           <a:p>
             <a:fld id="{AC07A61A-C07A-48FE-AD5E-4AE0E4C8ECA3}" type="datetimeFigureOut">
               <a:rPr lang="en-US" smtClean="0"/>
-              <a:t>5/2/2024</a:t>
+              <a:t>7/4/2024</a:t>
             </a:fld>
             <a:endParaRPr lang="en-US"/>
           </a:p>
@@ -3439,7 +3540,7 @@
           <a:p>
             <a:fld id="{AC07A61A-C07A-48FE-AD5E-4AE0E4C8ECA3}" type="datetimeFigureOut">
               <a:rPr lang="en-US" smtClean="0"/>
-              <a:t>5/2/2024</a:t>
+              <a:t>7/4/2024</a:t>
             </a:fld>
             <a:endParaRPr lang="en-US"/>
           </a:p>
@@ -4820,6 +4921,171 @@
     <p:extLst>
       <p:ext uri="{BB962C8B-B14F-4D97-AF65-F5344CB8AC3E}">
         <p14:creationId xmlns:p14="http://schemas.microsoft.com/office/powerpoint/2010/main" val="1368933956"/>
+      </p:ext>
+    </p:extLst>
+  </p:cSld>
+  <p:clrMapOvr>
+    <a:masterClrMapping/>
+  </p:clrMapOvr>
+</p:sld>
+</file>
+
+<file path=ppt/slides/slide8.xml><?xml version="1.0" encoding="utf-8"?>
+<p:sld xmlns:a="http://schemas.openxmlformats.org/drawingml/2006/main" xmlns:r="http://schemas.openxmlformats.org/officeDocument/2006/relationships" xmlns:p="http://schemas.openxmlformats.org/presentationml/2006/main">
+  <p:cSld>
+    <p:spTree>
+      <p:nvGrpSpPr>
+        <p:cNvPr id="1" name=""/>
+        <p:cNvGrpSpPr/>
+        <p:nvPr/>
+      </p:nvGrpSpPr>
+      <p:grpSpPr>
+        <a:xfrm>
+          <a:off x="0" y="0"/>
+          <a:ext cx="0" cy="0"/>
+          <a:chOff x="0" y="0"/>
+          <a:chExt cx="0" cy="0"/>
+        </a:xfrm>
+      </p:grpSpPr>
+      <p:sp>
+        <p:nvSpPr>
+          <p:cNvPr id="2" name="Title 1">
+            <a:extLst>
+              <a:ext uri="{FF2B5EF4-FFF2-40B4-BE49-F238E27FC236}">
+                <a16:creationId xmlns:a16="http://schemas.microsoft.com/office/drawing/2014/main" id="{1D95D16C-B7D3-0E82-6082-714D2DB9D11C}"/>
+              </a:ext>
+            </a:extLst>
+          </p:cNvPr>
+          <p:cNvSpPr>
+            <a:spLocks noGrp="1"/>
+          </p:cNvSpPr>
+          <p:nvPr>
+            <p:ph type="title"/>
+          </p:nvPr>
+        </p:nvSpPr>
+        <p:spPr/>
+        <p:txBody>
+          <a:bodyPr/>
+          <a:lstStyle/>
+          <a:p>
+            <a:r>
+              <a:rPr lang="en-US" dirty="0"/>
+              <a:t>Scaling		</a:t>
+            </a:r>
+          </a:p>
+        </p:txBody>
+      </p:sp>
+      <p:sp>
+        <p:nvSpPr>
+          <p:cNvPr id="3" name="Content Placeholder 2">
+            <a:extLst>
+              <a:ext uri="{FF2B5EF4-FFF2-40B4-BE49-F238E27FC236}">
+                <a16:creationId xmlns:a16="http://schemas.microsoft.com/office/drawing/2014/main" id="{9BFB871B-CA93-D960-3EA7-DCE151634A75}"/>
+              </a:ext>
+            </a:extLst>
+          </p:cNvPr>
+          <p:cNvSpPr>
+            <a:spLocks noGrp="1"/>
+          </p:cNvSpPr>
+          <p:nvPr>
+            <p:ph idx="1"/>
+          </p:nvPr>
+        </p:nvSpPr>
+        <p:spPr/>
+        <p:txBody>
+          <a:bodyPr/>
+          <a:lstStyle/>
+          <a:p>
+            <a:pPr algn="l">
+              <a:buFont typeface="Arial" panose="020B0604020202020204" pitchFamily="34" charset="0"/>
+              <a:buChar char="•"/>
+            </a:pPr>
+            <a:r>
+              <a:rPr lang="en-US" b="0" i="0" dirty="0">
+                <a:solidFill>
+                  <a:srgbClr val="161616"/>
+                </a:solidFill>
+                <a:effectLst/>
+                <a:latin typeface="Segoe UI" panose="020B0502040204020203" pitchFamily="34" charset="0"/>
+              </a:rPr>
+              <a:t>HTTP traffic</a:t>
+            </a:r>
+          </a:p>
+          <a:p>
+            <a:pPr algn="l">
+              <a:buFont typeface="Arial" panose="020B0604020202020204" pitchFamily="34" charset="0"/>
+              <a:buChar char="•"/>
+            </a:pPr>
+            <a:r>
+              <a:rPr lang="en-US" b="0" i="0" dirty="0">
+                <a:solidFill>
+                  <a:srgbClr val="161616"/>
+                </a:solidFill>
+                <a:effectLst/>
+                <a:latin typeface="Segoe UI" panose="020B0502040204020203" pitchFamily="34" charset="0"/>
+              </a:rPr>
+              <a:t>Event-driven processing</a:t>
+            </a:r>
+          </a:p>
+          <a:p>
+            <a:pPr algn="l">
+              <a:buFont typeface="Arial" panose="020B0604020202020204" pitchFamily="34" charset="0"/>
+              <a:buChar char="•"/>
+            </a:pPr>
+            <a:r>
+              <a:rPr lang="en-US" b="0" i="0" dirty="0">
+                <a:solidFill>
+                  <a:srgbClr val="161616"/>
+                </a:solidFill>
+                <a:effectLst/>
+                <a:latin typeface="Segoe UI" panose="020B0502040204020203" pitchFamily="34" charset="0"/>
+              </a:rPr>
+              <a:t>CPU or memory load</a:t>
+            </a:r>
+          </a:p>
+          <a:p>
+            <a:pPr algn="l">
+              <a:buFont typeface="Arial" panose="020B0604020202020204" pitchFamily="34" charset="0"/>
+              <a:buChar char="•"/>
+            </a:pPr>
+            <a:r>
+              <a:rPr lang="en-US" b="0" i="0" dirty="0">
+                <a:solidFill>
+                  <a:srgbClr val="161616"/>
+                </a:solidFill>
+                <a:effectLst/>
+                <a:latin typeface="Segoe UI" panose="020B0502040204020203" pitchFamily="34" charset="0"/>
+              </a:rPr>
+              <a:t>Any </a:t>
+            </a:r>
+            <a:r>
+              <a:rPr lang="en-US" b="0" i="0" u="none" strike="noStrike" dirty="0">
+                <a:solidFill>
+                  <a:srgbClr val="161616"/>
+                </a:solidFill>
+                <a:effectLst/>
+                <a:latin typeface="Segoe UI" panose="020B0502040204020203" pitchFamily="34" charset="0"/>
+                <a:hlinkClick r:id="rId3"/>
+              </a:rPr>
+              <a:t>KEDA-supported scaler</a:t>
+            </a:r>
+            <a:endParaRPr lang="en-US" b="0" i="0" dirty="0">
+              <a:solidFill>
+                <a:srgbClr val="161616"/>
+              </a:solidFill>
+              <a:effectLst/>
+              <a:latin typeface="Segoe UI" panose="020B0502040204020203" pitchFamily="34" charset="0"/>
+            </a:endParaRPr>
+          </a:p>
+          <a:p>
+            <a:endParaRPr lang="en-US" dirty="0"/>
+          </a:p>
+        </p:txBody>
+      </p:sp>
+    </p:spTree>
+    <p:extLst>
+      <p:ext uri="{BB962C8B-B14F-4D97-AF65-F5344CB8AC3E}">
+        <p14:creationId xmlns:p14="http://schemas.microsoft.com/office/powerpoint/2010/main" val="711567672"/>
       </p:ext>
     </p:extLst>
   </p:cSld>

--- a/container-apps.pptx
+++ b/container-apps.pptx
@@ -5,7 +5,7 @@
     <p:sldMasterId id="2147483648" r:id="rId1"/>
   </p:sldMasterIdLst>
   <p:notesMasterIdLst>
-    <p:notesMasterId r:id="rId10"/>
+    <p:notesMasterId r:id="rId11"/>
   </p:notesMasterIdLst>
   <p:sldIdLst>
     <p:sldId id="256" r:id="rId2"/>
@@ -14,8 +14,9 @@
     <p:sldId id="259" r:id="rId5"/>
     <p:sldId id="260" r:id="rId6"/>
     <p:sldId id="261" r:id="rId7"/>
-    <p:sldId id="262" r:id="rId8"/>
-    <p:sldId id="263" r:id="rId9"/>
+    <p:sldId id="264" r:id="rId8"/>
+    <p:sldId id="262" r:id="rId9"/>
+    <p:sldId id="263" r:id="rId10"/>
   </p:sldIdLst>
   <p:sldSz cx="12192000" cy="6858000"/>
   <p:notesSz cx="6858000" cy="9144000"/>
@@ -204,7 +205,7 @@
           <a:p>
             <a:fld id="{00C8EF1D-ABD6-4CA4-BDD1-9AA5FCCA67B3}" type="datetimeFigureOut">
               <a:rPr lang="en-US" smtClean="0"/>
-              <a:t>7/4/2024</a:t>
+              <a:t>7/8/2024</a:t>
             </a:fld>
             <a:endParaRPr lang="en-US"/>
           </a:p>
@@ -640,7 +641,7 @@
           <a:p>
             <a:fld id="{574B454C-392B-49AE-A306-157BCCE4709B}" type="slidenum">
               <a:rPr lang="en-US" smtClean="0"/>
-              <a:t>7</a:t>
+              <a:t>8</a:t>
             </a:fld>
             <a:endParaRPr lang="en-US"/>
           </a:p>
@@ -724,7 +725,7 @@
           <a:p>
             <a:fld id="{574B454C-392B-49AE-A306-157BCCE4709B}" type="slidenum">
               <a:rPr lang="en-US" smtClean="0"/>
-              <a:t>8</a:t>
+              <a:t>9</a:t>
             </a:fld>
             <a:endParaRPr lang="en-US"/>
           </a:p>
@@ -890,7 +891,7 @@
           <a:p>
             <a:fld id="{AC07A61A-C07A-48FE-AD5E-4AE0E4C8ECA3}" type="datetimeFigureOut">
               <a:rPr lang="en-US" smtClean="0"/>
-              <a:t>7/4/2024</a:t>
+              <a:t>7/8/2024</a:t>
             </a:fld>
             <a:endParaRPr lang="en-US"/>
           </a:p>
@@ -1088,7 +1089,7 @@
           <a:p>
             <a:fld id="{AC07A61A-C07A-48FE-AD5E-4AE0E4C8ECA3}" type="datetimeFigureOut">
               <a:rPr lang="en-US" smtClean="0"/>
-              <a:t>7/4/2024</a:t>
+              <a:t>7/8/2024</a:t>
             </a:fld>
             <a:endParaRPr lang="en-US"/>
           </a:p>
@@ -1296,7 +1297,7 @@
           <a:p>
             <a:fld id="{AC07A61A-C07A-48FE-AD5E-4AE0E4C8ECA3}" type="datetimeFigureOut">
               <a:rPr lang="en-US" smtClean="0"/>
-              <a:t>7/4/2024</a:t>
+              <a:t>7/8/2024</a:t>
             </a:fld>
             <a:endParaRPr lang="en-US"/>
           </a:p>
@@ -1494,7 +1495,7 @@
           <a:p>
             <a:fld id="{AC07A61A-C07A-48FE-AD5E-4AE0E4C8ECA3}" type="datetimeFigureOut">
               <a:rPr lang="en-US" smtClean="0"/>
-              <a:t>7/4/2024</a:t>
+              <a:t>7/8/2024</a:t>
             </a:fld>
             <a:endParaRPr lang="en-US"/>
           </a:p>
@@ -1769,7 +1770,7 @@
           <a:p>
             <a:fld id="{AC07A61A-C07A-48FE-AD5E-4AE0E4C8ECA3}" type="datetimeFigureOut">
               <a:rPr lang="en-US" smtClean="0"/>
-              <a:t>7/4/2024</a:t>
+              <a:t>7/8/2024</a:t>
             </a:fld>
             <a:endParaRPr lang="en-US"/>
           </a:p>
@@ -2034,7 +2035,7 @@
           <a:p>
             <a:fld id="{AC07A61A-C07A-48FE-AD5E-4AE0E4C8ECA3}" type="datetimeFigureOut">
               <a:rPr lang="en-US" smtClean="0"/>
-              <a:t>7/4/2024</a:t>
+              <a:t>7/8/2024</a:t>
             </a:fld>
             <a:endParaRPr lang="en-US"/>
           </a:p>
@@ -2446,7 +2447,7 @@
           <a:p>
             <a:fld id="{AC07A61A-C07A-48FE-AD5E-4AE0E4C8ECA3}" type="datetimeFigureOut">
               <a:rPr lang="en-US" smtClean="0"/>
-              <a:t>7/4/2024</a:t>
+              <a:t>7/8/2024</a:t>
             </a:fld>
             <a:endParaRPr lang="en-US"/>
           </a:p>
@@ -2587,7 +2588,7 @@
           <a:p>
             <a:fld id="{AC07A61A-C07A-48FE-AD5E-4AE0E4C8ECA3}" type="datetimeFigureOut">
               <a:rPr lang="en-US" smtClean="0"/>
-              <a:t>7/4/2024</a:t>
+              <a:t>7/8/2024</a:t>
             </a:fld>
             <a:endParaRPr lang="en-US"/>
           </a:p>
@@ -2700,7 +2701,7 @@
           <a:p>
             <a:fld id="{AC07A61A-C07A-48FE-AD5E-4AE0E4C8ECA3}" type="datetimeFigureOut">
               <a:rPr lang="en-US" smtClean="0"/>
-              <a:t>7/4/2024</a:t>
+              <a:t>7/8/2024</a:t>
             </a:fld>
             <a:endParaRPr lang="en-US"/>
           </a:p>
@@ -3011,7 +3012,7 @@
           <a:p>
             <a:fld id="{AC07A61A-C07A-48FE-AD5E-4AE0E4C8ECA3}" type="datetimeFigureOut">
               <a:rPr lang="en-US" smtClean="0"/>
-              <a:t>7/4/2024</a:t>
+              <a:t>7/8/2024</a:t>
             </a:fld>
             <a:endParaRPr lang="en-US"/>
           </a:p>
@@ -3299,7 +3300,7 @@
           <a:p>
             <a:fld id="{AC07A61A-C07A-48FE-AD5E-4AE0E4C8ECA3}" type="datetimeFigureOut">
               <a:rPr lang="en-US" smtClean="0"/>
-              <a:t>7/4/2024</a:t>
+              <a:t>7/8/2024</a:t>
             </a:fld>
             <a:endParaRPr lang="en-US"/>
           </a:p>
@@ -3540,7 +3541,7 @@
           <a:p>
             <a:fld id="{AC07A61A-C07A-48FE-AD5E-4AE0E4C8ECA3}" type="datetimeFigureOut">
               <a:rPr lang="en-US" smtClean="0"/>
-              <a:t>7/4/2024</a:t>
+              <a:t>7/8/2024</a:t>
             </a:fld>
             <a:endParaRPr lang="en-US"/>
           </a:p>
@@ -4864,6 +4865,100 @@
           <p:cNvPr id="2" name="Title 1">
             <a:extLst>
               <a:ext uri="{FF2B5EF4-FFF2-40B4-BE49-F238E27FC236}">
+                <a16:creationId xmlns:a16="http://schemas.microsoft.com/office/drawing/2014/main" id="{21AA4204-6B8A-60AE-7278-4C526DE925C1}"/>
+              </a:ext>
+            </a:extLst>
+          </p:cNvPr>
+          <p:cNvSpPr>
+            <a:spLocks noGrp="1"/>
+          </p:cNvSpPr>
+          <p:nvPr>
+            <p:ph type="title"/>
+          </p:nvPr>
+        </p:nvSpPr>
+        <p:spPr/>
+        <p:txBody>
+          <a:bodyPr/>
+          <a:lstStyle/>
+          <a:p>
+            <a:r>
+              <a:rPr lang="en-US" dirty="0"/>
+              <a:t>Rollbacks are easier </a:t>
+            </a:r>
+          </a:p>
+        </p:txBody>
+      </p:sp>
+      <p:sp>
+        <p:nvSpPr>
+          <p:cNvPr id="3" name="Content Placeholder 2">
+            <a:extLst>
+              <a:ext uri="{FF2B5EF4-FFF2-40B4-BE49-F238E27FC236}">
+                <a16:creationId xmlns:a16="http://schemas.microsoft.com/office/drawing/2014/main" id="{3FDB5E1E-651D-3BA7-02BE-1D93C828084F}"/>
+              </a:ext>
+            </a:extLst>
+          </p:cNvPr>
+          <p:cNvSpPr>
+            <a:spLocks noGrp="1"/>
+          </p:cNvSpPr>
+          <p:nvPr>
+            <p:ph idx="1"/>
+          </p:nvPr>
+        </p:nvSpPr>
+        <p:spPr/>
+        <p:txBody>
+          <a:bodyPr/>
+          <a:lstStyle/>
+          <a:p>
+            <a:r>
+              <a:rPr lang="en-US" dirty="0"/>
+              <a:t>Because env vars are specific to revisions</a:t>
+            </a:r>
+            <a:r>
+              <a:rPr lang="en-US"/>
+              <a:t>. </a:t>
+            </a:r>
+            <a:endParaRPr lang="en-US" dirty="0"/>
+          </a:p>
+          <a:p>
+            <a:endParaRPr lang="en-US" dirty="0"/>
+          </a:p>
+        </p:txBody>
+      </p:sp>
+    </p:spTree>
+    <p:extLst>
+      <p:ext uri="{BB962C8B-B14F-4D97-AF65-F5344CB8AC3E}">
+        <p14:creationId xmlns:p14="http://schemas.microsoft.com/office/powerpoint/2010/main" val="3828244979"/>
+      </p:ext>
+    </p:extLst>
+  </p:cSld>
+  <p:clrMapOvr>
+    <a:masterClrMapping/>
+  </p:clrMapOvr>
+</p:sld>
+</file>
+
+<file path=ppt/slides/slide8.xml><?xml version="1.0" encoding="utf-8"?>
+<p:sld xmlns:a="http://schemas.openxmlformats.org/drawingml/2006/main" xmlns:r="http://schemas.openxmlformats.org/officeDocument/2006/relationships" xmlns:p="http://schemas.openxmlformats.org/presentationml/2006/main">
+  <p:cSld>
+    <p:spTree>
+      <p:nvGrpSpPr>
+        <p:cNvPr id="1" name=""/>
+        <p:cNvGrpSpPr/>
+        <p:nvPr/>
+      </p:nvGrpSpPr>
+      <p:grpSpPr>
+        <a:xfrm>
+          <a:off x="0" y="0"/>
+          <a:ext cx="0" cy="0"/>
+          <a:chOff x="0" y="0"/>
+          <a:chExt cx="0" cy="0"/>
+        </a:xfrm>
+      </p:grpSpPr>
+      <p:sp>
+        <p:nvSpPr>
+          <p:cNvPr id="2" name="Title 1">
+            <a:extLst>
+              <a:ext uri="{FF2B5EF4-FFF2-40B4-BE49-F238E27FC236}">
                 <a16:creationId xmlns:a16="http://schemas.microsoft.com/office/drawing/2014/main" id="{945DE629-3F06-4723-FFEC-9B45518EA82E}"/>
               </a:ext>
             </a:extLst>
@@ -4930,7 +5025,7 @@
 </p:sld>
 </file>
 
-<file path=ppt/slides/slide8.xml><?xml version="1.0" encoding="utf-8"?>
+<file path=ppt/slides/slide9.xml><?xml version="1.0" encoding="utf-8"?>
 <p:sld xmlns:a="http://schemas.openxmlformats.org/drawingml/2006/main" xmlns:r="http://schemas.openxmlformats.org/officeDocument/2006/relationships" xmlns:p="http://schemas.openxmlformats.org/presentationml/2006/main">
   <p:cSld>
     <p:spTree>

--- a/container-apps.pptx
+++ b/container-apps.pptx
@@ -5,7 +5,7 @@
     <p:sldMasterId id="2147483648" r:id="rId1"/>
   </p:sldMasterIdLst>
   <p:notesMasterIdLst>
-    <p:notesMasterId r:id="rId11"/>
+    <p:notesMasterId r:id="rId23"/>
   </p:notesMasterIdLst>
   <p:sldIdLst>
     <p:sldId id="256" r:id="rId2"/>
@@ -17,6 +17,18 @@
     <p:sldId id="264" r:id="rId8"/>
     <p:sldId id="262" r:id="rId9"/>
     <p:sldId id="263" r:id="rId10"/>
+    <p:sldId id="265" r:id="rId11"/>
+    <p:sldId id="266" r:id="rId12"/>
+    <p:sldId id="267" r:id="rId13"/>
+    <p:sldId id="268" r:id="rId14"/>
+    <p:sldId id="269" r:id="rId15"/>
+    <p:sldId id="270" r:id="rId16"/>
+    <p:sldId id="271" r:id="rId17"/>
+    <p:sldId id="272" r:id="rId18"/>
+    <p:sldId id="274" r:id="rId19"/>
+    <p:sldId id="275" r:id="rId20"/>
+    <p:sldId id="276" r:id="rId21"/>
+    <p:sldId id="273" r:id="rId22"/>
   </p:sldIdLst>
   <p:sldSz cx="12192000" cy="6858000"/>
   <p:notesSz cx="6858000" cy="9144000"/>
@@ -205,7 +217,7 @@
           <a:p>
             <a:fld id="{00C8EF1D-ABD6-4CA4-BDD1-9AA5FCCA67B3}" type="datetimeFigureOut">
               <a:rPr lang="en-US" smtClean="0"/>
-              <a:t>7/8/2024</a:t>
+              <a:t>8/20/2024</a:t>
             </a:fld>
             <a:endParaRPr lang="en-US"/>
           </a:p>
@@ -744,6 +756,510 @@
 </p:notes>
 </file>
 
+<file path=ppt/notesSlides/notesSlide4.xml><?xml version="1.0" encoding="utf-8"?>
+<p:notes xmlns:a="http://schemas.openxmlformats.org/drawingml/2006/main" xmlns:r="http://schemas.openxmlformats.org/officeDocument/2006/relationships" xmlns:p="http://schemas.openxmlformats.org/presentationml/2006/main">
+  <p:cSld>
+    <p:spTree>
+      <p:nvGrpSpPr>
+        <p:cNvPr id="1" name=""/>
+        <p:cNvGrpSpPr/>
+        <p:nvPr/>
+      </p:nvGrpSpPr>
+      <p:grpSpPr>
+        <a:xfrm>
+          <a:off x="0" y="0"/>
+          <a:ext cx="0" cy="0"/>
+          <a:chOff x="0" y="0"/>
+          <a:chExt cx="0" cy="0"/>
+        </a:xfrm>
+      </p:grpSpPr>
+      <p:sp>
+        <p:nvSpPr>
+          <p:cNvPr id="2" name="Slide Image Placeholder 1"/>
+          <p:cNvSpPr>
+            <a:spLocks noGrp="1" noRot="1" noChangeAspect="1"/>
+          </p:cNvSpPr>
+          <p:nvPr>
+            <p:ph type="sldImg"/>
+          </p:nvPr>
+        </p:nvSpPr>
+        <p:spPr/>
+      </p:sp>
+      <p:sp>
+        <p:nvSpPr>
+          <p:cNvPr id="3" name="Notes Placeholder 2"/>
+          <p:cNvSpPr>
+            <a:spLocks noGrp="1"/>
+          </p:cNvSpPr>
+          <p:nvPr>
+            <p:ph type="body" idx="1"/>
+          </p:nvPr>
+        </p:nvSpPr>
+        <p:spPr/>
+        <p:txBody>
+          <a:bodyPr/>
+          <a:lstStyle/>
+          <a:p>
+            <a:endParaRPr lang="en-US" dirty="0"/>
+          </a:p>
+        </p:txBody>
+      </p:sp>
+      <p:sp>
+        <p:nvSpPr>
+          <p:cNvPr id="4" name="Slide Number Placeholder 3"/>
+          <p:cNvSpPr>
+            <a:spLocks noGrp="1"/>
+          </p:cNvSpPr>
+          <p:nvPr>
+            <p:ph type="sldNum" sz="quarter" idx="5"/>
+          </p:nvPr>
+        </p:nvSpPr>
+        <p:spPr/>
+        <p:txBody>
+          <a:bodyPr/>
+          <a:lstStyle/>
+          <a:p>
+            <a:fld id="{574B454C-392B-49AE-A306-157BCCE4709B}" type="slidenum">
+              <a:rPr lang="en-US" smtClean="0"/>
+              <a:t>12</a:t>
+            </a:fld>
+            <a:endParaRPr lang="en-US"/>
+          </a:p>
+        </p:txBody>
+      </p:sp>
+    </p:spTree>
+    <p:extLst>
+      <p:ext uri="{BB962C8B-B14F-4D97-AF65-F5344CB8AC3E}">
+        <p14:creationId xmlns:p14="http://schemas.microsoft.com/office/powerpoint/2010/main" val="3554593844"/>
+      </p:ext>
+    </p:extLst>
+  </p:cSld>
+  <p:clrMapOvr>
+    <a:masterClrMapping/>
+  </p:clrMapOvr>
+</p:notes>
+</file>
+
+<file path=ppt/notesSlides/notesSlide5.xml><?xml version="1.0" encoding="utf-8"?>
+<p:notes xmlns:a="http://schemas.openxmlformats.org/drawingml/2006/main" xmlns:r="http://schemas.openxmlformats.org/officeDocument/2006/relationships" xmlns:p="http://schemas.openxmlformats.org/presentationml/2006/main">
+  <p:cSld>
+    <p:spTree>
+      <p:nvGrpSpPr>
+        <p:cNvPr id="1" name=""/>
+        <p:cNvGrpSpPr/>
+        <p:nvPr/>
+      </p:nvGrpSpPr>
+      <p:grpSpPr>
+        <a:xfrm>
+          <a:off x="0" y="0"/>
+          <a:ext cx="0" cy="0"/>
+          <a:chOff x="0" y="0"/>
+          <a:chExt cx="0" cy="0"/>
+        </a:xfrm>
+      </p:grpSpPr>
+      <p:sp>
+        <p:nvSpPr>
+          <p:cNvPr id="2" name="Slide Image Placeholder 1"/>
+          <p:cNvSpPr>
+            <a:spLocks noGrp="1" noRot="1" noChangeAspect="1"/>
+          </p:cNvSpPr>
+          <p:nvPr>
+            <p:ph type="sldImg"/>
+          </p:nvPr>
+        </p:nvSpPr>
+        <p:spPr/>
+      </p:sp>
+      <p:sp>
+        <p:nvSpPr>
+          <p:cNvPr id="3" name="Notes Placeholder 2"/>
+          <p:cNvSpPr>
+            <a:spLocks noGrp="1"/>
+          </p:cNvSpPr>
+          <p:nvPr>
+            <p:ph type="body" idx="1"/>
+          </p:nvPr>
+        </p:nvSpPr>
+        <p:spPr/>
+        <p:txBody>
+          <a:bodyPr/>
+          <a:lstStyle/>
+          <a:p>
+            <a:endParaRPr lang="en-US" dirty="0"/>
+          </a:p>
+        </p:txBody>
+      </p:sp>
+      <p:sp>
+        <p:nvSpPr>
+          <p:cNvPr id="4" name="Slide Number Placeholder 3"/>
+          <p:cNvSpPr>
+            <a:spLocks noGrp="1"/>
+          </p:cNvSpPr>
+          <p:nvPr>
+            <p:ph type="sldNum" sz="quarter" idx="5"/>
+          </p:nvPr>
+        </p:nvSpPr>
+        <p:spPr/>
+        <p:txBody>
+          <a:bodyPr/>
+          <a:lstStyle/>
+          <a:p>
+            <a:fld id="{574B454C-392B-49AE-A306-157BCCE4709B}" type="slidenum">
+              <a:rPr lang="en-US" smtClean="0"/>
+              <a:t>13</a:t>
+            </a:fld>
+            <a:endParaRPr lang="en-US"/>
+          </a:p>
+        </p:txBody>
+      </p:sp>
+    </p:spTree>
+    <p:extLst>
+      <p:ext uri="{BB962C8B-B14F-4D97-AF65-F5344CB8AC3E}">
+        <p14:creationId xmlns:p14="http://schemas.microsoft.com/office/powerpoint/2010/main" val="3777426253"/>
+      </p:ext>
+    </p:extLst>
+  </p:cSld>
+  <p:clrMapOvr>
+    <a:masterClrMapping/>
+  </p:clrMapOvr>
+</p:notes>
+</file>
+
+<file path=ppt/notesSlides/notesSlide6.xml><?xml version="1.0" encoding="utf-8"?>
+<p:notes xmlns:a="http://schemas.openxmlformats.org/drawingml/2006/main" xmlns:r="http://schemas.openxmlformats.org/officeDocument/2006/relationships" xmlns:p="http://schemas.openxmlformats.org/presentationml/2006/main">
+  <p:cSld>
+    <p:spTree>
+      <p:nvGrpSpPr>
+        <p:cNvPr id="1" name=""/>
+        <p:cNvGrpSpPr/>
+        <p:nvPr/>
+      </p:nvGrpSpPr>
+      <p:grpSpPr>
+        <a:xfrm>
+          <a:off x="0" y="0"/>
+          <a:ext cx="0" cy="0"/>
+          <a:chOff x="0" y="0"/>
+          <a:chExt cx="0" cy="0"/>
+        </a:xfrm>
+      </p:grpSpPr>
+      <p:sp>
+        <p:nvSpPr>
+          <p:cNvPr id="2" name="Slide Image Placeholder 1"/>
+          <p:cNvSpPr>
+            <a:spLocks noGrp="1" noRot="1" noChangeAspect="1"/>
+          </p:cNvSpPr>
+          <p:nvPr>
+            <p:ph type="sldImg"/>
+          </p:nvPr>
+        </p:nvSpPr>
+        <p:spPr/>
+      </p:sp>
+      <p:sp>
+        <p:nvSpPr>
+          <p:cNvPr id="3" name="Notes Placeholder 2"/>
+          <p:cNvSpPr>
+            <a:spLocks noGrp="1"/>
+          </p:cNvSpPr>
+          <p:nvPr>
+            <p:ph type="body" idx="1"/>
+          </p:nvPr>
+        </p:nvSpPr>
+        <p:spPr/>
+        <p:txBody>
+          <a:bodyPr/>
+          <a:lstStyle/>
+          <a:p>
+            <a:endParaRPr lang="en-US" dirty="0"/>
+          </a:p>
+        </p:txBody>
+      </p:sp>
+      <p:sp>
+        <p:nvSpPr>
+          <p:cNvPr id="4" name="Slide Number Placeholder 3"/>
+          <p:cNvSpPr>
+            <a:spLocks noGrp="1"/>
+          </p:cNvSpPr>
+          <p:nvPr>
+            <p:ph type="sldNum" sz="quarter" idx="5"/>
+          </p:nvPr>
+        </p:nvSpPr>
+        <p:spPr/>
+        <p:txBody>
+          <a:bodyPr/>
+          <a:lstStyle/>
+          <a:p>
+            <a:fld id="{574B454C-392B-49AE-A306-157BCCE4709B}" type="slidenum">
+              <a:rPr lang="en-US" smtClean="0"/>
+              <a:t>14</a:t>
+            </a:fld>
+            <a:endParaRPr lang="en-US"/>
+          </a:p>
+        </p:txBody>
+      </p:sp>
+    </p:spTree>
+    <p:extLst>
+      <p:ext uri="{BB962C8B-B14F-4D97-AF65-F5344CB8AC3E}">
+        <p14:creationId xmlns:p14="http://schemas.microsoft.com/office/powerpoint/2010/main" val="3983910179"/>
+      </p:ext>
+    </p:extLst>
+  </p:cSld>
+  <p:clrMapOvr>
+    <a:masterClrMapping/>
+  </p:clrMapOvr>
+</p:notes>
+</file>
+
+<file path=ppt/notesSlides/notesSlide7.xml><?xml version="1.0" encoding="utf-8"?>
+<p:notes xmlns:a="http://schemas.openxmlformats.org/drawingml/2006/main" xmlns:r="http://schemas.openxmlformats.org/officeDocument/2006/relationships" xmlns:p="http://schemas.openxmlformats.org/presentationml/2006/main">
+  <p:cSld>
+    <p:spTree>
+      <p:nvGrpSpPr>
+        <p:cNvPr id="1" name=""/>
+        <p:cNvGrpSpPr/>
+        <p:nvPr/>
+      </p:nvGrpSpPr>
+      <p:grpSpPr>
+        <a:xfrm>
+          <a:off x="0" y="0"/>
+          <a:ext cx="0" cy="0"/>
+          <a:chOff x="0" y="0"/>
+          <a:chExt cx="0" cy="0"/>
+        </a:xfrm>
+      </p:grpSpPr>
+      <p:sp>
+        <p:nvSpPr>
+          <p:cNvPr id="2" name="Slide Image Placeholder 1"/>
+          <p:cNvSpPr>
+            <a:spLocks noGrp="1" noRot="1" noChangeAspect="1"/>
+          </p:cNvSpPr>
+          <p:nvPr>
+            <p:ph type="sldImg"/>
+          </p:nvPr>
+        </p:nvSpPr>
+        <p:spPr/>
+      </p:sp>
+      <p:sp>
+        <p:nvSpPr>
+          <p:cNvPr id="3" name="Notes Placeholder 2"/>
+          <p:cNvSpPr>
+            <a:spLocks noGrp="1"/>
+          </p:cNvSpPr>
+          <p:nvPr>
+            <p:ph type="body" idx="1"/>
+          </p:nvPr>
+        </p:nvSpPr>
+        <p:spPr/>
+        <p:txBody>
+          <a:bodyPr/>
+          <a:lstStyle/>
+          <a:p>
+            <a:endParaRPr lang="en-US" dirty="0"/>
+          </a:p>
+        </p:txBody>
+      </p:sp>
+      <p:sp>
+        <p:nvSpPr>
+          <p:cNvPr id="4" name="Slide Number Placeholder 3"/>
+          <p:cNvSpPr>
+            <a:spLocks noGrp="1"/>
+          </p:cNvSpPr>
+          <p:nvPr>
+            <p:ph type="sldNum" sz="quarter" idx="5"/>
+          </p:nvPr>
+        </p:nvSpPr>
+        <p:spPr/>
+        <p:txBody>
+          <a:bodyPr/>
+          <a:lstStyle/>
+          <a:p>
+            <a:fld id="{574B454C-392B-49AE-A306-157BCCE4709B}" type="slidenum">
+              <a:rPr lang="en-US" smtClean="0"/>
+              <a:t>15</a:t>
+            </a:fld>
+            <a:endParaRPr lang="en-US"/>
+          </a:p>
+        </p:txBody>
+      </p:sp>
+    </p:spTree>
+    <p:extLst>
+      <p:ext uri="{BB962C8B-B14F-4D97-AF65-F5344CB8AC3E}">
+        <p14:creationId xmlns:p14="http://schemas.microsoft.com/office/powerpoint/2010/main" val="454864936"/>
+      </p:ext>
+    </p:extLst>
+  </p:cSld>
+  <p:clrMapOvr>
+    <a:masterClrMapping/>
+  </p:clrMapOvr>
+</p:notes>
+</file>
+
+<file path=ppt/notesSlides/notesSlide8.xml><?xml version="1.0" encoding="utf-8"?>
+<p:notes xmlns:a="http://schemas.openxmlformats.org/drawingml/2006/main" xmlns:r="http://schemas.openxmlformats.org/officeDocument/2006/relationships" xmlns:p="http://schemas.openxmlformats.org/presentationml/2006/main">
+  <p:cSld>
+    <p:spTree>
+      <p:nvGrpSpPr>
+        <p:cNvPr id="1" name=""/>
+        <p:cNvGrpSpPr/>
+        <p:nvPr/>
+      </p:nvGrpSpPr>
+      <p:grpSpPr>
+        <a:xfrm>
+          <a:off x="0" y="0"/>
+          <a:ext cx="0" cy="0"/>
+          <a:chOff x="0" y="0"/>
+          <a:chExt cx="0" cy="0"/>
+        </a:xfrm>
+      </p:grpSpPr>
+      <p:sp>
+        <p:nvSpPr>
+          <p:cNvPr id="2" name="Slide Image Placeholder 1"/>
+          <p:cNvSpPr>
+            <a:spLocks noGrp="1" noRot="1" noChangeAspect="1"/>
+          </p:cNvSpPr>
+          <p:nvPr>
+            <p:ph type="sldImg"/>
+          </p:nvPr>
+        </p:nvSpPr>
+        <p:spPr/>
+      </p:sp>
+      <p:sp>
+        <p:nvSpPr>
+          <p:cNvPr id="3" name="Notes Placeholder 2"/>
+          <p:cNvSpPr>
+            <a:spLocks noGrp="1"/>
+          </p:cNvSpPr>
+          <p:nvPr>
+            <p:ph type="body" idx="1"/>
+          </p:nvPr>
+        </p:nvSpPr>
+        <p:spPr/>
+        <p:txBody>
+          <a:bodyPr/>
+          <a:lstStyle/>
+          <a:p>
+            <a:endParaRPr lang="en-US" dirty="0"/>
+          </a:p>
+        </p:txBody>
+      </p:sp>
+      <p:sp>
+        <p:nvSpPr>
+          <p:cNvPr id="4" name="Slide Number Placeholder 3"/>
+          <p:cNvSpPr>
+            <a:spLocks noGrp="1"/>
+          </p:cNvSpPr>
+          <p:nvPr>
+            <p:ph type="sldNum" sz="quarter" idx="5"/>
+          </p:nvPr>
+        </p:nvSpPr>
+        <p:spPr/>
+        <p:txBody>
+          <a:bodyPr/>
+          <a:lstStyle/>
+          <a:p>
+            <a:fld id="{574B454C-392B-49AE-A306-157BCCE4709B}" type="slidenum">
+              <a:rPr lang="en-US" smtClean="0"/>
+              <a:t>16</a:t>
+            </a:fld>
+            <a:endParaRPr lang="en-US"/>
+          </a:p>
+        </p:txBody>
+      </p:sp>
+    </p:spTree>
+    <p:extLst>
+      <p:ext uri="{BB962C8B-B14F-4D97-AF65-F5344CB8AC3E}">
+        <p14:creationId xmlns:p14="http://schemas.microsoft.com/office/powerpoint/2010/main" val="451301145"/>
+      </p:ext>
+    </p:extLst>
+  </p:cSld>
+  <p:clrMapOvr>
+    <a:masterClrMapping/>
+  </p:clrMapOvr>
+</p:notes>
+</file>
+
+<file path=ppt/notesSlides/notesSlide9.xml><?xml version="1.0" encoding="utf-8"?>
+<p:notes xmlns:a="http://schemas.openxmlformats.org/drawingml/2006/main" xmlns:r="http://schemas.openxmlformats.org/officeDocument/2006/relationships" xmlns:p="http://schemas.openxmlformats.org/presentationml/2006/main">
+  <p:cSld>
+    <p:spTree>
+      <p:nvGrpSpPr>
+        <p:cNvPr id="1" name=""/>
+        <p:cNvGrpSpPr/>
+        <p:nvPr/>
+      </p:nvGrpSpPr>
+      <p:grpSpPr>
+        <a:xfrm>
+          <a:off x="0" y="0"/>
+          <a:ext cx="0" cy="0"/>
+          <a:chOff x="0" y="0"/>
+          <a:chExt cx="0" cy="0"/>
+        </a:xfrm>
+      </p:grpSpPr>
+      <p:sp>
+        <p:nvSpPr>
+          <p:cNvPr id="2" name="Slide Image Placeholder 1"/>
+          <p:cNvSpPr>
+            <a:spLocks noGrp="1" noRot="1" noChangeAspect="1"/>
+          </p:cNvSpPr>
+          <p:nvPr>
+            <p:ph type="sldImg"/>
+          </p:nvPr>
+        </p:nvSpPr>
+        <p:spPr/>
+      </p:sp>
+      <p:sp>
+        <p:nvSpPr>
+          <p:cNvPr id="3" name="Notes Placeholder 2"/>
+          <p:cNvSpPr>
+            <a:spLocks noGrp="1"/>
+          </p:cNvSpPr>
+          <p:nvPr>
+            <p:ph type="body" idx="1"/>
+          </p:nvPr>
+        </p:nvSpPr>
+        <p:spPr/>
+        <p:txBody>
+          <a:bodyPr/>
+          <a:lstStyle/>
+          <a:p>
+            <a:endParaRPr lang="en-US" dirty="0"/>
+          </a:p>
+        </p:txBody>
+      </p:sp>
+      <p:sp>
+        <p:nvSpPr>
+          <p:cNvPr id="4" name="Slide Number Placeholder 3"/>
+          <p:cNvSpPr>
+            <a:spLocks noGrp="1"/>
+          </p:cNvSpPr>
+          <p:nvPr>
+            <p:ph type="sldNum" sz="quarter" idx="5"/>
+          </p:nvPr>
+        </p:nvSpPr>
+        <p:spPr/>
+        <p:txBody>
+          <a:bodyPr/>
+          <a:lstStyle/>
+          <a:p>
+            <a:fld id="{574B454C-392B-49AE-A306-157BCCE4709B}" type="slidenum">
+              <a:rPr lang="en-US" smtClean="0"/>
+              <a:t>17</a:t>
+            </a:fld>
+            <a:endParaRPr lang="en-US"/>
+          </a:p>
+        </p:txBody>
+      </p:sp>
+    </p:spTree>
+    <p:extLst>
+      <p:ext uri="{BB962C8B-B14F-4D97-AF65-F5344CB8AC3E}">
+        <p14:creationId xmlns:p14="http://schemas.microsoft.com/office/powerpoint/2010/main" val="1693872326"/>
+      </p:ext>
+    </p:extLst>
+  </p:cSld>
+  <p:clrMapOvr>
+    <a:masterClrMapping/>
+  </p:clrMapOvr>
+</p:notes>
+</file>
+
 <file path=ppt/slideLayouts/slideLayout1.xml><?xml version="1.0" encoding="utf-8"?>
 <p:sldLayout xmlns:a="http://schemas.openxmlformats.org/drawingml/2006/main" xmlns:r="http://schemas.openxmlformats.org/officeDocument/2006/relationships" xmlns:p="http://schemas.openxmlformats.org/presentationml/2006/main" type="title" preserve="1">
   <p:cSld name="Title Slide">
@@ -891,7 +1407,7 @@
           <a:p>
             <a:fld id="{AC07A61A-C07A-48FE-AD5E-4AE0E4C8ECA3}" type="datetimeFigureOut">
               <a:rPr lang="en-US" smtClean="0"/>
-              <a:t>7/8/2024</a:t>
+              <a:t>8/20/2024</a:t>
             </a:fld>
             <a:endParaRPr lang="en-US"/>
           </a:p>
@@ -1089,7 +1605,7 @@
           <a:p>
             <a:fld id="{AC07A61A-C07A-48FE-AD5E-4AE0E4C8ECA3}" type="datetimeFigureOut">
               <a:rPr lang="en-US" smtClean="0"/>
-              <a:t>7/8/2024</a:t>
+              <a:t>8/20/2024</a:t>
             </a:fld>
             <a:endParaRPr lang="en-US"/>
           </a:p>
@@ -1297,7 +1813,7 @@
           <a:p>
             <a:fld id="{AC07A61A-C07A-48FE-AD5E-4AE0E4C8ECA3}" type="datetimeFigureOut">
               <a:rPr lang="en-US" smtClean="0"/>
-              <a:t>7/8/2024</a:t>
+              <a:t>8/20/2024</a:t>
             </a:fld>
             <a:endParaRPr lang="en-US"/>
           </a:p>
@@ -1495,7 +2011,7 @@
           <a:p>
             <a:fld id="{AC07A61A-C07A-48FE-AD5E-4AE0E4C8ECA3}" type="datetimeFigureOut">
               <a:rPr lang="en-US" smtClean="0"/>
-              <a:t>7/8/2024</a:t>
+              <a:t>8/20/2024</a:t>
             </a:fld>
             <a:endParaRPr lang="en-US"/>
           </a:p>
@@ -1770,7 +2286,7 @@
           <a:p>
             <a:fld id="{AC07A61A-C07A-48FE-AD5E-4AE0E4C8ECA3}" type="datetimeFigureOut">
               <a:rPr lang="en-US" smtClean="0"/>
-              <a:t>7/8/2024</a:t>
+              <a:t>8/20/2024</a:t>
             </a:fld>
             <a:endParaRPr lang="en-US"/>
           </a:p>
@@ -2035,7 +2551,7 @@
           <a:p>
             <a:fld id="{AC07A61A-C07A-48FE-AD5E-4AE0E4C8ECA3}" type="datetimeFigureOut">
               <a:rPr lang="en-US" smtClean="0"/>
-              <a:t>7/8/2024</a:t>
+              <a:t>8/20/2024</a:t>
             </a:fld>
             <a:endParaRPr lang="en-US"/>
           </a:p>
@@ -2447,7 +2963,7 @@
           <a:p>
             <a:fld id="{AC07A61A-C07A-48FE-AD5E-4AE0E4C8ECA3}" type="datetimeFigureOut">
               <a:rPr lang="en-US" smtClean="0"/>
-              <a:t>7/8/2024</a:t>
+              <a:t>8/20/2024</a:t>
             </a:fld>
             <a:endParaRPr lang="en-US"/>
           </a:p>
@@ -2588,7 +3104,7 @@
           <a:p>
             <a:fld id="{AC07A61A-C07A-48FE-AD5E-4AE0E4C8ECA3}" type="datetimeFigureOut">
               <a:rPr lang="en-US" smtClean="0"/>
-              <a:t>7/8/2024</a:t>
+              <a:t>8/20/2024</a:t>
             </a:fld>
             <a:endParaRPr lang="en-US"/>
           </a:p>
@@ -2701,7 +3217,7 @@
           <a:p>
             <a:fld id="{AC07A61A-C07A-48FE-AD5E-4AE0E4C8ECA3}" type="datetimeFigureOut">
               <a:rPr lang="en-US" smtClean="0"/>
-              <a:t>7/8/2024</a:t>
+              <a:t>8/20/2024</a:t>
             </a:fld>
             <a:endParaRPr lang="en-US"/>
           </a:p>
@@ -3012,7 +3528,7 @@
           <a:p>
             <a:fld id="{AC07A61A-C07A-48FE-AD5E-4AE0E4C8ECA3}" type="datetimeFigureOut">
               <a:rPr lang="en-US" smtClean="0"/>
-              <a:t>7/8/2024</a:t>
+              <a:t>8/20/2024</a:t>
             </a:fld>
             <a:endParaRPr lang="en-US"/>
           </a:p>
@@ -3300,7 +3816,7 @@
           <a:p>
             <a:fld id="{AC07A61A-C07A-48FE-AD5E-4AE0E4C8ECA3}" type="datetimeFigureOut">
               <a:rPr lang="en-US" smtClean="0"/>
-              <a:t>7/8/2024</a:t>
+              <a:t>8/20/2024</a:t>
             </a:fld>
             <a:endParaRPr lang="en-US"/>
           </a:p>
@@ -3541,7 +4057,7 @@
           <a:p>
             <a:fld id="{AC07A61A-C07A-48FE-AD5E-4AE0E4C8ECA3}" type="datetimeFigureOut">
               <a:rPr lang="en-US" smtClean="0"/>
-              <a:t>7/8/2024</a:t>
+              <a:t>8/20/2024</a:t>
             </a:fld>
             <a:endParaRPr lang="en-US"/>
           </a:p>
@@ -4021,6 +4537,4626 @@
 </p:sld>
 </file>
 
+<file path=ppt/slides/slide10.xml><?xml version="1.0" encoding="utf-8"?>
+<p:sld xmlns:a="http://schemas.openxmlformats.org/drawingml/2006/main" xmlns:r="http://schemas.openxmlformats.org/officeDocument/2006/relationships" xmlns:p="http://schemas.openxmlformats.org/presentationml/2006/main">
+  <p:cSld>
+    <p:spTree>
+      <p:nvGrpSpPr>
+        <p:cNvPr id="1" name=""/>
+        <p:cNvGrpSpPr/>
+        <p:nvPr/>
+      </p:nvGrpSpPr>
+      <p:grpSpPr>
+        <a:xfrm>
+          <a:off x="0" y="0"/>
+          <a:ext cx="0" cy="0"/>
+          <a:chOff x="0" y="0"/>
+          <a:chExt cx="0" cy="0"/>
+        </a:xfrm>
+      </p:grpSpPr>
+      <p:sp>
+        <p:nvSpPr>
+          <p:cNvPr id="2" name="Title 1">
+            <a:extLst>
+              <a:ext uri="{FF2B5EF4-FFF2-40B4-BE49-F238E27FC236}">
+                <a16:creationId xmlns:a16="http://schemas.microsoft.com/office/drawing/2014/main" id="{5B9BFE67-AC84-01EA-54CA-130394CABBB2}"/>
+              </a:ext>
+            </a:extLst>
+          </p:cNvPr>
+          <p:cNvSpPr>
+            <a:spLocks noGrp="1"/>
+          </p:cNvSpPr>
+          <p:nvPr>
+            <p:ph type="title"/>
+          </p:nvPr>
+        </p:nvSpPr>
+        <p:spPr/>
+        <p:txBody>
+          <a:bodyPr/>
+          <a:lstStyle/>
+          <a:p>
+            <a:endParaRPr lang="en-US"/>
+          </a:p>
+        </p:txBody>
+      </p:sp>
+      <p:sp>
+        <p:nvSpPr>
+          <p:cNvPr id="3" name="Content Placeholder 2">
+            <a:extLst>
+              <a:ext uri="{FF2B5EF4-FFF2-40B4-BE49-F238E27FC236}">
+                <a16:creationId xmlns:a16="http://schemas.microsoft.com/office/drawing/2014/main" id="{E5738D50-05D9-D4C9-92A1-0B2FA502EEE1}"/>
+              </a:ext>
+            </a:extLst>
+          </p:cNvPr>
+          <p:cNvSpPr>
+            <a:spLocks noGrp="1"/>
+          </p:cNvSpPr>
+          <p:nvPr>
+            <p:ph idx="1"/>
+          </p:nvPr>
+        </p:nvSpPr>
+        <p:spPr/>
+        <p:txBody>
+          <a:bodyPr/>
+          <a:lstStyle/>
+          <a:p>
+            <a:endParaRPr lang="en-US"/>
+          </a:p>
+        </p:txBody>
+      </p:sp>
+    </p:spTree>
+    <p:extLst>
+      <p:ext uri="{BB962C8B-B14F-4D97-AF65-F5344CB8AC3E}">
+        <p14:creationId xmlns:p14="http://schemas.microsoft.com/office/powerpoint/2010/main" val="3978932813"/>
+      </p:ext>
+    </p:extLst>
+  </p:cSld>
+  <p:clrMapOvr>
+    <a:masterClrMapping/>
+  </p:clrMapOvr>
+</p:sld>
+</file>
+
+<file path=ppt/slides/slide11.xml><?xml version="1.0" encoding="utf-8"?>
+<p:sld xmlns:a="http://schemas.openxmlformats.org/drawingml/2006/main" xmlns:r="http://schemas.openxmlformats.org/officeDocument/2006/relationships" xmlns:p="http://schemas.openxmlformats.org/presentationml/2006/main">
+  <p:cSld>
+    <p:spTree>
+      <p:nvGrpSpPr>
+        <p:cNvPr id="1" name=""/>
+        <p:cNvGrpSpPr/>
+        <p:nvPr/>
+      </p:nvGrpSpPr>
+      <p:grpSpPr>
+        <a:xfrm>
+          <a:off x="0" y="0"/>
+          <a:ext cx="0" cy="0"/>
+          <a:chOff x="0" y="0"/>
+          <a:chExt cx="0" cy="0"/>
+        </a:xfrm>
+      </p:grpSpPr>
+      <p:sp>
+        <p:nvSpPr>
+          <p:cNvPr id="2" name="Title 1">
+            <a:extLst>
+              <a:ext uri="{FF2B5EF4-FFF2-40B4-BE49-F238E27FC236}">
+                <a16:creationId xmlns:a16="http://schemas.microsoft.com/office/drawing/2014/main" id="{1D330E3B-B471-6270-9718-7EEB4DD15CB4}"/>
+              </a:ext>
+            </a:extLst>
+          </p:cNvPr>
+          <p:cNvSpPr>
+            <a:spLocks noGrp="1"/>
+          </p:cNvSpPr>
+          <p:nvPr>
+            <p:ph type="title"/>
+          </p:nvPr>
+        </p:nvSpPr>
+        <p:spPr/>
+        <p:txBody>
+          <a:bodyPr/>
+          <a:lstStyle/>
+          <a:p>
+            <a:r>
+              <a:rPr lang="en-US" dirty="0"/>
+              <a:t>Building Blocks</a:t>
+            </a:r>
+          </a:p>
+        </p:txBody>
+      </p:sp>
+      <p:sp>
+        <p:nvSpPr>
+          <p:cNvPr id="3" name="Content Placeholder 2">
+            <a:extLst>
+              <a:ext uri="{FF2B5EF4-FFF2-40B4-BE49-F238E27FC236}">
+                <a16:creationId xmlns:a16="http://schemas.microsoft.com/office/drawing/2014/main" id="{39CBC570-1B0F-097C-866D-184C0D2AC1F9}"/>
+              </a:ext>
+            </a:extLst>
+          </p:cNvPr>
+          <p:cNvSpPr>
+            <a:spLocks noGrp="1"/>
+          </p:cNvSpPr>
+          <p:nvPr>
+            <p:ph idx="1"/>
+          </p:nvPr>
+        </p:nvSpPr>
+        <p:spPr/>
+        <p:txBody>
+          <a:bodyPr/>
+          <a:lstStyle/>
+          <a:p>
+            <a:r>
+              <a:rPr lang="en-US" dirty="0"/>
+              <a:t>Environments – </a:t>
+            </a:r>
+          </a:p>
+          <a:p>
+            <a:pPr lvl="1"/>
+            <a:r>
+              <a:rPr lang="en-US" dirty="0"/>
+              <a:t>All container apps within an env are dedicated to a </a:t>
+            </a:r>
+            <a:r>
+              <a:rPr lang="en-US" dirty="0" err="1"/>
+              <a:t>vnet</a:t>
+            </a:r>
+            <a:r>
+              <a:rPr lang="en-US" dirty="0"/>
+              <a:t>. Which makes it possible for the container apps to communicate securely.</a:t>
+            </a:r>
+          </a:p>
+          <a:p>
+            <a:r>
+              <a:rPr lang="en-US" dirty="0"/>
+              <a:t>Apps</a:t>
+            </a:r>
+          </a:p>
+          <a:p>
+            <a:r>
+              <a:rPr lang="en-US" dirty="0"/>
+              <a:t>Log Analytic Workspace</a:t>
+            </a:r>
+          </a:p>
+          <a:p>
+            <a:r>
+              <a:rPr lang="en-US" dirty="0"/>
+              <a:t>Revisions </a:t>
+            </a:r>
+          </a:p>
+          <a:p>
+            <a:r>
+              <a:rPr lang="en-US" dirty="0"/>
+              <a:t>Containers</a:t>
+            </a:r>
+          </a:p>
+          <a:p>
+            <a:pPr lvl="1"/>
+            <a:endParaRPr lang="en-US" dirty="0"/>
+          </a:p>
+          <a:p>
+            <a:pPr lvl="1"/>
+            <a:endParaRPr lang="en-US" dirty="0"/>
+          </a:p>
+          <a:p>
+            <a:pPr lvl="1"/>
+            <a:endParaRPr lang="en-US" dirty="0"/>
+          </a:p>
+          <a:p>
+            <a:endParaRPr lang="en-US" dirty="0"/>
+          </a:p>
+        </p:txBody>
+      </p:sp>
+    </p:spTree>
+    <p:extLst>
+      <p:ext uri="{BB962C8B-B14F-4D97-AF65-F5344CB8AC3E}">
+        <p14:creationId xmlns:p14="http://schemas.microsoft.com/office/powerpoint/2010/main" val="3139127266"/>
+      </p:ext>
+    </p:extLst>
+  </p:cSld>
+  <p:clrMapOvr>
+    <a:masterClrMapping/>
+  </p:clrMapOvr>
+</p:sld>
+</file>
+
+<file path=ppt/slides/slide12.xml><?xml version="1.0" encoding="utf-8"?>
+<p:sld xmlns:a="http://schemas.openxmlformats.org/drawingml/2006/main" xmlns:r="http://schemas.openxmlformats.org/officeDocument/2006/relationships" xmlns:p="http://schemas.openxmlformats.org/presentationml/2006/main">
+  <p:cSld>
+    <p:spTree>
+      <p:nvGrpSpPr>
+        <p:cNvPr id="1" name=""/>
+        <p:cNvGrpSpPr/>
+        <p:nvPr/>
+      </p:nvGrpSpPr>
+      <p:grpSpPr>
+        <a:xfrm>
+          <a:off x="0" y="0"/>
+          <a:ext cx="0" cy="0"/>
+          <a:chOff x="0" y="0"/>
+          <a:chExt cx="0" cy="0"/>
+        </a:xfrm>
+      </p:grpSpPr>
+      <p:sp>
+        <p:nvSpPr>
+          <p:cNvPr id="2" name="Title 1">
+            <a:extLst>
+              <a:ext uri="{FF2B5EF4-FFF2-40B4-BE49-F238E27FC236}">
+                <a16:creationId xmlns:a16="http://schemas.microsoft.com/office/drawing/2014/main" id="{6FD36A87-8205-5945-F30C-BB9FFB8E023D}"/>
+              </a:ext>
+            </a:extLst>
+          </p:cNvPr>
+          <p:cNvSpPr>
+            <a:spLocks noGrp="1"/>
+          </p:cNvSpPr>
+          <p:nvPr>
+            <p:ph type="title"/>
+          </p:nvPr>
+        </p:nvSpPr>
+        <p:spPr/>
+        <p:txBody>
+          <a:bodyPr/>
+          <a:lstStyle/>
+          <a:p>
+            <a:endParaRPr lang="en-US" dirty="0"/>
+          </a:p>
+        </p:txBody>
+      </p:sp>
+      <p:pic>
+        <p:nvPicPr>
+          <p:cNvPr id="1026" name="Picture 2" descr="Solution Architecture">
+            <a:extLst>
+              <a:ext uri="{FF2B5EF4-FFF2-40B4-BE49-F238E27FC236}">
+                <a16:creationId xmlns:a16="http://schemas.microsoft.com/office/drawing/2014/main" id="{8644AB62-AAA4-CA41-CDFF-CE76F669DE8F}"/>
+              </a:ext>
+            </a:extLst>
+          </p:cNvPr>
+          <p:cNvPicPr>
+            <a:picLocks noChangeAspect="1" noChangeArrowheads="1"/>
+          </p:cNvPicPr>
+          <p:nvPr/>
+        </p:nvPicPr>
+        <p:blipFill>
+          <a:blip r:embed="rId3">
+            <a:extLst>
+              <a:ext uri="{28A0092B-C50C-407E-A947-70E740481C1C}">
+                <a14:useLocalDpi xmlns:a14="http://schemas.microsoft.com/office/drawing/2010/main" val="0"/>
+              </a:ext>
+            </a:extLst>
+          </a:blip>
+          <a:srcRect/>
+          <a:stretch>
+            <a:fillRect/>
+          </a:stretch>
+        </p:blipFill>
+        <p:spPr bwMode="auto">
+          <a:xfrm>
+            <a:off x="1839844" y="1245703"/>
+            <a:ext cx="7701721" cy="5473175"/>
+          </a:xfrm>
+          <a:prstGeom prst="rect">
+            <a:avLst/>
+          </a:prstGeom>
+          <a:noFill/>
+          <a:extLst>
+            <a:ext uri="{909E8E84-426E-40DD-AFC4-6F175D3DCCD1}">
+              <a14:hiddenFill xmlns:a14="http://schemas.microsoft.com/office/drawing/2010/main">
+                <a:solidFill>
+                  <a:srgbClr val="FFFFFF"/>
+                </a:solidFill>
+              </a14:hiddenFill>
+            </a:ext>
+          </a:extLst>
+        </p:spPr>
+      </p:pic>
+    </p:spTree>
+    <p:extLst>
+      <p:ext uri="{BB962C8B-B14F-4D97-AF65-F5344CB8AC3E}">
+        <p14:creationId xmlns:p14="http://schemas.microsoft.com/office/powerpoint/2010/main" val="418886706"/>
+      </p:ext>
+    </p:extLst>
+  </p:cSld>
+  <p:clrMapOvr>
+    <a:masterClrMapping/>
+  </p:clrMapOvr>
+</p:sld>
+</file>
+
+<file path=ppt/slides/slide13.xml><?xml version="1.0" encoding="utf-8"?>
+<p:sld xmlns:a="http://schemas.openxmlformats.org/drawingml/2006/main" xmlns:r="http://schemas.openxmlformats.org/officeDocument/2006/relationships" xmlns:p="http://schemas.openxmlformats.org/presentationml/2006/main">
+  <p:cSld>
+    <p:bg>
+      <p:bgPr>
+        <a:solidFill>
+          <a:schemeClr val="bg1"/>
+        </a:solidFill>
+        <a:effectLst/>
+      </p:bgPr>
+    </p:bg>
+    <p:spTree>
+      <p:nvGrpSpPr>
+        <p:cNvPr id="1" name=""/>
+        <p:cNvGrpSpPr/>
+        <p:nvPr/>
+      </p:nvGrpSpPr>
+      <p:grpSpPr>
+        <a:xfrm>
+          <a:off x="0" y="0"/>
+          <a:ext cx="0" cy="0"/>
+          <a:chOff x="0" y="0"/>
+          <a:chExt cx="0" cy="0"/>
+        </a:xfrm>
+      </p:grpSpPr>
+      <p:sp useBgFill="1">
+        <p:nvSpPr>
+          <p:cNvPr id="8" name="Rectangle 7">
+            <a:extLst>
+              <a:ext uri="{FF2B5EF4-FFF2-40B4-BE49-F238E27FC236}">
+                <a16:creationId xmlns:a16="http://schemas.microsoft.com/office/drawing/2014/main" id="{1BB867FF-FC45-48F7-8104-F89BE54909F1}"/>
+              </a:ext>
+              <a:ext uri="{C183D7F6-B498-43B3-948B-1728B52AA6E4}">
+                <adec:decorative xmlns:adec="http://schemas.microsoft.com/office/drawing/2017/decorative" val="1"/>
+              </a:ext>
+            </a:extLst>
+          </p:cNvPr>
+          <p:cNvSpPr>
+            <a:spLocks noGrp="1" noRot="1" noChangeAspect="1" noMove="1" noResize="1" noEditPoints="1" noAdjustHandles="1" noChangeArrowheads="1" noChangeShapeType="1" noTextEdit="1"/>
+          </p:cNvSpPr>
+          <p:nvPr>
+            <p:extLst>
+              <p:ext uri="{386F3935-93C4-4BCD-93E2-E3B085C9AB24}">
+                <p16:designElem xmlns:p16="http://schemas.microsoft.com/office/powerpoint/2015/main" val="1"/>
+              </p:ext>
+            </p:extLst>
+          </p:nvPr>
+        </p:nvSpPr>
+        <p:spPr>
+          <a:xfrm>
+            <a:off x="3048" y="0"/>
+            <a:ext cx="12188952" cy="6858000"/>
+          </a:xfrm>
+          <a:prstGeom prst="rect">
+            <a:avLst/>
+          </a:prstGeom>
+          <a:ln>
+            <a:noFill/>
+          </a:ln>
+        </p:spPr>
+        <p:style>
+          <a:lnRef idx="2">
+            <a:schemeClr val="accent1">
+              <a:shade val="50000"/>
+            </a:schemeClr>
+          </a:lnRef>
+          <a:fillRef idx="1">
+            <a:schemeClr val="accent1"/>
+          </a:fillRef>
+          <a:effectRef idx="0">
+            <a:schemeClr val="accent1"/>
+          </a:effectRef>
+          <a:fontRef idx="minor">
+            <a:schemeClr val="lt1"/>
+          </a:fontRef>
+        </p:style>
+        <p:txBody>
+          <a:bodyPr rtlCol="0" anchor="ctr"/>
+          <a:lstStyle/>
+          <a:p>
+            <a:pPr algn="ctr"/>
+            <a:endParaRPr lang="en-US"/>
+          </a:p>
+        </p:txBody>
+      </p:sp>
+      <p:sp>
+        <p:nvSpPr>
+          <p:cNvPr id="10" name="Freeform: Shape 9">
+            <a:extLst>
+              <a:ext uri="{FF2B5EF4-FFF2-40B4-BE49-F238E27FC236}">
+                <a16:creationId xmlns:a16="http://schemas.microsoft.com/office/drawing/2014/main" id="{8BB56887-D0D5-4F0C-9E19-7247EB83C8B7}"/>
+              </a:ext>
+              <a:ext uri="{C183D7F6-B498-43B3-948B-1728B52AA6E4}">
+                <adec:decorative xmlns:adec="http://schemas.microsoft.com/office/drawing/2017/decorative" val="1"/>
+              </a:ext>
+            </a:extLst>
+          </p:cNvPr>
+          <p:cNvSpPr>
+            <a:spLocks noGrp="1" noRot="1" noChangeAspect="1" noMove="1" noResize="1" noEditPoints="1" noAdjustHandles="1" noChangeArrowheads="1" noChangeShapeType="1" noTextEdit="1"/>
+          </p:cNvSpPr>
+          <p:nvPr>
+            <p:extLst>
+              <p:ext uri="{386F3935-93C4-4BCD-93E2-E3B085C9AB24}">
+                <p16:designElem xmlns:p16="http://schemas.microsoft.com/office/powerpoint/2015/main" val="1"/>
+              </p:ext>
+            </p:extLst>
+          </p:nvPr>
+        </p:nvSpPr>
+        <p:spPr>
+          <a:xfrm>
+            <a:off x="10208695" y="1"/>
+            <a:ext cx="1135066" cy="477997"/>
+          </a:xfrm>
+          <a:custGeom>
+            <a:avLst/>
+            <a:gdLst>
+              <a:gd name="connsiteX0" fmla="*/ 0 w 1135066"/>
+              <a:gd name="connsiteY0" fmla="*/ 0 h 477997"/>
+              <a:gd name="connsiteX1" fmla="*/ 1135066 w 1135066"/>
+              <a:gd name="connsiteY1" fmla="*/ 0 h 477997"/>
+              <a:gd name="connsiteX2" fmla="*/ 1133370 w 1135066"/>
+              <a:gd name="connsiteY2" fmla="*/ 16827 h 477997"/>
+              <a:gd name="connsiteX3" fmla="*/ 567533 w 1135066"/>
+              <a:gd name="connsiteY3" fmla="*/ 477997 h 477997"/>
+              <a:gd name="connsiteX4" fmla="*/ 1696 w 1135066"/>
+              <a:gd name="connsiteY4" fmla="*/ 16827 h 477997"/>
+            </a:gdLst>
+            <a:ahLst/>
+            <a:cxnLst>
+              <a:cxn ang="0">
+                <a:pos x="connsiteX0" y="connsiteY0"/>
+              </a:cxn>
+              <a:cxn ang="0">
+                <a:pos x="connsiteX1" y="connsiteY1"/>
+              </a:cxn>
+              <a:cxn ang="0">
+                <a:pos x="connsiteX2" y="connsiteY2"/>
+              </a:cxn>
+              <a:cxn ang="0">
+                <a:pos x="connsiteX3" y="connsiteY3"/>
+              </a:cxn>
+              <a:cxn ang="0">
+                <a:pos x="connsiteX4" y="connsiteY4"/>
+              </a:cxn>
+            </a:cxnLst>
+            <a:rect l="l" t="t" r="r" b="b"/>
+            <a:pathLst>
+              <a:path w="1135066" h="477997">
+                <a:moveTo>
+                  <a:pt x="0" y="0"/>
+                </a:moveTo>
+                <a:lnTo>
+                  <a:pt x="1135066" y="0"/>
+                </a:lnTo>
+                <a:lnTo>
+                  <a:pt x="1133370" y="16827"/>
+                </a:lnTo>
+                <a:cubicBezTo>
+                  <a:pt x="1079514" y="280016"/>
+                  <a:pt x="846644" y="477997"/>
+                  <a:pt x="567533" y="477997"/>
+                </a:cubicBezTo>
+                <a:cubicBezTo>
+                  <a:pt x="288422" y="477997"/>
+                  <a:pt x="55552" y="280016"/>
+                  <a:pt x="1696" y="16827"/>
+                </a:cubicBezTo>
+                <a:close/>
+              </a:path>
+            </a:pathLst>
+          </a:custGeom>
+          <a:solidFill>
+            <a:schemeClr val="accent4"/>
+          </a:solidFill>
+          <a:ln>
+            <a:noFill/>
+          </a:ln>
+        </p:spPr>
+        <p:style>
+          <a:lnRef idx="2">
+            <a:schemeClr val="accent1">
+              <a:shade val="50000"/>
+            </a:schemeClr>
+          </a:lnRef>
+          <a:fillRef idx="1">
+            <a:schemeClr val="accent1"/>
+          </a:fillRef>
+          <a:effectRef idx="0">
+            <a:schemeClr val="accent1"/>
+          </a:effectRef>
+          <a:fontRef idx="minor">
+            <a:schemeClr val="lt1"/>
+          </a:fontRef>
+        </p:style>
+        <p:txBody>
+          <a:bodyPr wrap="square" rtlCol="0" anchor="ctr">
+            <a:noAutofit/>
+          </a:bodyPr>
+          <a:lstStyle/>
+          <a:p>
+            <a:pPr algn="ctr"/>
+            <a:endParaRPr lang="en-US"/>
+          </a:p>
+        </p:txBody>
+      </p:sp>
+      <p:sp>
+        <p:nvSpPr>
+          <p:cNvPr id="2" name="Title 1">
+            <a:extLst>
+              <a:ext uri="{FF2B5EF4-FFF2-40B4-BE49-F238E27FC236}">
+                <a16:creationId xmlns:a16="http://schemas.microsoft.com/office/drawing/2014/main" id="{1512273D-98D3-B4CF-F601-6AE9C9977D1D}"/>
+              </a:ext>
+            </a:extLst>
+          </p:cNvPr>
+          <p:cNvSpPr>
+            <a:spLocks noGrp="1"/>
+          </p:cNvSpPr>
+          <p:nvPr>
+            <p:ph type="title"/>
+          </p:nvPr>
+        </p:nvSpPr>
+        <p:spPr>
+          <a:xfrm>
+            <a:off x="838200" y="365125"/>
+            <a:ext cx="10515600" cy="1325563"/>
+          </a:xfrm>
+        </p:spPr>
+        <p:txBody>
+          <a:bodyPr>
+            <a:normAutofit/>
+          </a:bodyPr>
+          <a:lstStyle/>
+          <a:p>
+            <a:r>
+              <a:rPr lang="en-US" dirty="0"/>
+              <a:t>Why </a:t>
+            </a:r>
+            <a:r>
+              <a:rPr lang="en-US" dirty="0" err="1"/>
+              <a:t>Dapr</a:t>
+            </a:r>
+            <a:r>
+              <a:rPr lang="en-US" dirty="0"/>
+              <a:t> ?</a:t>
+            </a:r>
+          </a:p>
+        </p:txBody>
+      </p:sp>
+      <p:sp>
+        <p:nvSpPr>
+          <p:cNvPr id="12" name="Arc 11">
+            <a:extLst>
+              <a:ext uri="{FF2B5EF4-FFF2-40B4-BE49-F238E27FC236}">
+                <a16:creationId xmlns:a16="http://schemas.microsoft.com/office/drawing/2014/main" id="{081E4A58-353D-44AE-B2FC-2A74E2E400F7}"/>
+              </a:ext>
+              <a:ext uri="{C183D7F6-B498-43B3-948B-1728B52AA6E4}">
+                <adec:decorative xmlns:adec="http://schemas.microsoft.com/office/drawing/2017/decorative" val="1"/>
+              </a:ext>
+            </a:extLst>
+          </p:cNvPr>
+          <p:cNvSpPr>
+            <a:spLocks noGrp="1" noRot="1" noChangeAspect="1" noMove="1" noResize="1" noEditPoints="1" noAdjustHandles="1" noChangeArrowheads="1" noChangeShapeType="1" noTextEdit="1"/>
+          </p:cNvSpPr>
+          <p:nvPr>
+            <p:extLst>
+              <p:ext uri="{386F3935-93C4-4BCD-93E2-E3B085C9AB24}">
+                <p16:designElem xmlns:p16="http://schemas.microsoft.com/office/powerpoint/2015/main" val="1"/>
+              </p:ext>
+            </p:extLst>
+          </p:nvPr>
+        </p:nvSpPr>
+        <p:spPr>
+          <a:xfrm rot="5400000" flipV="1">
+            <a:off x="555710" y="2183223"/>
+            <a:ext cx="4083433" cy="4083433"/>
+          </a:xfrm>
+          <a:prstGeom prst="arc">
+            <a:avLst/>
+          </a:prstGeom>
+          <a:ln w="127000" cap="rnd">
+            <a:solidFill>
+              <a:schemeClr val="accent4"/>
+            </a:solidFill>
+            <a:prstDash val="dash"/>
+          </a:ln>
+        </p:spPr>
+        <p:style>
+          <a:lnRef idx="1">
+            <a:schemeClr val="accent1"/>
+          </a:lnRef>
+          <a:fillRef idx="0">
+            <a:schemeClr val="accent1"/>
+          </a:fillRef>
+          <a:effectRef idx="0">
+            <a:schemeClr val="accent1"/>
+          </a:effectRef>
+          <a:fontRef idx="minor">
+            <a:schemeClr val="tx1"/>
+          </a:fontRef>
+        </p:style>
+        <p:txBody>
+          <a:bodyPr rtlCol="0" anchor="ctr"/>
+          <a:lstStyle/>
+          <a:p>
+            <a:pPr algn="ctr"/>
+            <a:endParaRPr lang="en-US" dirty="0"/>
+          </a:p>
+        </p:txBody>
+      </p:sp>
+      <p:sp>
+        <p:nvSpPr>
+          <p:cNvPr id="3" name="Content Placeholder 2">
+            <a:extLst>
+              <a:ext uri="{FF2B5EF4-FFF2-40B4-BE49-F238E27FC236}">
+                <a16:creationId xmlns:a16="http://schemas.microsoft.com/office/drawing/2014/main" id="{59707922-6E50-D3F6-E48A-94630990AAEC}"/>
+              </a:ext>
+            </a:extLst>
+          </p:cNvPr>
+          <p:cNvSpPr>
+            <a:spLocks noGrp="1"/>
+          </p:cNvSpPr>
+          <p:nvPr>
+            <p:ph idx="1"/>
+          </p:nvPr>
+        </p:nvSpPr>
+        <p:spPr>
+          <a:xfrm>
+            <a:off x="838200" y="1825625"/>
+            <a:ext cx="10515600" cy="4351338"/>
+          </a:xfrm>
+        </p:spPr>
+        <p:txBody>
+          <a:bodyPr>
+            <a:normAutofit/>
+          </a:bodyPr>
+          <a:lstStyle/>
+          <a:p>
+            <a:r>
+              <a:rPr lang="en-US" dirty="0"/>
+              <a:t>Challenges in implementing microservices implementation </a:t>
+            </a:r>
+          </a:p>
+          <a:p>
+            <a:pPr marL="0" indent="0">
+              <a:buNone/>
+            </a:pPr>
+            <a:endParaRPr lang="en-US" dirty="0"/>
+          </a:p>
+          <a:p>
+            <a:pPr lvl="1"/>
+            <a:r>
+              <a:rPr lang="en-US" dirty="0"/>
+              <a:t>Recovering state after failures </a:t>
+            </a:r>
+          </a:p>
+          <a:p>
+            <a:pPr lvl="1"/>
+            <a:r>
+              <a:rPr lang="en-US" dirty="0"/>
+              <a:t>Service discovery and calling other microservices </a:t>
+            </a:r>
+          </a:p>
+          <a:p>
+            <a:pPr lvl="1"/>
+            <a:r>
+              <a:rPr lang="en-US" dirty="0"/>
+              <a:t>Integration with external resources </a:t>
+            </a:r>
+          </a:p>
+          <a:p>
+            <a:pPr lvl="1"/>
+            <a:r>
+              <a:rPr lang="en-US" dirty="0"/>
+              <a:t>Async communication between diff services</a:t>
+            </a:r>
+          </a:p>
+          <a:p>
+            <a:pPr lvl="1"/>
+            <a:r>
+              <a:rPr lang="en-US" dirty="0"/>
+              <a:t>Distributed tracing </a:t>
+            </a:r>
+          </a:p>
+          <a:p>
+            <a:pPr lvl="1"/>
+            <a:r>
+              <a:rPr lang="en-US" dirty="0"/>
+              <a:t>Measuring message calls and performance across components and network services </a:t>
+            </a:r>
+          </a:p>
+          <a:p>
+            <a:pPr lvl="1"/>
+            <a:endParaRPr lang="en-US" dirty="0"/>
+          </a:p>
+        </p:txBody>
+      </p:sp>
+    </p:spTree>
+    <p:extLst>
+      <p:ext uri="{BB962C8B-B14F-4D97-AF65-F5344CB8AC3E}">
+        <p14:creationId xmlns:p14="http://schemas.microsoft.com/office/powerpoint/2010/main" val="678214991"/>
+      </p:ext>
+    </p:extLst>
+  </p:cSld>
+  <p:clrMapOvr>
+    <a:masterClrMapping/>
+  </p:clrMapOvr>
+</p:sld>
+</file>
+
+<file path=ppt/slides/slide14.xml><?xml version="1.0" encoding="utf-8"?>
+<p:sld xmlns:a="http://schemas.openxmlformats.org/drawingml/2006/main" xmlns:r="http://schemas.openxmlformats.org/officeDocument/2006/relationships" xmlns:p="http://schemas.openxmlformats.org/presentationml/2006/main">
+  <p:cSld>
+    <p:bg>
+      <p:bgPr>
+        <a:solidFill>
+          <a:schemeClr val="bg1"/>
+        </a:solidFill>
+        <a:effectLst/>
+      </p:bgPr>
+    </p:bg>
+    <p:spTree>
+      <p:nvGrpSpPr>
+        <p:cNvPr id="1" name=""/>
+        <p:cNvGrpSpPr/>
+        <p:nvPr/>
+      </p:nvGrpSpPr>
+      <p:grpSpPr>
+        <a:xfrm>
+          <a:off x="0" y="0"/>
+          <a:ext cx="0" cy="0"/>
+          <a:chOff x="0" y="0"/>
+          <a:chExt cx="0" cy="0"/>
+        </a:xfrm>
+      </p:grpSpPr>
+      <p:sp useBgFill="1">
+        <p:nvSpPr>
+          <p:cNvPr id="35" name="Rectangle 34">
+            <a:extLst>
+              <a:ext uri="{FF2B5EF4-FFF2-40B4-BE49-F238E27FC236}">
+                <a16:creationId xmlns:a16="http://schemas.microsoft.com/office/drawing/2014/main" id="{100EDD19-6802-4EC3-95CE-CFFAB042CFD6}"/>
+              </a:ext>
+              <a:ext uri="{C183D7F6-B498-43B3-948B-1728B52AA6E4}">
+                <adec:decorative xmlns:adec="http://schemas.microsoft.com/office/drawing/2017/decorative" val="1"/>
+              </a:ext>
+            </a:extLst>
+          </p:cNvPr>
+          <p:cNvSpPr>
+            <a:spLocks noGrp="1" noRot="1" noChangeAspect="1" noMove="1" noResize="1" noEditPoints="1" noAdjustHandles="1" noChangeArrowheads="1" noChangeShapeType="1" noTextEdit="1"/>
+          </p:cNvSpPr>
+          <p:nvPr>
+            <p:extLst>
+              <p:ext uri="{386F3935-93C4-4BCD-93E2-E3B085C9AB24}">
+                <p16:designElem xmlns:p16="http://schemas.microsoft.com/office/powerpoint/2015/main" val="1"/>
+              </p:ext>
+            </p:extLst>
+          </p:nvPr>
+        </p:nvSpPr>
+        <p:spPr>
+          <a:xfrm>
+            <a:off x="0" y="0"/>
+            <a:ext cx="12188952" cy="6858000"/>
+          </a:xfrm>
+          <a:prstGeom prst="rect">
+            <a:avLst/>
+          </a:prstGeom>
+          <a:ln>
+            <a:noFill/>
+          </a:ln>
+        </p:spPr>
+        <p:style>
+          <a:lnRef idx="2">
+            <a:schemeClr val="accent1">
+              <a:shade val="50000"/>
+            </a:schemeClr>
+          </a:lnRef>
+          <a:fillRef idx="1">
+            <a:schemeClr val="accent1"/>
+          </a:fillRef>
+          <a:effectRef idx="0">
+            <a:schemeClr val="accent1"/>
+          </a:effectRef>
+          <a:fontRef idx="minor">
+            <a:schemeClr val="lt1"/>
+          </a:fontRef>
+        </p:style>
+        <p:txBody>
+          <a:bodyPr rtlCol="0" anchor="ctr"/>
+          <a:lstStyle/>
+          <a:p>
+            <a:pPr algn="ctr"/>
+            <a:endParaRPr lang="en-US"/>
+          </a:p>
+        </p:txBody>
+      </p:sp>
+      <p:sp>
+        <p:nvSpPr>
+          <p:cNvPr id="2" name="Title 1">
+            <a:extLst>
+              <a:ext uri="{FF2B5EF4-FFF2-40B4-BE49-F238E27FC236}">
+                <a16:creationId xmlns:a16="http://schemas.microsoft.com/office/drawing/2014/main" id="{B45E2791-620A-98E4-CC91-A5DEAB1BF6BA}"/>
+              </a:ext>
+            </a:extLst>
+          </p:cNvPr>
+          <p:cNvSpPr>
+            <a:spLocks noGrp="1"/>
+          </p:cNvSpPr>
+          <p:nvPr>
+            <p:ph type="title"/>
+          </p:nvPr>
+        </p:nvSpPr>
+        <p:spPr>
+          <a:xfrm>
+            <a:off x="838200" y="365125"/>
+            <a:ext cx="10515600" cy="1325563"/>
+          </a:xfrm>
+        </p:spPr>
+        <p:txBody>
+          <a:bodyPr>
+            <a:normAutofit/>
+          </a:bodyPr>
+          <a:lstStyle/>
+          <a:p>
+            <a:r>
+              <a:rPr lang="en-US" sz="5400"/>
+              <a:t>What is Dapr</a:t>
+            </a:r>
+          </a:p>
+        </p:txBody>
+      </p:sp>
+      <p:sp>
+        <p:nvSpPr>
+          <p:cNvPr id="36" name="sketch line">
+            <a:extLst>
+              <a:ext uri="{FF2B5EF4-FFF2-40B4-BE49-F238E27FC236}">
+                <a16:creationId xmlns:a16="http://schemas.microsoft.com/office/drawing/2014/main" id="{DB17E863-922E-4C26-BD64-E8FD41D28661}"/>
+              </a:ext>
+              <a:ext uri="{C183D7F6-B498-43B3-948B-1728B52AA6E4}">
+                <adec:decorative xmlns:adec="http://schemas.microsoft.com/office/drawing/2017/decorative" val="1"/>
+              </a:ext>
+            </a:extLst>
+          </p:cNvPr>
+          <p:cNvSpPr>
+            <a:spLocks noGrp="1" noRot="1" noChangeAspect="1" noMove="1" noResize="1" noEditPoints="1" noAdjustHandles="1" noChangeArrowheads="1" noChangeShapeType="1" noTextEdit="1"/>
+          </p:cNvSpPr>
+          <p:nvPr>
+            <p:extLst>
+              <p:ext uri="{386F3935-93C4-4BCD-93E2-E3B085C9AB24}">
+                <p16:designElem xmlns:p16="http://schemas.microsoft.com/office/powerpoint/2015/main" val="1"/>
+              </p:ext>
+            </p:extLst>
+          </p:nvPr>
+        </p:nvSpPr>
+        <p:spPr>
+          <a:xfrm>
+            <a:off x="669036" y="1677373"/>
+            <a:ext cx="10853928" cy="18288"/>
+          </a:xfrm>
+          <a:custGeom>
+            <a:avLst/>
+            <a:gdLst>
+              <a:gd name="connsiteX0" fmla="*/ 0 w 10853928"/>
+              <a:gd name="connsiteY0" fmla="*/ 0 h 18288"/>
+              <a:gd name="connsiteX1" fmla="*/ 461292 w 10853928"/>
+              <a:gd name="connsiteY1" fmla="*/ 0 h 18288"/>
+              <a:gd name="connsiteX2" fmla="*/ 1139662 w 10853928"/>
+              <a:gd name="connsiteY2" fmla="*/ 0 h 18288"/>
+              <a:gd name="connsiteX3" fmla="*/ 1926572 w 10853928"/>
+              <a:gd name="connsiteY3" fmla="*/ 0 h 18288"/>
+              <a:gd name="connsiteX4" fmla="*/ 2279325 w 10853928"/>
+              <a:gd name="connsiteY4" fmla="*/ 0 h 18288"/>
+              <a:gd name="connsiteX5" fmla="*/ 2632078 w 10853928"/>
+              <a:gd name="connsiteY5" fmla="*/ 0 h 18288"/>
+              <a:gd name="connsiteX6" fmla="*/ 3527527 w 10853928"/>
+              <a:gd name="connsiteY6" fmla="*/ 0 h 18288"/>
+              <a:gd name="connsiteX7" fmla="*/ 4205897 w 10853928"/>
+              <a:gd name="connsiteY7" fmla="*/ 0 h 18288"/>
+              <a:gd name="connsiteX8" fmla="*/ 4558650 w 10853928"/>
+              <a:gd name="connsiteY8" fmla="*/ 0 h 18288"/>
+              <a:gd name="connsiteX9" fmla="*/ 5237020 w 10853928"/>
+              <a:gd name="connsiteY9" fmla="*/ 0 h 18288"/>
+              <a:gd name="connsiteX10" fmla="*/ 6132469 w 10853928"/>
+              <a:gd name="connsiteY10" fmla="*/ 0 h 18288"/>
+              <a:gd name="connsiteX11" fmla="*/ 6702301 w 10853928"/>
+              <a:gd name="connsiteY11" fmla="*/ 0 h 18288"/>
+              <a:gd name="connsiteX12" fmla="*/ 7272132 w 10853928"/>
+              <a:gd name="connsiteY12" fmla="*/ 0 h 18288"/>
+              <a:gd name="connsiteX13" fmla="*/ 7950502 w 10853928"/>
+              <a:gd name="connsiteY13" fmla="*/ 0 h 18288"/>
+              <a:gd name="connsiteX14" fmla="*/ 8737412 w 10853928"/>
+              <a:gd name="connsiteY14" fmla="*/ 0 h 18288"/>
+              <a:gd name="connsiteX15" fmla="*/ 9524322 w 10853928"/>
+              <a:gd name="connsiteY15" fmla="*/ 0 h 18288"/>
+              <a:gd name="connsiteX16" fmla="*/ 10853928 w 10853928"/>
+              <a:gd name="connsiteY16" fmla="*/ 0 h 18288"/>
+              <a:gd name="connsiteX17" fmla="*/ 10853928 w 10853928"/>
+              <a:gd name="connsiteY17" fmla="*/ 18288 h 18288"/>
+              <a:gd name="connsiteX18" fmla="*/ 10392636 w 10853928"/>
+              <a:gd name="connsiteY18" fmla="*/ 18288 h 18288"/>
+              <a:gd name="connsiteX19" fmla="*/ 9497187 w 10853928"/>
+              <a:gd name="connsiteY19" fmla="*/ 18288 h 18288"/>
+              <a:gd name="connsiteX20" fmla="*/ 8818817 w 10853928"/>
+              <a:gd name="connsiteY20" fmla="*/ 18288 h 18288"/>
+              <a:gd name="connsiteX21" fmla="*/ 8466064 w 10853928"/>
+              <a:gd name="connsiteY21" fmla="*/ 18288 h 18288"/>
+              <a:gd name="connsiteX22" fmla="*/ 7787693 w 10853928"/>
+              <a:gd name="connsiteY22" fmla="*/ 18288 h 18288"/>
+              <a:gd name="connsiteX23" fmla="*/ 7217862 w 10853928"/>
+              <a:gd name="connsiteY23" fmla="*/ 18288 h 18288"/>
+              <a:gd name="connsiteX24" fmla="*/ 6648031 w 10853928"/>
+              <a:gd name="connsiteY24" fmla="*/ 18288 h 18288"/>
+              <a:gd name="connsiteX25" fmla="*/ 6078200 w 10853928"/>
+              <a:gd name="connsiteY25" fmla="*/ 18288 h 18288"/>
+              <a:gd name="connsiteX26" fmla="*/ 5508368 w 10853928"/>
+              <a:gd name="connsiteY26" fmla="*/ 18288 h 18288"/>
+              <a:gd name="connsiteX27" fmla="*/ 4721459 w 10853928"/>
+              <a:gd name="connsiteY27" fmla="*/ 18288 h 18288"/>
+              <a:gd name="connsiteX28" fmla="*/ 4043088 w 10853928"/>
+              <a:gd name="connsiteY28" fmla="*/ 18288 h 18288"/>
+              <a:gd name="connsiteX29" fmla="*/ 3690336 w 10853928"/>
+              <a:gd name="connsiteY29" fmla="*/ 18288 h 18288"/>
+              <a:gd name="connsiteX30" fmla="*/ 3120504 w 10853928"/>
+              <a:gd name="connsiteY30" fmla="*/ 18288 h 18288"/>
+              <a:gd name="connsiteX31" fmla="*/ 2333595 w 10853928"/>
+              <a:gd name="connsiteY31" fmla="*/ 18288 h 18288"/>
+              <a:gd name="connsiteX32" fmla="*/ 1872303 w 10853928"/>
+              <a:gd name="connsiteY32" fmla="*/ 18288 h 18288"/>
+              <a:gd name="connsiteX33" fmla="*/ 976854 w 10853928"/>
+              <a:gd name="connsiteY33" fmla="*/ 18288 h 18288"/>
+              <a:gd name="connsiteX34" fmla="*/ 0 w 10853928"/>
+              <a:gd name="connsiteY34" fmla="*/ 18288 h 18288"/>
+              <a:gd name="connsiteX35" fmla="*/ 0 w 10853928"/>
+              <a:gd name="connsiteY35" fmla="*/ 0 h 18288"/>
+            </a:gdLst>
+            <a:ahLst/>
+            <a:cxnLst>
+              <a:cxn ang="0">
+                <a:pos x="connsiteX0" y="connsiteY0"/>
+              </a:cxn>
+              <a:cxn ang="0">
+                <a:pos x="connsiteX1" y="connsiteY1"/>
+              </a:cxn>
+              <a:cxn ang="0">
+                <a:pos x="connsiteX2" y="connsiteY2"/>
+              </a:cxn>
+              <a:cxn ang="0">
+                <a:pos x="connsiteX3" y="connsiteY3"/>
+              </a:cxn>
+              <a:cxn ang="0">
+                <a:pos x="connsiteX4" y="connsiteY4"/>
+              </a:cxn>
+              <a:cxn ang="0">
+                <a:pos x="connsiteX5" y="connsiteY5"/>
+              </a:cxn>
+              <a:cxn ang="0">
+                <a:pos x="connsiteX6" y="connsiteY6"/>
+              </a:cxn>
+              <a:cxn ang="0">
+                <a:pos x="connsiteX7" y="connsiteY7"/>
+              </a:cxn>
+              <a:cxn ang="0">
+                <a:pos x="connsiteX8" y="connsiteY8"/>
+              </a:cxn>
+              <a:cxn ang="0">
+                <a:pos x="connsiteX9" y="connsiteY9"/>
+              </a:cxn>
+              <a:cxn ang="0">
+                <a:pos x="connsiteX10" y="connsiteY10"/>
+              </a:cxn>
+              <a:cxn ang="0">
+                <a:pos x="connsiteX11" y="connsiteY11"/>
+              </a:cxn>
+              <a:cxn ang="0">
+                <a:pos x="connsiteX12" y="connsiteY12"/>
+              </a:cxn>
+              <a:cxn ang="0">
+                <a:pos x="connsiteX13" y="connsiteY13"/>
+              </a:cxn>
+              <a:cxn ang="0">
+                <a:pos x="connsiteX14" y="connsiteY14"/>
+              </a:cxn>
+              <a:cxn ang="0">
+                <a:pos x="connsiteX15" y="connsiteY15"/>
+              </a:cxn>
+              <a:cxn ang="0">
+                <a:pos x="connsiteX16" y="connsiteY16"/>
+              </a:cxn>
+              <a:cxn ang="0">
+                <a:pos x="connsiteX17" y="connsiteY17"/>
+              </a:cxn>
+              <a:cxn ang="0">
+                <a:pos x="connsiteX18" y="connsiteY18"/>
+              </a:cxn>
+              <a:cxn ang="0">
+                <a:pos x="connsiteX19" y="connsiteY19"/>
+              </a:cxn>
+              <a:cxn ang="0">
+                <a:pos x="connsiteX20" y="connsiteY20"/>
+              </a:cxn>
+              <a:cxn ang="0">
+                <a:pos x="connsiteX21" y="connsiteY21"/>
+              </a:cxn>
+              <a:cxn ang="0">
+                <a:pos x="connsiteX22" y="connsiteY22"/>
+              </a:cxn>
+              <a:cxn ang="0">
+                <a:pos x="connsiteX23" y="connsiteY23"/>
+              </a:cxn>
+              <a:cxn ang="0">
+                <a:pos x="connsiteX24" y="connsiteY24"/>
+              </a:cxn>
+              <a:cxn ang="0">
+                <a:pos x="connsiteX25" y="connsiteY25"/>
+              </a:cxn>
+              <a:cxn ang="0">
+                <a:pos x="connsiteX26" y="connsiteY26"/>
+              </a:cxn>
+              <a:cxn ang="0">
+                <a:pos x="connsiteX27" y="connsiteY27"/>
+              </a:cxn>
+              <a:cxn ang="0">
+                <a:pos x="connsiteX28" y="connsiteY28"/>
+              </a:cxn>
+              <a:cxn ang="0">
+                <a:pos x="connsiteX29" y="connsiteY29"/>
+              </a:cxn>
+              <a:cxn ang="0">
+                <a:pos x="connsiteX30" y="connsiteY30"/>
+              </a:cxn>
+              <a:cxn ang="0">
+                <a:pos x="connsiteX31" y="connsiteY31"/>
+              </a:cxn>
+              <a:cxn ang="0">
+                <a:pos x="connsiteX32" y="connsiteY32"/>
+              </a:cxn>
+              <a:cxn ang="0">
+                <a:pos x="connsiteX33" y="connsiteY33"/>
+              </a:cxn>
+              <a:cxn ang="0">
+                <a:pos x="connsiteX34" y="connsiteY34"/>
+              </a:cxn>
+              <a:cxn ang="0">
+                <a:pos x="connsiteX35" y="connsiteY35"/>
+              </a:cxn>
+            </a:cxnLst>
+            <a:rect l="l" t="t" r="r" b="b"/>
+            <a:pathLst>
+              <a:path w="10853928" h="18288" fill="none" extrusionOk="0">
+                <a:moveTo>
+                  <a:pt x="0" y="0"/>
+                </a:moveTo>
+                <a:cubicBezTo>
+                  <a:pt x="146993" y="-19076"/>
+                  <a:pt x="347684" y="-4790"/>
+                  <a:pt x="461292" y="0"/>
+                </a:cubicBezTo>
+                <a:cubicBezTo>
+                  <a:pt x="574900" y="4790"/>
+                  <a:pt x="808367" y="19821"/>
+                  <a:pt x="1139662" y="0"/>
+                </a:cubicBezTo>
+                <a:cubicBezTo>
+                  <a:pt x="1470957" y="-19821"/>
+                  <a:pt x="1627405" y="5721"/>
+                  <a:pt x="1926572" y="0"/>
+                </a:cubicBezTo>
+                <a:cubicBezTo>
+                  <a:pt x="2225739" y="-5721"/>
+                  <a:pt x="2137730" y="-3235"/>
+                  <a:pt x="2279325" y="0"/>
+                </a:cubicBezTo>
+                <a:cubicBezTo>
+                  <a:pt x="2420920" y="3235"/>
+                  <a:pt x="2456518" y="9685"/>
+                  <a:pt x="2632078" y="0"/>
+                </a:cubicBezTo>
+                <a:cubicBezTo>
+                  <a:pt x="2807638" y="-9685"/>
+                  <a:pt x="3211516" y="-43007"/>
+                  <a:pt x="3527527" y="0"/>
+                </a:cubicBezTo>
+                <a:cubicBezTo>
+                  <a:pt x="3843538" y="43007"/>
+                  <a:pt x="4058833" y="22042"/>
+                  <a:pt x="4205897" y="0"/>
+                </a:cubicBezTo>
+                <a:cubicBezTo>
+                  <a:pt x="4352961" y="-22042"/>
+                  <a:pt x="4474805" y="-11846"/>
+                  <a:pt x="4558650" y="0"/>
+                </a:cubicBezTo>
+                <a:cubicBezTo>
+                  <a:pt x="4642495" y="11846"/>
+                  <a:pt x="5041928" y="-6069"/>
+                  <a:pt x="5237020" y="0"/>
+                </a:cubicBezTo>
+                <a:cubicBezTo>
+                  <a:pt x="5432112" y="6069"/>
+                  <a:pt x="5943266" y="-17479"/>
+                  <a:pt x="6132469" y="0"/>
+                </a:cubicBezTo>
+                <a:cubicBezTo>
+                  <a:pt x="6321672" y="17479"/>
+                  <a:pt x="6483872" y="26234"/>
+                  <a:pt x="6702301" y="0"/>
+                </a:cubicBezTo>
+                <a:cubicBezTo>
+                  <a:pt x="6920730" y="-26234"/>
+                  <a:pt x="6991194" y="-15156"/>
+                  <a:pt x="7272132" y="0"/>
+                </a:cubicBezTo>
+                <a:cubicBezTo>
+                  <a:pt x="7553070" y="15156"/>
+                  <a:pt x="7684444" y="-32961"/>
+                  <a:pt x="7950502" y="0"/>
+                </a:cubicBezTo>
+                <a:cubicBezTo>
+                  <a:pt x="8216560" y="32961"/>
+                  <a:pt x="8493290" y="-10491"/>
+                  <a:pt x="8737412" y="0"/>
+                </a:cubicBezTo>
+                <a:cubicBezTo>
+                  <a:pt x="8981534" y="10491"/>
+                  <a:pt x="9191586" y="-13899"/>
+                  <a:pt x="9524322" y="0"/>
+                </a:cubicBezTo>
+                <a:cubicBezTo>
+                  <a:pt x="9857058" y="13899"/>
+                  <a:pt x="10297509" y="7485"/>
+                  <a:pt x="10853928" y="0"/>
+                </a:cubicBezTo>
+                <a:cubicBezTo>
+                  <a:pt x="10854574" y="4451"/>
+                  <a:pt x="10854418" y="9226"/>
+                  <a:pt x="10853928" y="18288"/>
+                </a:cubicBezTo>
+                <a:cubicBezTo>
+                  <a:pt x="10691638" y="28522"/>
+                  <a:pt x="10574319" y="29578"/>
+                  <a:pt x="10392636" y="18288"/>
+                </a:cubicBezTo>
+                <a:cubicBezTo>
+                  <a:pt x="10210953" y="6998"/>
+                  <a:pt x="9836277" y="-16742"/>
+                  <a:pt x="9497187" y="18288"/>
+                </a:cubicBezTo>
+                <a:cubicBezTo>
+                  <a:pt x="9158097" y="53318"/>
+                  <a:pt x="9119479" y="30714"/>
+                  <a:pt x="8818817" y="18288"/>
+                </a:cubicBezTo>
+                <a:cubicBezTo>
+                  <a:pt x="8518155" y="5863"/>
+                  <a:pt x="8640037" y="6483"/>
+                  <a:pt x="8466064" y="18288"/>
+                </a:cubicBezTo>
+                <a:cubicBezTo>
+                  <a:pt x="8292091" y="30093"/>
+                  <a:pt x="7997656" y="18914"/>
+                  <a:pt x="7787693" y="18288"/>
+                </a:cubicBezTo>
+                <a:cubicBezTo>
+                  <a:pt x="7577730" y="17662"/>
+                  <a:pt x="7412468" y="21416"/>
+                  <a:pt x="7217862" y="18288"/>
+                </a:cubicBezTo>
+                <a:cubicBezTo>
+                  <a:pt x="7023256" y="15160"/>
+                  <a:pt x="6898018" y="14824"/>
+                  <a:pt x="6648031" y="18288"/>
+                </a:cubicBezTo>
+                <a:cubicBezTo>
+                  <a:pt x="6398044" y="21752"/>
+                  <a:pt x="6254402" y="38625"/>
+                  <a:pt x="6078200" y="18288"/>
+                </a:cubicBezTo>
+                <a:cubicBezTo>
+                  <a:pt x="5901998" y="-2049"/>
+                  <a:pt x="5622886" y="3213"/>
+                  <a:pt x="5508368" y="18288"/>
+                </a:cubicBezTo>
+                <a:cubicBezTo>
+                  <a:pt x="5393850" y="33363"/>
+                  <a:pt x="5036260" y="26830"/>
+                  <a:pt x="4721459" y="18288"/>
+                </a:cubicBezTo>
+                <a:cubicBezTo>
+                  <a:pt x="4406658" y="9746"/>
+                  <a:pt x="4239221" y="41551"/>
+                  <a:pt x="4043088" y="18288"/>
+                </a:cubicBezTo>
+                <a:cubicBezTo>
+                  <a:pt x="3846955" y="-4975"/>
+                  <a:pt x="3818802" y="34658"/>
+                  <a:pt x="3690336" y="18288"/>
+                </a:cubicBezTo>
+                <a:cubicBezTo>
+                  <a:pt x="3561870" y="1918"/>
+                  <a:pt x="3265491" y="42194"/>
+                  <a:pt x="3120504" y="18288"/>
+                </a:cubicBezTo>
+                <a:cubicBezTo>
+                  <a:pt x="2975517" y="-5618"/>
+                  <a:pt x="2720254" y="36673"/>
+                  <a:pt x="2333595" y="18288"/>
+                </a:cubicBezTo>
+                <a:cubicBezTo>
+                  <a:pt x="1946936" y="-97"/>
+                  <a:pt x="2097241" y="5776"/>
+                  <a:pt x="1872303" y="18288"/>
+                </a:cubicBezTo>
+                <a:cubicBezTo>
+                  <a:pt x="1647365" y="30800"/>
+                  <a:pt x="1282708" y="45380"/>
+                  <a:pt x="976854" y="18288"/>
+                </a:cubicBezTo>
+                <a:cubicBezTo>
+                  <a:pt x="671000" y="-8804"/>
+                  <a:pt x="408401" y="-12775"/>
+                  <a:pt x="0" y="18288"/>
+                </a:cubicBezTo>
+                <a:cubicBezTo>
+                  <a:pt x="-213" y="9468"/>
+                  <a:pt x="187" y="4459"/>
+                  <a:pt x="0" y="0"/>
+                </a:cubicBezTo>
+                <a:close/>
+              </a:path>
+              <a:path w="10853928" h="18288" stroke="0" extrusionOk="0">
+                <a:moveTo>
+                  <a:pt x="0" y="0"/>
+                </a:moveTo>
+                <a:cubicBezTo>
+                  <a:pt x="267322" y="15284"/>
+                  <a:pt x="415388" y="-21048"/>
+                  <a:pt x="569831" y="0"/>
+                </a:cubicBezTo>
+                <a:cubicBezTo>
+                  <a:pt x="724274" y="21048"/>
+                  <a:pt x="769333" y="-2353"/>
+                  <a:pt x="922584" y="0"/>
+                </a:cubicBezTo>
+                <a:cubicBezTo>
+                  <a:pt x="1075835" y="2353"/>
+                  <a:pt x="1399490" y="-145"/>
+                  <a:pt x="1818033" y="0"/>
+                </a:cubicBezTo>
+                <a:cubicBezTo>
+                  <a:pt x="2236576" y="145"/>
+                  <a:pt x="2145330" y="5482"/>
+                  <a:pt x="2387864" y="0"/>
+                </a:cubicBezTo>
+                <a:cubicBezTo>
+                  <a:pt x="2630398" y="-5482"/>
+                  <a:pt x="2793207" y="18487"/>
+                  <a:pt x="2957695" y="0"/>
+                </a:cubicBezTo>
+                <a:cubicBezTo>
+                  <a:pt x="3122183" y="-18487"/>
+                  <a:pt x="3579141" y="19003"/>
+                  <a:pt x="3853144" y="0"/>
+                </a:cubicBezTo>
+                <a:cubicBezTo>
+                  <a:pt x="4127147" y="-19003"/>
+                  <a:pt x="4209857" y="12211"/>
+                  <a:pt x="4314436" y="0"/>
+                </a:cubicBezTo>
+                <a:cubicBezTo>
+                  <a:pt x="4419015" y="-12211"/>
+                  <a:pt x="4762459" y="-17220"/>
+                  <a:pt x="5209885" y="0"/>
+                </a:cubicBezTo>
+                <a:cubicBezTo>
+                  <a:pt x="5657311" y="17220"/>
+                  <a:pt x="5692663" y="-3290"/>
+                  <a:pt x="6105335" y="0"/>
+                </a:cubicBezTo>
+                <a:cubicBezTo>
+                  <a:pt x="6518007" y="3290"/>
+                  <a:pt x="6455516" y="-5124"/>
+                  <a:pt x="6783705" y="0"/>
+                </a:cubicBezTo>
+                <a:cubicBezTo>
+                  <a:pt x="7111894" y="5124"/>
+                  <a:pt x="7441941" y="-17829"/>
+                  <a:pt x="7679154" y="0"/>
+                </a:cubicBezTo>
+                <a:cubicBezTo>
+                  <a:pt x="7916367" y="17829"/>
+                  <a:pt x="8102967" y="-24363"/>
+                  <a:pt x="8248985" y="0"/>
+                </a:cubicBezTo>
+                <a:cubicBezTo>
+                  <a:pt x="8395003" y="24363"/>
+                  <a:pt x="8552393" y="25505"/>
+                  <a:pt x="8818817" y="0"/>
+                </a:cubicBezTo>
+                <a:cubicBezTo>
+                  <a:pt x="9085241" y="-25505"/>
+                  <a:pt x="9411308" y="38000"/>
+                  <a:pt x="9605726" y="0"/>
+                </a:cubicBezTo>
+                <a:cubicBezTo>
+                  <a:pt x="9800144" y="-38000"/>
+                  <a:pt x="10006468" y="-25741"/>
+                  <a:pt x="10175558" y="0"/>
+                </a:cubicBezTo>
+                <a:cubicBezTo>
+                  <a:pt x="10344648" y="25741"/>
+                  <a:pt x="10696282" y="695"/>
+                  <a:pt x="10853928" y="0"/>
+                </a:cubicBezTo>
+                <a:cubicBezTo>
+                  <a:pt x="10853521" y="8690"/>
+                  <a:pt x="10853774" y="14141"/>
+                  <a:pt x="10853928" y="18288"/>
+                </a:cubicBezTo>
+                <a:cubicBezTo>
+                  <a:pt x="10608124" y="24255"/>
+                  <a:pt x="10343415" y="22307"/>
+                  <a:pt x="10067018" y="18288"/>
+                </a:cubicBezTo>
+                <a:cubicBezTo>
+                  <a:pt x="9790621" y="14270"/>
+                  <a:pt x="9843266" y="3564"/>
+                  <a:pt x="9714266" y="18288"/>
+                </a:cubicBezTo>
+                <a:cubicBezTo>
+                  <a:pt x="9585266" y="33012"/>
+                  <a:pt x="9379484" y="1875"/>
+                  <a:pt x="9252974" y="18288"/>
+                </a:cubicBezTo>
+                <a:cubicBezTo>
+                  <a:pt x="9126464" y="34701"/>
+                  <a:pt x="8580678" y="-4904"/>
+                  <a:pt x="8357525" y="18288"/>
+                </a:cubicBezTo>
+                <a:cubicBezTo>
+                  <a:pt x="8134372" y="41480"/>
+                  <a:pt x="7903199" y="26458"/>
+                  <a:pt x="7679154" y="18288"/>
+                </a:cubicBezTo>
+                <a:cubicBezTo>
+                  <a:pt x="7455109" y="10118"/>
+                  <a:pt x="7435944" y="27109"/>
+                  <a:pt x="7217862" y="18288"/>
+                </a:cubicBezTo>
+                <a:cubicBezTo>
+                  <a:pt x="6999780" y="9467"/>
+                  <a:pt x="6680409" y="18985"/>
+                  <a:pt x="6539492" y="18288"/>
+                </a:cubicBezTo>
+                <a:cubicBezTo>
+                  <a:pt x="6398575" y="17592"/>
+                  <a:pt x="6312077" y="33018"/>
+                  <a:pt x="6186739" y="18288"/>
+                </a:cubicBezTo>
+                <a:cubicBezTo>
+                  <a:pt x="6061401" y="3558"/>
+                  <a:pt x="5947033" y="12075"/>
+                  <a:pt x="5833986" y="18288"/>
+                </a:cubicBezTo>
+                <a:cubicBezTo>
+                  <a:pt x="5720939" y="24501"/>
+                  <a:pt x="5482226" y="8586"/>
+                  <a:pt x="5155616" y="18288"/>
+                </a:cubicBezTo>
+                <a:cubicBezTo>
+                  <a:pt x="4829006" y="27991"/>
+                  <a:pt x="4841274" y="29316"/>
+                  <a:pt x="4694324" y="18288"/>
+                </a:cubicBezTo>
+                <a:cubicBezTo>
+                  <a:pt x="4547374" y="7260"/>
+                  <a:pt x="4077675" y="7013"/>
+                  <a:pt x="3907414" y="18288"/>
+                </a:cubicBezTo>
+                <a:cubicBezTo>
+                  <a:pt x="3737153" y="29564"/>
+                  <a:pt x="3538393" y="21630"/>
+                  <a:pt x="3446122" y="18288"/>
+                </a:cubicBezTo>
+                <a:cubicBezTo>
+                  <a:pt x="3353851" y="14946"/>
+                  <a:pt x="2990320" y="-8091"/>
+                  <a:pt x="2659212" y="18288"/>
+                </a:cubicBezTo>
+                <a:cubicBezTo>
+                  <a:pt x="2328104" y="44667"/>
+                  <a:pt x="2427653" y="9607"/>
+                  <a:pt x="2306460" y="18288"/>
+                </a:cubicBezTo>
+                <a:cubicBezTo>
+                  <a:pt x="2185267" y="26969"/>
+                  <a:pt x="1719763" y="3717"/>
+                  <a:pt x="1519550" y="18288"/>
+                </a:cubicBezTo>
+                <a:cubicBezTo>
+                  <a:pt x="1319337" y="32860"/>
+                  <a:pt x="1167371" y="17040"/>
+                  <a:pt x="1058258" y="18288"/>
+                </a:cubicBezTo>
+                <a:cubicBezTo>
+                  <a:pt x="949145" y="19536"/>
+                  <a:pt x="780234" y="31447"/>
+                  <a:pt x="705505" y="18288"/>
+                </a:cubicBezTo>
+                <a:cubicBezTo>
+                  <a:pt x="630776" y="5129"/>
+                  <a:pt x="215796" y="30056"/>
+                  <a:pt x="0" y="18288"/>
+                </a:cubicBezTo>
+                <a:cubicBezTo>
+                  <a:pt x="-53" y="11301"/>
+                  <a:pt x="-649" y="7756"/>
+                  <a:pt x="0" y="0"/>
+                </a:cubicBezTo>
+                <a:close/>
+              </a:path>
+            </a:pathLst>
+          </a:custGeom>
+          <a:solidFill>
+            <a:schemeClr val="accent2"/>
+          </a:solidFill>
+          <a:ln w="41275" cap="rnd">
+            <a:solidFill>
+              <a:schemeClr val="accent2"/>
+            </a:solidFill>
+            <a:round/>
+            <a:extLst>
+              <a:ext uri="{C807C97D-BFC1-408E-A445-0C87EB9F89A2}">
+                <ask:lineSketchStyleProps xmlns:ask="http://schemas.microsoft.com/office/drawing/2018/sketchyshapes" sd="1219033472">
+                  <a:prstGeom prst="rect">
+                    <a:avLst/>
+                  </a:prstGeom>
+                  <ask:type>
+                    <ask:lineSketchFreehand/>
+                  </ask:type>
+                </ask:lineSketchStyleProps>
+              </a:ext>
+            </a:extLst>
+          </a:ln>
+        </p:spPr>
+        <p:style>
+          <a:lnRef idx="2">
+            <a:schemeClr val="accent1">
+              <a:shade val="50000"/>
+            </a:schemeClr>
+          </a:lnRef>
+          <a:fillRef idx="1">
+            <a:schemeClr val="accent1"/>
+          </a:fillRef>
+          <a:effectRef idx="0">
+            <a:schemeClr val="accent1"/>
+          </a:effectRef>
+          <a:fontRef idx="minor">
+            <a:schemeClr val="lt1"/>
+          </a:fontRef>
+        </p:style>
+        <p:txBody>
+          <a:bodyPr rtlCol="0" anchor="ctr"/>
+          <a:lstStyle/>
+          <a:p>
+            <a:pPr algn="ctr"/>
+            <a:endParaRPr lang="en-US"/>
+          </a:p>
+        </p:txBody>
+      </p:sp>
+      <p:sp>
+        <p:nvSpPr>
+          <p:cNvPr id="3" name="Content Placeholder 2">
+            <a:extLst>
+              <a:ext uri="{FF2B5EF4-FFF2-40B4-BE49-F238E27FC236}">
+                <a16:creationId xmlns:a16="http://schemas.microsoft.com/office/drawing/2014/main" id="{B8F7347A-3797-AC2E-3D51-6A675665405D}"/>
+              </a:ext>
+            </a:extLst>
+          </p:cNvPr>
+          <p:cNvSpPr>
+            <a:spLocks noGrp="1"/>
+          </p:cNvSpPr>
+          <p:nvPr>
+            <p:ph idx="1"/>
+          </p:nvPr>
+        </p:nvSpPr>
+        <p:spPr>
+          <a:xfrm>
+            <a:off x="838200" y="1929384"/>
+            <a:ext cx="10515600" cy="4251960"/>
+          </a:xfrm>
+        </p:spPr>
+        <p:txBody>
+          <a:bodyPr>
+            <a:normAutofit/>
+          </a:bodyPr>
+          <a:lstStyle/>
+          <a:p>
+            <a:r>
+              <a:rPr lang="en-US" sz="2200" b="1" i="0" dirty="0">
+                <a:effectLst/>
+                <a:latin typeface="Ubuntu" panose="020F0502020204030204" pitchFamily="34" charset="0"/>
+              </a:rPr>
+              <a:t>Distributed Application Runtime.</a:t>
+            </a:r>
+          </a:p>
+          <a:p>
+            <a:endParaRPr lang="en-US" sz="2200" b="1" i="0" dirty="0">
+              <a:effectLst/>
+              <a:latin typeface="Ubuntu" panose="020F0502020204030204" pitchFamily="34" charset="0"/>
+            </a:endParaRPr>
+          </a:p>
+          <a:p>
+            <a:pPr lvl="1"/>
+            <a:r>
+              <a:rPr lang="en-US" sz="2200" b="1" dirty="0">
+                <a:latin typeface="Ubuntu" panose="020F0502020204030204" pitchFamily="34" charset="0"/>
+              </a:rPr>
+              <a:t>Can be used with any language </a:t>
+            </a:r>
+          </a:p>
+          <a:p>
+            <a:pPr marL="457200" lvl="1" indent="0">
+              <a:buNone/>
+            </a:pPr>
+            <a:endParaRPr lang="en-US" sz="2200" b="1" dirty="0">
+              <a:latin typeface="Ubuntu" panose="020F0502020204030204" pitchFamily="34" charset="0"/>
+            </a:endParaRPr>
+          </a:p>
+          <a:p>
+            <a:pPr lvl="1"/>
+            <a:r>
+              <a:rPr lang="en-US" sz="2200" b="1" dirty="0">
+                <a:latin typeface="Ubuntu" panose="020F0502020204030204" pitchFamily="34" charset="0"/>
+              </a:rPr>
+              <a:t>Can run on prem , k8s , any public cloud.</a:t>
+            </a:r>
+          </a:p>
+          <a:p>
+            <a:pPr lvl="1"/>
+            <a:endParaRPr lang="en-US" sz="2200" b="1" dirty="0">
+              <a:latin typeface="Ubuntu" panose="020F0502020204030204" pitchFamily="34" charset="0"/>
+            </a:endParaRPr>
+          </a:p>
+          <a:p>
+            <a:r>
+              <a:rPr lang="en-US" sz="2600" b="1" dirty="0">
+                <a:latin typeface="Ubuntu" panose="020F0502020204030204" pitchFamily="34" charset="0"/>
+              </a:rPr>
+              <a:t>Runs alongside the main service/app as a side car container when enabled.</a:t>
+            </a:r>
+            <a:endParaRPr lang="en-US" sz="2600" dirty="0"/>
+          </a:p>
+        </p:txBody>
+      </p:sp>
+    </p:spTree>
+    <p:extLst>
+      <p:ext uri="{BB962C8B-B14F-4D97-AF65-F5344CB8AC3E}">
+        <p14:creationId xmlns:p14="http://schemas.microsoft.com/office/powerpoint/2010/main" val="268644535"/>
+      </p:ext>
+    </p:extLst>
+  </p:cSld>
+  <p:clrMapOvr>
+    <a:masterClrMapping/>
+  </p:clrMapOvr>
+</p:sld>
+</file>
+
+<file path=ppt/slides/slide15.xml><?xml version="1.0" encoding="utf-8"?>
+<p:sld xmlns:a="http://schemas.openxmlformats.org/drawingml/2006/main" xmlns:r="http://schemas.openxmlformats.org/officeDocument/2006/relationships" xmlns:p="http://schemas.openxmlformats.org/presentationml/2006/main">
+  <p:cSld>
+    <p:bg>
+      <p:bgPr>
+        <a:solidFill>
+          <a:schemeClr val="bg1"/>
+        </a:solidFill>
+        <a:effectLst/>
+      </p:bgPr>
+    </p:bg>
+    <p:spTree>
+      <p:nvGrpSpPr>
+        <p:cNvPr id="1" name=""/>
+        <p:cNvGrpSpPr/>
+        <p:nvPr/>
+      </p:nvGrpSpPr>
+      <p:grpSpPr>
+        <a:xfrm>
+          <a:off x="0" y="0"/>
+          <a:ext cx="0" cy="0"/>
+          <a:chOff x="0" y="0"/>
+          <a:chExt cx="0" cy="0"/>
+        </a:xfrm>
+      </p:grpSpPr>
+      <p:sp useBgFill="1">
+        <p:nvSpPr>
+          <p:cNvPr id="2055" name="Rectangle 2054">
+            <a:extLst>
+              <a:ext uri="{FF2B5EF4-FFF2-40B4-BE49-F238E27FC236}">
+                <a16:creationId xmlns:a16="http://schemas.microsoft.com/office/drawing/2014/main" id="{66E48AFA-8884-4F68-A44F-D2C1E8609C5A}"/>
+              </a:ext>
+              <a:ext uri="{C183D7F6-B498-43B3-948B-1728B52AA6E4}">
+                <adec:decorative xmlns:adec="http://schemas.microsoft.com/office/drawing/2017/decorative" val="1"/>
+              </a:ext>
+            </a:extLst>
+          </p:cNvPr>
+          <p:cNvSpPr>
+            <a:spLocks noGrp="1" noRot="1" noChangeAspect="1" noMove="1" noResize="1" noEditPoints="1" noAdjustHandles="1" noChangeArrowheads="1" noChangeShapeType="1" noTextEdit="1"/>
+          </p:cNvSpPr>
+          <p:nvPr>
+            <p:extLst>
+              <p:ext uri="{386F3935-93C4-4BCD-93E2-E3B085C9AB24}">
+                <p16:designElem xmlns:p16="http://schemas.microsoft.com/office/powerpoint/2015/main" val="1"/>
+              </p:ext>
+            </p:extLst>
+          </p:nvPr>
+        </p:nvSpPr>
+        <p:spPr bwMode="white">
+          <a:xfrm>
+            <a:off x="0" y="0"/>
+            <a:ext cx="12192000" cy="6858000"/>
+          </a:xfrm>
+          <a:prstGeom prst="rect">
+            <a:avLst/>
+          </a:prstGeom>
+          <a:ln>
+            <a:noFill/>
+          </a:ln>
+        </p:spPr>
+        <p:style>
+          <a:lnRef idx="2">
+            <a:schemeClr val="accent1">
+              <a:shade val="50000"/>
+            </a:schemeClr>
+          </a:lnRef>
+          <a:fillRef idx="1">
+            <a:schemeClr val="accent1"/>
+          </a:fillRef>
+          <a:effectRef idx="0">
+            <a:schemeClr val="accent1"/>
+          </a:effectRef>
+          <a:fontRef idx="minor">
+            <a:schemeClr val="lt1"/>
+          </a:fontRef>
+        </p:style>
+        <p:txBody>
+          <a:bodyPr rtlCol="0" anchor="ctr"/>
+          <a:lstStyle>
+            <a:defPPr>
+              <a:defRPr lang="en-US"/>
+            </a:defPPr>
+            <a:lvl1pPr marL="0" algn="l" defTabSz="914400" rtl="0" eaLnBrk="1" latinLnBrk="0" hangingPunct="1">
+              <a:defRPr sz="1800" kern="1200">
+                <a:solidFill>
+                  <a:schemeClr val="lt1"/>
+                </a:solidFill>
+                <a:latin typeface="+mn-lt"/>
+                <a:ea typeface="+mn-ea"/>
+                <a:cs typeface="+mn-cs"/>
+              </a:defRPr>
+            </a:lvl1pPr>
+            <a:lvl2pPr marL="457200" algn="l" defTabSz="914400" rtl="0" eaLnBrk="1" latinLnBrk="0" hangingPunct="1">
+              <a:defRPr sz="1800" kern="1200">
+                <a:solidFill>
+                  <a:schemeClr val="lt1"/>
+                </a:solidFill>
+                <a:latin typeface="+mn-lt"/>
+                <a:ea typeface="+mn-ea"/>
+                <a:cs typeface="+mn-cs"/>
+              </a:defRPr>
+            </a:lvl2pPr>
+            <a:lvl3pPr marL="914400" algn="l" defTabSz="914400" rtl="0" eaLnBrk="1" latinLnBrk="0" hangingPunct="1">
+              <a:defRPr sz="1800" kern="1200">
+                <a:solidFill>
+                  <a:schemeClr val="lt1"/>
+                </a:solidFill>
+                <a:latin typeface="+mn-lt"/>
+                <a:ea typeface="+mn-ea"/>
+                <a:cs typeface="+mn-cs"/>
+              </a:defRPr>
+            </a:lvl3pPr>
+            <a:lvl4pPr marL="1371600" algn="l" defTabSz="914400" rtl="0" eaLnBrk="1" latinLnBrk="0" hangingPunct="1">
+              <a:defRPr sz="1800" kern="1200">
+                <a:solidFill>
+                  <a:schemeClr val="lt1"/>
+                </a:solidFill>
+                <a:latin typeface="+mn-lt"/>
+                <a:ea typeface="+mn-ea"/>
+                <a:cs typeface="+mn-cs"/>
+              </a:defRPr>
+            </a:lvl4pPr>
+            <a:lvl5pPr marL="1828800" algn="l" defTabSz="914400" rtl="0" eaLnBrk="1" latinLnBrk="0" hangingPunct="1">
+              <a:defRPr sz="1800" kern="1200">
+                <a:solidFill>
+                  <a:schemeClr val="lt1"/>
+                </a:solidFill>
+                <a:latin typeface="+mn-lt"/>
+                <a:ea typeface="+mn-ea"/>
+                <a:cs typeface="+mn-cs"/>
+              </a:defRPr>
+            </a:lvl5pPr>
+            <a:lvl6pPr marL="2286000" algn="l" defTabSz="914400" rtl="0" eaLnBrk="1" latinLnBrk="0" hangingPunct="1">
+              <a:defRPr sz="1800" kern="1200">
+                <a:solidFill>
+                  <a:schemeClr val="lt1"/>
+                </a:solidFill>
+                <a:latin typeface="+mn-lt"/>
+                <a:ea typeface="+mn-ea"/>
+                <a:cs typeface="+mn-cs"/>
+              </a:defRPr>
+            </a:lvl6pPr>
+            <a:lvl7pPr marL="2743200" algn="l" defTabSz="914400" rtl="0" eaLnBrk="1" latinLnBrk="0" hangingPunct="1">
+              <a:defRPr sz="1800" kern="1200">
+                <a:solidFill>
+                  <a:schemeClr val="lt1"/>
+                </a:solidFill>
+                <a:latin typeface="+mn-lt"/>
+                <a:ea typeface="+mn-ea"/>
+                <a:cs typeface="+mn-cs"/>
+              </a:defRPr>
+            </a:lvl7pPr>
+            <a:lvl8pPr marL="3200400" algn="l" defTabSz="914400" rtl="0" eaLnBrk="1" latinLnBrk="0" hangingPunct="1">
+              <a:defRPr sz="1800" kern="1200">
+                <a:solidFill>
+                  <a:schemeClr val="lt1"/>
+                </a:solidFill>
+                <a:latin typeface="+mn-lt"/>
+                <a:ea typeface="+mn-ea"/>
+                <a:cs typeface="+mn-cs"/>
+              </a:defRPr>
+            </a:lvl8pPr>
+            <a:lvl9pPr marL="3657600" algn="l" defTabSz="914400" rtl="0" eaLnBrk="1" latinLnBrk="0" hangingPunct="1">
+              <a:defRPr sz="1800" kern="1200">
+                <a:solidFill>
+                  <a:schemeClr val="lt1"/>
+                </a:solidFill>
+                <a:latin typeface="+mn-lt"/>
+                <a:ea typeface="+mn-ea"/>
+                <a:cs typeface="+mn-cs"/>
+              </a:defRPr>
+            </a:lvl9pPr>
+          </a:lstStyle>
+          <a:p>
+            <a:pPr algn="ctr"/>
+            <a:endParaRPr lang="en-US"/>
+          </a:p>
+        </p:txBody>
+      </p:sp>
+      <p:sp>
+        <p:nvSpPr>
+          <p:cNvPr id="2" name="Title 1">
+            <a:extLst>
+              <a:ext uri="{FF2B5EF4-FFF2-40B4-BE49-F238E27FC236}">
+                <a16:creationId xmlns:a16="http://schemas.microsoft.com/office/drawing/2014/main" id="{476CF417-FCF4-581E-9784-F0B223BF113A}"/>
+              </a:ext>
+            </a:extLst>
+          </p:cNvPr>
+          <p:cNvSpPr>
+            <a:spLocks noGrp="1"/>
+          </p:cNvSpPr>
+          <p:nvPr>
+            <p:ph type="title"/>
+          </p:nvPr>
+        </p:nvSpPr>
+        <p:spPr>
+          <a:xfrm>
+            <a:off x="838201" y="3998018"/>
+            <a:ext cx="3981854" cy="2216513"/>
+          </a:xfrm>
+        </p:spPr>
+        <p:txBody>
+          <a:bodyPr>
+            <a:normAutofit/>
+          </a:bodyPr>
+          <a:lstStyle/>
+          <a:p>
+            <a:r>
+              <a:rPr lang="en-US" b="1" dirty="0" err="1"/>
+              <a:t>Dapr</a:t>
+            </a:r>
+            <a:r>
+              <a:rPr lang="en-US" b="1" dirty="0"/>
+              <a:t> – Building blocks </a:t>
+            </a:r>
+          </a:p>
+        </p:txBody>
+      </p:sp>
+      <p:sp>
+        <p:nvSpPr>
+          <p:cNvPr id="2057" name="Arc 2056">
+            <a:extLst>
+              <a:ext uri="{FF2B5EF4-FFF2-40B4-BE49-F238E27FC236}">
+                <a16:creationId xmlns:a16="http://schemas.microsoft.com/office/drawing/2014/main" id="{969D19A6-08CB-498C-93EC-3FFB021FC68A}"/>
+              </a:ext>
+              <a:ext uri="{C183D7F6-B498-43B3-948B-1728B52AA6E4}">
+                <adec:decorative xmlns:adec="http://schemas.microsoft.com/office/drawing/2017/decorative" val="1"/>
+              </a:ext>
+            </a:extLst>
+          </p:cNvPr>
+          <p:cNvSpPr>
+            <a:spLocks noGrp="1" noRot="1" noChangeAspect="1" noMove="1" noResize="1" noEditPoints="1" noAdjustHandles="1" noChangeArrowheads="1" noChangeShapeType="1" noTextEdit="1"/>
+          </p:cNvSpPr>
+          <p:nvPr>
+            <p:extLst>
+              <p:ext uri="{386F3935-93C4-4BCD-93E2-E3B085C9AB24}">
+                <p16:designElem xmlns:p16="http://schemas.microsoft.com/office/powerpoint/2015/main" val="1"/>
+              </p:ext>
+            </p:extLst>
+          </p:nvPr>
+        </p:nvSpPr>
+        <p:spPr>
+          <a:xfrm rot="6269068">
+            <a:off x="8717845" y="3339275"/>
+            <a:ext cx="2987899" cy="2987899"/>
+          </a:xfrm>
+          <a:prstGeom prst="arc">
+            <a:avLst>
+              <a:gd name="adj1" fmla="val 14441841"/>
+              <a:gd name="adj2" fmla="val 0"/>
+            </a:avLst>
+          </a:prstGeom>
+          <a:ln w="127000" cap="rnd">
+            <a:solidFill>
+              <a:schemeClr val="accent4"/>
+            </a:solidFill>
+            <a:prstDash val="dash"/>
+            <a:miter lim="800000"/>
+          </a:ln>
+        </p:spPr>
+        <p:style>
+          <a:lnRef idx="1">
+            <a:schemeClr val="accent1"/>
+          </a:lnRef>
+          <a:fillRef idx="0">
+            <a:schemeClr val="accent1"/>
+          </a:fillRef>
+          <a:effectRef idx="0">
+            <a:schemeClr val="accent1"/>
+          </a:effectRef>
+          <a:fontRef idx="minor">
+            <a:schemeClr val="tx1"/>
+          </a:fontRef>
+        </p:style>
+        <p:txBody>
+          <a:bodyPr rtlCol="0" anchor="ctr"/>
+          <a:lstStyle/>
+          <a:p>
+            <a:pPr marL="0" marR="0" lvl="0" indent="0" algn="ctr" defTabSz="914400" rtl="0" eaLnBrk="1" fontAlgn="auto" latinLnBrk="0" hangingPunct="1">
+              <a:lnSpc>
+                <a:spcPct val="100000"/>
+              </a:lnSpc>
+              <a:spcBef>
+                <a:spcPts val="0"/>
+              </a:spcBef>
+              <a:spcAft>
+                <a:spcPts val="0"/>
+              </a:spcAft>
+              <a:buClrTx/>
+              <a:buSzTx/>
+              <a:buFontTx/>
+              <a:buNone/>
+              <a:tabLst/>
+              <a:defRPr/>
+            </a:pPr>
+            <a:endParaRPr kumimoji="0" lang="en-US" sz="1800" b="0" i="0" u="none" strike="noStrike" kern="1200" cap="none" spc="0" normalizeH="0" baseline="0" noProof="0">
+              <a:ln>
+                <a:noFill/>
+              </a:ln>
+              <a:solidFill>
+                <a:srgbClr val="000000"/>
+              </a:solidFill>
+              <a:effectLst/>
+              <a:uLnTx/>
+              <a:uFillTx/>
+              <a:latin typeface="Calibri" panose="020F0502020204030204"/>
+              <a:ea typeface="+mn-ea"/>
+              <a:cs typeface="+mn-cs"/>
+            </a:endParaRPr>
+          </a:p>
+        </p:txBody>
+      </p:sp>
+      <p:pic>
+        <p:nvPicPr>
+          <p:cNvPr id="2050" name="Picture 2" descr="Dapr Building Blocks">
+            <a:extLst>
+              <a:ext uri="{FF2B5EF4-FFF2-40B4-BE49-F238E27FC236}">
+                <a16:creationId xmlns:a16="http://schemas.microsoft.com/office/drawing/2014/main" id="{745C9287-7972-21DF-55EE-EA3E509D6E73}"/>
+              </a:ext>
+            </a:extLst>
+          </p:cNvPr>
+          <p:cNvPicPr>
+            <a:picLocks noChangeAspect="1" noChangeArrowheads="1"/>
+          </p:cNvPicPr>
+          <p:nvPr/>
+        </p:nvPicPr>
+        <p:blipFill>
+          <a:blip r:embed="rId3">
+            <a:extLst>
+              <a:ext uri="{28A0092B-C50C-407E-A947-70E740481C1C}">
+                <a14:useLocalDpi xmlns:a14="http://schemas.microsoft.com/office/drawing/2010/main" val="0"/>
+              </a:ext>
+            </a:extLst>
+          </a:blip>
+          <a:stretch>
+            <a:fillRect/>
+          </a:stretch>
+        </p:blipFill>
+        <p:spPr bwMode="auto">
+          <a:xfrm>
+            <a:off x="838201" y="704504"/>
+            <a:ext cx="10797208" cy="2957472"/>
+          </a:xfrm>
+          <a:custGeom>
+            <a:avLst/>
+            <a:gdLst/>
+            <a:ahLst/>
+            <a:cxnLst/>
+            <a:rect l="l" t="t" r="r" b="b"/>
+            <a:pathLst>
+              <a:path w="10580201" h="2957472">
+                <a:moveTo>
+                  <a:pt x="88961" y="0"/>
+                </a:moveTo>
+                <a:lnTo>
+                  <a:pt x="10491240" y="0"/>
+                </a:lnTo>
+                <a:cubicBezTo>
+                  <a:pt x="10540372" y="0"/>
+                  <a:pt x="10580201" y="39829"/>
+                  <a:pt x="10580201" y="88961"/>
+                </a:cubicBezTo>
+                <a:lnTo>
+                  <a:pt x="10580201" y="2868511"/>
+                </a:lnTo>
+                <a:cubicBezTo>
+                  <a:pt x="10580201" y="2917643"/>
+                  <a:pt x="10540372" y="2957472"/>
+                  <a:pt x="10491240" y="2957472"/>
+                </a:cubicBezTo>
+                <a:lnTo>
+                  <a:pt x="88961" y="2957472"/>
+                </a:lnTo>
+                <a:cubicBezTo>
+                  <a:pt x="39829" y="2957472"/>
+                  <a:pt x="0" y="2917643"/>
+                  <a:pt x="0" y="2868511"/>
+                </a:cubicBezTo>
+                <a:lnTo>
+                  <a:pt x="0" y="88961"/>
+                </a:lnTo>
+                <a:cubicBezTo>
+                  <a:pt x="0" y="39829"/>
+                  <a:pt x="39829" y="0"/>
+                  <a:pt x="88961" y="0"/>
+                </a:cubicBezTo>
+                <a:close/>
+              </a:path>
+            </a:pathLst>
+          </a:custGeom>
+          <a:noFill/>
+          <a:extLst>
+            <a:ext uri="{909E8E84-426E-40DD-AFC4-6F175D3DCCD1}">
+              <a14:hiddenFill xmlns:a14="http://schemas.microsoft.com/office/drawing/2010/main">
+                <a:solidFill>
+                  <a:srgbClr val="FFFFFF"/>
+                </a:solidFill>
+              </a14:hiddenFill>
+            </a:ext>
+          </a:extLst>
+        </p:spPr>
+      </p:pic>
+      <p:sp>
+        <p:nvSpPr>
+          <p:cNvPr id="3" name="Content Placeholder 2">
+            <a:extLst>
+              <a:ext uri="{FF2B5EF4-FFF2-40B4-BE49-F238E27FC236}">
+                <a16:creationId xmlns:a16="http://schemas.microsoft.com/office/drawing/2014/main" id="{359ECA00-0ACC-D978-3A9C-FE5AC1FE9BB6}"/>
+              </a:ext>
+            </a:extLst>
+          </p:cNvPr>
+          <p:cNvSpPr>
+            <a:spLocks noGrp="1"/>
+          </p:cNvSpPr>
+          <p:nvPr>
+            <p:ph idx="1"/>
+          </p:nvPr>
+        </p:nvSpPr>
+        <p:spPr>
+          <a:xfrm>
+            <a:off x="4545496" y="3998019"/>
+            <a:ext cx="7089913" cy="2216512"/>
+          </a:xfrm>
+        </p:spPr>
+        <p:txBody>
+          <a:bodyPr>
+            <a:normAutofit/>
+          </a:bodyPr>
+          <a:lstStyle/>
+          <a:p>
+            <a:r>
+              <a:rPr lang="en-US" sz="2000" dirty="0"/>
+              <a:t>A building block - </a:t>
+            </a:r>
+            <a:r>
+              <a:rPr lang="en-US" sz="2000" b="0" i="0" dirty="0">
+                <a:effectLst/>
+                <a:latin typeface="Ubuntu" panose="020B0504030602030204" pitchFamily="34" charset="0"/>
+              </a:rPr>
+              <a:t>modular component which encapsulates best practices and can be accessed over standard HTTP or gRPC APIs.</a:t>
+            </a:r>
+          </a:p>
+          <a:p>
+            <a:r>
+              <a:rPr lang="en-US" sz="2000" dirty="0">
+                <a:latin typeface="Ubuntu" panose="020B0504030602030204" pitchFamily="34" charset="0"/>
+              </a:rPr>
+              <a:t>Total 9 building blocks – all are exposed through public facing </a:t>
+            </a:r>
+            <a:r>
+              <a:rPr lang="en-US" sz="2000" dirty="0" err="1">
+                <a:latin typeface="Ubuntu" panose="020B0504030602030204" pitchFamily="34" charset="0"/>
+              </a:rPr>
+              <a:t>apis</a:t>
+            </a:r>
+            <a:r>
+              <a:rPr lang="en-US" sz="2000" dirty="0">
+                <a:latin typeface="Ubuntu" panose="020B0504030602030204" pitchFamily="34" charset="0"/>
+              </a:rPr>
+              <a:t> that can be called from your code and can be configured using components to implement the building block’s capability</a:t>
+            </a:r>
+            <a:endParaRPr lang="en-US" sz="2000" dirty="0"/>
+          </a:p>
+        </p:txBody>
+      </p:sp>
+    </p:spTree>
+    <p:extLst>
+      <p:ext uri="{BB962C8B-B14F-4D97-AF65-F5344CB8AC3E}">
+        <p14:creationId xmlns:p14="http://schemas.microsoft.com/office/powerpoint/2010/main" val="4252019348"/>
+      </p:ext>
+    </p:extLst>
+  </p:cSld>
+  <p:clrMapOvr>
+    <a:masterClrMapping/>
+  </p:clrMapOvr>
+</p:sld>
+</file>
+
+<file path=ppt/slides/slide16.xml><?xml version="1.0" encoding="utf-8"?>
+<p:sld xmlns:a="http://schemas.openxmlformats.org/drawingml/2006/main" xmlns:r="http://schemas.openxmlformats.org/officeDocument/2006/relationships" xmlns:p="http://schemas.openxmlformats.org/presentationml/2006/main">
+  <p:cSld>
+    <p:bg>
+      <p:bgPr>
+        <a:solidFill>
+          <a:schemeClr val="bg1"/>
+        </a:solidFill>
+        <a:effectLst/>
+      </p:bgPr>
+    </p:bg>
+    <p:spTree>
+      <p:nvGrpSpPr>
+        <p:cNvPr id="1" name=""/>
+        <p:cNvGrpSpPr/>
+        <p:nvPr/>
+      </p:nvGrpSpPr>
+      <p:grpSpPr>
+        <a:xfrm>
+          <a:off x="0" y="0"/>
+          <a:ext cx="0" cy="0"/>
+          <a:chOff x="0" y="0"/>
+          <a:chExt cx="0" cy="0"/>
+        </a:xfrm>
+      </p:grpSpPr>
+      <p:sp useBgFill="1">
+        <p:nvSpPr>
+          <p:cNvPr id="1036" name="Rectangle 1035">
+            <a:extLst>
+              <a:ext uri="{FF2B5EF4-FFF2-40B4-BE49-F238E27FC236}">
+                <a16:creationId xmlns:a16="http://schemas.microsoft.com/office/drawing/2014/main" id="{665DBBEF-238B-476B-96AB-8AAC3224ECEA}"/>
+              </a:ext>
+              <a:ext uri="{C183D7F6-B498-43B3-948B-1728B52AA6E4}">
+                <adec:decorative xmlns:adec="http://schemas.microsoft.com/office/drawing/2017/decorative" val="1"/>
+              </a:ext>
+            </a:extLst>
+          </p:cNvPr>
+          <p:cNvSpPr>
+            <a:spLocks noGrp="1" noRot="1" noChangeAspect="1" noMove="1" noResize="1" noEditPoints="1" noAdjustHandles="1" noChangeArrowheads="1" noChangeShapeType="1" noTextEdit="1"/>
+          </p:cNvSpPr>
+          <p:nvPr>
+            <p:extLst>
+              <p:ext uri="{386F3935-93C4-4BCD-93E2-E3B085C9AB24}">
+                <p16:designElem xmlns:p16="http://schemas.microsoft.com/office/powerpoint/2015/main" val="1"/>
+              </p:ext>
+            </p:extLst>
+          </p:nvPr>
+        </p:nvSpPr>
+        <p:spPr>
+          <a:xfrm>
+            <a:off x="0" y="0"/>
+            <a:ext cx="12192000" cy="6858000"/>
+          </a:xfrm>
+          <a:prstGeom prst="rect">
+            <a:avLst/>
+          </a:prstGeom>
+          <a:ln>
+            <a:noFill/>
+          </a:ln>
+        </p:spPr>
+        <p:style>
+          <a:lnRef idx="2">
+            <a:schemeClr val="accent1">
+              <a:shade val="50000"/>
+            </a:schemeClr>
+          </a:lnRef>
+          <a:fillRef idx="1">
+            <a:schemeClr val="accent1"/>
+          </a:fillRef>
+          <a:effectRef idx="0">
+            <a:schemeClr val="accent1"/>
+          </a:effectRef>
+          <a:fontRef idx="minor">
+            <a:schemeClr val="lt1"/>
+          </a:fontRef>
+        </p:style>
+        <p:txBody>
+          <a:bodyPr rtlCol="0" anchor="ctr"/>
+          <a:lstStyle/>
+          <a:p>
+            <a:pPr algn="ctr"/>
+            <a:endParaRPr lang="en-US"/>
+          </a:p>
+        </p:txBody>
+      </p:sp>
+      <p:sp>
+        <p:nvSpPr>
+          <p:cNvPr id="2" name="Title 1">
+            <a:extLst>
+              <a:ext uri="{FF2B5EF4-FFF2-40B4-BE49-F238E27FC236}">
+                <a16:creationId xmlns:a16="http://schemas.microsoft.com/office/drawing/2014/main" id="{7F2BDA29-059B-F09F-C51C-17A493D41C7E}"/>
+              </a:ext>
+            </a:extLst>
+          </p:cNvPr>
+          <p:cNvSpPr>
+            <a:spLocks noGrp="1"/>
+          </p:cNvSpPr>
+          <p:nvPr>
+            <p:ph type="title"/>
+          </p:nvPr>
+        </p:nvSpPr>
+        <p:spPr>
+          <a:xfrm>
+            <a:off x="638882" y="639193"/>
+            <a:ext cx="3571810" cy="3573516"/>
+          </a:xfrm>
+        </p:spPr>
+        <p:txBody>
+          <a:bodyPr vert="horz" lIns="91440" tIns="45720" rIns="91440" bIns="45720" rtlCol="0" anchor="b">
+            <a:normAutofit/>
+          </a:bodyPr>
+          <a:lstStyle/>
+          <a:p>
+            <a:r>
+              <a:rPr lang="en-US" sz="4600" kern="1200">
+                <a:solidFill>
+                  <a:schemeClr val="tx1"/>
+                </a:solidFill>
+                <a:latin typeface="+mj-lt"/>
+                <a:ea typeface="+mj-ea"/>
+                <a:cs typeface="+mj-cs"/>
+              </a:rPr>
+              <a:t>Dapr &amp; Microservices</a:t>
+            </a:r>
+          </a:p>
+        </p:txBody>
+      </p:sp>
+      <p:sp>
+        <p:nvSpPr>
+          <p:cNvPr id="1038" name="sketch line">
+            <a:extLst>
+              <a:ext uri="{FF2B5EF4-FFF2-40B4-BE49-F238E27FC236}">
+                <a16:creationId xmlns:a16="http://schemas.microsoft.com/office/drawing/2014/main" id="{3FCFB1DE-0B7E-48CC-BA90-B2AB0889F9D6}"/>
+              </a:ext>
+              <a:ext uri="{C183D7F6-B498-43B3-948B-1728B52AA6E4}">
+                <adec:decorative xmlns:adec="http://schemas.microsoft.com/office/drawing/2017/decorative" val="1"/>
+              </a:ext>
+            </a:extLst>
+          </p:cNvPr>
+          <p:cNvSpPr>
+            <a:spLocks noGrp="1" noRot="1" noChangeAspect="1" noMove="1" noResize="1" noEditPoints="1" noAdjustHandles="1" noChangeArrowheads="1" noChangeShapeType="1" noTextEdit="1"/>
+          </p:cNvSpPr>
+          <p:nvPr>
+            <p:extLst>
+              <p:ext uri="{386F3935-93C4-4BCD-93E2-E3B085C9AB24}">
+                <p16:designElem xmlns:p16="http://schemas.microsoft.com/office/powerpoint/2015/main" val="1"/>
+              </p:ext>
+            </p:extLst>
+          </p:nvPr>
+        </p:nvSpPr>
+        <p:spPr>
+          <a:xfrm>
+            <a:off x="643278" y="4409267"/>
+            <a:ext cx="3255095" cy="18288"/>
+          </a:xfrm>
+          <a:custGeom>
+            <a:avLst/>
+            <a:gdLst>
+              <a:gd name="connsiteX0" fmla="*/ 0 w 3255095"/>
+              <a:gd name="connsiteY0" fmla="*/ 0 h 18288"/>
+              <a:gd name="connsiteX1" fmla="*/ 618468 w 3255095"/>
+              <a:gd name="connsiteY1" fmla="*/ 0 h 18288"/>
+              <a:gd name="connsiteX2" fmla="*/ 1269487 w 3255095"/>
+              <a:gd name="connsiteY2" fmla="*/ 0 h 18288"/>
+              <a:gd name="connsiteX3" fmla="*/ 1953057 w 3255095"/>
+              <a:gd name="connsiteY3" fmla="*/ 0 h 18288"/>
+              <a:gd name="connsiteX4" fmla="*/ 2636627 w 3255095"/>
+              <a:gd name="connsiteY4" fmla="*/ 0 h 18288"/>
+              <a:gd name="connsiteX5" fmla="*/ 3255095 w 3255095"/>
+              <a:gd name="connsiteY5" fmla="*/ 0 h 18288"/>
+              <a:gd name="connsiteX6" fmla="*/ 3255095 w 3255095"/>
+              <a:gd name="connsiteY6" fmla="*/ 18288 h 18288"/>
+              <a:gd name="connsiteX7" fmla="*/ 2538974 w 3255095"/>
+              <a:gd name="connsiteY7" fmla="*/ 18288 h 18288"/>
+              <a:gd name="connsiteX8" fmla="*/ 1822853 w 3255095"/>
+              <a:gd name="connsiteY8" fmla="*/ 18288 h 18288"/>
+              <a:gd name="connsiteX9" fmla="*/ 1171834 w 3255095"/>
+              <a:gd name="connsiteY9" fmla="*/ 18288 h 18288"/>
+              <a:gd name="connsiteX10" fmla="*/ 0 w 3255095"/>
+              <a:gd name="connsiteY10" fmla="*/ 18288 h 18288"/>
+              <a:gd name="connsiteX11" fmla="*/ 0 w 3255095"/>
+              <a:gd name="connsiteY11" fmla="*/ 0 h 18288"/>
+            </a:gdLst>
+            <a:ahLst/>
+            <a:cxnLst>
+              <a:cxn ang="0">
+                <a:pos x="connsiteX0" y="connsiteY0"/>
+              </a:cxn>
+              <a:cxn ang="0">
+                <a:pos x="connsiteX1" y="connsiteY1"/>
+              </a:cxn>
+              <a:cxn ang="0">
+                <a:pos x="connsiteX2" y="connsiteY2"/>
+              </a:cxn>
+              <a:cxn ang="0">
+                <a:pos x="connsiteX3" y="connsiteY3"/>
+              </a:cxn>
+              <a:cxn ang="0">
+                <a:pos x="connsiteX4" y="connsiteY4"/>
+              </a:cxn>
+              <a:cxn ang="0">
+                <a:pos x="connsiteX5" y="connsiteY5"/>
+              </a:cxn>
+              <a:cxn ang="0">
+                <a:pos x="connsiteX6" y="connsiteY6"/>
+              </a:cxn>
+              <a:cxn ang="0">
+                <a:pos x="connsiteX7" y="connsiteY7"/>
+              </a:cxn>
+              <a:cxn ang="0">
+                <a:pos x="connsiteX8" y="connsiteY8"/>
+              </a:cxn>
+              <a:cxn ang="0">
+                <a:pos x="connsiteX9" y="connsiteY9"/>
+              </a:cxn>
+              <a:cxn ang="0">
+                <a:pos x="connsiteX10" y="connsiteY10"/>
+              </a:cxn>
+              <a:cxn ang="0">
+                <a:pos x="connsiteX11" y="connsiteY11"/>
+              </a:cxn>
+            </a:cxnLst>
+            <a:rect l="l" t="t" r="r" b="b"/>
+            <a:pathLst>
+              <a:path w="3255095" h="18288" fill="none" extrusionOk="0">
+                <a:moveTo>
+                  <a:pt x="0" y="0"/>
+                </a:moveTo>
+                <a:cubicBezTo>
+                  <a:pt x="240201" y="-22123"/>
+                  <a:pt x="462021" y="-19623"/>
+                  <a:pt x="618468" y="0"/>
+                </a:cubicBezTo>
+                <a:cubicBezTo>
+                  <a:pt x="774915" y="19623"/>
+                  <a:pt x="974734" y="2035"/>
+                  <a:pt x="1269487" y="0"/>
+                </a:cubicBezTo>
+                <a:cubicBezTo>
+                  <a:pt x="1564240" y="-2035"/>
+                  <a:pt x="1733579" y="10639"/>
+                  <a:pt x="1953057" y="0"/>
+                </a:cubicBezTo>
+                <a:cubicBezTo>
+                  <a:pt x="2172535" y="-10639"/>
+                  <a:pt x="2453962" y="14018"/>
+                  <a:pt x="2636627" y="0"/>
+                </a:cubicBezTo>
+                <a:cubicBezTo>
+                  <a:pt x="2819292" y="-14018"/>
+                  <a:pt x="3121375" y="5399"/>
+                  <a:pt x="3255095" y="0"/>
+                </a:cubicBezTo>
+                <a:cubicBezTo>
+                  <a:pt x="3254386" y="8157"/>
+                  <a:pt x="3254682" y="12125"/>
+                  <a:pt x="3255095" y="18288"/>
+                </a:cubicBezTo>
+                <a:cubicBezTo>
+                  <a:pt x="3088545" y="23203"/>
+                  <a:pt x="2687475" y="7419"/>
+                  <a:pt x="2538974" y="18288"/>
+                </a:cubicBezTo>
+                <a:cubicBezTo>
+                  <a:pt x="2390473" y="29157"/>
+                  <a:pt x="2137381" y="-8959"/>
+                  <a:pt x="1822853" y="18288"/>
+                </a:cubicBezTo>
+                <a:cubicBezTo>
+                  <a:pt x="1508325" y="45535"/>
+                  <a:pt x="1466437" y="20385"/>
+                  <a:pt x="1171834" y="18288"/>
+                </a:cubicBezTo>
+                <a:cubicBezTo>
+                  <a:pt x="877231" y="16191"/>
+                  <a:pt x="561097" y="37643"/>
+                  <a:pt x="0" y="18288"/>
+                </a:cubicBezTo>
+                <a:cubicBezTo>
+                  <a:pt x="-46" y="12483"/>
+                  <a:pt x="-203" y="6491"/>
+                  <a:pt x="0" y="0"/>
+                </a:cubicBezTo>
+                <a:close/>
+              </a:path>
+              <a:path w="3255095" h="18288" stroke="0" extrusionOk="0">
+                <a:moveTo>
+                  <a:pt x="0" y="0"/>
+                </a:moveTo>
+                <a:cubicBezTo>
+                  <a:pt x="291965" y="19429"/>
+                  <a:pt x="363155" y="8568"/>
+                  <a:pt x="618468" y="0"/>
+                </a:cubicBezTo>
+                <a:cubicBezTo>
+                  <a:pt x="873781" y="-8568"/>
+                  <a:pt x="904459" y="-19505"/>
+                  <a:pt x="1171834" y="0"/>
+                </a:cubicBezTo>
+                <a:cubicBezTo>
+                  <a:pt x="1439209" y="19505"/>
+                  <a:pt x="1744369" y="9790"/>
+                  <a:pt x="1887955" y="0"/>
+                </a:cubicBezTo>
+                <a:cubicBezTo>
+                  <a:pt x="2031541" y="-9790"/>
+                  <a:pt x="2346378" y="21240"/>
+                  <a:pt x="2506423" y="0"/>
+                </a:cubicBezTo>
+                <a:cubicBezTo>
+                  <a:pt x="2666468" y="-21240"/>
+                  <a:pt x="2990257" y="30414"/>
+                  <a:pt x="3255095" y="0"/>
+                </a:cubicBezTo>
+                <a:cubicBezTo>
+                  <a:pt x="3254831" y="4493"/>
+                  <a:pt x="3255479" y="9472"/>
+                  <a:pt x="3255095" y="18288"/>
+                </a:cubicBezTo>
+                <a:cubicBezTo>
+                  <a:pt x="3120743" y="16690"/>
+                  <a:pt x="2759628" y="42462"/>
+                  <a:pt x="2604076" y="18288"/>
+                </a:cubicBezTo>
+                <a:cubicBezTo>
+                  <a:pt x="2448524" y="-5886"/>
+                  <a:pt x="2184336" y="19599"/>
+                  <a:pt x="1887955" y="18288"/>
+                </a:cubicBezTo>
+                <a:cubicBezTo>
+                  <a:pt x="1591574" y="16977"/>
+                  <a:pt x="1548845" y="6870"/>
+                  <a:pt x="1334589" y="18288"/>
+                </a:cubicBezTo>
+                <a:cubicBezTo>
+                  <a:pt x="1120333" y="29706"/>
+                  <a:pt x="996014" y="9662"/>
+                  <a:pt x="683570" y="18288"/>
+                </a:cubicBezTo>
+                <a:cubicBezTo>
+                  <a:pt x="371126" y="26914"/>
+                  <a:pt x="198687" y="16167"/>
+                  <a:pt x="0" y="18288"/>
+                </a:cubicBezTo>
+                <a:cubicBezTo>
+                  <a:pt x="843" y="9577"/>
+                  <a:pt x="371" y="6900"/>
+                  <a:pt x="0" y="0"/>
+                </a:cubicBezTo>
+                <a:close/>
+              </a:path>
+            </a:pathLst>
+          </a:custGeom>
+          <a:solidFill>
+            <a:schemeClr val="accent2"/>
+          </a:solidFill>
+          <a:ln w="38100" cap="rnd">
+            <a:solidFill>
+              <a:schemeClr val="accent2"/>
+            </a:solidFill>
+            <a:round/>
+            <a:extLst>
+              <a:ext uri="{C807C97D-BFC1-408E-A445-0C87EB9F89A2}">
+                <ask:lineSketchStyleProps xmlns:ask="http://schemas.microsoft.com/office/drawing/2018/sketchyshapes" sd="1219033472">
+                  <a:prstGeom prst="rect">
+                    <a:avLst/>
+                  </a:prstGeom>
+                  <ask:type>
+                    <ask:lineSketchFreehand/>
+                  </ask:type>
+                </ask:lineSketchStyleProps>
+              </a:ext>
+            </a:extLst>
+          </a:ln>
+        </p:spPr>
+        <p:style>
+          <a:lnRef idx="2">
+            <a:schemeClr val="accent1">
+              <a:shade val="50000"/>
+            </a:schemeClr>
+          </a:lnRef>
+          <a:fillRef idx="1">
+            <a:schemeClr val="accent1"/>
+          </a:fillRef>
+          <a:effectRef idx="0">
+            <a:schemeClr val="accent1"/>
+          </a:effectRef>
+          <a:fontRef idx="minor">
+            <a:schemeClr val="lt1"/>
+          </a:fontRef>
+        </p:style>
+        <p:txBody>
+          <a:bodyPr rtlCol="0" anchor="ctr"/>
+          <a:lstStyle/>
+          <a:p>
+            <a:pPr algn="ctr"/>
+            <a:endParaRPr lang="en-US"/>
+          </a:p>
+        </p:txBody>
+      </p:sp>
+      <p:pic>
+        <p:nvPicPr>
+          <p:cNvPr id="1026" name="Picture 2" descr="Dapr SideCar">
+            <a:extLst>
+              <a:ext uri="{FF2B5EF4-FFF2-40B4-BE49-F238E27FC236}">
+                <a16:creationId xmlns:a16="http://schemas.microsoft.com/office/drawing/2014/main" id="{3BE3C75A-695A-B47D-BFF5-AEAC34E69B99}"/>
+              </a:ext>
+            </a:extLst>
+          </p:cNvPr>
+          <p:cNvPicPr>
+            <a:picLocks noChangeAspect="1" noChangeArrowheads="1"/>
+          </p:cNvPicPr>
+          <p:nvPr/>
+        </p:nvPicPr>
+        <p:blipFill>
+          <a:blip r:embed="rId3">
+            <a:extLst>
+              <a:ext uri="{28A0092B-C50C-407E-A947-70E740481C1C}">
+                <a14:useLocalDpi xmlns:a14="http://schemas.microsoft.com/office/drawing/2010/main" val="0"/>
+              </a:ext>
+            </a:extLst>
+          </a:blip>
+          <a:stretch>
+            <a:fillRect/>
+          </a:stretch>
+        </p:blipFill>
+        <p:spPr bwMode="auto">
+          <a:xfrm>
+            <a:off x="4399722" y="640080"/>
+            <a:ext cx="7205501" cy="5550408"/>
+          </a:xfrm>
+          <a:prstGeom prst="rect">
+            <a:avLst/>
+          </a:prstGeom>
+          <a:noFill/>
+          <a:extLst>
+            <a:ext uri="{909E8E84-426E-40DD-AFC4-6F175D3DCCD1}">
+              <a14:hiddenFill xmlns:a14="http://schemas.microsoft.com/office/drawing/2010/main">
+                <a:solidFill>
+                  <a:srgbClr val="FFFFFF"/>
+                </a:solidFill>
+              </a14:hiddenFill>
+            </a:ext>
+          </a:extLst>
+        </p:spPr>
+      </p:pic>
+    </p:spTree>
+    <p:extLst>
+      <p:ext uri="{BB962C8B-B14F-4D97-AF65-F5344CB8AC3E}">
+        <p14:creationId xmlns:p14="http://schemas.microsoft.com/office/powerpoint/2010/main" val="1030217538"/>
+      </p:ext>
+    </p:extLst>
+  </p:cSld>
+  <p:clrMapOvr>
+    <a:masterClrMapping/>
+  </p:clrMapOvr>
+</p:sld>
+</file>
+
+<file path=ppt/slides/slide17.xml><?xml version="1.0" encoding="utf-8"?>
+<p:sld xmlns:a="http://schemas.openxmlformats.org/drawingml/2006/main" xmlns:r="http://schemas.openxmlformats.org/officeDocument/2006/relationships" xmlns:p="http://schemas.openxmlformats.org/presentationml/2006/main">
+  <p:cSld>
+    <p:spTree>
+      <p:nvGrpSpPr>
+        <p:cNvPr id="1" name=""/>
+        <p:cNvGrpSpPr/>
+        <p:nvPr/>
+      </p:nvGrpSpPr>
+      <p:grpSpPr>
+        <a:xfrm>
+          <a:off x="0" y="0"/>
+          <a:ext cx="0" cy="0"/>
+          <a:chOff x="0" y="0"/>
+          <a:chExt cx="0" cy="0"/>
+        </a:xfrm>
+      </p:grpSpPr>
+      <p:sp>
+        <p:nvSpPr>
+          <p:cNvPr id="2" name="Title 1">
+            <a:extLst>
+              <a:ext uri="{FF2B5EF4-FFF2-40B4-BE49-F238E27FC236}">
+                <a16:creationId xmlns:a16="http://schemas.microsoft.com/office/drawing/2014/main" id="{505E02C9-3D92-9D78-858F-EF38D429F93B}"/>
+              </a:ext>
+            </a:extLst>
+          </p:cNvPr>
+          <p:cNvSpPr>
+            <a:spLocks noGrp="1"/>
+          </p:cNvSpPr>
+          <p:nvPr>
+            <p:ph type="title"/>
+          </p:nvPr>
+        </p:nvSpPr>
+        <p:spPr/>
+        <p:txBody>
+          <a:bodyPr/>
+          <a:lstStyle/>
+          <a:p>
+            <a:r>
+              <a:rPr lang="en-US" dirty="0"/>
+              <a:t>Service To Service Calls</a:t>
+            </a:r>
+          </a:p>
+        </p:txBody>
+      </p:sp>
+      <p:sp>
+        <p:nvSpPr>
+          <p:cNvPr id="3" name="Content Placeholder 2">
+            <a:extLst>
+              <a:ext uri="{FF2B5EF4-FFF2-40B4-BE49-F238E27FC236}">
+                <a16:creationId xmlns:a16="http://schemas.microsoft.com/office/drawing/2014/main" id="{C3F31F7E-AC6D-93C0-451F-1E8ED0B25542}"/>
+              </a:ext>
+            </a:extLst>
+          </p:cNvPr>
+          <p:cNvSpPr>
+            <a:spLocks noGrp="1"/>
+          </p:cNvSpPr>
+          <p:nvPr>
+            <p:ph idx="1"/>
+          </p:nvPr>
+        </p:nvSpPr>
+        <p:spPr>
+          <a:xfrm>
+            <a:off x="838200" y="1258958"/>
+            <a:ext cx="10889974" cy="5433390"/>
+          </a:xfrm>
+        </p:spPr>
+        <p:txBody>
+          <a:bodyPr>
+            <a:normAutofit lnSpcReduction="10000"/>
+          </a:bodyPr>
+          <a:lstStyle/>
+          <a:p>
+            <a:pPr algn="l"/>
+            <a:r>
+              <a:rPr lang="en-US" b="0" i="0" dirty="0">
+                <a:effectLst/>
+                <a:latin typeface="Ubuntu" panose="020B0504030602030204" pitchFamily="34" charset="0"/>
+              </a:rPr>
+              <a:t>The SDK offers developers three ways of making remote service invocation calls:</a:t>
+            </a:r>
+          </a:p>
+          <a:p>
+            <a:pPr algn="l">
+              <a:buFont typeface="+mj-lt"/>
+              <a:buAutoNum type="arabicPeriod"/>
+            </a:pPr>
+            <a:r>
+              <a:rPr lang="en-US" b="0" i="0" dirty="0">
+                <a:effectLst/>
+                <a:latin typeface="Ubuntu" panose="020B0504030602030204" pitchFamily="34" charset="0"/>
+              </a:rPr>
+              <a:t>Invoke HTTP services using </a:t>
+            </a:r>
+            <a:r>
+              <a:rPr lang="en-US" b="0" i="0" dirty="0" err="1">
+                <a:effectLst/>
+                <a:latin typeface="Ubuntu" panose="020B0504030602030204" pitchFamily="34" charset="0"/>
+              </a:rPr>
+              <a:t>HttpClient</a:t>
+            </a:r>
+            <a:endParaRPr lang="en-US" b="0" i="0" dirty="0">
+              <a:effectLst/>
+              <a:latin typeface="Ubuntu" panose="020B0504030602030204" pitchFamily="34" charset="0"/>
+            </a:endParaRPr>
+          </a:p>
+          <a:p>
+            <a:pPr algn="l">
+              <a:buFont typeface="+mj-lt"/>
+              <a:buAutoNum type="arabicPeriod"/>
+            </a:pPr>
+            <a:r>
+              <a:rPr lang="en-US" b="0" i="0" dirty="0">
+                <a:effectLst/>
+                <a:latin typeface="Ubuntu" panose="020B0504030602030204" pitchFamily="34" charset="0"/>
+              </a:rPr>
+              <a:t>Invoke HTTP services using </a:t>
+            </a:r>
+            <a:r>
+              <a:rPr lang="en-US" b="0" i="0" dirty="0" err="1">
+                <a:effectLst/>
+                <a:latin typeface="Ubuntu" panose="020B0504030602030204" pitchFamily="34" charset="0"/>
+              </a:rPr>
+              <a:t>DaprClient</a:t>
+            </a:r>
+            <a:endParaRPr lang="en-US" b="0" i="0" dirty="0">
+              <a:effectLst/>
+              <a:latin typeface="Ubuntu" panose="020B0504030602030204" pitchFamily="34" charset="0"/>
+            </a:endParaRPr>
+          </a:p>
+          <a:p>
+            <a:pPr algn="l">
+              <a:buFont typeface="+mj-lt"/>
+              <a:buAutoNum type="arabicPeriod"/>
+            </a:pPr>
+            <a:r>
+              <a:rPr lang="en-US" b="0" i="0" dirty="0">
+                <a:effectLst/>
+                <a:latin typeface="Ubuntu" panose="020B0504030602030204" pitchFamily="34" charset="0"/>
+              </a:rPr>
+              <a:t>Invoke </a:t>
+            </a:r>
+            <a:r>
+              <a:rPr lang="en-US" b="0" i="0" dirty="0" err="1">
+                <a:effectLst/>
+                <a:latin typeface="Ubuntu" panose="020B0504030602030204" pitchFamily="34" charset="0"/>
+              </a:rPr>
+              <a:t>gRPC</a:t>
+            </a:r>
+            <a:r>
+              <a:rPr lang="en-US" b="0" i="0" dirty="0">
+                <a:effectLst/>
+                <a:latin typeface="Ubuntu" panose="020B0504030602030204" pitchFamily="34" charset="0"/>
+              </a:rPr>
+              <a:t> services using </a:t>
+            </a:r>
+            <a:r>
+              <a:rPr lang="en-US" b="0" i="0" dirty="0" err="1">
+                <a:effectLst/>
+                <a:latin typeface="Ubuntu" panose="020B0504030602030204" pitchFamily="34" charset="0"/>
+              </a:rPr>
+              <a:t>DaprClient</a:t>
+            </a:r>
+            <a:endParaRPr lang="en-US" b="0" i="0" dirty="0">
+              <a:effectLst/>
+              <a:latin typeface="Ubuntu" panose="020B0504030602030204" pitchFamily="34" charset="0"/>
+            </a:endParaRPr>
+          </a:p>
+          <a:p>
+            <a:pPr marL="0" indent="0" algn="l">
+              <a:buNone/>
+            </a:pPr>
+            <a:endParaRPr lang="en-US" b="0" i="0" dirty="0">
+              <a:effectLst/>
+              <a:latin typeface="Ubuntu" panose="020B0504030602030204" pitchFamily="34" charset="0"/>
+            </a:endParaRPr>
+          </a:p>
+          <a:p>
+            <a:r>
+              <a:rPr lang="en-US" sz="1200" b="0" i="0" dirty="0">
+                <a:solidFill>
+                  <a:srgbClr val="36464E"/>
+                </a:solidFill>
+                <a:effectLst/>
+                <a:latin typeface="Roboto Mono" panose="020F0502020204030204" pitchFamily="49" charset="0"/>
+              </a:rPr>
+              <a:t>&lt;</a:t>
+            </a:r>
+            <a:r>
+              <a:rPr lang="en-US" sz="1200" b="0" i="0" dirty="0" err="1">
+                <a:solidFill>
+                  <a:srgbClr val="36464E"/>
+                </a:solidFill>
+                <a:effectLst/>
+                <a:latin typeface="Roboto Mono" panose="020F0502020204030204" pitchFamily="49" charset="0"/>
+              </a:rPr>
+              <a:t>ItemGroup</a:t>
+            </a:r>
+            <a:r>
+              <a:rPr lang="en-US" sz="1200" b="0" i="0" dirty="0">
+                <a:solidFill>
+                  <a:srgbClr val="36464E"/>
+                </a:solidFill>
+                <a:effectLst/>
+                <a:latin typeface="Roboto Mono" panose="020F0502020204030204" pitchFamily="49" charset="0"/>
+              </a:rPr>
+              <a:t>&gt; &lt;</a:t>
+            </a:r>
+            <a:r>
+              <a:rPr lang="en-US" sz="1200" b="0" i="0" dirty="0" err="1">
+                <a:solidFill>
+                  <a:srgbClr val="36464E"/>
+                </a:solidFill>
+                <a:effectLst/>
+                <a:latin typeface="Roboto Mono" panose="020F0502020204030204" pitchFamily="49" charset="0"/>
+              </a:rPr>
+              <a:t>PackageReference</a:t>
+            </a:r>
+            <a:r>
+              <a:rPr lang="en-US" sz="1200" b="0" i="0" dirty="0">
+                <a:solidFill>
+                  <a:srgbClr val="36464E"/>
+                </a:solidFill>
+                <a:effectLst/>
+                <a:latin typeface="Roboto Mono" panose="020F0502020204030204" pitchFamily="49" charset="0"/>
+              </a:rPr>
+              <a:t> Include="</a:t>
+            </a:r>
+            <a:r>
+              <a:rPr lang="en-US" sz="1200" b="0" i="0" dirty="0" err="1">
+                <a:solidFill>
+                  <a:srgbClr val="36464E"/>
+                </a:solidFill>
+                <a:effectLst/>
+                <a:latin typeface="Roboto Mono" panose="020F0502020204030204" pitchFamily="49" charset="0"/>
+              </a:rPr>
+              <a:t>Dapr.AspNetCore</a:t>
+            </a:r>
+            <a:r>
+              <a:rPr lang="en-US" sz="1200" b="0" i="0" dirty="0">
+                <a:solidFill>
+                  <a:srgbClr val="36464E"/>
+                </a:solidFill>
+                <a:effectLst/>
+                <a:latin typeface="Roboto Mono" panose="020F0502020204030204" pitchFamily="49" charset="0"/>
+              </a:rPr>
+              <a:t>" Version="1.12.0" /&gt;&lt;/</a:t>
+            </a:r>
+            <a:r>
+              <a:rPr lang="en-US" sz="1200" b="0" i="0" dirty="0" err="1">
+                <a:solidFill>
+                  <a:srgbClr val="36464E"/>
+                </a:solidFill>
+                <a:effectLst/>
+                <a:latin typeface="Roboto Mono" panose="020F0502020204030204" pitchFamily="49" charset="0"/>
+              </a:rPr>
+              <a:t>ItemGroup</a:t>
+            </a:r>
+            <a:r>
+              <a:rPr lang="en-US" sz="1200" b="0" i="0" dirty="0">
+                <a:solidFill>
+                  <a:srgbClr val="36464E"/>
+                </a:solidFill>
+                <a:effectLst/>
+                <a:latin typeface="Roboto Mono" panose="020F0502020204030204" pitchFamily="49" charset="0"/>
+              </a:rPr>
+              <a:t>&gt;        (CSPROJ)</a:t>
+            </a:r>
+          </a:p>
+          <a:p>
+            <a:endParaRPr lang="en-US" sz="1200" dirty="0">
+              <a:solidFill>
+                <a:srgbClr val="36464E"/>
+              </a:solidFill>
+              <a:latin typeface="Roboto Mono" panose="020F0502020204030204" pitchFamily="49" charset="0"/>
+            </a:endParaRPr>
+          </a:p>
+          <a:p>
+            <a:r>
+              <a:rPr lang="en-US" sz="1200" b="0" i="0" dirty="0" err="1">
+                <a:solidFill>
+                  <a:srgbClr val="36464E"/>
+                </a:solidFill>
+                <a:effectLst/>
+                <a:latin typeface="Roboto Mono" panose="00000009000000000000" pitchFamily="49" charset="0"/>
+              </a:rPr>
+              <a:t>builder</a:t>
+            </a:r>
+            <a:r>
+              <a:rPr lang="en-US" sz="1200" b="0" i="0" dirty="0" err="1">
+                <a:effectLst/>
+                <a:latin typeface="Roboto Mono" panose="00000009000000000000" pitchFamily="49" charset="0"/>
+              </a:rPr>
+              <a:t>.</a:t>
+            </a:r>
+            <a:r>
+              <a:rPr lang="en-US" sz="1200" b="0" i="0" dirty="0" err="1">
+                <a:solidFill>
+                  <a:srgbClr val="36464E"/>
+                </a:solidFill>
+                <a:effectLst/>
+                <a:latin typeface="Roboto Mono" panose="00000009000000000000" pitchFamily="49" charset="0"/>
+              </a:rPr>
+              <a:t>Services</a:t>
+            </a:r>
+            <a:r>
+              <a:rPr lang="en-US" sz="1200" b="0" i="0" dirty="0" err="1">
+                <a:effectLst/>
+                <a:latin typeface="Roboto Mono" panose="00000009000000000000" pitchFamily="49" charset="0"/>
+              </a:rPr>
+              <a:t>.</a:t>
+            </a:r>
+            <a:r>
+              <a:rPr lang="en-US" sz="1200" b="0" i="0" dirty="0" err="1">
+                <a:solidFill>
+                  <a:srgbClr val="36464E"/>
+                </a:solidFill>
+                <a:effectLst/>
+                <a:latin typeface="Roboto Mono" panose="00000009000000000000" pitchFamily="49" charset="0"/>
+              </a:rPr>
+              <a:t>AddDaprClient</a:t>
+            </a:r>
+            <a:r>
+              <a:rPr lang="en-US" sz="1200" b="0" i="0" dirty="0">
+                <a:effectLst/>
+                <a:latin typeface="Roboto Mono" panose="00000009000000000000" pitchFamily="49" charset="0"/>
+              </a:rPr>
+              <a:t>();       (</a:t>
+            </a:r>
+            <a:r>
+              <a:rPr lang="en-US" sz="1200" b="0" i="0" dirty="0" err="1">
+                <a:effectLst/>
+                <a:latin typeface="Roboto Mono" panose="00000009000000000000" pitchFamily="49" charset="0"/>
+              </a:rPr>
+              <a:t>Program.cs</a:t>
+            </a:r>
+            <a:r>
+              <a:rPr lang="en-US" sz="1200" b="0" i="0" dirty="0">
+                <a:effectLst/>
+                <a:latin typeface="Roboto Mono" panose="00000009000000000000" pitchFamily="49" charset="0"/>
+              </a:rPr>
+              <a:t>)</a:t>
+            </a:r>
+            <a:endParaRPr lang="en-US" sz="1200" b="0" i="0" dirty="0">
+              <a:solidFill>
+                <a:srgbClr val="36464E"/>
+              </a:solidFill>
+              <a:effectLst/>
+              <a:latin typeface="Roboto Mono" panose="020F0502020204030204" pitchFamily="49" charset="0"/>
+            </a:endParaRPr>
+          </a:p>
+          <a:p>
+            <a:endParaRPr lang="en-US" sz="900" dirty="0"/>
+          </a:p>
+          <a:p>
+            <a:r>
+              <a:rPr lang="en-US" sz="1400" b="0" i="0" dirty="0" err="1">
+                <a:solidFill>
+                  <a:srgbClr val="36464E"/>
+                </a:solidFill>
+                <a:effectLst/>
+                <a:latin typeface="Roboto Mono" panose="00000009000000000000" pitchFamily="49" charset="0"/>
+              </a:rPr>
+              <a:t>TasksList</a:t>
+            </a:r>
+            <a:r>
+              <a:rPr lang="en-US" sz="1400" b="0" i="0" dirty="0">
+                <a:solidFill>
+                  <a:srgbClr val="36464E"/>
+                </a:solidFill>
+                <a:effectLst/>
+                <a:latin typeface="Roboto Mono" panose="00000009000000000000" pitchFamily="49" charset="0"/>
+              </a:rPr>
+              <a:t> </a:t>
+            </a:r>
+            <a:r>
+              <a:rPr lang="en-US" sz="1400" b="0" i="0" dirty="0">
+                <a:effectLst/>
+                <a:latin typeface="Roboto Mono" panose="00000009000000000000" pitchFamily="49" charset="0"/>
+              </a:rPr>
+              <a:t>=</a:t>
+            </a:r>
+            <a:r>
+              <a:rPr lang="en-US" sz="1400" b="0" i="0" dirty="0">
+                <a:solidFill>
+                  <a:srgbClr val="36464E"/>
+                </a:solidFill>
+                <a:effectLst/>
+                <a:latin typeface="Roboto Mono" panose="00000009000000000000" pitchFamily="49" charset="0"/>
+              </a:rPr>
+              <a:t> </a:t>
+            </a:r>
+            <a:r>
+              <a:rPr lang="en-US" sz="1400" b="0" i="0" dirty="0">
+                <a:effectLst/>
+                <a:latin typeface="Roboto Mono" panose="00000009000000000000" pitchFamily="49" charset="0"/>
+              </a:rPr>
+              <a:t>await</a:t>
+            </a:r>
+            <a:r>
+              <a:rPr lang="en-US" sz="1400" b="0" i="0" dirty="0">
+                <a:solidFill>
+                  <a:srgbClr val="36464E"/>
+                </a:solidFill>
+                <a:effectLst/>
+                <a:latin typeface="Roboto Mono" panose="00000009000000000000" pitchFamily="49" charset="0"/>
+              </a:rPr>
+              <a:t> _</a:t>
+            </a:r>
+            <a:r>
+              <a:rPr lang="en-US" sz="1400" b="0" i="0" dirty="0" err="1">
+                <a:solidFill>
+                  <a:srgbClr val="36464E"/>
+                </a:solidFill>
+                <a:effectLst/>
+                <a:latin typeface="Roboto Mono" panose="00000009000000000000" pitchFamily="49" charset="0"/>
+              </a:rPr>
+              <a:t>daprClient</a:t>
+            </a:r>
+            <a:r>
+              <a:rPr lang="en-US" sz="1400" b="0" i="0" dirty="0" err="1">
+                <a:effectLst/>
+                <a:latin typeface="Roboto Mono" panose="00000009000000000000" pitchFamily="49" charset="0"/>
+              </a:rPr>
+              <a:t>.</a:t>
+            </a:r>
+            <a:r>
+              <a:rPr lang="en-US" sz="1400" b="0" i="0" dirty="0" err="1">
+                <a:solidFill>
+                  <a:srgbClr val="36464E"/>
+                </a:solidFill>
+                <a:effectLst/>
+                <a:latin typeface="Roboto Mono" panose="00000009000000000000" pitchFamily="49" charset="0"/>
+              </a:rPr>
+              <a:t>InvokeMethodAsync</a:t>
+            </a:r>
+            <a:r>
+              <a:rPr lang="en-US" sz="1400" b="0" i="0" dirty="0">
+                <a:effectLst/>
+                <a:latin typeface="Roboto Mono" panose="00000009000000000000" pitchFamily="49" charset="0"/>
+              </a:rPr>
+              <a:t>&lt;</a:t>
+            </a:r>
+            <a:r>
+              <a:rPr lang="en-US" sz="1400" b="0" i="0" dirty="0">
+                <a:solidFill>
+                  <a:srgbClr val="36464E"/>
+                </a:solidFill>
+                <a:effectLst/>
+                <a:latin typeface="Roboto Mono" panose="00000009000000000000" pitchFamily="49" charset="0"/>
+              </a:rPr>
+              <a:t>List</a:t>
+            </a:r>
+            <a:r>
+              <a:rPr lang="en-US" sz="1400" b="0" i="0" dirty="0">
+                <a:effectLst/>
+                <a:latin typeface="Roboto Mono" panose="00000009000000000000" pitchFamily="49" charset="0"/>
+              </a:rPr>
+              <a:t>&lt;</a:t>
+            </a:r>
+            <a:r>
+              <a:rPr lang="en-US" sz="1400" b="0" i="0" dirty="0" err="1">
+                <a:solidFill>
+                  <a:srgbClr val="36464E"/>
+                </a:solidFill>
+                <a:effectLst/>
+                <a:latin typeface="Roboto Mono" panose="00000009000000000000" pitchFamily="49" charset="0"/>
+              </a:rPr>
+              <a:t>TaskModel</a:t>
+            </a:r>
+            <a:r>
+              <a:rPr lang="en-US" sz="1400" b="0" i="0" dirty="0">
+                <a:effectLst/>
+                <a:latin typeface="Roboto Mono" panose="00000009000000000000" pitchFamily="49" charset="0"/>
+              </a:rPr>
+              <a:t>&gt;&gt;(</a:t>
+            </a:r>
+            <a:r>
+              <a:rPr lang="en-US" sz="1400" b="0" i="0" dirty="0" err="1">
+                <a:solidFill>
+                  <a:srgbClr val="36464E"/>
+                </a:solidFill>
+                <a:effectLst/>
+                <a:latin typeface="Roboto Mono" panose="00000009000000000000" pitchFamily="49" charset="0"/>
+              </a:rPr>
+              <a:t>HttpMethod</a:t>
+            </a:r>
+            <a:r>
+              <a:rPr lang="en-US" sz="1400" b="0" i="0" dirty="0" err="1">
+                <a:effectLst/>
+                <a:latin typeface="Roboto Mono" panose="00000009000000000000" pitchFamily="49" charset="0"/>
+              </a:rPr>
+              <a:t>.</a:t>
+            </a:r>
+            <a:r>
+              <a:rPr lang="en-US" sz="1400" b="0" i="0" dirty="0" err="1">
+                <a:solidFill>
+                  <a:srgbClr val="36464E"/>
+                </a:solidFill>
+                <a:effectLst/>
+                <a:latin typeface="Roboto Mono" panose="00000009000000000000" pitchFamily="49" charset="0"/>
+              </a:rPr>
+              <a:t>Get</a:t>
+            </a:r>
+            <a:r>
+              <a:rPr lang="en-US" sz="1400" b="0" i="0" dirty="0">
+                <a:effectLst/>
+                <a:latin typeface="Roboto Mono" panose="00000009000000000000" pitchFamily="49" charset="0"/>
+              </a:rPr>
+              <a:t>,</a:t>
+            </a:r>
+            <a:r>
+              <a:rPr lang="en-US" sz="1400" b="0" i="0" dirty="0">
+                <a:solidFill>
+                  <a:srgbClr val="36464E"/>
+                </a:solidFill>
+                <a:effectLst/>
+                <a:latin typeface="Roboto Mono" panose="00000009000000000000" pitchFamily="49" charset="0"/>
+              </a:rPr>
+              <a:t> </a:t>
+            </a:r>
+            <a:r>
+              <a:rPr lang="en-US" sz="1400" b="0" i="0" dirty="0">
+                <a:effectLst/>
+                <a:latin typeface="Roboto Mono" panose="00000009000000000000" pitchFamily="49" charset="0"/>
+              </a:rPr>
+              <a:t>"</a:t>
+            </a:r>
+            <a:r>
+              <a:rPr lang="en-US" sz="1400" b="1" i="0" dirty="0" err="1">
+                <a:effectLst/>
+                <a:latin typeface="Roboto Mono" panose="00000009000000000000" pitchFamily="49" charset="0"/>
+              </a:rPr>
+              <a:t>tasksmanager</a:t>
+            </a:r>
+            <a:r>
+              <a:rPr lang="en-US" sz="1400" b="1" i="0" dirty="0">
+                <a:effectLst/>
+                <a:latin typeface="Roboto Mono" panose="00000009000000000000" pitchFamily="49" charset="0"/>
+              </a:rPr>
+              <a:t>-backend-</a:t>
+            </a:r>
+            <a:r>
+              <a:rPr lang="en-US" sz="1400" b="1" i="0" dirty="0" err="1">
+                <a:effectLst/>
+                <a:latin typeface="Roboto Mono" panose="00000009000000000000" pitchFamily="49" charset="0"/>
+              </a:rPr>
+              <a:t>api</a:t>
+            </a:r>
+            <a:r>
+              <a:rPr lang="en-US" sz="1400" b="0" i="0" dirty="0">
+                <a:effectLst/>
+                <a:latin typeface="Roboto Mono" panose="00000009000000000000" pitchFamily="49" charset="0"/>
+              </a:rPr>
+              <a:t>",</a:t>
+            </a:r>
+            <a:r>
+              <a:rPr lang="en-US" sz="1400" b="0" i="0" dirty="0">
+                <a:solidFill>
+                  <a:srgbClr val="36464E"/>
+                </a:solidFill>
+                <a:effectLst/>
+                <a:latin typeface="Roboto Mono" panose="00000009000000000000" pitchFamily="49" charset="0"/>
+              </a:rPr>
+              <a:t> </a:t>
+            </a:r>
+            <a:r>
+              <a:rPr lang="en-US" sz="1400" b="0" i="0" dirty="0">
+                <a:effectLst/>
+                <a:latin typeface="Roboto Mono" panose="00000009000000000000" pitchFamily="49" charset="0"/>
+              </a:rPr>
+              <a:t>$"</a:t>
+            </a:r>
+            <a:r>
+              <a:rPr lang="en-US" sz="1400" b="0" i="0" dirty="0" err="1">
+                <a:effectLst/>
+                <a:latin typeface="Roboto Mono" panose="00000009000000000000" pitchFamily="49" charset="0"/>
+              </a:rPr>
+              <a:t>api</a:t>
+            </a:r>
+            <a:r>
+              <a:rPr lang="en-US" sz="1400" b="0" i="0" dirty="0">
+                <a:effectLst/>
+                <a:latin typeface="Roboto Mono" panose="00000009000000000000" pitchFamily="49" charset="0"/>
+              </a:rPr>
+              <a:t>/</a:t>
+            </a:r>
+            <a:r>
+              <a:rPr lang="en-US" sz="1400" b="0" i="0" dirty="0" err="1">
+                <a:effectLst/>
+                <a:latin typeface="Roboto Mono" panose="00000009000000000000" pitchFamily="49" charset="0"/>
+              </a:rPr>
+              <a:t>tasks?createdBy</a:t>
+            </a:r>
+            <a:r>
+              <a:rPr lang="en-US" sz="1400" b="0" i="0" dirty="0">
+                <a:effectLst/>
+                <a:latin typeface="Roboto Mono" panose="00000009000000000000" pitchFamily="49" charset="0"/>
+              </a:rPr>
+              <a:t>={</a:t>
+            </a:r>
+            <a:r>
+              <a:rPr lang="en-US" sz="1400" b="0" i="0" dirty="0" err="1">
+                <a:effectLst/>
+                <a:latin typeface="Roboto Mono" panose="00000009000000000000" pitchFamily="49" charset="0"/>
+              </a:rPr>
+              <a:t>TasksCreatedBy</a:t>
+            </a:r>
+            <a:r>
+              <a:rPr lang="en-US" sz="1400" b="0" i="0" dirty="0">
+                <a:effectLst/>
+                <a:latin typeface="Roboto Mono" panose="00000009000000000000" pitchFamily="49" charset="0"/>
+              </a:rPr>
+              <a:t>}");</a:t>
+            </a:r>
+          </a:p>
+          <a:p>
+            <a:endParaRPr lang="en-US" sz="1400" b="0" i="0" dirty="0">
+              <a:effectLst/>
+              <a:latin typeface="Roboto Mono" panose="00000009000000000000" pitchFamily="49" charset="0"/>
+            </a:endParaRPr>
+          </a:p>
+          <a:p>
+            <a:pPr lvl="1"/>
+            <a:r>
+              <a:rPr lang="en-US" sz="1000" b="1" i="0" dirty="0">
+                <a:effectLst/>
+                <a:latin typeface="Roboto Mono" panose="00000009000000000000" pitchFamily="49" charset="0"/>
+              </a:rPr>
+              <a:t>tasksmanager-backend-</a:t>
+            </a:r>
+            <a:r>
+              <a:rPr lang="en-US" sz="1000" b="1" i="0" dirty="0" err="1">
+                <a:effectLst/>
+                <a:latin typeface="Roboto Mono" panose="00000009000000000000" pitchFamily="49" charset="0"/>
+              </a:rPr>
+              <a:t>api</a:t>
+            </a:r>
+            <a:r>
+              <a:rPr lang="en-US" sz="1000" dirty="0">
+                <a:latin typeface="Roboto Mono" panose="00000009000000000000" pitchFamily="49" charset="0"/>
+              </a:rPr>
+              <a:t>  - </a:t>
+            </a:r>
+            <a:r>
+              <a:rPr lang="en-US" sz="800" b="0" i="0" dirty="0" err="1">
+                <a:effectLst/>
+                <a:latin typeface="Ubuntu" panose="020B0504030602030204" pitchFamily="34" charset="0"/>
+              </a:rPr>
+              <a:t>Dapr</a:t>
+            </a:r>
+            <a:r>
+              <a:rPr lang="en-US" sz="800" b="0" i="0" dirty="0">
+                <a:effectLst/>
+                <a:latin typeface="Ubuntu" panose="020B0504030602030204" pitchFamily="34" charset="0"/>
+              </a:rPr>
+              <a:t> </a:t>
+            </a:r>
+            <a:r>
+              <a:rPr lang="en-US" sz="800" b="1" i="0" dirty="0">
+                <a:effectLst/>
+                <a:latin typeface="Ubuntu" panose="020B0504030602030204" pitchFamily="34" charset="0"/>
+              </a:rPr>
+              <a:t>remote App ID</a:t>
+            </a:r>
+            <a:r>
+              <a:rPr lang="en-US" sz="800" b="0" i="0" dirty="0">
+                <a:effectLst/>
+                <a:latin typeface="Ubuntu" panose="020B0504030602030204" pitchFamily="34" charset="0"/>
+              </a:rPr>
+              <a:t> for the Backend API</a:t>
+            </a:r>
+            <a:endParaRPr lang="en-US" sz="1000" dirty="0">
+              <a:latin typeface="Roboto Mono" panose="00000009000000000000" pitchFamily="49" charset="0"/>
+            </a:endParaRPr>
+          </a:p>
+          <a:p>
+            <a:pPr lvl="1"/>
+            <a:endParaRPr lang="en-US" sz="1000" dirty="0">
+              <a:latin typeface="Roboto Mono" panose="00000009000000000000" pitchFamily="49" charset="0"/>
+            </a:endParaRPr>
+          </a:p>
+          <a:p>
+            <a:r>
+              <a:rPr lang="en-US" sz="1400" dirty="0">
+                <a:hlinkClick r:id="rId3"/>
+              </a:rPr>
+              <a:t>https://docs.dapr.io/developing-applications/building-blocks/service-invocation/service-invocation-overview/</a:t>
+            </a:r>
+            <a:endParaRPr lang="en-US" sz="1400" dirty="0"/>
+          </a:p>
+          <a:p>
+            <a:endParaRPr lang="en-US" sz="1400" dirty="0"/>
+          </a:p>
+        </p:txBody>
+      </p:sp>
+    </p:spTree>
+    <p:extLst>
+      <p:ext uri="{BB962C8B-B14F-4D97-AF65-F5344CB8AC3E}">
+        <p14:creationId xmlns:p14="http://schemas.microsoft.com/office/powerpoint/2010/main" val="3574115241"/>
+      </p:ext>
+    </p:extLst>
+  </p:cSld>
+  <p:clrMapOvr>
+    <a:masterClrMapping/>
+  </p:clrMapOvr>
+</p:sld>
+</file>
+
+<file path=ppt/slides/slide18.xml><?xml version="1.0" encoding="utf-8"?>
+<p:sld xmlns:a="http://schemas.openxmlformats.org/drawingml/2006/main" xmlns:r="http://schemas.openxmlformats.org/officeDocument/2006/relationships" xmlns:p="http://schemas.openxmlformats.org/presentationml/2006/main">
+  <p:cSld>
+    <p:spTree>
+      <p:nvGrpSpPr>
+        <p:cNvPr id="1" name=""/>
+        <p:cNvGrpSpPr/>
+        <p:nvPr/>
+      </p:nvGrpSpPr>
+      <p:grpSpPr>
+        <a:xfrm>
+          <a:off x="0" y="0"/>
+          <a:ext cx="0" cy="0"/>
+          <a:chOff x="0" y="0"/>
+          <a:chExt cx="0" cy="0"/>
+        </a:xfrm>
+      </p:grpSpPr>
+      <p:sp>
+        <p:nvSpPr>
+          <p:cNvPr id="2" name="Title 1">
+            <a:extLst>
+              <a:ext uri="{FF2B5EF4-FFF2-40B4-BE49-F238E27FC236}">
+                <a16:creationId xmlns:a16="http://schemas.microsoft.com/office/drawing/2014/main" id="{B0D24B2A-9FC8-CDEE-1E17-47CCF7D107DB}"/>
+              </a:ext>
+            </a:extLst>
+          </p:cNvPr>
+          <p:cNvSpPr>
+            <a:spLocks noGrp="1"/>
+          </p:cNvSpPr>
+          <p:nvPr>
+            <p:ph type="title"/>
+          </p:nvPr>
+        </p:nvSpPr>
+        <p:spPr/>
+        <p:txBody>
+          <a:bodyPr/>
+          <a:lstStyle/>
+          <a:p>
+            <a:endParaRPr lang="en-US"/>
+          </a:p>
+        </p:txBody>
+      </p:sp>
+      <p:sp>
+        <p:nvSpPr>
+          <p:cNvPr id="3" name="Content Placeholder 2">
+            <a:extLst>
+              <a:ext uri="{FF2B5EF4-FFF2-40B4-BE49-F238E27FC236}">
+                <a16:creationId xmlns:a16="http://schemas.microsoft.com/office/drawing/2014/main" id="{6581B027-10D5-C059-45F5-769E3947D9D8}"/>
+              </a:ext>
+            </a:extLst>
+          </p:cNvPr>
+          <p:cNvSpPr>
+            <a:spLocks noGrp="1"/>
+          </p:cNvSpPr>
+          <p:nvPr>
+            <p:ph idx="1"/>
+          </p:nvPr>
+        </p:nvSpPr>
+        <p:spPr/>
+        <p:txBody>
+          <a:bodyPr>
+            <a:normAutofit fontScale="55000" lnSpcReduction="20000"/>
+          </a:bodyPr>
+          <a:lstStyle/>
+          <a:p>
+            <a:r>
+              <a:rPr lang="en-US" b="0" i="0" dirty="0">
+                <a:solidFill>
+                  <a:srgbClr val="36464E"/>
+                </a:solidFill>
+                <a:effectLst/>
+                <a:latin typeface="Roboto Mono" panose="00000009000000000000" pitchFamily="49" charset="0"/>
+              </a:rPr>
+              <a:t>// Invoke via internal URL (Not </a:t>
+            </a:r>
+            <a:r>
+              <a:rPr lang="en-US" b="0" i="0" dirty="0" err="1">
+                <a:solidFill>
+                  <a:srgbClr val="36464E"/>
+                </a:solidFill>
+                <a:effectLst/>
+                <a:latin typeface="Roboto Mono" panose="00000009000000000000" pitchFamily="49" charset="0"/>
+              </a:rPr>
+              <a:t>Dapr</a:t>
+            </a:r>
+            <a:r>
+              <a:rPr lang="en-US" b="0" i="0" dirty="0">
+                <a:solidFill>
+                  <a:srgbClr val="36464E"/>
+                </a:solidFill>
+                <a:effectLst/>
+                <a:latin typeface="Roboto Mono" panose="00000009000000000000" pitchFamily="49" charset="0"/>
+              </a:rPr>
+              <a:t>) //var </a:t>
+            </a:r>
+            <a:r>
+              <a:rPr lang="en-US" b="0" i="0" dirty="0" err="1">
+                <a:solidFill>
+                  <a:srgbClr val="36464E"/>
+                </a:solidFill>
+                <a:effectLst/>
+                <a:latin typeface="Roboto Mono" panose="00000009000000000000" pitchFamily="49" charset="0"/>
+              </a:rPr>
+              <a:t>httpClient</a:t>
+            </a:r>
+            <a:r>
+              <a:rPr lang="en-US" b="0" i="0" dirty="0">
+                <a:solidFill>
+                  <a:srgbClr val="36464E"/>
+                </a:solidFill>
+                <a:effectLst/>
+                <a:latin typeface="Roboto Mono" panose="00000009000000000000" pitchFamily="49" charset="0"/>
+              </a:rPr>
+              <a:t> = _</a:t>
+            </a:r>
+            <a:r>
+              <a:rPr lang="en-US" b="0" i="0" dirty="0" err="1">
+                <a:solidFill>
+                  <a:srgbClr val="36464E"/>
+                </a:solidFill>
+                <a:effectLst/>
+                <a:latin typeface="Roboto Mono" panose="00000009000000000000" pitchFamily="49" charset="0"/>
+              </a:rPr>
+              <a:t>httpClientFactory.CreateClient</a:t>
+            </a:r>
+            <a:r>
+              <a:rPr lang="en-US" b="0" i="0" dirty="0">
+                <a:solidFill>
+                  <a:srgbClr val="36464E"/>
+                </a:solidFill>
+                <a:effectLst/>
+                <a:latin typeface="Roboto Mono" panose="00000009000000000000" pitchFamily="49" charset="0"/>
+              </a:rPr>
+              <a:t>("</a:t>
+            </a:r>
+            <a:r>
+              <a:rPr lang="en-US" b="0" i="0" dirty="0" err="1">
+                <a:solidFill>
+                  <a:srgbClr val="36464E"/>
+                </a:solidFill>
+                <a:effectLst/>
+                <a:latin typeface="Roboto Mono" panose="00000009000000000000" pitchFamily="49" charset="0"/>
+              </a:rPr>
+              <a:t>BackEndApiExternal</a:t>
+            </a:r>
+            <a:r>
+              <a:rPr lang="en-US" b="0" i="0" dirty="0">
+                <a:solidFill>
+                  <a:srgbClr val="36464E"/>
+                </a:solidFill>
+                <a:effectLst/>
+                <a:latin typeface="Roboto Mono" panose="00000009000000000000" pitchFamily="49" charset="0"/>
+              </a:rPr>
+              <a:t>"); //</a:t>
+            </a:r>
+            <a:r>
+              <a:rPr lang="en-US" b="0" i="0" dirty="0" err="1">
+                <a:solidFill>
+                  <a:srgbClr val="36464E"/>
+                </a:solidFill>
+                <a:effectLst/>
+                <a:latin typeface="Roboto Mono" panose="00000009000000000000" pitchFamily="49" charset="0"/>
+              </a:rPr>
+              <a:t>TasksList</a:t>
+            </a:r>
+            <a:r>
+              <a:rPr lang="en-US" b="0" i="0" dirty="0">
+                <a:solidFill>
+                  <a:srgbClr val="36464E"/>
+                </a:solidFill>
+                <a:effectLst/>
+                <a:latin typeface="Roboto Mono" panose="00000009000000000000" pitchFamily="49" charset="0"/>
+              </a:rPr>
+              <a:t> = await </a:t>
+            </a:r>
+            <a:r>
+              <a:rPr lang="en-US" b="0" i="0" dirty="0" err="1">
+                <a:solidFill>
+                  <a:srgbClr val="36464E"/>
+                </a:solidFill>
+                <a:effectLst/>
+                <a:latin typeface="Roboto Mono" panose="00000009000000000000" pitchFamily="49" charset="0"/>
+              </a:rPr>
+              <a:t>httpClient.GetFromJsonAsync</a:t>
+            </a:r>
+            <a:r>
+              <a:rPr lang="en-US" b="0" i="0" dirty="0">
+                <a:solidFill>
+                  <a:srgbClr val="36464E"/>
+                </a:solidFill>
+                <a:effectLst/>
+                <a:latin typeface="Roboto Mono" panose="00000009000000000000" pitchFamily="49" charset="0"/>
+              </a:rPr>
+              <a:t>&lt;List&lt;</a:t>
+            </a:r>
+            <a:r>
+              <a:rPr lang="en-US" b="0" i="0" dirty="0" err="1">
+                <a:solidFill>
+                  <a:srgbClr val="36464E"/>
+                </a:solidFill>
+                <a:effectLst/>
+                <a:latin typeface="Roboto Mono" panose="00000009000000000000" pitchFamily="49" charset="0"/>
+              </a:rPr>
+              <a:t>TaskModel</a:t>
+            </a:r>
+            <a:r>
+              <a:rPr lang="en-US" b="0" i="0" dirty="0">
+                <a:solidFill>
+                  <a:srgbClr val="36464E"/>
+                </a:solidFill>
+                <a:effectLst/>
+                <a:latin typeface="Roboto Mono" panose="00000009000000000000" pitchFamily="49" charset="0"/>
+              </a:rPr>
+              <a:t>&gt;&gt;($"</a:t>
+            </a:r>
+            <a:r>
+              <a:rPr lang="en-US" b="0" i="0" dirty="0" err="1">
+                <a:solidFill>
+                  <a:srgbClr val="36464E"/>
+                </a:solidFill>
+                <a:effectLst/>
+                <a:latin typeface="Roboto Mono" panose="00000009000000000000" pitchFamily="49" charset="0"/>
+              </a:rPr>
+              <a:t>api</a:t>
+            </a:r>
+            <a:r>
+              <a:rPr lang="en-US" b="0" i="0" dirty="0">
+                <a:solidFill>
+                  <a:srgbClr val="36464E"/>
+                </a:solidFill>
+                <a:effectLst/>
+                <a:latin typeface="Roboto Mono" panose="00000009000000000000" pitchFamily="49" charset="0"/>
+              </a:rPr>
+              <a:t>/</a:t>
+            </a:r>
+            <a:r>
+              <a:rPr lang="en-US" b="0" i="0" dirty="0" err="1">
+                <a:solidFill>
+                  <a:srgbClr val="36464E"/>
+                </a:solidFill>
+                <a:effectLst/>
+                <a:latin typeface="Roboto Mono" panose="00000009000000000000" pitchFamily="49" charset="0"/>
+              </a:rPr>
+              <a:t>tasks?createdBy</a:t>
+            </a:r>
+            <a:r>
+              <a:rPr lang="en-US" b="0" i="0" dirty="0">
+                <a:solidFill>
+                  <a:srgbClr val="36464E"/>
+                </a:solidFill>
+                <a:effectLst/>
+                <a:latin typeface="Roboto Mono" panose="00000009000000000000" pitchFamily="49" charset="0"/>
+              </a:rPr>
+              <a:t>={</a:t>
+            </a:r>
+            <a:r>
+              <a:rPr lang="en-US" b="0" i="0" dirty="0" err="1">
+                <a:solidFill>
+                  <a:srgbClr val="36464E"/>
+                </a:solidFill>
+                <a:effectLst/>
+                <a:latin typeface="Roboto Mono" panose="00000009000000000000" pitchFamily="49" charset="0"/>
+              </a:rPr>
+              <a:t>TasksCreatedBy</a:t>
+            </a:r>
+            <a:r>
+              <a:rPr lang="en-US" b="0" i="0" dirty="0">
+                <a:solidFill>
+                  <a:srgbClr val="36464E"/>
+                </a:solidFill>
+                <a:effectLst/>
+                <a:latin typeface="Roboto Mono" panose="00000009000000000000" pitchFamily="49" charset="0"/>
+              </a:rPr>
+              <a:t>}"); // Invoke via </a:t>
+            </a:r>
+            <a:r>
+              <a:rPr lang="en-US" b="0" i="0" dirty="0" err="1">
+                <a:solidFill>
+                  <a:srgbClr val="36464E"/>
+                </a:solidFill>
+                <a:effectLst/>
+                <a:latin typeface="Roboto Mono" panose="00000009000000000000" pitchFamily="49" charset="0"/>
+              </a:rPr>
+              <a:t>Dapr</a:t>
+            </a:r>
+            <a:r>
+              <a:rPr lang="en-US" b="0" i="0" dirty="0">
+                <a:solidFill>
+                  <a:srgbClr val="36464E"/>
+                </a:solidFill>
+                <a:effectLst/>
+                <a:latin typeface="Roboto Mono" panose="00000009000000000000" pitchFamily="49" charset="0"/>
+              </a:rPr>
+              <a:t> </a:t>
+            </a:r>
+            <a:r>
+              <a:rPr lang="en-US" b="0" i="0" dirty="0" err="1">
+                <a:solidFill>
+                  <a:srgbClr val="36464E"/>
+                </a:solidFill>
+                <a:effectLst/>
+                <a:latin typeface="Roboto Mono" panose="00000009000000000000" pitchFamily="49" charset="0"/>
+              </a:rPr>
+              <a:t>SideCar</a:t>
+            </a:r>
+            <a:r>
+              <a:rPr lang="en-US" b="0" i="0" dirty="0">
+                <a:solidFill>
+                  <a:srgbClr val="36464E"/>
+                </a:solidFill>
+                <a:effectLst/>
+                <a:latin typeface="Roboto Mono" panose="00000009000000000000" pitchFamily="49" charset="0"/>
+              </a:rPr>
+              <a:t> URL //var port = 3500;//</a:t>
+            </a:r>
+            <a:r>
+              <a:rPr lang="en-US" b="0" i="0" dirty="0" err="1">
+                <a:solidFill>
+                  <a:srgbClr val="36464E"/>
+                </a:solidFill>
+                <a:effectLst/>
+                <a:latin typeface="Roboto Mono" panose="00000009000000000000" pitchFamily="49" charset="0"/>
+              </a:rPr>
+              <a:t>Environment.GetEnvironmentVariable</a:t>
+            </a:r>
+            <a:r>
+              <a:rPr lang="en-US" b="0" i="0" dirty="0">
+                <a:solidFill>
+                  <a:srgbClr val="36464E"/>
+                </a:solidFill>
+                <a:effectLst/>
+                <a:latin typeface="Roboto Mono" panose="00000009000000000000" pitchFamily="49" charset="0"/>
+              </a:rPr>
+              <a:t>("DAPR_HTTP_PORT"); //</a:t>
+            </a:r>
+            <a:r>
+              <a:rPr lang="en-US" b="0" i="0" dirty="0" err="1">
+                <a:solidFill>
+                  <a:srgbClr val="36464E"/>
+                </a:solidFill>
+                <a:effectLst/>
+                <a:latin typeface="Roboto Mono" panose="00000009000000000000" pitchFamily="49" charset="0"/>
+              </a:rPr>
+              <a:t>HttpClient</a:t>
+            </a:r>
+            <a:r>
+              <a:rPr lang="en-US" b="0" i="0" dirty="0">
+                <a:solidFill>
+                  <a:srgbClr val="36464E"/>
+                </a:solidFill>
+                <a:effectLst/>
+                <a:latin typeface="Roboto Mono" panose="00000009000000000000" pitchFamily="49" charset="0"/>
+              </a:rPr>
+              <a:t> client = new </a:t>
+            </a:r>
+            <a:r>
+              <a:rPr lang="en-US" b="0" i="0" dirty="0" err="1">
+                <a:solidFill>
+                  <a:srgbClr val="36464E"/>
+                </a:solidFill>
+                <a:effectLst/>
+                <a:latin typeface="Roboto Mono" panose="00000009000000000000" pitchFamily="49" charset="0"/>
+              </a:rPr>
+              <a:t>HttpClient</a:t>
+            </a:r>
+            <a:r>
+              <a:rPr lang="en-US" b="0" i="0" dirty="0">
+                <a:solidFill>
+                  <a:srgbClr val="36464E"/>
+                </a:solidFill>
+                <a:effectLst/>
+                <a:latin typeface="Roboto Mono" panose="00000009000000000000" pitchFamily="49" charset="0"/>
+              </a:rPr>
+              <a:t>(); //var result = await </a:t>
+            </a:r>
+            <a:r>
+              <a:rPr lang="en-US" b="0" i="0" dirty="0" err="1">
+                <a:solidFill>
+                  <a:srgbClr val="36464E"/>
+                </a:solidFill>
+                <a:effectLst/>
+                <a:latin typeface="Roboto Mono" panose="00000009000000000000" pitchFamily="49" charset="0"/>
+              </a:rPr>
+              <a:t>client.GetFromJsonAsync</a:t>
+            </a:r>
+            <a:r>
+              <a:rPr lang="en-US" b="0" i="0" dirty="0">
+                <a:solidFill>
+                  <a:srgbClr val="36464E"/>
+                </a:solidFill>
+                <a:effectLst/>
+                <a:latin typeface="Roboto Mono" panose="00000009000000000000" pitchFamily="49" charset="0"/>
+              </a:rPr>
+              <a:t>&lt;List&lt;</a:t>
+            </a:r>
+            <a:r>
+              <a:rPr lang="en-US" b="0" i="0" dirty="0" err="1">
+                <a:solidFill>
+                  <a:srgbClr val="36464E"/>
+                </a:solidFill>
+                <a:effectLst/>
+                <a:latin typeface="Roboto Mono" panose="00000009000000000000" pitchFamily="49" charset="0"/>
+              </a:rPr>
+              <a:t>TaskModel</a:t>
+            </a:r>
+            <a:r>
+              <a:rPr lang="en-US" b="0" i="0" dirty="0">
+                <a:solidFill>
+                  <a:srgbClr val="36464E"/>
+                </a:solidFill>
+                <a:effectLst/>
+                <a:latin typeface="Roboto Mono" panose="00000009000000000000" pitchFamily="49" charset="0"/>
+              </a:rPr>
+              <a:t>&gt;&gt;($"http://localhost:{port}/v1.0/invoke/tasksmanager-backend-</a:t>
+            </a:r>
+            <a:r>
+              <a:rPr lang="en-US" b="0" i="0" dirty="0" err="1">
+                <a:solidFill>
+                  <a:srgbClr val="36464E"/>
+                </a:solidFill>
+                <a:effectLst/>
+                <a:latin typeface="Roboto Mono" panose="00000009000000000000" pitchFamily="49" charset="0"/>
+              </a:rPr>
+              <a:t>api</a:t>
+            </a:r>
+            <a:r>
+              <a:rPr lang="en-US" b="0" i="0" dirty="0">
+                <a:solidFill>
+                  <a:srgbClr val="36464E"/>
+                </a:solidFill>
+                <a:effectLst/>
+                <a:latin typeface="Roboto Mono" panose="00000009000000000000" pitchFamily="49" charset="0"/>
+              </a:rPr>
+              <a:t>/method/</a:t>
+            </a:r>
+            <a:r>
+              <a:rPr lang="en-US" b="0" i="0" dirty="0" err="1">
+                <a:solidFill>
+                  <a:srgbClr val="36464E"/>
+                </a:solidFill>
+                <a:effectLst/>
+                <a:latin typeface="Roboto Mono" panose="00000009000000000000" pitchFamily="49" charset="0"/>
+              </a:rPr>
+              <a:t>api</a:t>
+            </a:r>
+            <a:r>
+              <a:rPr lang="en-US" b="0" i="0" dirty="0">
+                <a:solidFill>
+                  <a:srgbClr val="36464E"/>
+                </a:solidFill>
+                <a:effectLst/>
+                <a:latin typeface="Roboto Mono" panose="00000009000000000000" pitchFamily="49" charset="0"/>
+              </a:rPr>
+              <a:t>/</a:t>
+            </a:r>
+            <a:r>
+              <a:rPr lang="en-US" b="0" i="0" dirty="0" err="1">
+                <a:solidFill>
+                  <a:srgbClr val="36464E"/>
+                </a:solidFill>
+                <a:effectLst/>
+                <a:latin typeface="Roboto Mono" panose="00000009000000000000" pitchFamily="49" charset="0"/>
+              </a:rPr>
+              <a:t>tasks?createdBy</a:t>
+            </a:r>
+            <a:r>
+              <a:rPr lang="en-US" b="0" i="0" dirty="0">
+                <a:solidFill>
+                  <a:srgbClr val="36464E"/>
+                </a:solidFill>
+                <a:effectLst/>
+                <a:latin typeface="Roboto Mono" panose="00000009000000000000" pitchFamily="49" charset="0"/>
+              </a:rPr>
+              <a:t>={</a:t>
+            </a:r>
+            <a:r>
+              <a:rPr lang="en-US" b="0" i="0" dirty="0" err="1">
+                <a:solidFill>
+                  <a:srgbClr val="36464E"/>
+                </a:solidFill>
+                <a:effectLst/>
+                <a:latin typeface="Roboto Mono" panose="00000009000000000000" pitchFamily="49" charset="0"/>
+              </a:rPr>
+              <a:t>TasksCreatedBy</a:t>
+            </a:r>
+            <a:r>
+              <a:rPr lang="en-US" b="0" i="0" dirty="0">
+                <a:solidFill>
+                  <a:srgbClr val="36464E"/>
+                </a:solidFill>
+                <a:effectLst/>
+                <a:latin typeface="Roboto Mono" panose="00000009000000000000" pitchFamily="49" charset="0"/>
+              </a:rPr>
+              <a:t>}"); //</a:t>
+            </a:r>
+            <a:r>
+              <a:rPr lang="en-US" b="0" i="0" dirty="0" err="1">
+                <a:solidFill>
+                  <a:srgbClr val="36464E"/>
+                </a:solidFill>
+                <a:effectLst/>
+                <a:latin typeface="Roboto Mono" panose="00000009000000000000" pitchFamily="49" charset="0"/>
+              </a:rPr>
+              <a:t>TasksList</a:t>
+            </a:r>
+            <a:r>
+              <a:rPr lang="en-US" b="0" i="0" dirty="0">
+                <a:solidFill>
+                  <a:srgbClr val="36464E"/>
+                </a:solidFill>
+                <a:effectLst/>
+                <a:latin typeface="Roboto Mono" panose="00000009000000000000" pitchFamily="49" charset="0"/>
+              </a:rPr>
+              <a:t> = result; // Invoke via </a:t>
+            </a:r>
+            <a:r>
+              <a:rPr lang="en-US" b="0" i="0" dirty="0" err="1">
+                <a:solidFill>
+                  <a:srgbClr val="36464E"/>
+                </a:solidFill>
+                <a:effectLst/>
+                <a:latin typeface="Roboto Mono" panose="00000009000000000000" pitchFamily="49" charset="0"/>
+              </a:rPr>
+              <a:t>DaprSDK</a:t>
+            </a:r>
+            <a:r>
+              <a:rPr lang="en-US" b="0" i="0" dirty="0">
+                <a:solidFill>
+                  <a:srgbClr val="36464E"/>
+                </a:solidFill>
+                <a:effectLst/>
+                <a:latin typeface="Roboto Mono" panose="00000009000000000000" pitchFamily="49" charset="0"/>
+              </a:rPr>
+              <a:t> (Invoke HTTP services using </a:t>
+            </a:r>
+            <a:r>
+              <a:rPr lang="en-US" b="0" i="0" dirty="0" err="1">
+                <a:solidFill>
+                  <a:srgbClr val="36464E"/>
+                </a:solidFill>
+                <a:effectLst/>
+                <a:latin typeface="Roboto Mono" panose="00000009000000000000" pitchFamily="49" charset="0"/>
+              </a:rPr>
+              <a:t>HttpClient</a:t>
+            </a:r>
+            <a:r>
+              <a:rPr lang="en-US" b="0" i="0" dirty="0">
+                <a:solidFill>
+                  <a:srgbClr val="36464E"/>
+                </a:solidFill>
+                <a:effectLst/>
+                <a:latin typeface="Roboto Mono" panose="00000009000000000000" pitchFamily="49" charset="0"/>
+              </a:rPr>
+              <a:t>) --&gt; Use </a:t>
+            </a:r>
+            <a:r>
+              <a:rPr lang="en-US" b="0" i="0" dirty="0" err="1">
+                <a:solidFill>
+                  <a:srgbClr val="36464E"/>
+                </a:solidFill>
+                <a:effectLst/>
+                <a:latin typeface="Roboto Mono" panose="00000009000000000000" pitchFamily="49" charset="0"/>
+              </a:rPr>
+              <a:t>Dapr</a:t>
+            </a:r>
+            <a:r>
+              <a:rPr lang="en-US" b="0" i="0" dirty="0">
+                <a:solidFill>
+                  <a:srgbClr val="36464E"/>
+                </a:solidFill>
+                <a:effectLst/>
+                <a:latin typeface="Roboto Mono" panose="00000009000000000000" pitchFamily="49" charset="0"/>
+              </a:rPr>
+              <a:t> Appi ID (Option 1) //var </a:t>
+            </a:r>
+            <a:r>
+              <a:rPr lang="en-US" b="0" i="0" dirty="0" err="1">
+                <a:solidFill>
+                  <a:srgbClr val="36464E"/>
+                </a:solidFill>
+                <a:effectLst/>
+                <a:latin typeface="Roboto Mono" panose="00000009000000000000" pitchFamily="49" charset="0"/>
+              </a:rPr>
+              <a:t>daprHttpClient</a:t>
+            </a:r>
+            <a:r>
+              <a:rPr lang="en-US" b="0" i="0" dirty="0">
+                <a:solidFill>
+                  <a:srgbClr val="36464E"/>
+                </a:solidFill>
+                <a:effectLst/>
+                <a:latin typeface="Roboto Mono" panose="00000009000000000000" pitchFamily="49" charset="0"/>
+              </a:rPr>
+              <a:t> = </a:t>
+            </a:r>
+            <a:r>
+              <a:rPr lang="en-US" b="0" i="0" dirty="0" err="1">
+                <a:solidFill>
+                  <a:srgbClr val="36464E"/>
+                </a:solidFill>
+                <a:effectLst/>
+                <a:latin typeface="Roboto Mono" panose="00000009000000000000" pitchFamily="49" charset="0"/>
+              </a:rPr>
+              <a:t>DaprClient.CreateInvokeHttpClient</a:t>
+            </a:r>
+            <a:r>
+              <a:rPr lang="en-US" b="0" i="0" dirty="0">
+                <a:solidFill>
+                  <a:srgbClr val="36464E"/>
+                </a:solidFill>
+                <a:effectLst/>
+                <a:latin typeface="Roboto Mono" panose="00000009000000000000" pitchFamily="49" charset="0"/>
+              </a:rPr>
+              <a:t>(</a:t>
+            </a:r>
+            <a:r>
+              <a:rPr lang="en-US" b="0" i="0" dirty="0" err="1">
+                <a:solidFill>
+                  <a:srgbClr val="36464E"/>
+                </a:solidFill>
+                <a:effectLst/>
+                <a:latin typeface="Roboto Mono" panose="00000009000000000000" pitchFamily="49" charset="0"/>
+              </a:rPr>
+              <a:t>appId</a:t>
+            </a:r>
+            <a:r>
+              <a:rPr lang="en-US" b="0" i="0" dirty="0">
+                <a:solidFill>
+                  <a:srgbClr val="36464E"/>
+                </a:solidFill>
+                <a:effectLst/>
+                <a:latin typeface="Roboto Mono" panose="00000009000000000000" pitchFamily="49" charset="0"/>
+              </a:rPr>
+              <a:t>: "tasksmanager-backend-</a:t>
+            </a:r>
+            <a:r>
+              <a:rPr lang="en-US" b="0" i="0" dirty="0" err="1">
+                <a:solidFill>
+                  <a:srgbClr val="36464E"/>
+                </a:solidFill>
+                <a:effectLst/>
+                <a:latin typeface="Roboto Mono" panose="00000009000000000000" pitchFamily="49" charset="0"/>
+              </a:rPr>
+              <a:t>api</a:t>
+            </a:r>
+            <a:r>
+              <a:rPr lang="en-US" b="0" i="0" dirty="0">
+                <a:solidFill>
+                  <a:srgbClr val="36464E"/>
+                </a:solidFill>
+                <a:effectLst/>
+                <a:latin typeface="Roboto Mono" panose="00000009000000000000" pitchFamily="49" charset="0"/>
+              </a:rPr>
+              <a:t>"); //</a:t>
+            </a:r>
+            <a:r>
+              <a:rPr lang="en-US" b="0" i="0" dirty="0" err="1">
+                <a:solidFill>
+                  <a:srgbClr val="36464E"/>
+                </a:solidFill>
+                <a:effectLst/>
+                <a:latin typeface="Roboto Mono" panose="00000009000000000000" pitchFamily="49" charset="0"/>
+              </a:rPr>
+              <a:t>TasksList</a:t>
+            </a:r>
+            <a:r>
+              <a:rPr lang="en-US" b="0" i="0" dirty="0">
+                <a:solidFill>
+                  <a:srgbClr val="36464E"/>
+                </a:solidFill>
+                <a:effectLst/>
+                <a:latin typeface="Roboto Mono" panose="00000009000000000000" pitchFamily="49" charset="0"/>
+              </a:rPr>
+              <a:t> = await </a:t>
+            </a:r>
+            <a:r>
+              <a:rPr lang="en-US" b="0" i="0" dirty="0" err="1">
+                <a:solidFill>
+                  <a:srgbClr val="36464E"/>
+                </a:solidFill>
+                <a:effectLst/>
+                <a:latin typeface="Roboto Mono" panose="00000009000000000000" pitchFamily="49" charset="0"/>
+              </a:rPr>
+              <a:t>daprHttpClient.GetFromJsonAsync</a:t>
+            </a:r>
+            <a:r>
+              <a:rPr lang="en-US" b="0" i="0" dirty="0">
+                <a:solidFill>
+                  <a:srgbClr val="36464E"/>
+                </a:solidFill>
+                <a:effectLst/>
+                <a:latin typeface="Roboto Mono" panose="00000009000000000000" pitchFamily="49" charset="0"/>
+              </a:rPr>
+              <a:t>&lt;List&lt;</a:t>
+            </a:r>
+            <a:r>
+              <a:rPr lang="en-US" b="0" i="0" dirty="0" err="1">
+                <a:solidFill>
+                  <a:srgbClr val="36464E"/>
+                </a:solidFill>
+                <a:effectLst/>
+                <a:latin typeface="Roboto Mono" panose="00000009000000000000" pitchFamily="49" charset="0"/>
+              </a:rPr>
+              <a:t>TaskModel</a:t>
+            </a:r>
+            <a:r>
+              <a:rPr lang="en-US" b="0" i="0" dirty="0">
+                <a:solidFill>
+                  <a:srgbClr val="36464E"/>
+                </a:solidFill>
+                <a:effectLst/>
+                <a:latin typeface="Roboto Mono" panose="00000009000000000000" pitchFamily="49" charset="0"/>
+              </a:rPr>
+              <a:t>&gt;&gt;($"</a:t>
+            </a:r>
+            <a:r>
+              <a:rPr lang="en-US" b="0" i="0" dirty="0" err="1">
+                <a:solidFill>
+                  <a:srgbClr val="36464E"/>
+                </a:solidFill>
+                <a:effectLst/>
+                <a:latin typeface="Roboto Mono" panose="00000009000000000000" pitchFamily="49" charset="0"/>
+              </a:rPr>
+              <a:t>api</a:t>
+            </a:r>
+            <a:r>
+              <a:rPr lang="en-US" b="0" i="0" dirty="0">
+                <a:solidFill>
+                  <a:srgbClr val="36464E"/>
+                </a:solidFill>
+                <a:effectLst/>
+                <a:latin typeface="Roboto Mono" panose="00000009000000000000" pitchFamily="49" charset="0"/>
+              </a:rPr>
+              <a:t>/</a:t>
+            </a:r>
+            <a:r>
+              <a:rPr lang="en-US" b="0" i="0" dirty="0" err="1">
+                <a:solidFill>
+                  <a:srgbClr val="36464E"/>
+                </a:solidFill>
+                <a:effectLst/>
+                <a:latin typeface="Roboto Mono" panose="00000009000000000000" pitchFamily="49" charset="0"/>
+              </a:rPr>
+              <a:t>tasks?createdBy</a:t>
+            </a:r>
+            <a:r>
+              <a:rPr lang="en-US" b="0" i="0" dirty="0">
+                <a:solidFill>
+                  <a:srgbClr val="36464E"/>
+                </a:solidFill>
+                <a:effectLst/>
+                <a:latin typeface="Roboto Mono" panose="00000009000000000000" pitchFamily="49" charset="0"/>
+              </a:rPr>
+              <a:t>={</a:t>
+            </a:r>
+            <a:r>
+              <a:rPr lang="en-US" b="0" i="0" dirty="0" err="1">
+                <a:solidFill>
+                  <a:srgbClr val="36464E"/>
+                </a:solidFill>
+                <a:effectLst/>
+                <a:latin typeface="Roboto Mono" panose="00000009000000000000" pitchFamily="49" charset="0"/>
+              </a:rPr>
+              <a:t>TasksCreatedBy</a:t>
+            </a:r>
+            <a:r>
+              <a:rPr lang="en-US" b="0" i="0" dirty="0">
+                <a:solidFill>
+                  <a:srgbClr val="36464E"/>
+                </a:solidFill>
+                <a:effectLst/>
+                <a:latin typeface="Roboto Mono" panose="00000009000000000000" pitchFamily="49" charset="0"/>
+              </a:rPr>
+              <a:t>}"); // Invoke via </a:t>
+            </a:r>
+            <a:r>
+              <a:rPr lang="en-US" b="0" i="0" dirty="0" err="1">
+                <a:solidFill>
+                  <a:srgbClr val="36464E"/>
+                </a:solidFill>
+                <a:effectLst/>
+                <a:latin typeface="Roboto Mono" panose="00000009000000000000" pitchFamily="49" charset="0"/>
+              </a:rPr>
+              <a:t>DaprSDK</a:t>
+            </a:r>
+            <a:r>
+              <a:rPr lang="en-US" b="0" i="0" dirty="0">
+                <a:solidFill>
+                  <a:srgbClr val="36464E"/>
+                </a:solidFill>
+                <a:effectLst/>
+                <a:latin typeface="Roboto Mono" panose="00000009000000000000" pitchFamily="49" charset="0"/>
+              </a:rPr>
+              <a:t> (Invoke HTTP services using </a:t>
+            </a:r>
+            <a:r>
+              <a:rPr lang="en-US" b="0" i="0" dirty="0" err="1">
+                <a:solidFill>
+                  <a:srgbClr val="36464E"/>
+                </a:solidFill>
+                <a:effectLst/>
+                <a:latin typeface="Roboto Mono" panose="00000009000000000000" pitchFamily="49" charset="0"/>
+              </a:rPr>
+              <a:t>HttpClient</a:t>
+            </a:r>
+            <a:r>
+              <a:rPr lang="en-US" b="0" i="0" dirty="0">
+                <a:solidFill>
+                  <a:srgbClr val="36464E"/>
+                </a:solidFill>
+                <a:effectLst/>
+                <a:latin typeface="Roboto Mono" panose="00000009000000000000" pitchFamily="49" charset="0"/>
+              </a:rPr>
+              <a:t>) --&gt; Specify Custom Port (Option 2) //var </a:t>
+            </a:r>
+            <a:r>
+              <a:rPr lang="en-US" b="0" i="0" dirty="0" err="1">
+                <a:solidFill>
+                  <a:srgbClr val="36464E"/>
+                </a:solidFill>
+                <a:effectLst/>
+                <a:latin typeface="Roboto Mono" panose="00000009000000000000" pitchFamily="49" charset="0"/>
+              </a:rPr>
+              <a:t>daprHttpClient</a:t>
+            </a:r>
+            <a:r>
+              <a:rPr lang="en-US" b="0" i="0" dirty="0">
+                <a:solidFill>
+                  <a:srgbClr val="36464E"/>
+                </a:solidFill>
+                <a:effectLst/>
+                <a:latin typeface="Roboto Mono" panose="00000009000000000000" pitchFamily="49" charset="0"/>
+              </a:rPr>
+              <a:t> = </a:t>
+            </a:r>
+            <a:r>
+              <a:rPr lang="en-US" b="0" i="0" dirty="0" err="1">
+                <a:solidFill>
+                  <a:srgbClr val="36464E"/>
+                </a:solidFill>
+                <a:effectLst/>
+                <a:latin typeface="Roboto Mono" panose="00000009000000000000" pitchFamily="49" charset="0"/>
+              </a:rPr>
+              <a:t>DaprClient.CreateInvokeHttpClient</a:t>
+            </a:r>
+            <a:r>
+              <a:rPr lang="en-US" b="0" i="0" dirty="0">
+                <a:solidFill>
+                  <a:srgbClr val="36464E"/>
+                </a:solidFill>
+                <a:effectLst/>
+                <a:latin typeface="Roboto Mono" panose="00000009000000000000" pitchFamily="49" charset="0"/>
+              </a:rPr>
+              <a:t>(</a:t>
+            </a:r>
+            <a:r>
+              <a:rPr lang="en-US" b="0" i="0" dirty="0" err="1">
+                <a:solidFill>
+                  <a:srgbClr val="36464E"/>
+                </a:solidFill>
+                <a:effectLst/>
+                <a:latin typeface="Roboto Mono" panose="00000009000000000000" pitchFamily="49" charset="0"/>
+              </a:rPr>
+              <a:t>daprEndpoint</a:t>
+            </a:r>
+            <a:r>
+              <a:rPr lang="en-US" b="0" i="0" dirty="0">
+                <a:solidFill>
+                  <a:srgbClr val="36464E"/>
+                </a:solidFill>
+                <a:effectLst/>
+                <a:latin typeface="Roboto Mono" panose="00000009000000000000" pitchFamily="49" charset="0"/>
+              </a:rPr>
+              <a:t>: "http://localhost:3500"); //</a:t>
+            </a:r>
+            <a:r>
+              <a:rPr lang="en-US" b="0" i="0" dirty="0" err="1">
+                <a:solidFill>
+                  <a:srgbClr val="36464E"/>
+                </a:solidFill>
+                <a:effectLst/>
+                <a:latin typeface="Roboto Mono" panose="00000009000000000000" pitchFamily="49" charset="0"/>
+              </a:rPr>
+              <a:t>TasksList</a:t>
+            </a:r>
+            <a:r>
+              <a:rPr lang="en-US" b="0" i="0" dirty="0">
+                <a:solidFill>
+                  <a:srgbClr val="36464E"/>
+                </a:solidFill>
+                <a:effectLst/>
+                <a:latin typeface="Roboto Mono" panose="00000009000000000000" pitchFamily="49" charset="0"/>
+              </a:rPr>
+              <a:t> = await </a:t>
+            </a:r>
+            <a:r>
+              <a:rPr lang="en-US" b="0" i="0" dirty="0" err="1">
+                <a:solidFill>
+                  <a:srgbClr val="36464E"/>
+                </a:solidFill>
+                <a:effectLst/>
+                <a:latin typeface="Roboto Mono" panose="00000009000000000000" pitchFamily="49" charset="0"/>
+              </a:rPr>
+              <a:t>daprHttpClient.GetFromJsonAsync</a:t>
+            </a:r>
+            <a:r>
+              <a:rPr lang="en-US" b="0" i="0" dirty="0">
+                <a:solidFill>
+                  <a:srgbClr val="36464E"/>
+                </a:solidFill>
+                <a:effectLst/>
+                <a:latin typeface="Roboto Mono" panose="00000009000000000000" pitchFamily="49" charset="0"/>
+              </a:rPr>
+              <a:t>&lt;List&lt;</a:t>
+            </a:r>
+            <a:r>
+              <a:rPr lang="en-US" b="0" i="0" dirty="0" err="1">
+                <a:solidFill>
+                  <a:srgbClr val="36464E"/>
+                </a:solidFill>
+                <a:effectLst/>
+                <a:latin typeface="Roboto Mono" panose="00000009000000000000" pitchFamily="49" charset="0"/>
+              </a:rPr>
+              <a:t>TaskModel</a:t>
+            </a:r>
+            <a:r>
+              <a:rPr lang="en-US" b="0" i="0" dirty="0">
+                <a:solidFill>
+                  <a:srgbClr val="36464E"/>
+                </a:solidFill>
+                <a:effectLst/>
+                <a:latin typeface="Roboto Mono" panose="00000009000000000000" pitchFamily="49" charset="0"/>
+              </a:rPr>
+              <a:t>&gt;&gt;($"http://tasksmanager-backend-</a:t>
+            </a:r>
+            <a:r>
+              <a:rPr lang="en-US" b="0" i="0" dirty="0" err="1">
+                <a:solidFill>
+                  <a:srgbClr val="36464E"/>
+                </a:solidFill>
+                <a:effectLst/>
+                <a:latin typeface="Roboto Mono" panose="00000009000000000000" pitchFamily="49" charset="0"/>
+              </a:rPr>
+              <a:t>api</a:t>
+            </a:r>
+            <a:r>
+              <a:rPr lang="en-US" b="0" i="0" dirty="0">
+                <a:solidFill>
+                  <a:srgbClr val="36464E"/>
+                </a:solidFill>
+                <a:effectLst/>
+                <a:latin typeface="Roboto Mono" panose="00000009000000000000" pitchFamily="49" charset="0"/>
+              </a:rPr>
+              <a:t>/</a:t>
+            </a:r>
+            <a:r>
+              <a:rPr lang="en-US" b="0" i="0" dirty="0" err="1">
+                <a:solidFill>
+                  <a:srgbClr val="36464E"/>
+                </a:solidFill>
+                <a:effectLst/>
+                <a:latin typeface="Roboto Mono" panose="00000009000000000000" pitchFamily="49" charset="0"/>
+              </a:rPr>
+              <a:t>api</a:t>
+            </a:r>
+            <a:r>
+              <a:rPr lang="en-US" b="0" i="0" dirty="0">
+                <a:solidFill>
+                  <a:srgbClr val="36464E"/>
+                </a:solidFill>
+                <a:effectLst/>
+                <a:latin typeface="Roboto Mono" panose="00000009000000000000" pitchFamily="49" charset="0"/>
+              </a:rPr>
+              <a:t>/</a:t>
+            </a:r>
+            <a:r>
+              <a:rPr lang="en-US" b="0" i="0" dirty="0" err="1">
+                <a:solidFill>
+                  <a:srgbClr val="36464E"/>
+                </a:solidFill>
+                <a:effectLst/>
+                <a:latin typeface="Roboto Mono" panose="00000009000000000000" pitchFamily="49" charset="0"/>
+              </a:rPr>
+              <a:t>tasks?createdBy</a:t>
+            </a:r>
+            <a:r>
+              <a:rPr lang="en-US" b="0" i="0" dirty="0">
+                <a:solidFill>
+                  <a:srgbClr val="36464E"/>
+                </a:solidFill>
+                <a:effectLst/>
+                <a:latin typeface="Roboto Mono" panose="00000009000000000000" pitchFamily="49" charset="0"/>
+              </a:rPr>
+              <a:t>={</a:t>
+            </a:r>
+            <a:r>
+              <a:rPr lang="en-US" b="0" i="0" dirty="0" err="1">
+                <a:solidFill>
+                  <a:srgbClr val="36464E"/>
+                </a:solidFill>
+                <a:effectLst/>
+                <a:latin typeface="Roboto Mono" panose="00000009000000000000" pitchFamily="49" charset="0"/>
+              </a:rPr>
+              <a:t>TasksCreatedBy</a:t>
+            </a:r>
+            <a:r>
+              <a:rPr lang="en-US" b="0" i="0" dirty="0">
+                <a:solidFill>
+                  <a:srgbClr val="36464E"/>
+                </a:solidFill>
+                <a:effectLst/>
+                <a:latin typeface="Roboto Mono" panose="00000009000000000000" pitchFamily="49" charset="0"/>
+              </a:rPr>
+              <a:t>}"); // Invoke via </a:t>
+            </a:r>
+            <a:r>
+              <a:rPr lang="en-US" b="0" i="0" dirty="0" err="1">
+                <a:solidFill>
+                  <a:srgbClr val="36464E"/>
+                </a:solidFill>
+                <a:effectLst/>
+                <a:latin typeface="Roboto Mono" panose="00000009000000000000" pitchFamily="49" charset="0"/>
+              </a:rPr>
+              <a:t>DaprSDK</a:t>
+            </a:r>
+            <a:r>
+              <a:rPr lang="en-US" b="0" i="0" dirty="0">
+                <a:solidFill>
+                  <a:srgbClr val="36464E"/>
+                </a:solidFill>
+                <a:effectLst/>
+                <a:latin typeface="Roboto Mono" panose="00000009000000000000" pitchFamily="49" charset="0"/>
+              </a:rPr>
+              <a:t> (Invoke HTTP services using </a:t>
+            </a:r>
+            <a:r>
+              <a:rPr lang="en-US" b="0" i="0" dirty="0" err="1">
+                <a:solidFill>
+                  <a:srgbClr val="36464E"/>
+                </a:solidFill>
+                <a:effectLst/>
+                <a:latin typeface="Roboto Mono" panose="00000009000000000000" pitchFamily="49" charset="0"/>
+              </a:rPr>
+              <a:t>DaprClient</a:t>
+            </a:r>
+            <a:r>
+              <a:rPr lang="en-US" b="0" i="0" dirty="0">
+                <a:solidFill>
+                  <a:srgbClr val="36464E"/>
+                </a:solidFill>
+                <a:effectLst/>
+                <a:latin typeface="Roboto Mono" panose="00000009000000000000" pitchFamily="49" charset="0"/>
+              </a:rPr>
+              <a:t>) </a:t>
+            </a:r>
+            <a:r>
+              <a:rPr lang="en-US" b="0" i="0" dirty="0" err="1">
+                <a:solidFill>
+                  <a:srgbClr val="36464E"/>
+                </a:solidFill>
+                <a:effectLst/>
+                <a:latin typeface="Roboto Mono" panose="00000009000000000000" pitchFamily="49" charset="0"/>
+              </a:rPr>
+              <a:t>TasksList</a:t>
+            </a:r>
+            <a:r>
+              <a:rPr lang="en-US" b="0" i="0" dirty="0">
+                <a:solidFill>
+                  <a:srgbClr val="36464E"/>
+                </a:solidFill>
+                <a:effectLst/>
+                <a:latin typeface="Roboto Mono" panose="00000009000000000000" pitchFamily="49" charset="0"/>
+              </a:rPr>
+              <a:t> = await _</a:t>
+            </a:r>
+            <a:r>
+              <a:rPr lang="en-US" b="0" i="0" dirty="0" err="1">
+                <a:solidFill>
+                  <a:srgbClr val="36464E"/>
+                </a:solidFill>
+                <a:effectLst/>
+                <a:latin typeface="Roboto Mono" panose="00000009000000000000" pitchFamily="49" charset="0"/>
+              </a:rPr>
+              <a:t>daprClient.InvokeMethodAsync</a:t>
+            </a:r>
+            <a:r>
+              <a:rPr lang="en-US" b="0" i="0" dirty="0">
+                <a:solidFill>
+                  <a:srgbClr val="36464E"/>
+                </a:solidFill>
+                <a:effectLst/>
+                <a:latin typeface="Roboto Mono" panose="00000009000000000000" pitchFamily="49" charset="0"/>
+              </a:rPr>
+              <a:t>&lt;List&lt;</a:t>
+            </a:r>
+            <a:r>
+              <a:rPr lang="en-US" b="0" i="0" dirty="0" err="1">
+                <a:solidFill>
+                  <a:srgbClr val="36464E"/>
+                </a:solidFill>
+                <a:effectLst/>
+                <a:latin typeface="Roboto Mono" panose="00000009000000000000" pitchFamily="49" charset="0"/>
+              </a:rPr>
+              <a:t>TaskModel</a:t>
+            </a:r>
+            <a:r>
+              <a:rPr lang="en-US" b="0" i="0" dirty="0">
+                <a:solidFill>
+                  <a:srgbClr val="36464E"/>
+                </a:solidFill>
+                <a:effectLst/>
+                <a:latin typeface="Roboto Mono" panose="00000009000000000000" pitchFamily="49" charset="0"/>
+              </a:rPr>
+              <a:t>&gt;&gt;(</a:t>
+            </a:r>
+            <a:r>
+              <a:rPr lang="en-US" b="0" i="0" dirty="0" err="1">
+                <a:solidFill>
+                  <a:srgbClr val="36464E"/>
+                </a:solidFill>
+                <a:effectLst/>
+                <a:latin typeface="Roboto Mono" panose="00000009000000000000" pitchFamily="49" charset="0"/>
+              </a:rPr>
+              <a:t>HttpMethod.Get</a:t>
+            </a:r>
+            <a:r>
+              <a:rPr lang="en-US" b="0" i="0" dirty="0">
+                <a:solidFill>
+                  <a:srgbClr val="36464E"/>
+                </a:solidFill>
+                <a:effectLst/>
+                <a:latin typeface="Roboto Mono" panose="00000009000000000000" pitchFamily="49" charset="0"/>
+              </a:rPr>
+              <a:t>, "tasksmanager-backend-</a:t>
+            </a:r>
+            <a:r>
+              <a:rPr lang="en-US" b="0" i="0" dirty="0" err="1">
+                <a:solidFill>
+                  <a:srgbClr val="36464E"/>
+                </a:solidFill>
+                <a:effectLst/>
+                <a:latin typeface="Roboto Mono" panose="00000009000000000000" pitchFamily="49" charset="0"/>
+              </a:rPr>
+              <a:t>api</a:t>
+            </a:r>
+            <a:r>
+              <a:rPr lang="en-US" b="0" i="0" dirty="0">
+                <a:solidFill>
+                  <a:srgbClr val="36464E"/>
+                </a:solidFill>
+                <a:effectLst/>
+                <a:latin typeface="Roboto Mono" panose="00000009000000000000" pitchFamily="49" charset="0"/>
+              </a:rPr>
+              <a:t>", $"</a:t>
+            </a:r>
+            <a:r>
+              <a:rPr lang="en-US" b="0" i="0" dirty="0" err="1">
+                <a:solidFill>
+                  <a:srgbClr val="36464E"/>
+                </a:solidFill>
+                <a:effectLst/>
+                <a:latin typeface="Roboto Mono" panose="00000009000000000000" pitchFamily="49" charset="0"/>
+              </a:rPr>
+              <a:t>api</a:t>
+            </a:r>
+            <a:r>
+              <a:rPr lang="en-US" b="0" i="0" dirty="0">
+                <a:solidFill>
+                  <a:srgbClr val="36464E"/>
+                </a:solidFill>
+                <a:effectLst/>
+                <a:latin typeface="Roboto Mono" panose="00000009000000000000" pitchFamily="49" charset="0"/>
+              </a:rPr>
+              <a:t>/</a:t>
+            </a:r>
+            <a:r>
+              <a:rPr lang="en-US" b="0" i="0" dirty="0" err="1">
+                <a:solidFill>
+                  <a:srgbClr val="36464E"/>
+                </a:solidFill>
+                <a:effectLst/>
+                <a:latin typeface="Roboto Mono" panose="00000009000000000000" pitchFamily="49" charset="0"/>
+              </a:rPr>
+              <a:t>tasks?createdBy</a:t>
+            </a:r>
+            <a:r>
+              <a:rPr lang="en-US" b="0" i="0" dirty="0">
+                <a:solidFill>
+                  <a:srgbClr val="36464E"/>
+                </a:solidFill>
+                <a:effectLst/>
+                <a:latin typeface="Roboto Mono" panose="00000009000000000000" pitchFamily="49" charset="0"/>
+              </a:rPr>
+              <a:t>={</a:t>
+            </a:r>
+            <a:r>
+              <a:rPr lang="en-US" b="0" i="0" dirty="0" err="1">
+                <a:solidFill>
+                  <a:srgbClr val="36464E"/>
+                </a:solidFill>
+                <a:effectLst/>
+                <a:latin typeface="Roboto Mono" panose="00000009000000000000" pitchFamily="49" charset="0"/>
+              </a:rPr>
+              <a:t>TasksCreatedBy</a:t>
+            </a:r>
+            <a:r>
+              <a:rPr lang="en-US" b="0" i="0" dirty="0">
+                <a:solidFill>
+                  <a:srgbClr val="36464E"/>
+                </a:solidFill>
+                <a:effectLst/>
+                <a:latin typeface="Roboto Mono" panose="00000009000000000000" pitchFamily="49" charset="0"/>
+              </a:rPr>
+              <a:t>}");</a:t>
+            </a:r>
+            <a:endParaRPr lang="en-US" dirty="0"/>
+          </a:p>
+        </p:txBody>
+      </p:sp>
+    </p:spTree>
+    <p:extLst>
+      <p:ext uri="{BB962C8B-B14F-4D97-AF65-F5344CB8AC3E}">
+        <p14:creationId xmlns:p14="http://schemas.microsoft.com/office/powerpoint/2010/main" val="377744950"/>
+      </p:ext>
+    </p:extLst>
+  </p:cSld>
+  <p:clrMapOvr>
+    <a:masterClrMapping/>
+  </p:clrMapOvr>
+</p:sld>
+</file>
+
+<file path=ppt/slides/slide19.xml><?xml version="1.0" encoding="utf-8"?>
+<p:sld xmlns:a="http://schemas.openxmlformats.org/drawingml/2006/main" xmlns:r="http://schemas.openxmlformats.org/officeDocument/2006/relationships" xmlns:p="http://schemas.openxmlformats.org/presentationml/2006/main">
+  <p:cSld>
+    <p:spTree>
+      <p:nvGrpSpPr>
+        <p:cNvPr id="1" name=""/>
+        <p:cNvGrpSpPr/>
+        <p:nvPr/>
+      </p:nvGrpSpPr>
+      <p:grpSpPr>
+        <a:xfrm>
+          <a:off x="0" y="0"/>
+          <a:ext cx="0" cy="0"/>
+          <a:chOff x="0" y="0"/>
+          <a:chExt cx="0" cy="0"/>
+        </a:xfrm>
+      </p:grpSpPr>
+      <p:sp>
+        <p:nvSpPr>
+          <p:cNvPr id="2" name="Title 1">
+            <a:extLst>
+              <a:ext uri="{FF2B5EF4-FFF2-40B4-BE49-F238E27FC236}">
+                <a16:creationId xmlns:a16="http://schemas.microsoft.com/office/drawing/2014/main" id="{7E2197A4-4455-81AC-0B83-ACA2613D5368}"/>
+              </a:ext>
+            </a:extLst>
+          </p:cNvPr>
+          <p:cNvSpPr>
+            <a:spLocks noGrp="1"/>
+          </p:cNvSpPr>
+          <p:nvPr>
+            <p:ph type="title"/>
+          </p:nvPr>
+        </p:nvSpPr>
+        <p:spPr/>
+        <p:txBody>
+          <a:bodyPr/>
+          <a:lstStyle/>
+          <a:p>
+            <a:r>
+              <a:rPr lang="en-US" dirty="0" err="1"/>
+              <a:t>Dapr</a:t>
+            </a:r>
+            <a:r>
+              <a:rPr lang="en-US" dirty="0"/>
+              <a:t> – State Management API</a:t>
+            </a:r>
+          </a:p>
+        </p:txBody>
+      </p:sp>
+      <p:pic>
+        <p:nvPicPr>
+          <p:cNvPr id="1026" name="Picture 2" descr="dapr-stateapi-cosmosdb">
+            <a:extLst>
+              <a:ext uri="{FF2B5EF4-FFF2-40B4-BE49-F238E27FC236}">
+                <a16:creationId xmlns:a16="http://schemas.microsoft.com/office/drawing/2014/main" id="{9F0209E8-9324-867F-8803-7B216123968E}"/>
+              </a:ext>
+            </a:extLst>
+          </p:cNvPr>
+          <p:cNvPicPr>
+            <a:picLocks noGrp="1" noChangeAspect="1" noChangeArrowheads="1"/>
+          </p:cNvPicPr>
+          <p:nvPr>
+            <p:ph idx="1"/>
+          </p:nvPr>
+        </p:nvPicPr>
+        <p:blipFill>
+          <a:blip r:embed="rId2">
+            <a:extLst>
+              <a:ext uri="{28A0092B-C50C-407E-A947-70E740481C1C}">
+                <a14:useLocalDpi xmlns:a14="http://schemas.microsoft.com/office/drawing/2010/main" val="0"/>
+              </a:ext>
+            </a:extLst>
+          </a:blip>
+          <a:srcRect/>
+          <a:stretch>
+            <a:fillRect/>
+          </a:stretch>
+        </p:blipFill>
+        <p:spPr bwMode="auto">
+          <a:xfrm>
+            <a:off x="1386233" y="1746250"/>
+            <a:ext cx="7378700" cy="1682750"/>
+          </a:xfrm>
+          <a:prstGeom prst="rect">
+            <a:avLst/>
+          </a:prstGeom>
+          <a:noFill/>
+          <a:extLst>
+            <a:ext uri="{909E8E84-426E-40DD-AFC4-6F175D3DCCD1}">
+              <a14:hiddenFill xmlns:a14="http://schemas.microsoft.com/office/drawing/2010/main">
+                <a:solidFill>
+                  <a:srgbClr val="FFFFFF"/>
+                </a:solidFill>
+              </a14:hiddenFill>
+            </a:ext>
+          </a:extLst>
+        </p:spPr>
+      </p:pic>
+      <p:sp>
+        <p:nvSpPr>
+          <p:cNvPr id="4" name="TextBox 3">
+            <a:extLst>
+              <a:ext uri="{FF2B5EF4-FFF2-40B4-BE49-F238E27FC236}">
+                <a16:creationId xmlns:a16="http://schemas.microsoft.com/office/drawing/2014/main" id="{A45320CF-E2C9-834E-E776-E59A612764B4}"/>
+              </a:ext>
+            </a:extLst>
+          </p:cNvPr>
+          <p:cNvSpPr txBox="1"/>
+          <p:nvPr/>
+        </p:nvSpPr>
+        <p:spPr>
+          <a:xfrm>
+            <a:off x="1386233" y="3935896"/>
+            <a:ext cx="7378700" cy="646331"/>
+          </a:xfrm>
+          <a:prstGeom prst="rect">
+            <a:avLst/>
+          </a:prstGeom>
+          <a:noFill/>
+        </p:spPr>
+        <p:txBody>
+          <a:bodyPr wrap="square" rtlCol="0">
+            <a:spAutoFit/>
+          </a:bodyPr>
+          <a:lstStyle/>
+          <a:p>
+            <a:pPr marL="342900" indent="-342900">
+              <a:buAutoNum type="arabicPeriod"/>
+            </a:pPr>
+            <a:r>
+              <a:rPr lang="en-US" dirty="0"/>
+              <a:t>Easy to switch between state stores (pluggable state feature)</a:t>
+            </a:r>
+          </a:p>
+          <a:p>
+            <a:pPr marL="342900" indent="-342900">
+              <a:buAutoNum type="arabicPeriod"/>
+            </a:pPr>
+            <a:endParaRPr lang="en-US" dirty="0"/>
+          </a:p>
+        </p:txBody>
+      </p:sp>
+    </p:spTree>
+    <p:extLst>
+      <p:ext uri="{BB962C8B-B14F-4D97-AF65-F5344CB8AC3E}">
+        <p14:creationId xmlns:p14="http://schemas.microsoft.com/office/powerpoint/2010/main" val="1433548159"/>
+      </p:ext>
+    </p:extLst>
+  </p:cSld>
+  <p:clrMapOvr>
+    <a:masterClrMapping/>
+  </p:clrMapOvr>
+</p:sld>
+</file>
+
 <file path=ppt/slides/slide2.xml><?xml version="1.0" encoding="utf-8"?>
 <p:sld xmlns:a="http://schemas.openxmlformats.org/drawingml/2006/main" xmlns:r="http://schemas.openxmlformats.org/officeDocument/2006/relationships" xmlns:p="http://schemas.openxmlformats.org/presentationml/2006/main">
   <p:cSld>
@@ -4188,6 +9324,267 @@
     <p:extLst>
       <p:ext uri="{BB962C8B-B14F-4D97-AF65-F5344CB8AC3E}">
         <p14:creationId xmlns:p14="http://schemas.microsoft.com/office/powerpoint/2010/main" val="2057367586"/>
+      </p:ext>
+    </p:extLst>
+  </p:cSld>
+  <p:clrMapOvr>
+    <a:masterClrMapping/>
+  </p:clrMapOvr>
+</p:sld>
+</file>
+
+<file path=ppt/slides/slide20.xml><?xml version="1.0" encoding="utf-8"?>
+<p:sld xmlns:a="http://schemas.openxmlformats.org/drawingml/2006/main" xmlns:r="http://schemas.openxmlformats.org/officeDocument/2006/relationships" xmlns:p="http://schemas.openxmlformats.org/presentationml/2006/main">
+  <p:cSld>
+    <p:spTree>
+      <p:nvGrpSpPr>
+        <p:cNvPr id="1" name=""/>
+        <p:cNvGrpSpPr/>
+        <p:nvPr/>
+      </p:nvGrpSpPr>
+      <p:grpSpPr>
+        <a:xfrm>
+          <a:off x="0" y="0"/>
+          <a:ext cx="0" cy="0"/>
+          <a:chOff x="0" y="0"/>
+          <a:chExt cx="0" cy="0"/>
+        </a:xfrm>
+      </p:grpSpPr>
+      <p:sp>
+        <p:nvSpPr>
+          <p:cNvPr id="2" name="Title 1">
+            <a:extLst>
+              <a:ext uri="{FF2B5EF4-FFF2-40B4-BE49-F238E27FC236}">
+                <a16:creationId xmlns:a16="http://schemas.microsoft.com/office/drawing/2014/main" id="{13D590BB-08FA-12D8-7E0D-D3CEA5C070D9}"/>
+              </a:ext>
+            </a:extLst>
+          </p:cNvPr>
+          <p:cNvSpPr>
+            <a:spLocks noGrp="1"/>
+          </p:cNvSpPr>
+          <p:nvPr>
+            <p:ph type="title"/>
+          </p:nvPr>
+        </p:nvSpPr>
+        <p:spPr/>
+        <p:txBody>
+          <a:bodyPr/>
+          <a:lstStyle/>
+          <a:p>
+            <a:r>
+              <a:rPr lang="en-US" dirty="0"/>
+              <a:t>Interacting with External Systems</a:t>
+            </a:r>
+          </a:p>
+        </p:txBody>
+      </p:sp>
+      <p:sp>
+        <p:nvSpPr>
+          <p:cNvPr id="3" name="Content Placeholder 2">
+            <a:extLst>
+              <a:ext uri="{FF2B5EF4-FFF2-40B4-BE49-F238E27FC236}">
+                <a16:creationId xmlns:a16="http://schemas.microsoft.com/office/drawing/2014/main" id="{93CDDDB3-DCF9-F59D-8388-2FDC6A77B0FB}"/>
+              </a:ext>
+            </a:extLst>
+          </p:cNvPr>
+          <p:cNvSpPr>
+            <a:spLocks noGrp="1"/>
+          </p:cNvSpPr>
+          <p:nvPr>
+            <p:ph idx="1"/>
+          </p:nvPr>
+        </p:nvSpPr>
+        <p:spPr/>
+        <p:txBody>
+          <a:bodyPr/>
+          <a:lstStyle/>
+          <a:p>
+            <a:r>
+              <a:rPr lang="en-US" b="0" i="0" dirty="0">
+                <a:effectLst/>
+                <a:latin typeface="Ubuntu" panose="020B0504030602030204" pitchFamily="34" charset="0"/>
+              </a:rPr>
+              <a:t>But remember that Pub/Sub Building Block is meant to be used for async communication between services </a:t>
+            </a:r>
+            <a:r>
+              <a:rPr lang="en-US" b="1" i="0" dirty="0">
+                <a:effectLst/>
+                <a:latin typeface="Ubuntu" panose="020B0504030602030204" pitchFamily="34" charset="0"/>
+              </a:rPr>
+              <a:t>within your solution</a:t>
+            </a:r>
+            <a:r>
+              <a:rPr lang="en-US" b="0" i="0" dirty="0">
+                <a:effectLst/>
+                <a:latin typeface="Ubuntu" panose="020B0504030602030204" pitchFamily="34" charset="0"/>
+              </a:rPr>
+              <a:t>. The Binding Building Block has a wider scope and it mainly focuses on connectivity and interoperability across different systems, disparate applications, and services outside the boundaries of your own application.</a:t>
+            </a:r>
+          </a:p>
+          <a:p>
+            <a:r>
+              <a:rPr lang="en-US" dirty="0">
+                <a:hlinkClick r:id="rId2"/>
+              </a:rPr>
+              <a:t>https://docs.dapr.io/reference/components-reference/supported-bindings/</a:t>
+            </a:r>
+            <a:endParaRPr lang="en-US" dirty="0">
+              <a:latin typeface="Ubuntu" panose="020B0504030602030204" pitchFamily="34" charset="0"/>
+            </a:endParaRPr>
+          </a:p>
+          <a:p>
+            <a:endParaRPr lang="en-US" dirty="0"/>
+          </a:p>
+        </p:txBody>
+      </p:sp>
+      <p:pic>
+        <p:nvPicPr>
+          <p:cNvPr id="1026" name="Picture 2" descr="simple-binding-arch">
+            <a:extLst>
+              <a:ext uri="{FF2B5EF4-FFF2-40B4-BE49-F238E27FC236}">
+                <a16:creationId xmlns:a16="http://schemas.microsoft.com/office/drawing/2014/main" id="{F5F0177D-2205-C919-56C0-F6F4CC986335}"/>
+              </a:ext>
+            </a:extLst>
+          </p:cNvPr>
+          <p:cNvPicPr>
+            <a:picLocks noChangeAspect="1" noChangeArrowheads="1"/>
+          </p:cNvPicPr>
+          <p:nvPr/>
+        </p:nvPicPr>
+        <p:blipFill>
+          <a:blip r:embed="rId3">
+            <a:extLst>
+              <a:ext uri="{28A0092B-C50C-407E-A947-70E740481C1C}">
+                <a14:useLocalDpi xmlns:a14="http://schemas.microsoft.com/office/drawing/2010/main" val="0"/>
+              </a:ext>
+            </a:extLst>
+          </a:blip>
+          <a:srcRect/>
+          <a:stretch>
+            <a:fillRect/>
+          </a:stretch>
+        </p:blipFill>
+        <p:spPr bwMode="auto">
+          <a:xfrm>
+            <a:off x="2186608" y="4372207"/>
+            <a:ext cx="7792279" cy="2742517"/>
+          </a:xfrm>
+          <a:prstGeom prst="rect">
+            <a:avLst/>
+          </a:prstGeom>
+          <a:noFill/>
+          <a:extLst>
+            <a:ext uri="{909E8E84-426E-40DD-AFC4-6F175D3DCCD1}">
+              <a14:hiddenFill xmlns:a14="http://schemas.microsoft.com/office/drawing/2010/main">
+                <a:solidFill>
+                  <a:srgbClr val="FFFFFF"/>
+                </a:solidFill>
+              </a14:hiddenFill>
+            </a:ext>
+          </a:extLst>
+        </p:spPr>
+      </p:pic>
+    </p:spTree>
+    <p:extLst>
+      <p:ext uri="{BB962C8B-B14F-4D97-AF65-F5344CB8AC3E}">
+        <p14:creationId xmlns:p14="http://schemas.microsoft.com/office/powerpoint/2010/main" val="2298254453"/>
+      </p:ext>
+    </p:extLst>
+  </p:cSld>
+  <p:clrMapOvr>
+    <a:masterClrMapping/>
+  </p:clrMapOvr>
+</p:sld>
+</file>
+
+<file path=ppt/slides/slide21.xml><?xml version="1.0" encoding="utf-8"?>
+<p:sld xmlns:a="http://schemas.openxmlformats.org/drawingml/2006/main" xmlns:r="http://schemas.openxmlformats.org/officeDocument/2006/relationships" xmlns:p="http://schemas.openxmlformats.org/presentationml/2006/main">
+  <p:cSld>
+    <p:spTree>
+      <p:nvGrpSpPr>
+        <p:cNvPr id="1" name=""/>
+        <p:cNvGrpSpPr/>
+        <p:nvPr/>
+      </p:nvGrpSpPr>
+      <p:grpSpPr>
+        <a:xfrm>
+          <a:off x="0" y="0"/>
+          <a:ext cx="0" cy="0"/>
+          <a:chOff x="0" y="0"/>
+          <a:chExt cx="0" cy="0"/>
+        </a:xfrm>
+      </p:grpSpPr>
+      <p:sp>
+        <p:nvSpPr>
+          <p:cNvPr id="2" name="Title 1">
+            <a:extLst>
+              <a:ext uri="{FF2B5EF4-FFF2-40B4-BE49-F238E27FC236}">
+                <a16:creationId xmlns:a16="http://schemas.microsoft.com/office/drawing/2014/main" id="{73431FDC-AD9D-4F86-719E-B8F4A0D2DA56}"/>
+              </a:ext>
+            </a:extLst>
+          </p:cNvPr>
+          <p:cNvSpPr>
+            <a:spLocks noGrp="1"/>
+          </p:cNvSpPr>
+          <p:nvPr>
+            <p:ph type="title"/>
+          </p:nvPr>
+        </p:nvSpPr>
+        <p:spPr/>
+        <p:txBody>
+          <a:bodyPr/>
+          <a:lstStyle/>
+          <a:p>
+            <a:endParaRPr lang="en-US"/>
+          </a:p>
+        </p:txBody>
+      </p:sp>
+      <p:sp>
+        <p:nvSpPr>
+          <p:cNvPr id="3" name="Content Placeholder 2">
+            <a:extLst>
+              <a:ext uri="{FF2B5EF4-FFF2-40B4-BE49-F238E27FC236}">
+                <a16:creationId xmlns:a16="http://schemas.microsoft.com/office/drawing/2014/main" id="{A19ADFFE-4026-87EC-0102-648730BE1E43}"/>
+              </a:ext>
+            </a:extLst>
+          </p:cNvPr>
+          <p:cNvSpPr>
+            <a:spLocks noGrp="1"/>
+          </p:cNvSpPr>
+          <p:nvPr>
+            <p:ph idx="1"/>
+          </p:nvPr>
+        </p:nvSpPr>
+        <p:spPr/>
+        <p:txBody>
+          <a:bodyPr/>
+          <a:lstStyle/>
+          <a:p>
+            <a:r>
+              <a:rPr lang="en-US" dirty="0"/>
+              <a:t>Good links </a:t>
+            </a:r>
+          </a:p>
+          <a:p>
+            <a:pPr lvl="1"/>
+            <a:r>
+              <a:rPr lang="en-US" dirty="0">
+                <a:hlinkClick r:id="rId2"/>
+              </a:rPr>
+              <a:t>https://github.com/dotnet-architecture/eBooks/blob/1ed30275281b9060964fcb2a4c363fe7797fe3f3/current/dapr-for-net-developers/Dapr-for-NET-Developers.pdf</a:t>
+            </a:r>
+            <a:endParaRPr lang="en-US" dirty="0"/>
+          </a:p>
+          <a:p>
+            <a:pPr lvl="1"/>
+            <a:endParaRPr lang="en-US" dirty="0"/>
+          </a:p>
+        </p:txBody>
+      </p:sp>
+    </p:spTree>
+    <p:extLst>
+      <p:ext uri="{BB962C8B-B14F-4D97-AF65-F5344CB8AC3E}">
+        <p14:creationId xmlns:p14="http://schemas.microsoft.com/office/powerpoint/2010/main" val="1412067762"/>
       </p:ext>
     </p:extLst>
   </p:cSld>

--- a/container-apps.pptx
+++ b/container-apps.pptx
@@ -217,7 +217,7 @@
           <a:p>
             <a:fld id="{00C8EF1D-ABD6-4CA4-BDD1-9AA5FCCA67B3}" type="datetimeFigureOut">
               <a:rPr lang="en-US" smtClean="0"/>
-              <a:t>8/20/2024</a:t>
+              <a:t>8/26/2024</a:t>
             </a:fld>
             <a:endParaRPr lang="en-US"/>
           </a:p>
@@ -528,16 +528,7 @@
           <a:bodyPr/>
           <a:lstStyle/>
           <a:p>
-            <a:r>
-              <a:rPr lang="en-US" dirty="0"/>
-              <a:t>Environments – a security boundary for the apps running . In k8s terms it represents a cluster or lets this like app plan in regular web app</a:t>
-            </a:r>
-          </a:p>
-          <a:p>
-            <a:r>
-              <a:rPr lang="en-US" dirty="0"/>
-              <a:t>Revisions – are versions ..handy when we want to do traffic splitting.</a:t>
-            </a:r>
+            <a:endParaRPr lang="en-US" dirty="0"/>
           </a:p>
         </p:txBody>
       </p:sp>
@@ -558,7 +549,7 @@
           <a:p>
             <a:fld id="{574B454C-392B-49AE-A306-157BCCE4709B}" type="slidenum">
               <a:rPr lang="en-US" smtClean="0"/>
-              <a:t>5</a:t>
+              <a:t>1</a:t>
             </a:fld>
             <a:endParaRPr lang="en-US"/>
           </a:p>
@@ -567,7 +558,91 @@
     </p:spTree>
     <p:extLst>
       <p:ext uri="{BB962C8B-B14F-4D97-AF65-F5344CB8AC3E}">
-        <p14:creationId xmlns:p14="http://schemas.microsoft.com/office/powerpoint/2010/main" val="2600326223"/>
+        <p14:creationId xmlns:p14="http://schemas.microsoft.com/office/powerpoint/2010/main" val="1665494339"/>
+      </p:ext>
+    </p:extLst>
+  </p:cSld>
+  <p:clrMapOvr>
+    <a:masterClrMapping/>
+  </p:clrMapOvr>
+</p:notes>
+</file>
+
+<file path=ppt/notesSlides/notesSlide10.xml><?xml version="1.0" encoding="utf-8"?>
+<p:notes xmlns:a="http://schemas.openxmlformats.org/drawingml/2006/main" xmlns:r="http://schemas.openxmlformats.org/officeDocument/2006/relationships" xmlns:p="http://schemas.openxmlformats.org/presentationml/2006/main">
+  <p:cSld>
+    <p:spTree>
+      <p:nvGrpSpPr>
+        <p:cNvPr id="1" name=""/>
+        <p:cNvGrpSpPr/>
+        <p:nvPr/>
+      </p:nvGrpSpPr>
+      <p:grpSpPr>
+        <a:xfrm>
+          <a:off x="0" y="0"/>
+          <a:ext cx="0" cy="0"/>
+          <a:chOff x="0" y="0"/>
+          <a:chExt cx="0" cy="0"/>
+        </a:xfrm>
+      </p:grpSpPr>
+      <p:sp>
+        <p:nvSpPr>
+          <p:cNvPr id="2" name="Slide Image Placeholder 1"/>
+          <p:cNvSpPr>
+            <a:spLocks noGrp="1" noRot="1" noChangeAspect="1"/>
+          </p:cNvSpPr>
+          <p:nvPr>
+            <p:ph type="sldImg"/>
+          </p:nvPr>
+        </p:nvSpPr>
+        <p:spPr/>
+      </p:sp>
+      <p:sp>
+        <p:nvSpPr>
+          <p:cNvPr id="3" name="Notes Placeholder 2"/>
+          <p:cNvSpPr>
+            <a:spLocks noGrp="1"/>
+          </p:cNvSpPr>
+          <p:nvPr>
+            <p:ph type="body" idx="1"/>
+          </p:nvPr>
+        </p:nvSpPr>
+        <p:spPr/>
+        <p:txBody>
+          <a:bodyPr/>
+          <a:lstStyle/>
+          <a:p>
+            <a:endParaRPr lang="en-US" dirty="0"/>
+          </a:p>
+        </p:txBody>
+      </p:sp>
+      <p:sp>
+        <p:nvSpPr>
+          <p:cNvPr id="4" name="Slide Number Placeholder 3"/>
+          <p:cNvSpPr>
+            <a:spLocks noGrp="1"/>
+          </p:cNvSpPr>
+          <p:nvPr>
+            <p:ph type="sldNum" sz="quarter" idx="5"/>
+          </p:nvPr>
+        </p:nvSpPr>
+        <p:spPr/>
+        <p:txBody>
+          <a:bodyPr/>
+          <a:lstStyle/>
+          <a:p>
+            <a:fld id="{574B454C-392B-49AE-A306-157BCCE4709B}" type="slidenum">
+              <a:rPr lang="en-US" smtClean="0"/>
+              <a:t>17</a:t>
+            </a:fld>
+            <a:endParaRPr lang="en-US"/>
+          </a:p>
+        </p:txBody>
+      </p:sp>
+    </p:spTree>
+    <p:extLst>
+      <p:ext uri="{BB962C8B-B14F-4D97-AF65-F5344CB8AC3E}">
+        <p14:creationId xmlns:p14="http://schemas.microsoft.com/office/powerpoint/2010/main" val="1693872326"/>
       </p:ext>
     </p:extLst>
   </p:cSld>
@@ -623,15 +698,13 @@
           <a:p>
             <a:r>
               <a:rPr lang="en-US" dirty="0"/>
-              <a:t>Good for traffic splitting , Blue green deployment </a:t>
-            </a:r>
-            <a:r>
-              <a:rPr lang="en-US" dirty="0" err="1"/>
-              <a:t>etc</a:t>
-            </a:r>
+              <a:t>Environments – a security boundary for the apps running . In k8s terms it represents a cluster or lets this like app plan in regular web app</a:t>
+            </a:r>
+          </a:p>
+          <a:p>
             <a:r>
               <a:rPr lang="en-US" dirty="0"/>
-              <a:t> </a:t>
+              <a:t>Revisions – are versions ..handy when we want to do traffic splitting.</a:t>
             </a:r>
           </a:p>
         </p:txBody>
@@ -653,7 +726,7 @@
           <a:p>
             <a:fld id="{574B454C-392B-49AE-A306-157BCCE4709B}" type="slidenum">
               <a:rPr lang="en-US" smtClean="0"/>
-              <a:t>8</a:t>
+              <a:t>5</a:t>
             </a:fld>
             <a:endParaRPr lang="en-US"/>
           </a:p>
@@ -662,7 +735,7 @@
     </p:spTree>
     <p:extLst>
       <p:ext uri="{BB962C8B-B14F-4D97-AF65-F5344CB8AC3E}">
-        <p14:creationId xmlns:p14="http://schemas.microsoft.com/office/powerpoint/2010/main" val="2200935973"/>
+        <p14:creationId xmlns:p14="http://schemas.microsoft.com/office/powerpoint/2010/main" val="2600326223"/>
       </p:ext>
     </p:extLst>
   </p:cSld>
@@ -716,7 +789,18 @@
           <a:bodyPr/>
           <a:lstStyle/>
           <a:p>
-            <a:endParaRPr lang="en-US"/>
+            <a:r>
+              <a:rPr lang="en-US" dirty="0"/>
+              <a:t>Good for traffic splitting , Blue green deployment </a:t>
+            </a:r>
+            <a:r>
+              <a:rPr lang="en-US" dirty="0" err="1"/>
+              <a:t>etc</a:t>
+            </a:r>
+            <a:r>
+              <a:rPr lang="en-US" dirty="0"/>
+              <a:t> </a:t>
+            </a:r>
           </a:p>
         </p:txBody>
       </p:sp>
@@ -737,7 +821,7 @@
           <a:p>
             <a:fld id="{574B454C-392B-49AE-A306-157BCCE4709B}" type="slidenum">
               <a:rPr lang="en-US" smtClean="0"/>
-              <a:t>9</a:t>
+              <a:t>8</a:t>
             </a:fld>
             <a:endParaRPr lang="en-US"/>
           </a:p>
@@ -746,7 +830,7 @@
     </p:spTree>
     <p:extLst>
       <p:ext uri="{BB962C8B-B14F-4D97-AF65-F5344CB8AC3E}">
-        <p14:creationId xmlns:p14="http://schemas.microsoft.com/office/powerpoint/2010/main" val="1569946406"/>
+        <p14:creationId xmlns:p14="http://schemas.microsoft.com/office/powerpoint/2010/main" val="2200935973"/>
       </p:ext>
     </p:extLst>
   </p:cSld>
@@ -800,7 +884,7 @@
           <a:bodyPr/>
           <a:lstStyle/>
           <a:p>
-            <a:endParaRPr lang="en-US" dirty="0"/>
+            <a:endParaRPr lang="en-US"/>
           </a:p>
         </p:txBody>
       </p:sp>
@@ -821,7 +905,7 @@
           <a:p>
             <a:fld id="{574B454C-392B-49AE-A306-157BCCE4709B}" type="slidenum">
               <a:rPr lang="en-US" smtClean="0"/>
-              <a:t>12</a:t>
+              <a:t>9</a:t>
             </a:fld>
             <a:endParaRPr lang="en-US"/>
           </a:p>
@@ -830,7 +914,7 @@
     </p:spTree>
     <p:extLst>
       <p:ext uri="{BB962C8B-B14F-4D97-AF65-F5344CB8AC3E}">
-        <p14:creationId xmlns:p14="http://schemas.microsoft.com/office/powerpoint/2010/main" val="3554593844"/>
+        <p14:creationId xmlns:p14="http://schemas.microsoft.com/office/powerpoint/2010/main" val="1569946406"/>
       </p:ext>
     </p:extLst>
   </p:cSld>
@@ -905,7 +989,7 @@
           <a:p>
             <a:fld id="{574B454C-392B-49AE-A306-157BCCE4709B}" type="slidenum">
               <a:rPr lang="en-US" smtClean="0"/>
-              <a:t>13</a:t>
+              <a:t>12</a:t>
             </a:fld>
             <a:endParaRPr lang="en-US"/>
           </a:p>
@@ -914,7 +998,7 @@
     </p:spTree>
     <p:extLst>
       <p:ext uri="{BB962C8B-B14F-4D97-AF65-F5344CB8AC3E}">
-        <p14:creationId xmlns:p14="http://schemas.microsoft.com/office/powerpoint/2010/main" val="3777426253"/>
+        <p14:creationId xmlns:p14="http://schemas.microsoft.com/office/powerpoint/2010/main" val="3554593844"/>
       </p:ext>
     </p:extLst>
   </p:cSld>
@@ -989,7 +1073,7 @@
           <a:p>
             <a:fld id="{574B454C-392B-49AE-A306-157BCCE4709B}" type="slidenum">
               <a:rPr lang="en-US" smtClean="0"/>
-              <a:t>14</a:t>
+              <a:t>13</a:t>
             </a:fld>
             <a:endParaRPr lang="en-US"/>
           </a:p>
@@ -998,7 +1082,7 @@
     </p:spTree>
     <p:extLst>
       <p:ext uri="{BB962C8B-B14F-4D97-AF65-F5344CB8AC3E}">
-        <p14:creationId xmlns:p14="http://schemas.microsoft.com/office/powerpoint/2010/main" val="3983910179"/>
+        <p14:creationId xmlns:p14="http://schemas.microsoft.com/office/powerpoint/2010/main" val="3777426253"/>
       </p:ext>
     </p:extLst>
   </p:cSld>
@@ -1073,7 +1157,7 @@
           <a:p>
             <a:fld id="{574B454C-392B-49AE-A306-157BCCE4709B}" type="slidenum">
               <a:rPr lang="en-US" smtClean="0"/>
-              <a:t>15</a:t>
+              <a:t>14</a:t>
             </a:fld>
             <a:endParaRPr lang="en-US"/>
           </a:p>
@@ -1082,7 +1166,7 @@
     </p:spTree>
     <p:extLst>
       <p:ext uri="{BB962C8B-B14F-4D97-AF65-F5344CB8AC3E}">
-        <p14:creationId xmlns:p14="http://schemas.microsoft.com/office/powerpoint/2010/main" val="454864936"/>
+        <p14:creationId xmlns:p14="http://schemas.microsoft.com/office/powerpoint/2010/main" val="3983910179"/>
       </p:ext>
     </p:extLst>
   </p:cSld>
@@ -1157,7 +1241,7 @@
           <a:p>
             <a:fld id="{574B454C-392B-49AE-A306-157BCCE4709B}" type="slidenum">
               <a:rPr lang="en-US" smtClean="0"/>
-              <a:t>16</a:t>
+              <a:t>15</a:t>
             </a:fld>
             <a:endParaRPr lang="en-US"/>
           </a:p>
@@ -1166,7 +1250,7 @@
     </p:spTree>
     <p:extLst>
       <p:ext uri="{BB962C8B-B14F-4D97-AF65-F5344CB8AC3E}">
-        <p14:creationId xmlns:p14="http://schemas.microsoft.com/office/powerpoint/2010/main" val="451301145"/>
+        <p14:creationId xmlns:p14="http://schemas.microsoft.com/office/powerpoint/2010/main" val="454864936"/>
       </p:ext>
     </p:extLst>
   </p:cSld>
@@ -1241,7 +1325,7 @@
           <a:p>
             <a:fld id="{574B454C-392B-49AE-A306-157BCCE4709B}" type="slidenum">
               <a:rPr lang="en-US" smtClean="0"/>
-              <a:t>17</a:t>
+              <a:t>16</a:t>
             </a:fld>
             <a:endParaRPr lang="en-US"/>
           </a:p>
@@ -1250,7 +1334,7 @@
     </p:spTree>
     <p:extLst>
       <p:ext uri="{BB962C8B-B14F-4D97-AF65-F5344CB8AC3E}">
-        <p14:creationId xmlns:p14="http://schemas.microsoft.com/office/powerpoint/2010/main" val="1693872326"/>
+        <p14:creationId xmlns:p14="http://schemas.microsoft.com/office/powerpoint/2010/main" val="451301145"/>
       </p:ext>
     </p:extLst>
   </p:cSld>
@@ -1407,7 +1491,7 @@
           <a:p>
             <a:fld id="{AC07A61A-C07A-48FE-AD5E-4AE0E4C8ECA3}" type="datetimeFigureOut">
               <a:rPr lang="en-US" smtClean="0"/>
-              <a:t>8/20/2024</a:t>
+              <a:t>8/26/2024</a:t>
             </a:fld>
             <a:endParaRPr lang="en-US"/>
           </a:p>
@@ -1605,7 +1689,7 @@
           <a:p>
             <a:fld id="{AC07A61A-C07A-48FE-AD5E-4AE0E4C8ECA3}" type="datetimeFigureOut">
               <a:rPr lang="en-US" smtClean="0"/>
-              <a:t>8/20/2024</a:t>
+              <a:t>8/26/2024</a:t>
             </a:fld>
             <a:endParaRPr lang="en-US"/>
           </a:p>
@@ -1813,7 +1897,7 @@
           <a:p>
             <a:fld id="{AC07A61A-C07A-48FE-AD5E-4AE0E4C8ECA3}" type="datetimeFigureOut">
               <a:rPr lang="en-US" smtClean="0"/>
-              <a:t>8/20/2024</a:t>
+              <a:t>8/26/2024</a:t>
             </a:fld>
             <a:endParaRPr lang="en-US"/>
           </a:p>
@@ -2011,7 +2095,7 @@
           <a:p>
             <a:fld id="{AC07A61A-C07A-48FE-AD5E-4AE0E4C8ECA3}" type="datetimeFigureOut">
               <a:rPr lang="en-US" smtClean="0"/>
-              <a:t>8/20/2024</a:t>
+              <a:t>8/26/2024</a:t>
             </a:fld>
             <a:endParaRPr lang="en-US"/>
           </a:p>
@@ -2286,7 +2370,7 @@
           <a:p>
             <a:fld id="{AC07A61A-C07A-48FE-AD5E-4AE0E4C8ECA3}" type="datetimeFigureOut">
               <a:rPr lang="en-US" smtClean="0"/>
-              <a:t>8/20/2024</a:t>
+              <a:t>8/26/2024</a:t>
             </a:fld>
             <a:endParaRPr lang="en-US"/>
           </a:p>
@@ -2551,7 +2635,7 @@
           <a:p>
             <a:fld id="{AC07A61A-C07A-48FE-AD5E-4AE0E4C8ECA3}" type="datetimeFigureOut">
               <a:rPr lang="en-US" smtClean="0"/>
-              <a:t>8/20/2024</a:t>
+              <a:t>8/26/2024</a:t>
             </a:fld>
             <a:endParaRPr lang="en-US"/>
           </a:p>
@@ -2963,7 +3047,7 @@
           <a:p>
             <a:fld id="{AC07A61A-C07A-48FE-AD5E-4AE0E4C8ECA3}" type="datetimeFigureOut">
               <a:rPr lang="en-US" smtClean="0"/>
-              <a:t>8/20/2024</a:t>
+              <a:t>8/26/2024</a:t>
             </a:fld>
             <a:endParaRPr lang="en-US"/>
           </a:p>
@@ -3104,7 +3188,7 @@
           <a:p>
             <a:fld id="{AC07A61A-C07A-48FE-AD5E-4AE0E4C8ECA3}" type="datetimeFigureOut">
               <a:rPr lang="en-US" smtClean="0"/>
-              <a:t>8/20/2024</a:t>
+              <a:t>8/26/2024</a:t>
             </a:fld>
             <a:endParaRPr lang="en-US"/>
           </a:p>
@@ -3217,7 +3301,7 @@
           <a:p>
             <a:fld id="{AC07A61A-C07A-48FE-AD5E-4AE0E4C8ECA3}" type="datetimeFigureOut">
               <a:rPr lang="en-US" smtClean="0"/>
-              <a:t>8/20/2024</a:t>
+              <a:t>8/26/2024</a:t>
             </a:fld>
             <a:endParaRPr lang="en-US"/>
           </a:p>
@@ -3528,7 +3612,7 @@
           <a:p>
             <a:fld id="{AC07A61A-C07A-48FE-AD5E-4AE0E4C8ECA3}" type="datetimeFigureOut">
               <a:rPr lang="en-US" smtClean="0"/>
-              <a:t>8/20/2024</a:t>
+              <a:t>8/26/2024</a:t>
             </a:fld>
             <a:endParaRPr lang="en-US"/>
           </a:p>
@@ -3816,7 +3900,7 @@
           <a:p>
             <a:fld id="{AC07A61A-C07A-48FE-AD5E-4AE0E4C8ECA3}" type="datetimeFigureOut">
               <a:rPr lang="en-US" smtClean="0"/>
-              <a:t>8/20/2024</a:t>
+              <a:t>8/26/2024</a:t>
             </a:fld>
             <a:endParaRPr lang="en-US"/>
           </a:p>
@@ -4057,7 +4141,7 @@
           <a:p>
             <a:fld id="{AC07A61A-C07A-48FE-AD5E-4AE0E4C8ECA3}" type="datetimeFigureOut">
               <a:rPr lang="en-US" smtClean="0"/>
-              <a:t>8/20/2024</a:t>
+              <a:t>8/26/2024</a:t>
             </a:fld>
             <a:endParaRPr lang="en-US"/>
           </a:p>
@@ -4828,8 +4912,8 @@
         </p:blipFill>
         <p:spPr bwMode="auto">
           <a:xfrm>
-            <a:off x="1839844" y="1245703"/>
-            <a:ext cx="7701721" cy="5473175"/>
+            <a:off x="1126435" y="1245704"/>
+            <a:ext cx="9727095" cy="5247172"/>
           </a:xfrm>
           <a:prstGeom prst="rect">
             <a:avLst/>

--- a/container-apps.pptx
+++ b/container-apps.pptx
@@ -5,30 +5,37 @@
     <p:sldMasterId id="2147483648" r:id="rId1"/>
   </p:sldMasterIdLst>
   <p:notesMasterIdLst>
-    <p:notesMasterId r:id="rId23"/>
+    <p:notesMasterId r:id="rId30"/>
   </p:notesMasterIdLst>
   <p:sldIdLst>
     <p:sldId id="256" r:id="rId2"/>
-    <p:sldId id="257" r:id="rId3"/>
-    <p:sldId id="258" r:id="rId4"/>
-    <p:sldId id="259" r:id="rId5"/>
-    <p:sldId id="260" r:id="rId6"/>
-    <p:sldId id="261" r:id="rId7"/>
-    <p:sldId id="264" r:id="rId8"/>
-    <p:sldId id="262" r:id="rId9"/>
-    <p:sldId id="263" r:id="rId10"/>
-    <p:sldId id="265" r:id="rId11"/>
-    <p:sldId id="266" r:id="rId12"/>
-    <p:sldId id="267" r:id="rId13"/>
-    <p:sldId id="268" r:id="rId14"/>
-    <p:sldId id="269" r:id="rId15"/>
-    <p:sldId id="270" r:id="rId16"/>
-    <p:sldId id="271" r:id="rId17"/>
-    <p:sldId id="272" r:id="rId18"/>
-    <p:sldId id="274" r:id="rId19"/>
-    <p:sldId id="275" r:id="rId20"/>
-    <p:sldId id="276" r:id="rId21"/>
-    <p:sldId id="273" r:id="rId22"/>
+    <p:sldId id="281" r:id="rId3"/>
+    <p:sldId id="277" r:id="rId4"/>
+    <p:sldId id="280" r:id="rId5"/>
+    <p:sldId id="278" r:id="rId6"/>
+    <p:sldId id="285" r:id="rId7"/>
+    <p:sldId id="287" r:id="rId8"/>
+    <p:sldId id="283" r:id="rId9"/>
+    <p:sldId id="286" r:id="rId10"/>
+    <p:sldId id="279" r:id="rId11"/>
+    <p:sldId id="282" r:id="rId12"/>
+    <p:sldId id="260" r:id="rId13"/>
+    <p:sldId id="261" r:id="rId14"/>
+    <p:sldId id="264" r:id="rId15"/>
+    <p:sldId id="262" r:id="rId16"/>
+    <p:sldId id="263" r:id="rId17"/>
+    <p:sldId id="265" r:id="rId18"/>
+    <p:sldId id="266" r:id="rId19"/>
+    <p:sldId id="267" r:id="rId20"/>
+    <p:sldId id="268" r:id="rId21"/>
+    <p:sldId id="269" r:id="rId22"/>
+    <p:sldId id="270" r:id="rId23"/>
+    <p:sldId id="271" r:id="rId24"/>
+    <p:sldId id="272" r:id="rId25"/>
+    <p:sldId id="274" r:id="rId26"/>
+    <p:sldId id="275" r:id="rId27"/>
+    <p:sldId id="276" r:id="rId28"/>
+    <p:sldId id="273" r:id="rId29"/>
   </p:sldIdLst>
   <p:sldSz cx="12192000" cy="6858000"/>
   <p:notesSz cx="6858000" cy="9144000"/>
@@ -217,7 +224,7 @@
           <a:p>
             <a:fld id="{00C8EF1D-ABD6-4CA4-BDD1-9AA5FCCA67B3}" type="datetimeFigureOut">
               <a:rPr lang="en-US" smtClean="0"/>
-              <a:t>8/26/2024</a:t>
+              <a:t>9/12/2024</a:t>
             </a:fld>
             <a:endParaRPr lang="en-US"/>
           </a:p>
@@ -633,7 +640,783 @@
           <a:p>
             <a:fld id="{574B454C-392B-49AE-A306-157BCCE4709B}" type="slidenum">
               <a:rPr lang="en-US" smtClean="0"/>
-              <a:t>17</a:t>
+              <a:t>11</a:t>
+            </a:fld>
+            <a:endParaRPr lang="en-US"/>
+          </a:p>
+        </p:txBody>
+      </p:sp>
+    </p:spTree>
+    <p:extLst>
+      <p:ext uri="{BB962C8B-B14F-4D97-AF65-F5344CB8AC3E}">
+        <p14:creationId xmlns:p14="http://schemas.microsoft.com/office/powerpoint/2010/main" val="273763087"/>
+      </p:ext>
+    </p:extLst>
+  </p:cSld>
+  <p:clrMapOvr>
+    <a:masterClrMapping/>
+  </p:clrMapOvr>
+</p:notes>
+</file>
+
+<file path=ppt/notesSlides/notesSlide11.xml><?xml version="1.0" encoding="utf-8"?>
+<p:notes xmlns:a="http://schemas.openxmlformats.org/drawingml/2006/main" xmlns:r="http://schemas.openxmlformats.org/officeDocument/2006/relationships" xmlns:p="http://schemas.openxmlformats.org/presentationml/2006/main">
+  <p:cSld>
+    <p:spTree>
+      <p:nvGrpSpPr>
+        <p:cNvPr id="1" name=""/>
+        <p:cNvGrpSpPr/>
+        <p:nvPr/>
+      </p:nvGrpSpPr>
+      <p:grpSpPr>
+        <a:xfrm>
+          <a:off x="0" y="0"/>
+          <a:ext cx="0" cy="0"/>
+          <a:chOff x="0" y="0"/>
+          <a:chExt cx="0" cy="0"/>
+        </a:xfrm>
+      </p:grpSpPr>
+      <p:sp>
+        <p:nvSpPr>
+          <p:cNvPr id="2" name="Slide Image Placeholder 1"/>
+          <p:cNvSpPr>
+            <a:spLocks noGrp="1" noRot="1" noChangeAspect="1"/>
+          </p:cNvSpPr>
+          <p:nvPr>
+            <p:ph type="sldImg"/>
+          </p:nvPr>
+        </p:nvSpPr>
+        <p:spPr/>
+      </p:sp>
+      <p:sp>
+        <p:nvSpPr>
+          <p:cNvPr id="3" name="Notes Placeholder 2"/>
+          <p:cNvSpPr>
+            <a:spLocks noGrp="1"/>
+          </p:cNvSpPr>
+          <p:nvPr>
+            <p:ph type="body" idx="1"/>
+          </p:nvPr>
+        </p:nvSpPr>
+        <p:spPr/>
+        <p:txBody>
+          <a:bodyPr/>
+          <a:lstStyle/>
+          <a:p>
+            <a:r>
+              <a:rPr lang="en-US" dirty="0"/>
+              <a:t>Environments – a security boundary for the apps running . In k8s terms it represents a cluster or lets this like app plan in regular web app</a:t>
+            </a:r>
+          </a:p>
+          <a:p>
+            <a:r>
+              <a:rPr lang="en-US" dirty="0"/>
+              <a:t>Revisions – are versions ..handy when we want to do traffic splitting.</a:t>
+            </a:r>
+          </a:p>
+        </p:txBody>
+      </p:sp>
+      <p:sp>
+        <p:nvSpPr>
+          <p:cNvPr id="4" name="Slide Number Placeholder 3"/>
+          <p:cNvSpPr>
+            <a:spLocks noGrp="1"/>
+          </p:cNvSpPr>
+          <p:nvPr>
+            <p:ph type="sldNum" sz="quarter" idx="5"/>
+          </p:nvPr>
+        </p:nvSpPr>
+        <p:spPr/>
+        <p:txBody>
+          <a:bodyPr/>
+          <a:lstStyle/>
+          <a:p>
+            <a:fld id="{574B454C-392B-49AE-A306-157BCCE4709B}" type="slidenum">
+              <a:rPr lang="en-US" smtClean="0"/>
+              <a:t>12</a:t>
+            </a:fld>
+            <a:endParaRPr lang="en-US"/>
+          </a:p>
+        </p:txBody>
+      </p:sp>
+    </p:spTree>
+    <p:extLst>
+      <p:ext uri="{BB962C8B-B14F-4D97-AF65-F5344CB8AC3E}">
+        <p14:creationId xmlns:p14="http://schemas.microsoft.com/office/powerpoint/2010/main" val="2600326223"/>
+      </p:ext>
+    </p:extLst>
+  </p:cSld>
+  <p:clrMapOvr>
+    <a:masterClrMapping/>
+  </p:clrMapOvr>
+</p:notes>
+</file>
+
+<file path=ppt/notesSlides/notesSlide12.xml><?xml version="1.0" encoding="utf-8"?>
+<p:notes xmlns:a="http://schemas.openxmlformats.org/drawingml/2006/main" xmlns:r="http://schemas.openxmlformats.org/officeDocument/2006/relationships" xmlns:p="http://schemas.openxmlformats.org/presentationml/2006/main">
+  <p:cSld>
+    <p:spTree>
+      <p:nvGrpSpPr>
+        <p:cNvPr id="1" name=""/>
+        <p:cNvGrpSpPr/>
+        <p:nvPr/>
+      </p:nvGrpSpPr>
+      <p:grpSpPr>
+        <a:xfrm>
+          <a:off x="0" y="0"/>
+          <a:ext cx="0" cy="0"/>
+          <a:chOff x="0" y="0"/>
+          <a:chExt cx="0" cy="0"/>
+        </a:xfrm>
+      </p:grpSpPr>
+      <p:sp>
+        <p:nvSpPr>
+          <p:cNvPr id="2" name="Slide Image Placeholder 1"/>
+          <p:cNvSpPr>
+            <a:spLocks noGrp="1" noRot="1" noChangeAspect="1"/>
+          </p:cNvSpPr>
+          <p:nvPr>
+            <p:ph type="sldImg"/>
+          </p:nvPr>
+        </p:nvSpPr>
+        <p:spPr/>
+      </p:sp>
+      <p:sp>
+        <p:nvSpPr>
+          <p:cNvPr id="3" name="Notes Placeholder 2"/>
+          <p:cNvSpPr>
+            <a:spLocks noGrp="1"/>
+          </p:cNvSpPr>
+          <p:nvPr>
+            <p:ph type="body" idx="1"/>
+          </p:nvPr>
+        </p:nvSpPr>
+        <p:spPr/>
+        <p:txBody>
+          <a:bodyPr/>
+          <a:lstStyle/>
+          <a:p>
+            <a:r>
+              <a:rPr lang="en-US" dirty="0"/>
+              <a:t>Good for traffic splitting , Blue green deployment </a:t>
+            </a:r>
+            <a:r>
+              <a:rPr lang="en-US" dirty="0" err="1"/>
+              <a:t>etc</a:t>
+            </a:r>
+            <a:r>
+              <a:rPr lang="en-US" dirty="0"/>
+              <a:t> </a:t>
+            </a:r>
+          </a:p>
+        </p:txBody>
+      </p:sp>
+      <p:sp>
+        <p:nvSpPr>
+          <p:cNvPr id="4" name="Slide Number Placeholder 3"/>
+          <p:cNvSpPr>
+            <a:spLocks noGrp="1"/>
+          </p:cNvSpPr>
+          <p:nvPr>
+            <p:ph type="sldNum" sz="quarter" idx="5"/>
+          </p:nvPr>
+        </p:nvSpPr>
+        <p:spPr/>
+        <p:txBody>
+          <a:bodyPr/>
+          <a:lstStyle/>
+          <a:p>
+            <a:fld id="{574B454C-392B-49AE-A306-157BCCE4709B}" type="slidenum">
+              <a:rPr lang="en-US" smtClean="0"/>
+              <a:t>15</a:t>
+            </a:fld>
+            <a:endParaRPr lang="en-US"/>
+          </a:p>
+        </p:txBody>
+      </p:sp>
+    </p:spTree>
+    <p:extLst>
+      <p:ext uri="{BB962C8B-B14F-4D97-AF65-F5344CB8AC3E}">
+        <p14:creationId xmlns:p14="http://schemas.microsoft.com/office/powerpoint/2010/main" val="2200935973"/>
+      </p:ext>
+    </p:extLst>
+  </p:cSld>
+  <p:clrMapOvr>
+    <a:masterClrMapping/>
+  </p:clrMapOvr>
+</p:notes>
+</file>
+
+<file path=ppt/notesSlides/notesSlide13.xml><?xml version="1.0" encoding="utf-8"?>
+<p:notes xmlns:a="http://schemas.openxmlformats.org/drawingml/2006/main" xmlns:r="http://schemas.openxmlformats.org/officeDocument/2006/relationships" xmlns:p="http://schemas.openxmlformats.org/presentationml/2006/main">
+  <p:cSld>
+    <p:spTree>
+      <p:nvGrpSpPr>
+        <p:cNvPr id="1" name=""/>
+        <p:cNvGrpSpPr/>
+        <p:nvPr/>
+      </p:nvGrpSpPr>
+      <p:grpSpPr>
+        <a:xfrm>
+          <a:off x="0" y="0"/>
+          <a:ext cx="0" cy="0"/>
+          <a:chOff x="0" y="0"/>
+          <a:chExt cx="0" cy="0"/>
+        </a:xfrm>
+      </p:grpSpPr>
+      <p:sp>
+        <p:nvSpPr>
+          <p:cNvPr id="2" name="Slide Image Placeholder 1"/>
+          <p:cNvSpPr>
+            <a:spLocks noGrp="1" noRot="1" noChangeAspect="1"/>
+          </p:cNvSpPr>
+          <p:nvPr>
+            <p:ph type="sldImg"/>
+          </p:nvPr>
+        </p:nvSpPr>
+        <p:spPr/>
+      </p:sp>
+      <p:sp>
+        <p:nvSpPr>
+          <p:cNvPr id="3" name="Notes Placeholder 2"/>
+          <p:cNvSpPr>
+            <a:spLocks noGrp="1"/>
+          </p:cNvSpPr>
+          <p:nvPr>
+            <p:ph type="body" idx="1"/>
+          </p:nvPr>
+        </p:nvSpPr>
+        <p:spPr/>
+        <p:txBody>
+          <a:bodyPr/>
+          <a:lstStyle/>
+          <a:p>
+            <a:endParaRPr lang="en-US"/>
+          </a:p>
+        </p:txBody>
+      </p:sp>
+      <p:sp>
+        <p:nvSpPr>
+          <p:cNvPr id="4" name="Slide Number Placeholder 3"/>
+          <p:cNvSpPr>
+            <a:spLocks noGrp="1"/>
+          </p:cNvSpPr>
+          <p:nvPr>
+            <p:ph type="sldNum" sz="quarter" idx="5"/>
+          </p:nvPr>
+        </p:nvSpPr>
+        <p:spPr/>
+        <p:txBody>
+          <a:bodyPr/>
+          <a:lstStyle/>
+          <a:p>
+            <a:fld id="{574B454C-392B-49AE-A306-157BCCE4709B}" type="slidenum">
+              <a:rPr lang="en-US" smtClean="0"/>
+              <a:t>16</a:t>
+            </a:fld>
+            <a:endParaRPr lang="en-US"/>
+          </a:p>
+        </p:txBody>
+      </p:sp>
+    </p:spTree>
+    <p:extLst>
+      <p:ext uri="{BB962C8B-B14F-4D97-AF65-F5344CB8AC3E}">
+        <p14:creationId xmlns:p14="http://schemas.microsoft.com/office/powerpoint/2010/main" val="1569946406"/>
+      </p:ext>
+    </p:extLst>
+  </p:cSld>
+  <p:clrMapOvr>
+    <a:masterClrMapping/>
+  </p:clrMapOvr>
+</p:notes>
+</file>
+
+<file path=ppt/notesSlides/notesSlide14.xml><?xml version="1.0" encoding="utf-8"?>
+<p:notes xmlns:a="http://schemas.openxmlformats.org/drawingml/2006/main" xmlns:r="http://schemas.openxmlformats.org/officeDocument/2006/relationships" xmlns:p="http://schemas.openxmlformats.org/presentationml/2006/main">
+  <p:cSld>
+    <p:spTree>
+      <p:nvGrpSpPr>
+        <p:cNvPr id="1" name=""/>
+        <p:cNvGrpSpPr/>
+        <p:nvPr/>
+      </p:nvGrpSpPr>
+      <p:grpSpPr>
+        <a:xfrm>
+          <a:off x="0" y="0"/>
+          <a:ext cx="0" cy="0"/>
+          <a:chOff x="0" y="0"/>
+          <a:chExt cx="0" cy="0"/>
+        </a:xfrm>
+      </p:grpSpPr>
+      <p:sp>
+        <p:nvSpPr>
+          <p:cNvPr id="2" name="Slide Image Placeholder 1"/>
+          <p:cNvSpPr>
+            <a:spLocks noGrp="1" noRot="1" noChangeAspect="1"/>
+          </p:cNvSpPr>
+          <p:nvPr>
+            <p:ph type="sldImg"/>
+          </p:nvPr>
+        </p:nvSpPr>
+        <p:spPr/>
+      </p:sp>
+      <p:sp>
+        <p:nvSpPr>
+          <p:cNvPr id="3" name="Notes Placeholder 2"/>
+          <p:cNvSpPr>
+            <a:spLocks noGrp="1"/>
+          </p:cNvSpPr>
+          <p:nvPr>
+            <p:ph type="body" idx="1"/>
+          </p:nvPr>
+        </p:nvSpPr>
+        <p:spPr/>
+        <p:txBody>
+          <a:bodyPr/>
+          <a:lstStyle/>
+          <a:p>
+            <a:endParaRPr lang="en-US" dirty="0"/>
+          </a:p>
+        </p:txBody>
+      </p:sp>
+      <p:sp>
+        <p:nvSpPr>
+          <p:cNvPr id="4" name="Slide Number Placeholder 3"/>
+          <p:cNvSpPr>
+            <a:spLocks noGrp="1"/>
+          </p:cNvSpPr>
+          <p:nvPr>
+            <p:ph type="sldNum" sz="quarter" idx="5"/>
+          </p:nvPr>
+        </p:nvSpPr>
+        <p:spPr/>
+        <p:txBody>
+          <a:bodyPr/>
+          <a:lstStyle/>
+          <a:p>
+            <a:fld id="{574B454C-392B-49AE-A306-157BCCE4709B}" type="slidenum">
+              <a:rPr lang="en-US" smtClean="0"/>
+              <a:t>19</a:t>
+            </a:fld>
+            <a:endParaRPr lang="en-US"/>
+          </a:p>
+        </p:txBody>
+      </p:sp>
+    </p:spTree>
+    <p:extLst>
+      <p:ext uri="{BB962C8B-B14F-4D97-AF65-F5344CB8AC3E}">
+        <p14:creationId xmlns:p14="http://schemas.microsoft.com/office/powerpoint/2010/main" val="3554593844"/>
+      </p:ext>
+    </p:extLst>
+  </p:cSld>
+  <p:clrMapOvr>
+    <a:masterClrMapping/>
+  </p:clrMapOvr>
+</p:notes>
+</file>
+
+<file path=ppt/notesSlides/notesSlide15.xml><?xml version="1.0" encoding="utf-8"?>
+<p:notes xmlns:a="http://schemas.openxmlformats.org/drawingml/2006/main" xmlns:r="http://schemas.openxmlformats.org/officeDocument/2006/relationships" xmlns:p="http://schemas.openxmlformats.org/presentationml/2006/main">
+  <p:cSld>
+    <p:spTree>
+      <p:nvGrpSpPr>
+        <p:cNvPr id="1" name=""/>
+        <p:cNvGrpSpPr/>
+        <p:nvPr/>
+      </p:nvGrpSpPr>
+      <p:grpSpPr>
+        <a:xfrm>
+          <a:off x="0" y="0"/>
+          <a:ext cx="0" cy="0"/>
+          <a:chOff x="0" y="0"/>
+          <a:chExt cx="0" cy="0"/>
+        </a:xfrm>
+      </p:grpSpPr>
+      <p:sp>
+        <p:nvSpPr>
+          <p:cNvPr id="2" name="Slide Image Placeholder 1"/>
+          <p:cNvSpPr>
+            <a:spLocks noGrp="1" noRot="1" noChangeAspect="1"/>
+          </p:cNvSpPr>
+          <p:nvPr>
+            <p:ph type="sldImg"/>
+          </p:nvPr>
+        </p:nvSpPr>
+        <p:spPr/>
+      </p:sp>
+      <p:sp>
+        <p:nvSpPr>
+          <p:cNvPr id="3" name="Notes Placeholder 2"/>
+          <p:cNvSpPr>
+            <a:spLocks noGrp="1"/>
+          </p:cNvSpPr>
+          <p:nvPr>
+            <p:ph type="body" idx="1"/>
+          </p:nvPr>
+        </p:nvSpPr>
+        <p:spPr/>
+        <p:txBody>
+          <a:bodyPr/>
+          <a:lstStyle/>
+          <a:p>
+            <a:endParaRPr lang="en-US" dirty="0"/>
+          </a:p>
+        </p:txBody>
+      </p:sp>
+      <p:sp>
+        <p:nvSpPr>
+          <p:cNvPr id="4" name="Slide Number Placeholder 3"/>
+          <p:cNvSpPr>
+            <a:spLocks noGrp="1"/>
+          </p:cNvSpPr>
+          <p:nvPr>
+            <p:ph type="sldNum" sz="quarter" idx="5"/>
+          </p:nvPr>
+        </p:nvSpPr>
+        <p:spPr/>
+        <p:txBody>
+          <a:bodyPr/>
+          <a:lstStyle/>
+          <a:p>
+            <a:fld id="{574B454C-392B-49AE-A306-157BCCE4709B}" type="slidenum">
+              <a:rPr lang="en-US" smtClean="0"/>
+              <a:t>20</a:t>
+            </a:fld>
+            <a:endParaRPr lang="en-US"/>
+          </a:p>
+        </p:txBody>
+      </p:sp>
+    </p:spTree>
+    <p:extLst>
+      <p:ext uri="{BB962C8B-B14F-4D97-AF65-F5344CB8AC3E}">
+        <p14:creationId xmlns:p14="http://schemas.microsoft.com/office/powerpoint/2010/main" val="3777426253"/>
+      </p:ext>
+    </p:extLst>
+  </p:cSld>
+  <p:clrMapOvr>
+    <a:masterClrMapping/>
+  </p:clrMapOvr>
+</p:notes>
+</file>
+
+<file path=ppt/notesSlides/notesSlide16.xml><?xml version="1.0" encoding="utf-8"?>
+<p:notes xmlns:a="http://schemas.openxmlformats.org/drawingml/2006/main" xmlns:r="http://schemas.openxmlformats.org/officeDocument/2006/relationships" xmlns:p="http://schemas.openxmlformats.org/presentationml/2006/main">
+  <p:cSld>
+    <p:spTree>
+      <p:nvGrpSpPr>
+        <p:cNvPr id="1" name=""/>
+        <p:cNvGrpSpPr/>
+        <p:nvPr/>
+      </p:nvGrpSpPr>
+      <p:grpSpPr>
+        <a:xfrm>
+          <a:off x="0" y="0"/>
+          <a:ext cx="0" cy="0"/>
+          <a:chOff x="0" y="0"/>
+          <a:chExt cx="0" cy="0"/>
+        </a:xfrm>
+      </p:grpSpPr>
+      <p:sp>
+        <p:nvSpPr>
+          <p:cNvPr id="2" name="Slide Image Placeholder 1"/>
+          <p:cNvSpPr>
+            <a:spLocks noGrp="1" noRot="1" noChangeAspect="1"/>
+          </p:cNvSpPr>
+          <p:nvPr>
+            <p:ph type="sldImg"/>
+          </p:nvPr>
+        </p:nvSpPr>
+        <p:spPr/>
+      </p:sp>
+      <p:sp>
+        <p:nvSpPr>
+          <p:cNvPr id="3" name="Notes Placeholder 2"/>
+          <p:cNvSpPr>
+            <a:spLocks noGrp="1"/>
+          </p:cNvSpPr>
+          <p:nvPr>
+            <p:ph type="body" idx="1"/>
+          </p:nvPr>
+        </p:nvSpPr>
+        <p:spPr/>
+        <p:txBody>
+          <a:bodyPr/>
+          <a:lstStyle/>
+          <a:p>
+            <a:endParaRPr lang="en-US" dirty="0"/>
+          </a:p>
+        </p:txBody>
+      </p:sp>
+      <p:sp>
+        <p:nvSpPr>
+          <p:cNvPr id="4" name="Slide Number Placeholder 3"/>
+          <p:cNvSpPr>
+            <a:spLocks noGrp="1"/>
+          </p:cNvSpPr>
+          <p:nvPr>
+            <p:ph type="sldNum" sz="quarter" idx="5"/>
+          </p:nvPr>
+        </p:nvSpPr>
+        <p:spPr/>
+        <p:txBody>
+          <a:bodyPr/>
+          <a:lstStyle/>
+          <a:p>
+            <a:fld id="{574B454C-392B-49AE-A306-157BCCE4709B}" type="slidenum">
+              <a:rPr lang="en-US" smtClean="0"/>
+              <a:t>21</a:t>
+            </a:fld>
+            <a:endParaRPr lang="en-US"/>
+          </a:p>
+        </p:txBody>
+      </p:sp>
+    </p:spTree>
+    <p:extLst>
+      <p:ext uri="{BB962C8B-B14F-4D97-AF65-F5344CB8AC3E}">
+        <p14:creationId xmlns:p14="http://schemas.microsoft.com/office/powerpoint/2010/main" val="3983910179"/>
+      </p:ext>
+    </p:extLst>
+  </p:cSld>
+  <p:clrMapOvr>
+    <a:masterClrMapping/>
+  </p:clrMapOvr>
+</p:notes>
+</file>
+
+<file path=ppt/notesSlides/notesSlide17.xml><?xml version="1.0" encoding="utf-8"?>
+<p:notes xmlns:a="http://schemas.openxmlformats.org/drawingml/2006/main" xmlns:r="http://schemas.openxmlformats.org/officeDocument/2006/relationships" xmlns:p="http://schemas.openxmlformats.org/presentationml/2006/main">
+  <p:cSld>
+    <p:spTree>
+      <p:nvGrpSpPr>
+        <p:cNvPr id="1" name=""/>
+        <p:cNvGrpSpPr/>
+        <p:nvPr/>
+      </p:nvGrpSpPr>
+      <p:grpSpPr>
+        <a:xfrm>
+          <a:off x="0" y="0"/>
+          <a:ext cx="0" cy="0"/>
+          <a:chOff x="0" y="0"/>
+          <a:chExt cx="0" cy="0"/>
+        </a:xfrm>
+      </p:grpSpPr>
+      <p:sp>
+        <p:nvSpPr>
+          <p:cNvPr id="2" name="Slide Image Placeholder 1"/>
+          <p:cNvSpPr>
+            <a:spLocks noGrp="1" noRot="1" noChangeAspect="1"/>
+          </p:cNvSpPr>
+          <p:nvPr>
+            <p:ph type="sldImg"/>
+          </p:nvPr>
+        </p:nvSpPr>
+        <p:spPr/>
+      </p:sp>
+      <p:sp>
+        <p:nvSpPr>
+          <p:cNvPr id="3" name="Notes Placeholder 2"/>
+          <p:cNvSpPr>
+            <a:spLocks noGrp="1"/>
+          </p:cNvSpPr>
+          <p:nvPr>
+            <p:ph type="body" idx="1"/>
+          </p:nvPr>
+        </p:nvSpPr>
+        <p:spPr/>
+        <p:txBody>
+          <a:bodyPr/>
+          <a:lstStyle/>
+          <a:p>
+            <a:endParaRPr lang="en-US" dirty="0"/>
+          </a:p>
+        </p:txBody>
+      </p:sp>
+      <p:sp>
+        <p:nvSpPr>
+          <p:cNvPr id="4" name="Slide Number Placeholder 3"/>
+          <p:cNvSpPr>
+            <a:spLocks noGrp="1"/>
+          </p:cNvSpPr>
+          <p:nvPr>
+            <p:ph type="sldNum" sz="quarter" idx="5"/>
+          </p:nvPr>
+        </p:nvSpPr>
+        <p:spPr/>
+        <p:txBody>
+          <a:bodyPr/>
+          <a:lstStyle/>
+          <a:p>
+            <a:fld id="{574B454C-392B-49AE-A306-157BCCE4709B}" type="slidenum">
+              <a:rPr lang="en-US" smtClean="0"/>
+              <a:t>22</a:t>
+            </a:fld>
+            <a:endParaRPr lang="en-US"/>
+          </a:p>
+        </p:txBody>
+      </p:sp>
+    </p:spTree>
+    <p:extLst>
+      <p:ext uri="{BB962C8B-B14F-4D97-AF65-F5344CB8AC3E}">
+        <p14:creationId xmlns:p14="http://schemas.microsoft.com/office/powerpoint/2010/main" val="454864936"/>
+      </p:ext>
+    </p:extLst>
+  </p:cSld>
+  <p:clrMapOvr>
+    <a:masterClrMapping/>
+  </p:clrMapOvr>
+</p:notes>
+</file>
+
+<file path=ppt/notesSlides/notesSlide18.xml><?xml version="1.0" encoding="utf-8"?>
+<p:notes xmlns:a="http://schemas.openxmlformats.org/drawingml/2006/main" xmlns:r="http://schemas.openxmlformats.org/officeDocument/2006/relationships" xmlns:p="http://schemas.openxmlformats.org/presentationml/2006/main">
+  <p:cSld>
+    <p:spTree>
+      <p:nvGrpSpPr>
+        <p:cNvPr id="1" name=""/>
+        <p:cNvGrpSpPr/>
+        <p:nvPr/>
+      </p:nvGrpSpPr>
+      <p:grpSpPr>
+        <a:xfrm>
+          <a:off x="0" y="0"/>
+          <a:ext cx="0" cy="0"/>
+          <a:chOff x="0" y="0"/>
+          <a:chExt cx="0" cy="0"/>
+        </a:xfrm>
+      </p:grpSpPr>
+      <p:sp>
+        <p:nvSpPr>
+          <p:cNvPr id="2" name="Slide Image Placeholder 1"/>
+          <p:cNvSpPr>
+            <a:spLocks noGrp="1" noRot="1" noChangeAspect="1"/>
+          </p:cNvSpPr>
+          <p:nvPr>
+            <p:ph type="sldImg"/>
+          </p:nvPr>
+        </p:nvSpPr>
+        <p:spPr/>
+      </p:sp>
+      <p:sp>
+        <p:nvSpPr>
+          <p:cNvPr id="3" name="Notes Placeholder 2"/>
+          <p:cNvSpPr>
+            <a:spLocks noGrp="1"/>
+          </p:cNvSpPr>
+          <p:nvPr>
+            <p:ph type="body" idx="1"/>
+          </p:nvPr>
+        </p:nvSpPr>
+        <p:spPr/>
+        <p:txBody>
+          <a:bodyPr/>
+          <a:lstStyle/>
+          <a:p>
+            <a:endParaRPr lang="en-US" dirty="0"/>
+          </a:p>
+        </p:txBody>
+      </p:sp>
+      <p:sp>
+        <p:nvSpPr>
+          <p:cNvPr id="4" name="Slide Number Placeholder 3"/>
+          <p:cNvSpPr>
+            <a:spLocks noGrp="1"/>
+          </p:cNvSpPr>
+          <p:nvPr>
+            <p:ph type="sldNum" sz="quarter" idx="5"/>
+          </p:nvPr>
+        </p:nvSpPr>
+        <p:spPr/>
+        <p:txBody>
+          <a:bodyPr/>
+          <a:lstStyle/>
+          <a:p>
+            <a:fld id="{574B454C-392B-49AE-A306-157BCCE4709B}" type="slidenum">
+              <a:rPr lang="en-US" smtClean="0"/>
+              <a:t>23</a:t>
+            </a:fld>
+            <a:endParaRPr lang="en-US"/>
+          </a:p>
+        </p:txBody>
+      </p:sp>
+    </p:spTree>
+    <p:extLst>
+      <p:ext uri="{BB962C8B-B14F-4D97-AF65-F5344CB8AC3E}">
+        <p14:creationId xmlns:p14="http://schemas.microsoft.com/office/powerpoint/2010/main" val="451301145"/>
+      </p:ext>
+    </p:extLst>
+  </p:cSld>
+  <p:clrMapOvr>
+    <a:masterClrMapping/>
+  </p:clrMapOvr>
+</p:notes>
+</file>
+
+<file path=ppt/notesSlides/notesSlide19.xml><?xml version="1.0" encoding="utf-8"?>
+<p:notes xmlns:a="http://schemas.openxmlformats.org/drawingml/2006/main" xmlns:r="http://schemas.openxmlformats.org/officeDocument/2006/relationships" xmlns:p="http://schemas.openxmlformats.org/presentationml/2006/main">
+  <p:cSld>
+    <p:spTree>
+      <p:nvGrpSpPr>
+        <p:cNvPr id="1" name=""/>
+        <p:cNvGrpSpPr/>
+        <p:nvPr/>
+      </p:nvGrpSpPr>
+      <p:grpSpPr>
+        <a:xfrm>
+          <a:off x="0" y="0"/>
+          <a:ext cx="0" cy="0"/>
+          <a:chOff x="0" y="0"/>
+          <a:chExt cx="0" cy="0"/>
+        </a:xfrm>
+      </p:grpSpPr>
+      <p:sp>
+        <p:nvSpPr>
+          <p:cNvPr id="2" name="Slide Image Placeholder 1"/>
+          <p:cNvSpPr>
+            <a:spLocks noGrp="1" noRot="1" noChangeAspect="1"/>
+          </p:cNvSpPr>
+          <p:nvPr>
+            <p:ph type="sldImg"/>
+          </p:nvPr>
+        </p:nvSpPr>
+        <p:spPr/>
+      </p:sp>
+      <p:sp>
+        <p:nvSpPr>
+          <p:cNvPr id="3" name="Notes Placeholder 2"/>
+          <p:cNvSpPr>
+            <a:spLocks noGrp="1"/>
+          </p:cNvSpPr>
+          <p:nvPr>
+            <p:ph type="body" idx="1"/>
+          </p:nvPr>
+        </p:nvSpPr>
+        <p:spPr/>
+        <p:txBody>
+          <a:bodyPr/>
+          <a:lstStyle/>
+          <a:p>
+            <a:endParaRPr lang="en-US" dirty="0"/>
+          </a:p>
+        </p:txBody>
+      </p:sp>
+      <p:sp>
+        <p:nvSpPr>
+          <p:cNvPr id="4" name="Slide Number Placeholder 3"/>
+          <p:cNvSpPr>
+            <a:spLocks noGrp="1"/>
+          </p:cNvSpPr>
+          <p:nvPr>
+            <p:ph type="sldNum" sz="quarter" idx="5"/>
+          </p:nvPr>
+        </p:nvSpPr>
+        <p:spPr/>
+        <p:txBody>
+          <a:bodyPr/>
+          <a:lstStyle/>
+          <a:p>
+            <a:fld id="{574B454C-392B-49AE-A306-157BCCE4709B}" type="slidenum">
+              <a:rPr lang="en-US" smtClean="0"/>
+              <a:t>24</a:t>
             </a:fld>
             <a:endParaRPr lang="en-US"/>
           </a:p>
@@ -696,16 +1479,7 @@
           <a:bodyPr/>
           <a:lstStyle/>
           <a:p>
-            <a:r>
-              <a:rPr lang="en-US" dirty="0"/>
-              <a:t>Environments – a security boundary for the apps running . In k8s terms it represents a cluster or lets this like app plan in regular web app</a:t>
-            </a:r>
-          </a:p>
-          <a:p>
-            <a:r>
-              <a:rPr lang="en-US" dirty="0"/>
-              <a:t>Revisions – are versions ..handy when we want to do traffic splitting.</a:t>
-            </a:r>
+            <a:endParaRPr lang="en-US" dirty="0"/>
           </a:p>
         </p:txBody>
       </p:sp>
@@ -726,7 +1500,7 @@
           <a:p>
             <a:fld id="{574B454C-392B-49AE-A306-157BCCE4709B}" type="slidenum">
               <a:rPr lang="en-US" smtClean="0"/>
-              <a:t>5</a:t>
+              <a:t>2</a:t>
             </a:fld>
             <a:endParaRPr lang="en-US"/>
           </a:p>
@@ -735,7 +1509,7 @@
     </p:spTree>
     <p:extLst>
       <p:ext uri="{BB962C8B-B14F-4D97-AF65-F5344CB8AC3E}">
-        <p14:creationId xmlns:p14="http://schemas.microsoft.com/office/powerpoint/2010/main" val="2600326223"/>
+        <p14:creationId xmlns:p14="http://schemas.microsoft.com/office/powerpoint/2010/main" val="2663580367"/>
       </p:ext>
     </p:extLst>
   </p:cSld>
@@ -789,18 +1563,7 @@
           <a:bodyPr/>
           <a:lstStyle/>
           <a:p>
-            <a:r>
-              <a:rPr lang="en-US" dirty="0"/>
-              <a:t>Good for traffic splitting , Blue green deployment </a:t>
-            </a:r>
-            <a:r>
-              <a:rPr lang="en-US" dirty="0" err="1"/>
-              <a:t>etc</a:t>
-            </a:r>
-            <a:r>
-              <a:rPr lang="en-US" dirty="0"/>
-              <a:t> </a:t>
-            </a:r>
+            <a:endParaRPr lang="en-US" dirty="0"/>
           </a:p>
         </p:txBody>
       </p:sp>
@@ -821,7 +1584,7 @@
           <a:p>
             <a:fld id="{574B454C-392B-49AE-A306-157BCCE4709B}" type="slidenum">
               <a:rPr lang="en-US" smtClean="0"/>
-              <a:t>8</a:t>
+              <a:t>3</a:t>
             </a:fld>
             <a:endParaRPr lang="en-US"/>
           </a:p>
@@ -830,7 +1593,7 @@
     </p:spTree>
     <p:extLst>
       <p:ext uri="{BB962C8B-B14F-4D97-AF65-F5344CB8AC3E}">
-        <p14:creationId xmlns:p14="http://schemas.microsoft.com/office/powerpoint/2010/main" val="2200935973"/>
+        <p14:creationId xmlns:p14="http://schemas.microsoft.com/office/powerpoint/2010/main" val="4220051052"/>
       </p:ext>
     </p:extLst>
   </p:cSld>
@@ -884,7 +1647,7 @@
           <a:bodyPr/>
           <a:lstStyle/>
           <a:p>
-            <a:endParaRPr lang="en-US"/>
+            <a:endParaRPr lang="en-US" dirty="0"/>
           </a:p>
         </p:txBody>
       </p:sp>
@@ -905,7 +1668,7 @@
           <a:p>
             <a:fld id="{574B454C-392B-49AE-A306-157BCCE4709B}" type="slidenum">
               <a:rPr lang="en-US" smtClean="0"/>
-              <a:t>9</a:t>
+              <a:t>5</a:t>
             </a:fld>
             <a:endParaRPr lang="en-US"/>
           </a:p>
@@ -914,7 +1677,7 @@
     </p:spTree>
     <p:extLst>
       <p:ext uri="{BB962C8B-B14F-4D97-AF65-F5344CB8AC3E}">
-        <p14:creationId xmlns:p14="http://schemas.microsoft.com/office/powerpoint/2010/main" val="1569946406"/>
+        <p14:creationId xmlns:p14="http://schemas.microsoft.com/office/powerpoint/2010/main" val="2975291025"/>
       </p:ext>
     </p:extLst>
   </p:cSld>
@@ -989,7 +1752,7 @@
           <a:p>
             <a:fld id="{574B454C-392B-49AE-A306-157BCCE4709B}" type="slidenum">
               <a:rPr lang="en-US" smtClean="0"/>
-              <a:t>12</a:t>
+              <a:t>6</a:t>
             </a:fld>
             <a:endParaRPr lang="en-US"/>
           </a:p>
@@ -998,7 +1761,7 @@
     </p:spTree>
     <p:extLst>
       <p:ext uri="{BB962C8B-B14F-4D97-AF65-F5344CB8AC3E}">
-        <p14:creationId xmlns:p14="http://schemas.microsoft.com/office/powerpoint/2010/main" val="3554593844"/>
+        <p14:creationId xmlns:p14="http://schemas.microsoft.com/office/powerpoint/2010/main" val="1513794241"/>
       </p:ext>
     </p:extLst>
   </p:cSld>
@@ -1073,7 +1836,7 @@
           <a:p>
             <a:fld id="{574B454C-392B-49AE-A306-157BCCE4709B}" type="slidenum">
               <a:rPr lang="en-US" smtClean="0"/>
-              <a:t>13</a:t>
+              <a:t>7</a:t>
             </a:fld>
             <a:endParaRPr lang="en-US"/>
           </a:p>
@@ -1082,7 +1845,7 @@
     </p:spTree>
     <p:extLst>
       <p:ext uri="{BB962C8B-B14F-4D97-AF65-F5344CB8AC3E}">
-        <p14:creationId xmlns:p14="http://schemas.microsoft.com/office/powerpoint/2010/main" val="3777426253"/>
+        <p14:creationId xmlns:p14="http://schemas.microsoft.com/office/powerpoint/2010/main" val="1655904984"/>
       </p:ext>
     </p:extLst>
   </p:cSld>
@@ -1157,7 +1920,7 @@
           <a:p>
             <a:fld id="{574B454C-392B-49AE-A306-157BCCE4709B}" type="slidenum">
               <a:rPr lang="en-US" smtClean="0"/>
-              <a:t>14</a:t>
+              <a:t>8</a:t>
             </a:fld>
             <a:endParaRPr lang="en-US"/>
           </a:p>
@@ -1166,7 +1929,7 @@
     </p:spTree>
     <p:extLst>
       <p:ext uri="{BB962C8B-B14F-4D97-AF65-F5344CB8AC3E}">
-        <p14:creationId xmlns:p14="http://schemas.microsoft.com/office/powerpoint/2010/main" val="3983910179"/>
+        <p14:creationId xmlns:p14="http://schemas.microsoft.com/office/powerpoint/2010/main" val="3582395632"/>
       </p:ext>
     </p:extLst>
   </p:cSld>
@@ -1241,7 +2004,7 @@
           <a:p>
             <a:fld id="{574B454C-392B-49AE-A306-157BCCE4709B}" type="slidenum">
               <a:rPr lang="en-US" smtClean="0"/>
-              <a:t>15</a:t>
+              <a:t>9</a:t>
             </a:fld>
             <a:endParaRPr lang="en-US"/>
           </a:p>
@@ -1250,7 +2013,7 @@
     </p:spTree>
     <p:extLst>
       <p:ext uri="{BB962C8B-B14F-4D97-AF65-F5344CB8AC3E}">
-        <p14:creationId xmlns:p14="http://schemas.microsoft.com/office/powerpoint/2010/main" val="454864936"/>
+        <p14:creationId xmlns:p14="http://schemas.microsoft.com/office/powerpoint/2010/main" val="824728952"/>
       </p:ext>
     </p:extLst>
   </p:cSld>
@@ -1325,7 +2088,7 @@
           <a:p>
             <a:fld id="{574B454C-392B-49AE-A306-157BCCE4709B}" type="slidenum">
               <a:rPr lang="en-US" smtClean="0"/>
-              <a:t>16</a:t>
+              <a:t>10</a:t>
             </a:fld>
             <a:endParaRPr lang="en-US"/>
           </a:p>
@@ -1334,7 +2097,7 @@
     </p:spTree>
     <p:extLst>
       <p:ext uri="{BB962C8B-B14F-4D97-AF65-F5344CB8AC3E}">
-        <p14:creationId xmlns:p14="http://schemas.microsoft.com/office/powerpoint/2010/main" val="451301145"/>
+        <p14:creationId xmlns:p14="http://schemas.microsoft.com/office/powerpoint/2010/main" val="749079999"/>
       </p:ext>
     </p:extLst>
   </p:cSld>
@@ -1491,7 +2254,7 @@
           <a:p>
             <a:fld id="{AC07A61A-C07A-48FE-AD5E-4AE0E4C8ECA3}" type="datetimeFigureOut">
               <a:rPr lang="en-US" smtClean="0"/>
-              <a:t>8/26/2024</a:t>
+              <a:t>9/12/2024</a:t>
             </a:fld>
             <a:endParaRPr lang="en-US"/>
           </a:p>
@@ -1689,7 +2452,7 @@
           <a:p>
             <a:fld id="{AC07A61A-C07A-48FE-AD5E-4AE0E4C8ECA3}" type="datetimeFigureOut">
               <a:rPr lang="en-US" smtClean="0"/>
-              <a:t>8/26/2024</a:t>
+              <a:t>9/12/2024</a:t>
             </a:fld>
             <a:endParaRPr lang="en-US"/>
           </a:p>
@@ -1897,7 +2660,7 @@
           <a:p>
             <a:fld id="{AC07A61A-C07A-48FE-AD5E-4AE0E4C8ECA3}" type="datetimeFigureOut">
               <a:rPr lang="en-US" smtClean="0"/>
-              <a:t>8/26/2024</a:t>
+              <a:t>9/12/2024</a:t>
             </a:fld>
             <a:endParaRPr lang="en-US"/>
           </a:p>
@@ -2095,7 +2858,7 @@
           <a:p>
             <a:fld id="{AC07A61A-C07A-48FE-AD5E-4AE0E4C8ECA3}" type="datetimeFigureOut">
               <a:rPr lang="en-US" smtClean="0"/>
-              <a:t>8/26/2024</a:t>
+              <a:t>9/12/2024</a:t>
             </a:fld>
             <a:endParaRPr lang="en-US"/>
           </a:p>
@@ -2370,7 +3133,7 @@
           <a:p>
             <a:fld id="{AC07A61A-C07A-48FE-AD5E-4AE0E4C8ECA3}" type="datetimeFigureOut">
               <a:rPr lang="en-US" smtClean="0"/>
-              <a:t>8/26/2024</a:t>
+              <a:t>9/12/2024</a:t>
             </a:fld>
             <a:endParaRPr lang="en-US"/>
           </a:p>
@@ -2635,7 +3398,7 @@
           <a:p>
             <a:fld id="{AC07A61A-C07A-48FE-AD5E-4AE0E4C8ECA3}" type="datetimeFigureOut">
               <a:rPr lang="en-US" smtClean="0"/>
-              <a:t>8/26/2024</a:t>
+              <a:t>9/12/2024</a:t>
             </a:fld>
             <a:endParaRPr lang="en-US"/>
           </a:p>
@@ -3047,7 +3810,7 @@
           <a:p>
             <a:fld id="{AC07A61A-C07A-48FE-AD5E-4AE0E4C8ECA3}" type="datetimeFigureOut">
               <a:rPr lang="en-US" smtClean="0"/>
-              <a:t>8/26/2024</a:t>
+              <a:t>9/12/2024</a:t>
             </a:fld>
             <a:endParaRPr lang="en-US"/>
           </a:p>
@@ -3188,7 +3951,7 @@
           <a:p>
             <a:fld id="{AC07A61A-C07A-48FE-AD5E-4AE0E4C8ECA3}" type="datetimeFigureOut">
               <a:rPr lang="en-US" smtClean="0"/>
-              <a:t>8/26/2024</a:t>
+              <a:t>9/12/2024</a:t>
             </a:fld>
             <a:endParaRPr lang="en-US"/>
           </a:p>
@@ -3301,7 +4064,7 @@
           <a:p>
             <a:fld id="{AC07A61A-C07A-48FE-AD5E-4AE0E4C8ECA3}" type="datetimeFigureOut">
               <a:rPr lang="en-US" smtClean="0"/>
-              <a:t>8/26/2024</a:t>
+              <a:t>9/12/2024</a:t>
             </a:fld>
             <a:endParaRPr lang="en-US"/>
           </a:p>
@@ -3612,7 +4375,7 @@
           <a:p>
             <a:fld id="{AC07A61A-C07A-48FE-AD5E-4AE0E4C8ECA3}" type="datetimeFigureOut">
               <a:rPr lang="en-US" smtClean="0"/>
-              <a:t>8/26/2024</a:t>
+              <a:t>9/12/2024</a:t>
             </a:fld>
             <a:endParaRPr lang="en-US"/>
           </a:p>
@@ -3900,7 +4663,7 @@
           <a:p>
             <a:fld id="{AC07A61A-C07A-48FE-AD5E-4AE0E4C8ECA3}" type="datetimeFigureOut">
               <a:rPr lang="en-US" smtClean="0"/>
-              <a:t>8/26/2024</a:t>
+              <a:t>9/12/2024</a:t>
             </a:fld>
             <a:endParaRPr lang="en-US"/>
           </a:p>
@@ -4141,7 +4904,7 @@
           <a:p>
             <a:fld id="{AC07A61A-C07A-48FE-AD5E-4AE0E4C8ECA3}" type="datetimeFigureOut">
               <a:rPr lang="en-US" smtClean="0"/>
-              <a:t>8/26/2024</a:t>
+              <a:t>9/12/2024</a:t>
             </a:fld>
             <a:endParaRPr lang="en-US"/>
           </a:p>
@@ -4624,6 +5387,14 @@
 <file path=ppt/slides/slide10.xml><?xml version="1.0" encoding="utf-8"?>
 <p:sld xmlns:a="http://schemas.openxmlformats.org/drawingml/2006/main" xmlns:r="http://schemas.openxmlformats.org/officeDocument/2006/relationships" xmlns:p="http://schemas.openxmlformats.org/presentationml/2006/main">
   <p:cSld>
+    <p:bg>
+      <p:bgPr>
+        <a:solidFill>
+          <a:schemeClr val="bg1"/>
+        </a:solidFill>
+        <a:effectLst/>
+      </p:bgPr>
+    </p:bg>
     <p:spTree>
       <p:nvGrpSpPr>
         <p:cNvPr id="1" name=""/>
@@ -4638,12 +5409,388 @@
           <a:chExt cx="0" cy="0"/>
         </a:xfrm>
       </p:grpSpPr>
+      <p:sp useBgFill="1">
+        <p:nvSpPr>
+          <p:cNvPr id="8" name="Rectangle 7">
+            <a:extLst>
+              <a:ext uri="{FF2B5EF4-FFF2-40B4-BE49-F238E27FC236}">
+                <a16:creationId xmlns:a16="http://schemas.microsoft.com/office/drawing/2014/main" id="{1B15ED52-F352-441B-82BF-E0EA34836D08}"/>
+              </a:ext>
+              <a:ext uri="{C183D7F6-B498-43B3-948B-1728B52AA6E4}">
+                <adec:decorative xmlns:adec="http://schemas.microsoft.com/office/drawing/2017/decorative" val="1"/>
+              </a:ext>
+            </a:extLst>
+          </p:cNvPr>
+          <p:cNvSpPr>
+            <a:spLocks noGrp="1" noRot="1" noChangeAspect="1" noMove="1" noResize="1" noEditPoints="1" noAdjustHandles="1" noChangeArrowheads="1" noChangeShapeType="1" noTextEdit="1"/>
+          </p:cNvSpPr>
+          <p:nvPr>
+            <p:extLst>
+              <p:ext uri="{386F3935-93C4-4BCD-93E2-E3B085C9AB24}">
+                <p16:designElem xmlns:p16="http://schemas.microsoft.com/office/powerpoint/2015/main" val="1"/>
+              </p:ext>
+            </p:extLst>
+          </p:nvPr>
+        </p:nvSpPr>
+        <p:spPr>
+          <a:xfrm>
+            <a:off x="0" y="0"/>
+            <a:ext cx="12192000" cy="6858000"/>
+          </a:xfrm>
+          <a:prstGeom prst="rect">
+            <a:avLst/>
+          </a:prstGeom>
+          <a:ln w="12700" cap="flat" cmpd="sng" algn="ctr">
+            <a:noFill/>
+            <a:prstDash val="solid"/>
+            <a:miter lim="800000"/>
+          </a:ln>
+          <a:effectLst/>
+          <a:extLst>
+            <a:ext uri="{91240B29-F687-4F45-9708-019B960494DF}">
+              <a14:hiddenLine xmlns:a14="http://schemas.microsoft.com/office/drawing/2010/main" w="12700" cap="flat" cmpd="sng" algn="ctr">
+                <a:solidFill>
+                  <a:schemeClr val="accent1">
+                    <a:shade val="50000"/>
+                  </a:schemeClr>
+                </a:solidFill>
+                <a:prstDash val="solid"/>
+                <a:miter lim="800000"/>
+              </a14:hiddenLine>
+            </a:ext>
+          </a:extLst>
+        </p:spPr>
+        <p:style>
+          <a:lnRef idx="2">
+            <a:schemeClr val="accent1">
+              <a:shade val="50000"/>
+            </a:schemeClr>
+          </a:lnRef>
+          <a:fillRef idx="1">
+            <a:schemeClr val="accent1"/>
+          </a:fillRef>
+          <a:effectRef idx="0">
+            <a:schemeClr val="accent1"/>
+          </a:effectRef>
+          <a:fontRef idx="minor">
+            <a:schemeClr val="lt1"/>
+          </a:fontRef>
+        </p:style>
+        <p:txBody>
+          <a:bodyPr rtlCol="0" anchor="ctr"/>
+          <a:lstStyle/>
+          <a:p>
+            <a:pPr algn="ctr"/>
+            <a:endParaRPr lang="en-US"/>
+          </a:p>
+        </p:txBody>
+      </p:sp>
+      <p:sp>
+        <p:nvSpPr>
+          <p:cNvPr id="10" name="Rectangle 9">
+            <a:extLst>
+              <a:ext uri="{FF2B5EF4-FFF2-40B4-BE49-F238E27FC236}">
+                <a16:creationId xmlns:a16="http://schemas.microsoft.com/office/drawing/2014/main" id="{3B2E3793-BFE6-45A2-9B7B-E18844431C99}"/>
+              </a:ext>
+              <a:ext uri="{C183D7F6-B498-43B3-948B-1728B52AA6E4}">
+                <adec:decorative xmlns:adec="http://schemas.microsoft.com/office/drawing/2017/decorative" val="1"/>
+              </a:ext>
+            </a:extLst>
+          </p:cNvPr>
+          <p:cNvSpPr>
+            <a:spLocks noGrp="1" noRot="1" noChangeAspect="1" noMove="1" noResize="1" noEditPoints="1" noAdjustHandles="1" noChangeArrowheads="1" noChangeShapeType="1" noTextEdit="1"/>
+          </p:cNvSpPr>
+          <p:nvPr>
+            <p:extLst>
+              <p:ext uri="{386F3935-93C4-4BCD-93E2-E3B085C9AB24}">
+                <p16:designElem xmlns:p16="http://schemas.microsoft.com/office/powerpoint/2015/main" val="1"/>
+              </p:ext>
+            </p:extLst>
+          </p:nvPr>
+        </p:nvSpPr>
+        <p:spPr>
+          <a:xfrm flipH="1">
+            <a:off x="-1" y="-1"/>
+            <a:ext cx="12191998" cy="1590742"/>
+          </a:xfrm>
+          <a:prstGeom prst="rect">
+            <a:avLst/>
+          </a:prstGeom>
+          <a:gradFill>
+            <a:gsLst>
+              <a:gs pos="0">
+                <a:srgbClr val="000000"/>
+              </a:gs>
+              <a:gs pos="100000">
+                <a:schemeClr val="accent1">
+                  <a:lumMod val="75000"/>
+                </a:schemeClr>
+              </a:gs>
+            </a:gsLst>
+            <a:lin ang="8400000" scaled="0"/>
+          </a:gradFill>
+          <a:ln>
+            <a:noFill/>
+          </a:ln>
+        </p:spPr>
+        <p:style>
+          <a:lnRef idx="2">
+            <a:schemeClr val="accent1">
+              <a:shade val="50000"/>
+            </a:schemeClr>
+          </a:lnRef>
+          <a:fillRef idx="1">
+            <a:schemeClr val="accent1"/>
+          </a:fillRef>
+          <a:effectRef idx="0">
+            <a:schemeClr val="accent1"/>
+          </a:effectRef>
+          <a:fontRef idx="minor">
+            <a:schemeClr val="lt1"/>
+          </a:fontRef>
+        </p:style>
+        <p:txBody>
+          <a:bodyPr rtlCol="0" anchor="ctr"/>
+          <a:lstStyle/>
+          <a:p>
+            <a:pPr algn="ctr"/>
+            <a:endParaRPr lang="en-US"/>
+          </a:p>
+        </p:txBody>
+      </p:sp>
+      <p:sp>
+        <p:nvSpPr>
+          <p:cNvPr id="12" name="Rectangle 11">
+            <a:extLst>
+              <a:ext uri="{FF2B5EF4-FFF2-40B4-BE49-F238E27FC236}">
+                <a16:creationId xmlns:a16="http://schemas.microsoft.com/office/drawing/2014/main" id="{BC4C4868-CB8F-4AF9-9CDB-8108F2C19B67}"/>
+              </a:ext>
+              <a:ext uri="{C183D7F6-B498-43B3-948B-1728B52AA6E4}">
+                <adec:decorative xmlns:adec="http://schemas.microsoft.com/office/drawing/2017/decorative" val="1"/>
+              </a:ext>
+            </a:extLst>
+          </p:cNvPr>
+          <p:cNvSpPr>
+            <a:spLocks noGrp="1" noRot="1" noChangeAspect="1" noMove="1" noResize="1" noEditPoints="1" noAdjustHandles="1" noChangeArrowheads="1" noChangeShapeType="1" noTextEdit="1"/>
+          </p:cNvSpPr>
+          <p:nvPr>
+            <p:extLst>
+              <p:ext uri="{386F3935-93C4-4BCD-93E2-E3B085C9AB24}">
+                <p16:designElem xmlns:p16="http://schemas.microsoft.com/office/powerpoint/2015/main" val="1"/>
+              </p:ext>
+            </p:extLst>
+          </p:nvPr>
+        </p:nvSpPr>
+        <p:spPr>
+          <a:xfrm rot="10800000" flipH="1">
+            <a:off x="-3" y="0"/>
+            <a:ext cx="8115306" cy="1590742"/>
+          </a:xfrm>
+          <a:prstGeom prst="rect">
+            <a:avLst/>
+          </a:prstGeom>
+          <a:gradFill>
+            <a:gsLst>
+              <a:gs pos="20000">
+                <a:schemeClr val="accent1">
+                  <a:alpha val="0"/>
+                </a:schemeClr>
+              </a:gs>
+              <a:gs pos="100000">
+                <a:schemeClr val="accent1">
+                  <a:lumMod val="50000"/>
+                  <a:alpha val="55000"/>
+                </a:schemeClr>
+              </a:gs>
+            </a:gsLst>
+            <a:lin ang="13800000" scaled="0"/>
+          </a:gradFill>
+          <a:ln>
+            <a:noFill/>
+          </a:ln>
+        </p:spPr>
+        <p:style>
+          <a:lnRef idx="2">
+            <a:schemeClr val="accent1">
+              <a:shade val="50000"/>
+            </a:schemeClr>
+          </a:lnRef>
+          <a:fillRef idx="1">
+            <a:schemeClr val="accent1"/>
+          </a:fillRef>
+          <a:effectRef idx="0">
+            <a:schemeClr val="accent1"/>
+          </a:effectRef>
+          <a:fontRef idx="minor">
+            <a:schemeClr val="lt1"/>
+          </a:fontRef>
+        </p:style>
+        <p:txBody>
+          <a:bodyPr rtlCol="0" anchor="ctr"/>
+          <a:lstStyle/>
+          <a:p>
+            <a:pPr algn="ctr"/>
+            <a:endParaRPr lang="en-US"/>
+          </a:p>
+        </p:txBody>
+      </p:sp>
+      <p:sp>
+        <p:nvSpPr>
+          <p:cNvPr id="14" name="Rectangle 13">
+            <a:extLst>
+              <a:ext uri="{FF2B5EF4-FFF2-40B4-BE49-F238E27FC236}">
+                <a16:creationId xmlns:a16="http://schemas.microsoft.com/office/drawing/2014/main" id="{375E0459-6403-40CD-989D-56A4407CA12E}"/>
+              </a:ext>
+              <a:ext uri="{C183D7F6-B498-43B3-948B-1728B52AA6E4}">
+                <adec:decorative xmlns:adec="http://schemas.microsoft.com/office/drawing/2017/decorative" val="1"/>
+              </a:ext>
+            </a:extLst>
+          </p:cNvPr>
+          <p:cNvSpPr>
+            <a:spLocks noGrp="1" noRot="1" noChangeAspect="1" noMove="1" noResize="1" noEditPoints="1" noAdjustHandles="1" noChangeArrowheads="1" noChangeShapeType="1" noTextEdit="1"/>
+          </p:cNvSpPr>
+          <p:nvPr>
+            <p:extLst>
+              <p:ext uri="{386F3935-93C4-4BCD-93E2-E3B085C9AB24}">
+                <p16:designElem xmlns:p16="http://schemas.microsoft.com/office/powerpoint/2015/main" val="1"/>
+              </p:ext>
+            </p:extLst>
+          </p:nvPr>
+        </p:nvSpPr>
+        <p:spPr>
+          <a:xfrm flipH="1">
+            <a:off x="8115299" y="-1"/>
+            <a:ext cx="4076698" cy="1590742"/>
+          </a:xfrm>
+          <a:prstGeom prst="rect">
+            <a:avLst/>
+          </a:prstGeom>
+          <a:gradFill>
+            <a:gsLst>
+              <a:gs pos="0">
+                <a:schemeClr val="accent1">
+                  <a:alpha val="66000"/>
+                </a:schemeClr>
+              </a:gs>
+              <a:gs pos="100000">
+                <a:srgbClr val="000000">
+                  <a:alpha val="30000"/>
+                </a:srgbClr>
+              </a:gs>
+            </a:gsLst>
+            <a:lin ang="13200000" scaled="0"/>
+          </a:gradFill>
+          <a:ln>
+            <a:noFill/>
+          </a:ln>
+        </p:spPr>
+        <p:style>
+          <a:lnRef idx="2">
+            <a:schemeClr val="accent1">
+              <a:shade val="50000"/>
+            </a:schemeClr>
+          </a:lnRef>
+          <a:fillRef idx="1">
+            <a:schemeClr val="accent1"/>
+          </a:fillRef>
+          <a:effectRef idx="0">
+            <a:schemeClr val="accent1"/>
+          </a:effectRef>
+          <a:fontRef idx="minor">
+            <a:schemeClr val="lt1"/>
+          </a:fontRef>
+        </p:style>
+        <p:txBody>
+          <a:bodyPr rtlCol="0" anchor="ctr"/>
+          <a:lstStyle/>
+          <a:p>
+            <a:pPr algn="ctr"/>
+            <a:endParaRPr lang="en-US"/>
+          </a:p>
+        </p:txBody>
+      </p:sp>
+      <p:sp>
+        <p:nvSpPr>
+          <p:cNvPr id="16" name="Rectangle 15">
+            <a:extLst>
+              <a:ext uri="{FF2B5EF4-FFF2-40B4-BE49-F238E27FC236}">
+                <a16:creationId xmlns:a16="http://schemas.microsoft.com/office/drawing/2014/main" id="{53E5B1A8-3AC9-4BD1-9BBC-78CA94F2D1BA}"/>
+              </a:ext>
+              <a:ext uri="{C183D7F6-B498-43B3-948B-1728B52AA6E4}">
+                <adec:decorative xmlns:adec="http://schemas.microsoft.com/office/drawing/2017/decorative" val="1"/>
+              </a:ext>
+            </a:extLst>
+          </p:cNvPr>
+          <p:cNvSpPr>
+            <a:spLocks noGrp="1" noRot="1" noChangeAspect="1" noMove="1" noResize="1" noEditPoints="1" noAdjustHandles="1" noChangeArrowheads="1" noChangeShapeType="1" noTextEdit="1"/>
+          </p:cNvSpPr>
+          <p:nvPr>
+            <p:extLst>
+              <p:ext uri="{386F3935-93C4-4BCD-93E2-E3B085C9AB24}">
+                <p16:designElem xmlns:p16="http://schemas.microsoft.com/office/powerpoint/2015/main" val="1"/>
+              </p:ext>
+            </p:extLst>
+          </p:nvPr>
+        </p:nvSpPr>
+        <p:spPr>
+          <a:xfrm>
+            <a:off x="459350" y="-1"/>
+            <a:ext cx="11732646" cy="1597433"/>
+          </a:xfrm>
+          <a:prstGeom prst="rect">
+            <a:avLst/>
+          </a:prstGeom>
+          <a:gradFill>
+            <a:gsLst>
+              <a:gs pos="50000">
+                <a:srgbClr val="000000">
+                  <a:alpha val="0"/>
+                </a:srgbClr>
+              </a:gs>
+              <a:gs pos="99000">
+                <a:schemeClr val="accent1">
+                  <a:lumMod val="50000"/>
+                  <a:alpha val="52000"/>
+                </a:schemeClr>
+              </a:gs>
+            </a:gsLst>
+            <a:lin ang="16800000" scaled="0"/>
+          </a:gradFill>
+          <a:ln>
+            <a:noFill/>
+          </a:ln>
+        </p:spPr>
+        <p:style>
+          <a:lnRef idx="2">
+            <a:schemeClr val="accent1">
+              <a:shade val="50000"/>
+            </a:schemeClr>
+          </a:lnRef>
+          <a:fillRef idx="1">
+            <a:schemeClr val="accent1"/>
+          </a:fillRef>
+          <a:effectRef idx="0">
+            <a:schemeClr val="accent1"/>
+          </a:effectRef>
+          <a:fontRef idx="minor">
+            <a:schemeClr val="lt1"/>
+          </a:fontRef>
+        </p:style>
+        <p:txBody>
+          <a:bodyPr rtlCol="0" anchor="ctr"/>
+          <a:lstStyle/>
+          <a:p>
+            <a:pPr algn="ctr"/>
+            <a:endParaRPr lang="en-US"/>
+          </a:p>
+        </p:txBody>
+      </p:sp>
       <p:sp>
         <p:nvSpPr>
           <p:cNvPr id="2" name="Title 1">
             <a:extLst>
               <a:ext uri="{FF2B5EF4-FFF2-40B4-BE49-F238E27FC236}">
-                <a16:creationId xmlns:a16="http://schemas.microsoft.com/office/drawing/2014/main" id="{5B9BFE67-AC84-01EA-54CA-130394CABBB2}"/>
+                <a16:creationId xmlns:a16="http://schemas.microsoft.com/office/drawing/2014/main" id="{6CDB057F-DB08-52D9-8E74-A6F9FD8374CC}"/>
               </a:ext>
             </a:extLst>
           </p:cNvPr>
@@ -4654,12 +5801,26 @@
             <p:ph type="title"/>
           </p:nvPr>
         </p:nvSpPr>
-        <p:spPr/>
-        <p:txBody>
-          <a:bodyPr/>
-          <a:lstStyle/>
-          <a:p>
-            <a:endParaRPr lang="en-US"/>
+        <p:spPr>
+          <a:xfrm>
+            <a:off x="1371599" y="294538"/>
+            <a:ext cx="9895951" cy="1033669"/>
+          </a:xfrm>
+        </p:spPr>
+        <p:txBody>
+          <a:bodyPr>
+            <a:normAutofit/>
+          </a:bodyPr>
+          <a:lstStyle/>
+          <a:p>
+            <a:r>
+              <a:rPr lang="en-US" sz="4000">
+                <a:solidFill>
+                  <a:srgbClr val="FFFFFF"/>
+                </a:solidFill>
+              </a:rPr>
+              <a:t>ACA Plans/Billing Model</a:t>
+            </a:r>
           </a:p>
         </p:txBody>
       </p:sp>
@@ -4668,7 +5829,7 @@
           <p:cNvPr id="3" name="Content Placeholder 2">
             <a:extLst>
               <a:ext uri="{FF2B5EF4-FFF2-40B4-BE49-F238E27FC236}">
-                <a16:creationId xmlns:a16="http://schemas.microsoft.com/office/drawing/2014/main" id="{E5738D50-05D9-D4C9-92A1-0B2FA502EEE1}"/>
+                <a16:creationId xmlns:a16="http://schemas.microsoft.com/office/drawing/2014/main" id="{3D586F06-B10F-7A59-4B74-8F96F9097EF0}"/>
               </a:ext>
             </a:extLst>
           </p:cNvPr>
@@ -4679,19 +5840,81 @@
             <p:ph idx="1"/>
           </p:nvPr>
         </p:nvSpPr>
-        <p:spPr/>
-        <p:txBody>
-          <a:bodyPr/>
-          <a:lstStyle/>
-          <a:p>
-            <a:endParaRPr lang="en-US"/>
+        <p:spPr>
+          <a:xfrm>
+            <a:off x="1371599" y="2318197"/>
+            <a:ext cx="9724031" cy="3683358"/>
+          </a:xfrm>
+        </p:spPr>
+        <p:txBody>
+          <a:bodyPr anchor="ctr">
+            <a:normAutofit/>
+          </a:bodyPr>
+          <a:lstStyle/>
+          <a:p>
+            <a:r>
+              <a:rPr lang="en-US" sz="2000" dirty="0">
+                <a:sym typeface="Wingdings" panose="05000000000000000000" pitchFamily="2" charset="2"/>
+              </a:rPr>
+              <a:t>Azure Container Environments Types</a:t>
+            </a:r>
+          </a:p>
+          <a:p>
+            <a:endParaRPr lang="en-US" sz="2000" dirty="0">
+              <a:sym typeface="Wingdings" panose="05000000000000000000" pitchFamily="2" charset="2"/>
+            </a:endParaRPr>
+          </a:p>
+          <a:p>
+            <a:pPr lvl="1"/>
+            <a:r>
+              <a:rPr lang="en-US" sz="2000" b="1" i="0" dirty="0">
+                <a:effectLst/>
+                <a:latin typeface="Segoe UI" panose="020B0502040204020203" pitchFamily="34" charset="0"/>
+              </a:rPr>
+              <a:t>Workload profile </a:t>
+            </a:r>
+            <a:r>
+              <a:rPr lang="en-US" sz="2000" b="0" i="0" dirty="0">
+                <a:effectLst/>
+                <a:latin typeface="Segoe UI" panose="020B0502040204020203" pitchFamily="34" charset="0"/>
+              </a:rPr>
+              <a:t>- Run serverless apps with support for scale-to-zero and pay only for resources your apps use with the consumption profile. You can also run apps with customized hardware and increased cost predictability using dedicated workload profiles.</a:t>
+            </a:r>
+          </a:p>
+          <a:p>
+            <a:pPr lvl="1"/>
+            <a:endParaRPr lang="en-US" sz="2000" dirty="0">
+              <a:sym typeface="Wingdings" panose="05000000000000000000" pitchFamily="2" charset="2"/>
+            </a:endParaRPr>
+          </a:p>
+          <a:p>
+            <a:pPr lvl="1"/>
+            <a:r>
+              <a:rPr lang="en-US" sz="2000" b="1" i="0" dirty="0">
+                <a:effectLst/>
+                <a:latin typeface="Segoe UI" panose="020B0502040204020203" pitchFamily="34" charset="0"/>
+              </a:rPr>
+              <a:t>Consumption only </a:t>
+            </a:r>
+            <a:r>
+              <a:rPr lang="en-US" sz="2000" dirty="0">
+                <a:sym typeface="Wingdings" panose="05000000000000000000" pitchFamily="2" charset="2"/>
+              </a:rPr>
+              <a:t>– </a:t>
+            </a:r>
+            <a:r>
+              <a:rPr lang="en-US" sz="2000" dirty="0">
+                <a:latin typeface="Segoe UI" panose="020B0502040204020203" pitchFamily="34" charset="0"/>
+              </a:rPr>
+              <a:t>Run serverless apps with support for scale-to-zero and pay only for resources your apps use. </a:t>
+            </a:r>
           </a:p>
         </p:txBody>
       </p:sp>
     </p:spTree>
     <p:extLst>
       <p:ext uri="{BB962C8B-B14F-4D97-AF65-F5344CB8AC3E}">
-        <p14:creationId xmlns:p14="http://schemas.microsoft.com/office/powerpoint/2010/main" val="3978932813"/>
+        <p14:creationId xmlns:p14="http://schemas.microsoft.com/office/powerpoint/2010/main" val="1233418736"/>
       </p:ext>
     </p:extLst>
   </p:cSld>
@@ -4723,7 +5946,7 @@
           <p:cNvPr id="2" name="Title 1">
             <a:extLst>
               <a:ext uri="{FF2B5EF4-FFF2-40B4-BE49-F238E27FC236}">
-                <a16:creationId xmlns:a16="http://schemas.microsoft.com/office/drawing/2014/main" id="{1D330E3B-B471-6270-9718-7EEB4DD15CB4}"/>
+                <a16:creationId xmlns:a16="http://schemas.microsoft.com/office/drawing/2014/main" id="{460A3276-CE40-EFC0-6AB7-C3A626DC9581}"/>
               </a:ext>
             </a:extLst>
           </p:cNvPr>
@@ -4741,7 +5964,15 @@
           <a:p>
             <a:r>
               <a:rPr lang="en-US" dirty="0"/>
-              <a:t>Building Blocks</a:t>
+              <a:t>Demo 1 – </a:t>
+            </a:r>
+            <a:r>
+              <a:rPr lang="en-US" dirty="0" err="1"/>
+              <a:t>CSharp</a:t>
+            </a:r>
+            <a:r>
+              <a:rPr lang="en-US" dirty="0"/>
+              <a:t> Api</a:t>
             </a:r>
           </a:p>
         </p:txBody>
@@ -4751,7 +5982,7 @@
           <p:cNvPr id="3" name="Content Placeholder 2">
             <a:extLst>
               <a:ext uri="{FF2B5EF4-FFF2-40B4-BE49-F238E27FC236}">
-                <a16:creationId xmlns:a16="http://schemas.microsoft.com/office/drawing/2014/main" id="{39CBC570-1B0F-097C-866D-184C0D2AC1F9}"/>
+                <a16:creationId xmlns:a16="http://schemas.microsoft.com/office/drawing/2014/main" id="{FAB7716E-8FE5-002D-3AA6-818F09837905}"/>
               </a:ext>
             </a:extLst>
           </p:cNvPr>
@@ -4762,42 +5993,19 @@
             <p:ph idx="1"/>
           </p:nvPr>
         </p:nvSpPr>
-        <p:spPr/>
-        <p:txBody>
-          <a:bodyPr/>
-          <a:lstStyle/>
-          <a:p>
-            <a:r>
-              <a:rPr lang="en-US" dirty="0"/>
-              <a:t>Environments – </a:t>
-            </a:r>
-          </a:p>
-          <a:p>
-            <a:pPr lvl="1"/>
-            <a:r>
-              <a:rPr lang="en-US" dirty="0"/>
-              <a:t>All container apps within an env are dedicated to a </a:t>
-            </a:r>
-            <a:r>
-              <a:rPr lang="en-US" dirty="0" err="1"/>
-              <a:t>vnet</a:t>
-            </a:r>
-            <a:r>
-              <a:rPr lang="en-US" dirty="0"/>
-              <a:t>. Which makes it possible for the container apps to communicate securely.</a:t>
-            </a:r>
-          </a:p>
-          <a:p>
-            <a:r>
-              <a:rPr lang="en-US" dirty="0"/>
-              <a:t>Apps</a:t>
-            </a:r>
-          </a:p>
-          <a:p>
-            <a:r>
-              <a:rPr lang="en-US" dirty="0"/>
-              <a:t>Log Analytic Workspace</a:t>
-            </a:r>
+        <p:spPr>
+          <a:xfrm>
+            <a:off x="838200" y="1825625"/>
+            <a:ext cx="10717696" cy="4667250"/>
+          </a:xfrm>
+        </p:spPr>
+        <p:txBody>
+          <a:bodyPr>
+            <a:normAutofit lnSpcReduction="10000"/>
+          </a:bodyPr>
+          <a:lstStyle/>
+          <a:p>
+            <a:endParaRPr lang="en-US" dirty="0"/>
           </a:p>
           <a:p>
             <a:r>
@@ -4806,9 +6014,17 @@
             </a:r>
           </a:p>
           <a:p>
+            <a:pPr lvl="1"/>
             <a:r>
               <a:rPr lang="en-US" dirty="0"/>
-              <a:t>Containers</a:t>
+              <a:t>Single Mode</a:t>
+            </a:r>
+          </a:p>
+          <a:p>
+            <a:pPr lvl="1"/>
+            <a:r>
+              <a:rPr lang="en-US" dirty="0"/>
+              <a:t>Multiple Mode</a:t>
             </a:r>
           </a:p>
           <a:p>
@@ -4816,11 +6032,45 @@
             <a:endParaRPr lang="en-US" dirty="0"/>
           </a:p>
           <a:p>
-            <a:pPr lvl="1"/>
+            <a:r>
+              <a:rPr lang="en-US" dirty="0"/>
+              <a:t>Use of secrets and environment variables.</a:t>
+            </a:r>
+          </a:p>
+          <a:p>
             <a:endParaRPr lang="en-US" dirty="0"/>
           </a:p>
           <a:p>
-            <a:pPr lvl="1"/>
+            <a:r>
+              <a:rPr lang="en-US" dirty="0"/>
+              <a:t>Logs </a:t>
+            </a:r>
+          </a:p>
+          <a:p>
+            <a:endParaRPr lang="en-US" dirty="0"/>
+          </a:p>
+          <a:p>
+            <a:r>
+              <a:rPr lang="en-US" dirty="0"/>
+              <a:t>Rollbacks are easier - Because env vars are specific to revisions. </a:t>
+            </a:r>
+          </a:p>
+          <a:p>
+            <a:endParaRPr lang="en-US" dirty="0"/>
+          </a:p>
+          <a:p>
+            <a:pPr marL="0" indent="0">
+              <a:buNone/>
+            </a:pPr>
+            <a:endParaRPr lang="en-US" dirty="0"/>
+          </a:p>
+          <a:p>
+            <a:endParaRPr lang="en-US" dirty="0"/>
+          </a:p>
+          <a:p>
+            <a:endParaRPr lang="en-US" dirty="0"/>
+          </a:p>
+          <a:p>
             <a:endParaRPr lang="en-US" dirty="0"/>
           </a:p>
           <a:p>
@@ -4831,7 +6081,7 @@
     </p:spTree>
     <p:extLst>
       <p:ext uri="{BB962C8B-B14F-4D97-AF65-F5344CB8AC3E}">
-        <p14:creationId xmlns:p14="http://schemas.microsoft.com/office/powerpoint/2010/main" val="3139127266"/>
+        <p14:creationId xmlns:p14="http://schemas.microsoft.com/office/powerpoint/2010/main" val="3079996678"/>
       </p:ext>
     </p:extLst>
   </p:cSld>
@@ -4863,6 +6113,794 @@
           <p:cNvPr id="2" name="Title 1">
             <a:extLst>
               <a:ext uri="{FF2B5EF4-FFF2-40B4-BE49-F238E27FC236}">
+                <a16:creationId xmlns:a16="http://schemas.microsoft.com/office/drawing/2014/main" id="{A9C1FBBC-1F0A-A8CC-8635-F62AA20BB1CC}"/>
+              </a:ext>
+            </a:extLst>
+          </p:cNvPr>
+          <p:cNvSpPr>
+            <a:spLocks noGrp="1"/>
+          </p:cNvSpPr>
+          <p:nvPr>
+            <p:ph type="title"/>
+          </p:nvPr>
+        </p:nvSpPr>
+        <p:spPr/>
+        <p:txBody>
+          <a:bodyPr/>
+          <a:lstStyle/>
+          <a:p>
+            <a:r>
+              <a:rPr lang="en-US"/>
+              <a:t>Overview </a:t>
+            </a:r>
+            <a:endParaRPr lang="en-US" dirty="0"/>
+          </a:p>
+        </p:txBody>
+      </p:sp>
+      <p:pic>
+        <p:nvPicPr>
+          <p:cNvPr id="5" name="Content Placeholder 4" descr="A screenshot of a container application&#10;&#10;Description automatically generated">
+            <a:extLst>
+              <a:ext uri="{FF2B5EF4-FFF2-40B4-BE49-F238E27FC236}">
+                <a16:creationId xmlns:a16="http://schemas.microsoft.com/office/drawing/2014/main" id="{8723D72A-EC2A-C193-D4C2-70133CD8BC68}"/>
+              </a:ext>
+            </a:extLst>
+          </p:cNvPr>
+          <p:cNvPicPr>
+            <a:picLocks noGrp="1" noChangeAspect="1"/>
+          </p:cNvPicPr>
+          <p:nvPr>
+            <p:ph idx="1"/>
+          </p:nvPr>
+        </p:nvPicPr>
+        <p:blipFill>
+          <a:blip r:embed="rId3"/>
+          <a:stretch>
+            <a:fillRect/>
+          </a:stretch>
+        </p:blipFill>
+        <p:spPr>
+          <a:xfrm>
+            <a:off x="2140373" y="1690688"/>
+            <a:ext cx="6609344" cy="4363161"/>
+          </a:xfrm>
+        </p:spPr>
+      </p:pic>
+    </p:spTree>
+    <p:extLst>
+      <p:ext uri="{BB962C8B-B14F-4D97-AF65-F5344CB8AC3E}">
+        <p14:creationId xmlns:p14="http://schemas.microsoft.com/office/powerpoint/2010/main" val="2460111788"/>
+      </p:ext>
+    </p:extLst>
+  </p:cSld>
+  <p:clrMapOvr>
+    <a:masterClrMapping/>
+  </p:clrMapOvr>
+</p:sld>
+</file>
+
+<file path=ppt/slides/slide13.xml><?xml version="1.0" encoding="utf-8"?>
+<p:sld xmlns:a="http://schemas.openxmlformats.org/drawingml/2006/main" xmlns:r="http://schemas.openxmlformats.org/officeDocument/2006/relationships" xmlns:p="http://schemas.openxmlformats.org/presentationml/2006/main">
+  <p:cSld>
+    <p:spTree>
+      <p:nvGrpSpPr>
+        <p:cNvPr id="1" name=""/>
+        <p:cNvGrpSpPr/>
+        <p:nvPr/>
+      </p:nvGrpSpPr>
+      <p:grpSpPr>
+        <a:xfrm>
+          <a:off x="0" y="0"/>
+          <a:ext cx="0" cy="0"/>
+          <a:chOff x="0" y="0"/>
+          <a:chExt cx="0" cy="0"/>
+        </a:xfrm>
+      </p:grpSpPr>
+      <p:sp>
+        <p:nvSpPr>
+          <p:cNvPr id="2" name="Title 1">
+            <a:extLst>
+              <a:ext uri="{FF2B5EF4-FFF2-40B4-BE49-F238E27FC236}">
+                <a16:creationId xmlns:a16="http://schemas.microsoft.com/office/drawing/2014/main" id="{93B61793-BCDA-3D3F-3CA2-D709371DF46D}"/>
+              </a:ext>
+            </a:extLst>
+          </p:cNvPr>
+          <p:cNvSpPr>
+            <a:spLocks noGrp="1"/>
+          </p:cNvSpPr>
+          <p:nvPr>
+            <p:ph type="title"/>
+          </p:nvPr>
+        </p:nvSpPr>
+        <p:spPr/>
+        <p:txBody>
+          <a:bodyPr/>
+          <a:lstStyle/>
+          <a:p>
+            <a:r>
+              <a:rPr lang="en-US" dirty="0"/>
+              <a:t>Limitations </a:t>
+            </a:r>
+          </a:p>
+        </p:txBody>
+      </p:sp>
+      <p:sp>
+        <p:nvSpPr>
+          <p:cNvPr id="3" name="Content Placeholder 2">
+            <a:extLst>
+              <a:ext uri="{FF2B5EF4-FFF2-40B4-BE49-F238E27FC236}">
+                <a16:creationId xmlns:a16="http://schemas.microsoft.com/office/drawing/2014/main" id="{E9AE3C9F-DB9F-8EBD-EECA-7E12836791CD}"/>
+              </a:ext>
+            </a:extLst>
+          </p:cNvPr>
+          <p:cNvSpPr>
+            <a:spLocks noGrp="1"/>
+          </p:cNvSpPr>
+          <p:nvPr>
+            <p:ph idx="1"/>
+          </p:nvPr>
+        </p:nvSpPr>
+        <p:spPr/>
+        <p:txBody>
+          <a:bodyPr/>
+          <a:lstStyle/>
+          <a:p>
+            <a:r>
+              <a:rPr lang="en-US" dirty="0"/>
+              <a:t>No access to underlying k8s </a:t>
+            </a:r>
+            <a:r>
+              <a:rPr lang="en-US" dirty="0" err="1"/>
+              <a:t>apis</a:t>
+            </a:r>
+            <a:r>
+              <a:rPr lang="en-US" dirty="0"/>
+              <a:t> and control plane</a:t>
+            </a:r>
+          </a:p>
+          <a:p>
+            <a:r>
+              <a:rPr lang="en-US" dirty="0"/>
+              <a:t>Privileged containers are not supported</a:t>
+            </a:r>
+          </a:p>
+          <a:p>
+            <a:r>
+              <a:rPr lang="en-US" dirty="0"/>
+              <a:t>URL/Path-based routing not supported out of the box</a:t>
+            </a:r>
+          </a:p>
+          <a:p>
+            <a:pPr lvl="1"/>
+            <a:r>
+              <a:rPr lang="en-US" dirty="0"/>
+              <a:t>Use Proxy Servers like NGINX or YARP either in a dedicated container or as part of existing app container</a:t>
+            </a:r>
+          </a:p>
+          <a:p>
+            <a:r>
+              <a:rPr lang="en-US" dirty="0"/>
+              <a:t>Windows containers are not supported</a:t>
+            </a:r>
+          </a:p>
+          <a:p>
+            <a:pPr lvl="1"/>
+            <a:r>
+              <a:rPr lang="en-US" dirty="0"/>
+              <a:t>Azure container instance can be an alternative</a:t>
+            </a:r>
+          </a:p>
+          <a:p>
+            <a:pPr lvl="1"/>
+            <a:endParaRPr lang="en-US" dirty="0"/>
+          </a:p>
+          <a:p>
+            <a:pPr lvl="1"/>
+            <a:endParaRPr lang="en-US" dirty="0"/>
+          </a:p>
+          <a:p>
+            <a:pPr lvl="1"/>
+            <a:endParaRPr lang="en-US" dirty="0"/>
+          </a:p>
+        </p:txBody>
+      </p:sp>
+    </p:spTree>
+    <p:extLst>
+      <p:ext uri="{BB962C8B-B14F-4D97-AF65-F5344CB8AC3E}">
+        <p14:creationId xmlns:p14="http://schemas.microsoft.com/office/powerpoint/2010/main" val="3612978818"/>
+      </p:ext>
+    </p:extLst>
+  </p:cSld>
+  <p:clrMapOvr>
+    <a:masterClrMapping/>
+  </p:clrMapOvr>
+</p:sld>
+</file>
+
+<file path=ppt/slides/slide14.xml><?xml version="1.0" encoding="utf-8"?>
+<p:sld xmlns:a="http://schemas.openxmlformats.org/drawingml/2006/main" xmlns:r="http://schemas.openxmlformats.org/officeDocument/2006/relationships" xmlns:p="http://schemas.openxmlformats.org/presentationml/2006/main">
+  <p:cSld>
+    <p:spTree>
+      <p:nvGrpSpPr>
+        <p:cNvPr id="1" name=""/>
+        <p:cNvGrpSpPr/>
+        <p:nvPr/>
+      </p:nvGrpSpPr>
+      <p:grpSpPr>
+        <a:xfrm>
+          <a:off x="0" y="0"/>
+          <a:ext cx="0" cy="0"/>
+          <a:chOff x="0" y="0"/>
+          <a:chExt cx="0" cy="0"/>
+        </a:xfrm>
+      </p:grpSpPr>
+      <p:sp>
+        <p:nvSpPr>
+          <p:cNvPr id="2" name="Title 1">
+            <a:extLst>
+              <a:ext uri="{FF2B5EF4-FFF2-40B4-BE49-F238E27FC236}">
+                <a16:creationId xmlns:a16="http://schemas.microsoft.com/office/drawing/2014/main" id="{21AA4204-6B8A-60AE-7278-4C526DE925C1}"/>
+              </a:ext>
+            </a:extLst>
+          </p:cNvPr>
+          <p:cNvSpPr>
+            <a:spLocks noGrp="1"/>
+          </p:cNvSpPr>
+          <p:nvPr>
+            <p:ph type="title"/>
+          </p:nvPr>
+        </p:nvSpPr>
+        <p:spPr/>
+        <p:txBody>
+          <a:bodyPr/>
+          <a:lstStyle/>
+          <a:p>
+            <a:r>
+              <a:rPr lang="en-US" dirty="0"/>
+              <a:t>Rollbacks are easier </a:t>
+            </a:r>
+          </a:p>
+        </p:txBody>
+      </p:sp>
+      <p:sp>
+        <p:nvSpPr>
+          <p:cNvPr id="3" name="Content Placeholder 2">
+            <a:extLst>
+              <a:ext uri="{FF2B5EF4-FFF2-40B4-BE49-F238E27FC236}">
+                <a16:creationId xmlns:a16="http://schemas.microsoft.com/office/drawing/2014/main" id="{3FDB5E1E-651D-3BA7-02BE-1D93C828084F}"/>
+              </a:ext>
+            </a:extLst>
+          </p:cNvPr>
+          <p:cNvSpPr>
+            <a:spLocks noGrp="1"/>
+          </p:cNvSpPr>
+          <p:nvPr>
+            <p:ph idx="1"/>
+          </p:nvPr>
+        </p:nvSpPr>
+        <p:spPr/>
+        <p:txBody>
+          <a:bodyPr/>
+          <a:lstStyle/>
+          <a:p>
+            <a:r>
+              <a:rPr lang="en-US" dirty="0"/>
+              <a:t>Because env vars are specific to revisions. </a:t>
+            </a:r>
+          </a:p>
+          <a:p>
+            <a:endParaRPr lang="en-US" dirty="0"/>
+          </a:p>
+        </p:txBody>
+      </p:sp>
+    </p:spTree>
+    <p:extLst>
+      <p:ext uri="{BB962C8B-B14F-4D97-AF65-F5344CB8AC3E}">
+        <p14:creationId xmlns:p14="http://schemas.microsoft.com/office/powerpoint/2010/main" val="3828244979"/>
+      </p:ext>
+    </p:extLst>
+  </p:cSld>
+  <p:clrMapOvr>
+    <a:masterClrMapping/>
+  </p:clrMapOvr>
+</p:sld>
+</file>
+
+<file path=ppt/slides/slide15.xml><?xml version="1.0" encoding="utf-8"?>
+<p:sld xmlns:a="http://schemas.openxmlformats.org/drawingml/2006/main" xmlns:r="http://schemas.openxmlformats.org/officeDocument/2006/relationships" xmlns:p="http://schemas.openxmlformats.org/presentationml/2006/main">
+  <p:cSld>
+    <p:spTree>
+      <p:nvGrpSpPr>
+        <p:cNvPr id="1" name=""/>
+        <p:cNvGrpSpPr/>
+        <p:nvPr/>
+      </p:nvGrpSpPr>
+      <p:grpSpPr>
+        <a:xfrm>
+          <a:off x="0" y="0"/>
+          <a:ext cx="0" cy="0"/>
+          <a:chOff x="0" y="0"/>
+          <a:chExt cx="0" cy="0"/>
+        </a:xfrm>
+      </p:grpSpPr>
+      <p:sp>
+        <p:nvSpPr>
+          <p:cNvPr id="2" name="Title 1">
+            <a:extLst>
+              <a:ext uri="{FF2B5EF4-FFF2-40B4-BE49-F238E27FC236}">
+                <a16:creationId xmlns:a16="http://schemas.microsoft.com/office/drawing/2014/main" id="{945DE629-3F06-4723-FFEC-9B45518EA82E}"/>
+              </a:ext>
+            </a:extLst>
+          </p:cNvPr>
+          <p:cNvSpPr>
+            <a:spLocks noGrp="1"/>
+          </p:cNvSpPr>
+          <p:nvPr>
+            <p:ph type="title"/>
+          </p:nvPr>
+        </p:nvSpPr>
+        <p:spPr/>
+        <p:txBody>
+          <a:bodyPr/>
+          <a:lstStyle/>
+          <a:p>
+            <a:r>
+              <a:rPr lang="en-US" dirty="0"/>
+              <a:t>Demo- ACA revision and traffic splitting</a:t>
+            </a:r>
+          </a:p>
+        </p:txBody>
+      </p:sp>
+      <p:pic>
+        <p:nvPicPr>
+          <p:cNvPr id="5" name="Picture 4">
+            <a:extLst>
+              <a:ext uri="{FF2B5EF4-FFF2-40B4-BE49-F238E27FC236}">
+                <a16:creationId xmlns:a16="http://schemas.microsoft.com/office/drawing/2014/main" id="{5208E907-3A72-C9F1-D4F7-6639833A4E84}"/>
+              </a:ext>
+            </a:extLst>
+          </p:cNvPr>
+          <p:cNvPicPr>
+            <a:picLocks noChangeAspect="1"/>
+          </p:cNvPicPr>
+          <p:nvPr/>
+        </p:nvPicPr>
+        <p:blipFill>
+          <a:blip r:embed="rId3"/>
+          <a:stretch>
+            <a:fillRect/>
+          </a:stretch>
+        </p:blipFill>
+        <p:spPr>
+          <a:xfrm>
+            <a:off x="2094956" y="2234020"/>
+            <a:ext cx="7505700" cy="3905250"/>
+          </a:xfrm>
+          <a:prstGeom prst="rect">
+            <a:avLst/>
+          </a:prstGeom>
+        </p:spPr>
+      </p:pic>
+    </p:spTree>
+    <p:extLst>
+      <p:ext uri="{BB962C8B-B14F-4D97-AF65-F5344CB8AC3E}">
+        <p14:creationId xmlns:p14="http://schemas.microsoft.com/office/powerpoint/2010/main" val="1368933956"/>
+      </p:ext>
+    </p:extLst>
+  </p:cSld>
+  <p:clrMapOvr>
+    <a:masterClrMapping/>
+  </p:clrMapOvr>
+</p:sld>
+</file>
+
+<file path=ppt/slides/slide16.xml><?xml version="1.0" encoding="utf-8"?>
+<p:sld xmlns:a="http://schemas.openxmlformats.org/drawingml/2006/main" xmlns:r="http://schemas.openxmlformats.org/officeDocument/2006/relationships" xmlns:p="http://schemas.openxmlformats.org/presentationml/2006/main">
+  <p:cSld>
+    <p:spTree>
+      <p:nvGrpSpPr>
+        <p:cNvPr id="1" name=""/>
+        <p:cNvGrpSpPr/>
+        <p:nvPr/>
+      </p:nvGrpSpPr>
+      <p:grpSpPr>
+        <a:xfrm>
+          <a:off x="0" y="0"/>
+          <a:ext cx="0" cy="0"/>
+          <a:chOff x="0" y="0"/>
+          <a:chExt cx="0" cy="0"/>
+        </a:xfrm>
+      </p:grpSpPr>
+      <p:sp>
+        <p:nvSpPr>
+          <p:cNvPr id="2" name="Title 1">
+            <a:extLst>
+              <a:ext uri="{FF2B5EF4-FFF2-40B4-BE49-F238E27FC236}">
+                <a16:creationId xmlns:a16="http://schemas.microsoft.com/office/drawing/2014/main" id="{1D95D16C-B7D3-0E82-6082-714D2DB9D11C}"/>
+              </a:ext>
+            </a:extLst>
+          </p:cNvPr>
+          <p:cNvSpPr>
+            <a:spLocks noGrp="1"/>
+          </p:cNvSpPr>
+          <p:nvPr>
+            <p:ph type="title"/>
+          </p:nvPr>
+        </p:nvSpPr>
+        <p:spPr/>
+        <p:txBody>
+          <a:bodyPr/>
+          <a:lstStyle/>
+          <a:p>
+            <a:r>
+              <a:rPr lang="en-US" dirty="0"/>
+              <a:t>Scaling		</a:t>
+            </a:r>
+          </a:p>
+        </p:txBody>
+      </p:sp>
+      <p:sp>
+        <p:nvSpPr>
+          <p:cNvPr id="3" name="Content Placeholder 2">
+            <a:extLst>
+              <a:ext uri="{FF2B5EF4-FFF2-40B4-BE49-F238E27FC236}">
+                <a16:creationId xmlns:a16="http://schemas.microsoft.com/office/drawing/2014/main" id="{9BFB871B-CA93-D960-3EA7-DCE151634A75}"/>
+              </a:ext>
+            </a:extLst>
+          </p:cNvPr>
+          <p:cNvSpPr>
+            <a:spLocks noGrp="1"/>
+          </p:cNvSpPr>
+          <p:nvPr>
+            <p:ph idx="1"/>
+          </p:nvPr>
+        </p:nvSpPr>
+        <p:spPr/>
+        <p:txBody>
+          <a:bodyPr/>
+          <a:lstStyle/>
+          <a:p>
+            <a:pPr algn="l">
+              <a:buFont typeface="Arial" panose="020B0604020202020204" pitchFamily="34" charset="0"/>
+              <a:buChar char="•"/>
+            </a:pPr>
+            <a:r>
+              <a:rPr lang="en-US" b="0" i="0" dirty="0">
+                <a:solidFill>
+                  <a:srgbClr val="161616"/>
+                </a:solidFill>
+                <a:effectLst/>
+                <a:latin typeface="Segoe UI" panose="020B0502040204020203" pitchFamily="34" charset="0"/>
+              </a:rPr>
+              <a:t>HTTP traffic</a:t>
+            </a:r>
+          </a:p>
+          <a:p>
+            <a:pPr algn="l">
+              <a:buFont typeface="Arial" panose="020B0604020202020204" pitchFamily="34" charset="0"/>
+              <a:buChar char="•"/>
+            </a:pPr>
+            <a:r>
+              <a:rPr lang="en-US" b="0" i="0" dirty="0">
+                <a:solidFill>
+                  <a:srgbClr val="161616"/>
+                </a:solidFill>
+                <a:effectLst/>
+                <a:latin typeface="Segoe UI" panose="020B0502040204020203" pitchFamily="34" charset="0"/>
+              </a:rPr>
+              <a:t>Event-driven processing</a:t>
+            </a:r>
+          </a:p>
+          <a:p>
+            <a:pPr algn="l">
+              <a:buFont typeface="Arial" panose="020B0604020202020204" pitchFamily="34" charset="0"/>
+              <a:buChar char="•"/>
+            </a:pPr>
+            <a:r>
+              <a:rPr lang="en-US" b="0" i="0" dirty="0">
+                <a:solidFill>
+                  <a:srgbClr val="161616"/>
+                </a:solidFill>
+                <a:effectLst/>
+                <a:latin typeface="Segoe UI" panose="020B0502040204020203" pitchFamily="34" charset="0"/>
+              </a:rPr>
+              <a:t>CPU or memory load</a:t>
+            </a:r>
+          </a:p>
+          <a:p>
+            <a:pPr algn="l">
+              <a:buFont typeface="Arial" panose="020B0604020202020204" pitchFamily="34" charset="0"/>
+              <a:buChar char="•"/>
+            </a:pPr>
+            <a:r>
+              <a:rPr lang="en-US" b="0" i="0" dirty="0">
+                <a:solidFill>
+                  <a:srgbClr val="161616"/>
+                </a:solidFill>
+                <a:effectLst/>
+                <a:latin typeface="Segoe UI" panose="020B0502040204020203" pitchFamily="34" charset="0"/>
+              </a:rPr>
+              <a:t>Any </a:t>
+            </a:r>
+            <a:r>
+              <a:rPr lang="en-US" b="0" i="0" u="none" strike="noStrike" dirty="0">
+                <a:solidFill>
+                  <a:srgbClr val="161616"/>
+                </a:solidFill>
+                <a:effectLst/>
+                <a:latin typeface="Segoe UI" panose="020B0502040204020203" pitchFamily="34" charset="0"/>
+                <a:hlinkClick r:id="rId3"/>
+              </a:rPr>
+              <a:t>KEDA-supported scaler</a:t>
+            </a:r>
+            <a:endParaRPr lang="en-US" b="0" i="0" dirty="0">
+              <a:solidFill>
+                <a:srgbClr val="161616"/>
+              </a:solidFill>
+              <a:effectLst/>
+              <a:latin typeface="Segoe UI" panose="020B0502040204020203" pitchFamily="34" charset="0"/>
+            </a:endParaRPr>
+          </a:p>
+          <a:p>
+            <a:endParaRPr lang="en-US" dirty="0"/>
+          </a:p>
+        </p:txBody>
+      </p:sp>
+    </p:spTree>
+    <p:extLst>
+      <p:ext uri="{BB962C8B-B14F-4D97-AF65-F5344CB8AC3E}">
+        <p14:creationId xmlns:p14="http://schemas.microsoft.com/office/powerpoint/2010/main" val="711567672"/>
+      </p:ext>
+    </p:extLst>
+  </p:cSld>
+  <p:clrMapOvr>
+    <a:masterClrMapping/>
+  </p:clrMapOvr>
+</p:sld>
+</file>
+
+<file path=ppt/slides/slide17.xml><?xml version="1.0" encoding="utf-8"?>
+<p:sld xmlns:a="http://schemas.openxmlformats.org/drawingml/2006/main" xmlns:r="http://schemas.openxmlformats.org/officeDocument/2006/relationships" xmlns:p="http://schemas.openxmlformats.org/presentationml/2006/main">
+  <p:cSld>
+    <p:spTree>
+      <p:nvGrpSpPr>
+        <p:cNvPr id="1" name=""/>
+        <p:cNvGrpSpPr/>
+        <p:nvPr/>
+      </p:nvGrpSpPr>
+      <p:grpSpPr>
+        <a:xfrm>
+          <a:off x="0" y="0"/>
+          <a:ext cx="0" cy="0"/>
+          <a:chOff x="0" y="0"/>
+          <a:chExt cx="0" cy="0"/>
+        </a:xfrm>
+      </p:grpSpPr>
+      <p:sp>
+        <p:nvSpPr>
+          <p:cNvPr id="2" name="Title 1">
+            <a:extLst>
+              <a:ext uri="{FF2B5EF4-FFF2-40B4-BE49-F238E27FC236}">
+                <a16:creationId xmlns:a16="http://schemas.microsoft.com/office/drawing/2014/main" id="{5B9BFE67-AC84-01EA-54CA-130394CABBB2}"/>
+              </a:ext>
+            </a:extLst>
+          </p:cNvPr>
+          <p:cNvSpPr>
+            <a:spLocks noGrp="1"/>
+          </p:cNvSpPr>
+          <p:nvPr>
+            <p:ph type="title"/>
+          </p:nvPr>
+        </p:nvSpPr>
+        <p:spPr/>
+        <p:txBody>
+          <a:bodyPr/>
+          <a:lstStyle/>
+          <a:p>
+            <a:endParaRPr lang="en-US"/>
+          </a:p>
+        </p:txBody>
+      </p:sp>
+      <p:sp>
+        <p:nvSpPr>
+          <p:cNvPr id="3" name="Content Placeholder 2">
+            <a:extLst>
+              <a:ext uri="{FF2B5EF4-FFF2-40B4-BE49-F238E27FC236}">
+                <a16:creationId xmlns:a16="http://schemas.microsoft.com/office/drawing/2014/main" id="{E5738D50-05D9-D4C9-92A1-0B2FA502EEE1}"/>
+              </a:ext>
+            </a:extLst>
+          </p:cNvPr>
+          <p:cNvSpPr>
+            <a:spLocks noGrp="1"/>
+          </p:cNvSpPr>
+          <p:nvPr>
+            <p:ph idx="1"/>
+          </p:nvPr>
+        </p:nvSpPr>
+        <p:spPr/>
+        <p:txBody>
+          <a:bodyPr/>
+          <a:lstStyle/>
+          <a:p>
+            <a:endParaRPr lang="en-US"/>
+          </a:p>
+        </p:txBody>
+      </p:sp>
+    </p:spTree>
+    <p:extLst>
+      <p:ext uri="{BB962C8B-B14F-4D97-AF65-F5344CB8AC3E}">
+        <p14:creationId xmlns:p14="http://schemas.microsoft.com/office/powerpoint/2010/main" val="3978932813"/>
+      </p:ext>
+    </p:extLst>
+  </p:cSld>
+  <p:clrMapOvr>
+    <a:masterClrMapping/>
+  </p:clrMapOvr>
+</p:sld>
+</file>
+
+<file path=ppt/slides/slide18.xml><?xml version="1.0" encoding="utf-8"?>
+<p:sld xmlns:a="http://schemas.openxmlformats.org/drawingml/2006/main" xmlns:r="http://schemas.openxmlformats.org/officeDocument/2006/relationships" xmlns:p="http://schemas.openxmlformats.org/presentationml/2006/main">
+  <p:cSld>
+    <p:spTree>
+      <p:nvGrpSpPr>
+        <p:cNvPr id="1" name=""/>
+        <p:cNvGrpSpPr/>
+        <p:nvPr/>
+      </p:nvGrpSpPr>
+      <p:grpSpPr>
+        <a:xfrm>
+          <a:off x="0" y="0"/>
+          <a:ext cx="0" cy="0"/>
+          <a:chOff x="0" y="0"/>
+          <a:chExt cx="0" cy="0"/>
+        </a:xfrm>
+      </p:grpSpPr>
+      <p:sp>
+        <p:nvSpPr>
+          <p:cNvPr id="2" name="Title 1">
+            <a:extLst>
+              <a:ext uri="{FF2B5EF4-FFF2-40B4-BE49-F238E27FC236}">
+                <a16:creationId xmlns:a16="http://schemas.microsoft.com/office/drawing/2014/main" id="{1D330E3B-B471-6270-9718-7EEB4DD15CB4}"/>
+              </a:ext>
+            </a:extLst>
+          </p:cNvPr>
+          <p:cNvSpPr>
+            <a:spLocks noGrp="1"/>
+          </p:cNvSpPr>
+          <p:nvPr>
+            <p:ph type="title"/>
+          </p:nvPr>
+        </p:nvSpPr>
+        <p:spPr/>
+        <p:txBody>
+          <a:bodyPr/>
+          <a:lstStyle/>
+          <a:p>
+            <a:r>
+              <a:rPr lang="en-US" dirty="0"/>
+              <a:t>Building Blocks</a:t>
+            </a:r>
+          </a:p>
+        </p:txBody>
+      </p:sp>
+      <p:sp>
+        <p:nvSpPr>
+          <p:cNvPr id="3" name="Content Placeholder 2">
+            <a:extLst>
+              <a:ext uri="{FF2B5EF4-FFF2-40B4-BE49-F238E27FC236}">
+                <a16:creationId xmlns:a16="http://schemas.microsoft.com/office/drawing/2014/main" id="{39CBC570-1B0F-097C-866D-184C0D2AC1F9}"/>
+              </a:ext>
+            </a:extLst>
+          </p:cNvPr>
+          <p:cNvSpPr>
+            <a:spLocks noGrp="1"/>
+          </p:cNvSpPr>
+          <p:nvPr>
+            <p:ph idx="1"/>
+          </p:nvPr>
+        </p:nvSpPr>
+        <p:spPr/>
+        <p:txBody>
+          <a:bodyPr/>
+          <a:lstStyle/>
+          <a:p>
+            <a:r>
+              <a:rPr lang="en-US" dirty="0"/>
+              <a:t>Environments – </a:t>
+            </a:r>
+          </a:p>
+          <a:p>
+            <a:pPr lvl="1"/>
+            <a:r>
+              <a:rPr lang="en-US" dirty="0"/>
+              <a:t>All container apps within an env are dedicated to a </a:t>
+            </a:r>
+            <a:r>
+              <a:rPr lang="en-US" dirty="0" err="1"/>
+              <a:t>vnet</a:t>
+            </a:r>
+            <a:r>
+              <a:rPr lang="en-US" dirty="0"/>
+              <a:t>. Which makes it possible for the container apps to communicate securely.</a:t>
+            </a:r>
+          </a:p>
+          <a:p>
+            <a:r>
+              <a:rPr lang="en-US" dirty="0"/>
+              <a:t>Apps</a:t>
+            </a:r>
+          </a:p>
+          <a:p>
+            <a:r>
+              <a:rPr lang="en-US" dirty="0"/>
+              <a:t>Log Analytic Workspace</a:t>
+            </a:r>
+          </a:p>
+          <a:p>
+            <a:r>
+              <a:rPr lang="en-US" dirty="0"/>
+              <a:t>Revisions </a:t>
+            </a:r>
+          </a:p>
+          <a:p>
+            <a:r>
+              <a:rPr lang="en-US" dirty="0"/>
+              <a:t>Containers</a:t>
+            </a:r>
+          </a:p>
+          <a:p>
+            <a:pPr lvl="1"/>
+            <a:endParaRPr lang="en-US" dirty="0"/>
+          </a:p>
+          <a:p>
+            <a:pPr lvl="1"/>
+            <a:endParaRPr lang="en-US" dirty="0"/>
+          </a:p>
+          <a:p>
+            <a:pPr lvl="1"/>
+            <a:endParaRPr lang="en-US" dirty="0"/>
+          </a:p>
+          <a:p>
+            <a:endParaRPr lang="en-US" dirty="0"/>
+          </a:p>
+        </p:txBody>
+      </p:sp>
+    </p:spTree>
+    <p:extLst>
+      <p:ext uri="{BB962C8B-B14F-4D97-AF65-F5344CB8AC3E}">
+        <p14:creationId xmlns:p14="http://schemas.microsoft.com/office/powerpoint/2010/main" val="3139127266"/>
+      </p:ext>
+    </p:extLst>
+  </p:cSld>
+  <p:clrMapOvr>
+    <a:masterClrMapping/>
+  </p:clrMapOvr>
+</p:sld>
+</file>
+
+<file path=ppt/slides/slide19.xml><?xml version="1.0" encoding="utf-8"?>
+<p:sld xmlns:a="http://schemas.openxmlformats.org/drawingml/2006/main" xmlns:r="http://schemas.openxmlformats.org/officeDocument/2006/relationships" xmlns:p="http://schemas.openxmlformats.org/presentationml/2006/main">
+  <p:cSld>
+    <p:spTree>
+      <p:nvGrpSpPr>
+        <p:cNvPr id="1" name=""/>
+        <p:cNvGrpSpPr/>
+        <p:nvPr/>
+      </p:nvGrpSpPr>
+      <p:grpSpPr>
+        <a:xfrm>
+          <a:off x="0" y="0"/>
+          <a:ext cx="0" cy="0"/>
+          <a:chOff x="0" y="0"/>
+          <a:chExt cx="0" cy="0"/>
+        </a:xfrm>
+      </p:grpSpPr>
+      <p:sp>
+        <p:nvSpPr>
+          <p:cNvPr id="2" name="Title 1">
+            <a:extLst>
+              <a:ext uri="{FF2B5EF4-FFF2-40B4-BE49-F238E27FC236}">
                 <a16:creationId xmlns:a16="http://schemas.microsoft.com/office/drawing/2014/main" id="{6FD36A87-8205-5945-F30C-BB9FFB8E023D}"/>
               </a:ext>
             </a:extLst>
@@ -4943,7 +6981,681 @@
 </p:sld>
 </file>
 
-<file path=ppt/slides/slide13.xml><?xml version="1.0" encoding="utf-8"?>
+<file path=ppt/slides/slide2.xml><?xml version="1.0" encoding="utf-8"?>
+<p:sld xmlns:a="http://schemas.openxmlformats.org/drawingml/2006/main" xmlns:r="http://schemas.openxmlformats.org/officeDocument/2006/relationships" xmlns:p="http://schemas.openxmlformats.org/presentationml/2006/main">
+  <p:cSld>
+    <p:bg>
+      <p:bgPr>
+        <a:solidFill>
+          <a:schemeClr val="bg1"/>
+        </a:solidFill>
+        <a:effectLst/>
+      </p:bgPr>
+    </p:bg>
+    <p:spTree>
+      <p:nvGrpSpPr>
+        <p:cNvPr id="1" name=""/>
+        <p:cNvGrpSpPr/>
+        <p:nvPr/>
+      </p:nvGrpSpPr>
+      <p:grpSpPr>
+        <a:xfrm>
+          <a:off x="0" y="0"/>
+          <a:ext cx="0" cy="0"/>
+          <a:chOff x="0" y="0"/>
+          <a:chExt cx="0" cy="0"/>
+        </a:xfrm>
+      </p:grpSpPr>
+      <p:sp useBgFill="1">
+        <p:nvSpPr>
+          <p:cNvPr id="8" name="Rectangle 7">
+            <a:extLst>
+              <a:ext uri="{FF2B5EF4-FFF2-40B4-BE49-F238E27FC236}">
+                <a16:creationId xmlns:a16="http://schemas.microsoft.com/office/drawing/2014/main" id="{1B15ED52-F352-441B-82BF-E0EA34836D08}"/>
+              </a:ext>
+              <a:ext uri="{C183D7F6-B498-43B3-948B-1728B52AA6E4}">
+                <adec:decorative xmlns:adec="http://schemas.microsoft.com/office/drawing/2017/decorative" val="1"/>
+              </a:ext>
+            </a:extLst>
+          </p:cNvPr>
+          <p:cNvSpPr>
+            <a:spLocks noGrp="1" noRot="1" noChangeAspect="1" noMove="1" noResize="1" noEditPoints="1" noAdjustHandles="1" noChangeArrowheads="1" noChangeShapeType="1" noTextEdit="1"/>
+          </p:cNvSpPr>
+          <p:nvPr>
+            <p:extLst>
+              <p:ext uri="{386F3935-93C4-4BCD-93E2-E3B085C9AB24}">
+                <p16:designElem xmlns:p16="http://schemas.microsoft.com/office/powerpoint/2015/main" val="1"/>
+              </p:ext>
+            </p:extLst>
+          </p:nvPr>
+        </p:nvSpPr>
+        <p:spPr>
+          <a:xfrm>
+            <a:off x="0" y="0"/>
+            <a:ext cx="12192000" cy="6858000"/>
+          </a:xfrm>
+          <a:prstGeom prst="rect">
+            <a:avLst/>
+          </a:prstGeom>
+          <a:ln w="12700" cap="flat" cmpd="sng" algn="ctr">
+            <a:noFill/>
+            <a:prstDash val="solid"/>
+            <a:miter lim="800000"/>
+          </a:ln>
+          <a:effectLst/>
+          <a:extLst>
+            <a:ext uri="{91240B29-F687-4F45-9708-019B960494DF}">
+              <a14:hiddenLine xmlns:a14="http://schemas.microsoft.com/office/drawing/2010/main" w="12700" cap="flat" cmpd="sng" algn="ctr">
+                <a:solidFill>
+                  <a:schemeClr val="accent1">
+                    <a:shade val="50000"/>
+                  </a:schemeClr>
+                </a:solidFill>
+                <a:prstDash val="solid"/>
+                <a:miter lim="800000"/>
+              </a14:hiddenLine>
+            </a:ext>
+          </a:extLst>
+        </p:spPr>
+        <p:style>
+          <a:lnRef idx="2">
+            <a:schemeClr val="accent1">
+              <a:shade val="50000"/>
+            </a:schemeClr>
+          </a:lnRef>
+          <a:fillRef idx="1">
+            <a:schemeClr val="accent1"/>
+          </a:fillRef>
+          <a:effectRef idx="0">
+            <a:schemeClr val="accent1"/>
+          </a:effectRef>
+          <a:fontRef idx="minor">
+            <a:schemeClr val="lt1"/>
+          </a:fontRef>
+        </p:style>
+        <p:txBody>
+          <a:bodyPr rtlCol="0" anchor="ctr"/>
+          <a:lstStyle/>
+          <a:p>
+            <a:pPr algn="ctr"/>
+            <a:endParaRPr lang="en-US"/>
+          </a:p>
+        </p:txBody>
+      </p:sp>
+      <p:sp>
+        <p:nvSpPr>
+          <p:cNvPr id="10" name="Rectangle 9">
+            <a:extLst>
+              <a:ext uri="{FF2B5EF4-FFF2-40B4-BE49-F238E27FC236}">
+                <a16:creationId xmlns:a16="http://schemas.microsoft.com/office/drawing/2014/main" id="{3B2E3793-BFE6-45A2-9B7B-E18844431C99}"/>
+              </a:ext>
+              <a:ext uri="{C183D7F6-B498-43B3-948B-1728B52AA6E4}">
+                <adec:decorative xmlns:adec="http://schemas.microsoft.com/office/drawing/2017/decorative" val="1"/>
+              </a:ext>
+            </a:extLst>
+          </p:cNvPr>
+          <p:cNvSpPr>
+            <a:spLocks noGrp="1" noRot="1" noChangeAspect="1" noMove="1" noResize="1" noEditPoints="1" noAdjustHandles="1" noChangeArrowheads="1" noChangeShapeType="1" noTextEdit="1"/>
+          </p:cNvSpPr>
+          <p:nvPr>
+            <p:extLst>
+              <p:ext uri="{386F3935-93C4-4BCD-93E2-E3B085C9AB24}">
+                <p16:designElem xmlns:p16="http://schemas.microsoft.com/office/powerpoint/2015/main" val="1"/>
+              </p:ext>
+            </p:extLst>
+          </p:nvPr>
+        </p:nvSpPr>
+        <p:spPr>
+          <a:xfrm flipH="1">
+            <a:off x="-1" y="-1"/>
+            <a:ext cx="12191998" cy="1590742"/>
+          </a:xfrm>
+          <a:prstGeom prst="rect">
+            <a:avLst/>
+          </a:prstGeom>
+          <a:gradFill>
+            <a:gsLst>
+              <a:gs pos="0">
+                <a:srgbClr val="000000"/>
+              </a:gs>
+              <a:gs pos="100000">
+                <a:schemeClr val="accent1">
+                  <a:lumMod val="75000"/>
+                </a:schemeClr>
+              </a:gs>
+            </a:gsLst>
+            <a:lin ang="8400000" scaled="0"/>
+          </a:gradFill>
+          <a:ln>
+            <a:noFill/>
+          </a:ln>
+        </p:spPr>
+        <p:style>
+          <a:lnRef idx="2">
+            <a:schemeClr val="accent1">
+              <a:shade val="50000"/>
+            </a:schemeClr>
+          </a:lnRef>
+          <a:fillRef idx="1">
+            <a:schemeClr val="accent1"/>
+          </a:fillRef>
+          <a:effectRef idx="0">
+            <a:schemeClr val="accent1"/>
+          </a:effectRef>
+          <a:fontRef idx="minor">
+            <a:schemeClr val="lt1"/>
+          </a:fontRef>
+        </p:style>
+        <p:txBody>
+          <a:bodyPr rtlCol="0" anchor="ctr"/>
+          <a:lstStyle/>
+          <a:p>
+            <a:pPr algn="ctr"/>
+            <a:endParaRPr lang="en-US"/>
+          </a:p>
+        </p:txBody>
+      </p:sp>
+      <p:sp>
+        <p:nvSpPr>
+          <p:cNvPr id="12" name="Rectangle 11">
+            <a:extLst>
+              <a:ext uri="{FF2B5EF4-FFF2-40B4-BE49-F238E27FC236}">
+                <a16:creationId xmlns:a16="http://schemas.microsoft.com/office/drawing/2014/main" id="{BC4C4868-CB8F-4AF9-9CDB-8108F2C19B67}"/>
+              </a:ext>
+              <a:ext uri="{C183D7F6-B498-43B3-948B-1728B52AA6E4}">
+                <adec:decorative xmlns:adec="http://schemas.microsoft.com/office/drawing/2017/decorative" val="1"/>
+              </a:ext>
+            </a:extLst>
+          </p:cNvPr>
+          <p:cNvSpPr>
+            <a:spLocks noGrp="1" noRot="1" noChangeAspect="1" noMove="1" noResize="1" noEditPoints="1" noAdjustHandles="1" noChangeArrowheads="1" noChangeShapeType="1" noTextEdit="1"/>
+          </p:cNvSpPr>
+          <p:nvPr>
+            <p:extLst>
+              <p:ext uri="{386F3935-93C4-4BCD-93E2-E3B085C9AB24}">
+                <p16:designElem xmlns:p16="http://schemas.microsoft.com/office/powerpoint/2015/main" val="1"/>
+              </p:ext>
+            </p:extLst>
+          </p:nvPr>
+        </p:nvSpPr>
+        <p:spPr>
+          <a:xfrm rot="10800000" flipH="1">
+            <a:off x="-3" y="0"/>
+            <a:ext cx="8115306" cy="1590742"/>
+          </a:xfrm>
+          <a:prstGeom prst="rect">
+            <a:avLst/>
+          </a:prstGeom>
+          <a:gradFill>
+            <a:gsLst>
+              <a:gs pos="20000">
+                <a:schemeClr val="accent1">
+                  <a:alpha val="0"/>
+                </a:schemeClr>
+              </a:gs>
+              <a:gs pos="100000">
+                <a:schemeClr val="accent1">
+                  <a:lumMod val="50000"/>
+                  <a:alpha val="55000"/>
+                </a:schemeClr>
+              </a:gs>
+            </a:gsLst>
+            <a:lin ang="13800000" scaled="0"/>
+          </a:gradFill>
+          <a:ln>
+            <a:noFill/>
+          </a:ln>
+        </p:spPr>
+        <p:style>
+          <a:lnRef idx="2">
+            <a:schemeClr val="accent1">
+              <a:shade val="50000"/>
+            </a:schemeClr>
+          </a:lnRef>
+          <a:fillRef idx="1">
+            <a:schemeClr val="accent1"/>
+          </a:fillRef>
+          <a:effectRef idx="0">
+            <a:schemeClr val="accent1"/>
+          </a:effectRef>
+          <a:fontRef idx="minor">
+            <a:schemeClr val="lt1"/>
+          </a:fontRef>
+        </p:style>
+        <p:txBody>
+          <a:bodyPr rtlCol="0" anchor="ctr"/>
+          <a:lstStyle/>
+          <a:p>
+            <a:pPr algn="ctr"/>
+            <a:endParaRPr lang="en-US"/>
+          </a:p>
+        </p:txBody>
+      </p:sp>
+      <p:sp>
+        <p:nvSpPr>
+          <p:cNvPr id="14" name="Rectangle 13">
+            <a:extLst>
+              <a:ext uri="{FF2B5EF4-FFF2-40B4-BE49-F238E27FC236}">
+                <a16:creationId xmlns:a16="http://schemas.microsoft.com/office/drawing/2014/main" id="{375E0459-6403-40CD-989D-56A4407CA12E}"/>
+              </a:ext>
+              <a:ext uri="{C183D7F6-B498-43B3-948B-1728B52AA6E4}">
+                <adec:decorative xmlns:adec="http://schemas.microsoft.com/office/drawing/2017/decorative" val="1"/>
+              </a:ext>
+            </a:extLst>
+          </p:cNvPr>
+          <p:cNvSpPr>
+            <a:spLocks noGrp="1" noRot="1" noChangeAspect="1" noMove="1" noResize="1" noEditPoints="1" noAdjustHandles="1" noChangeArrowheads="1" noChangeShapeType="1" noTextEdit="1"/>
+          </p:cNvSpPr>
+          <p:nvPr>
+            <p:extLst>
+              <p:ext uri="{386F3935-93C4-4BCD-93E2-E3B085C9AB24}">
+                <p16:designElem xmlns:p16="http://schemas.microsoft.com/office/powerpoint/2015/main" val="1"/>
+              </p:ext>
+            </p:extLst>
+          </p:nvPr>
+        </p:nvSpPr>
+        <p:spPr>
+          <a:xfrm flipH="1">
+            <a:off x="8115299" y="-1"/>
+            <a:ext cx="4076698" cy="1590742"/>
+          </a:xfrm>
+          <a:prstGeom prst="rect">
+            <a:avLst/>
+          </a:prstGeom>
+          <a:gradFill>
+            <a:gsLst>
+              <a:gs pos="0">
+                <a:schemeClr val="accent1">
+                  <a:alpha val="66000"/>
+                </a:schemeClr>
+              </a:gs>
+              <a:gs pos="100000">
+                <a:srgbClr val="000000">
+                  <a:alpha val="30000"/>
+                </a:srgbClr>
+              </a:gs>
+            </a:gsLst>
+            <a:lin ang="13200000" scaled="0"/>
+          </a:gradFill>
+          <a:ln>
+            <a:noFill/>
+          </a:ln>
+        </p:spPr>
+        <p:style>
+          <a:lnRef idx="2">
+            <a:schemeClr val="accent1">
+              <a:shade val="50000"/>
+            </a:schemeClr>
+          </a:lnRef>
+          <a:fillRef idx="1">
+            <a:schemeClr val="accent1"/>
+          </a:fillRef>
+          <a:effectRef idx="0">
+            <a:schemeClr val="accent1"/>
+          </a:effectRef>
+          <a:fontRef idx="minor">
+            <a:schemeClr val="lt1"/>
+          </a:fontRef>
+        </p:style>
+        <p:txBody>
+          <a:bodyPr rtlCol="0" anchor="ctr"/>
+          <a:lstStyle/>
+          <a:p>
+            <a:pPr algn="ctr"/>
+            <a:endParaRPr lang="en-US"/>
+          </a:p>
+        </p:txBody>
+      </p:sp>
+      <p:sp>
+        <p:nvSpPr>
+          <p:cNvPr id="16" name="Rectangle 15">
+            <a:extLst>
+              <a:ext uri="{FF2B5EF4-FFF2-40B4-BE49-F238E27FC236}">
+                <a16:creationId xmlns:a16="http://schemas.microsoft.com/office/drawing/2014/main" id="{53E5B1A8-3AC9-4BD1-9BBC-78CA94F2D1BA}"/>
+              </a:ext>
+              <a:ext uri="{C183D7F6-B498-43B3-948B-1728B52AA6E4}">
+                <adec:decorative xmlns:adec="http://schemas.microsoft.com/office/drawing/2017/decorative" val="1"/>
+              </a:ext>
+            </a:extLst>
+          </p:cNvPr>
+          <p:cNvSpPr>
+            <a:spLocks noGrp="1" noRot="1" noChangeAspect="1" noMove="1" noResize="1" noEditPoints="1" noAdjustHandles="1" noChangeArrowheads="1" noChangeShapeType="1" noTextEdit="1"/>
+          </p:cNvSpPr>
+          <p:nvPr>
+            <p:extLst>
+              <p:ext uri="{386F3935-93C4-4BCD-93E2-E3B085C9AB24}">
+                <p16:designElem xmlns:p16="http://schemas.microsoft.com/office/powerpoint/2015/main" val="1"/>
+              </p:ext>
+            </p:extLst>
+          </p:nvPr>
+        </p:nvSpPr>
+        <p:spPr>
+          <a:xfrm>
+            <a:off x="459350" y="-1"/>
+            <a:ext cx="11732646" cy="1597433"/>
+          </a:xfrm>
+          <a:prstGeom prst="rect">
+            <a:avLst/>
+          </a:prstGeom>
+          <a:gradFill>
+            <a:gsLst>
+              <a:gs pos="50000">
+                <a:srgbClr val="000000">
+                  <a:alpha val="0"/>
+                </a:srgbClr>
+              </a:gs>
+              <a:gs pos="99000">
+                <a:schemeClr val="accent1">
+                  <a:lumMod val="50000"/>
+                  <a:alpha val="52000"/>
+                </a:schemeClr>
+              </a:gs>
+            </a:gsLst>
+            <a:lin ang="16800000" scaled="0"/>
+          </a:gradFill>
+          <a:ln>
+            <a:noFill/>
+          </a:ln>
+        </p:spPr>
+        <p:style>
+          <a:lnRef idx="2">
+            <a:schemeClr val="accent1">
+              <a:shade val="50000"/>
+            </a:schemeClr>
+          </a:lnRef>
+          <a:fillRef idx="1">
+            <a:schemeClr val="accent1"/>
+          </a:fillRef>
+          <a:effectRef idx="0">
+            <a:schemeClr val="accent1"/>
+          </a:effectRef>
+          <a:fontRef idx="minor">
+            <a:schemeClr val="lt1"/>
+          </a:fontRef>
+        </p:style>
+        <p:txBody>
+          <a:bodyPr rtlCol="0" anchor="ctr"/>
+          <a:lstStyle/>
+          <a:p>
+            <a:pPr algn="ctr"/>
+            <a:endParaRPr lang="en-US"/>
+          </a:p>
+        </p:txBody>
+      </p:sp>
+      <p:sp>
+        <p:nvSpPr>
+          <p:cNvPr id="2" name="Title 1">
+            <a:extLst>
+              <a:ext uri="{FF2B5EF4-FFF2-40B4-BE49-F238E27FC236}">
+                <a16:creationId xmlns:a16="http://schemas.microsoft.com/office/drawing/2014/main" id="{AE50D729-071D-F126-B4DA-1E6F3ADC5ABA}"/>
+              </a:ext>
+            </a:extLst>
+          </p:cNvPr>
+          <p:cNvSpPr>
+            <a:spLocks noGrp="1"/>
+          </p:cNvSpPr>
+          <p:nvPr>
+            <p:ph type="title"/>
+          </p:nvPr>
+        </p:nvSpPr>
+        <p:spPr>
+          <a:xfrm>
+            <a:off x="1371599" y="294538"/>
+            <a:ext cx="9895951" cy="1033669"/>
+          </a:xfrm>
+        </p:spPr>
+        <p:txBody>
+          <a:bodyPr>
+            <a:normAutofit/>
+          </a:bodyPr>
+          <a:lstStyle/>
+          <a:p>
+            <a:r>
+              <a:rPr lang="en-US" sz="4000">
+                <a:solidFill>
+                  <a:srgbClr val="FFFFFF"/>
+                </a:solidFill>
+              </a:rPr>
+              <a:t>What We Have Today ?</a:t>
+            </a:r>
+          </a:p>
+        </p:txBody>
+      </p:sp>
+      <p:sp>
+        <p:nvSpPr>
+          <p:cNvPr id="3" name="Content Placeholder 2">
+            <a:extLst>
+              <a:ext uri="{FF2B5EF4-FFF2-40B4-BE49-F238E27FC236}">
+                <a16:creationId xmlns:a16="http://schemas.microsoft.com/office/drawing/2014/main" id="{44A73B7F-70C8-44FE-F098-6F33BB92D6B7}"/>
+              </a:ext>
+            </a:extLst>
+          </p:cNvPr>
+          <p:cNvSpPr>
+            <a:spLocks noGrp="1"/>
+          </p:cNvSpPr>
+          <p:nvPr>
+            <p:ph idx="1"/>
+          </p:nvPr>
+        </p:nvSpPr>
+        <p:spPr>
+          <a:xfrm>
+            <a:off x="609600" y="1789043"/>
+            <a:ext cx="11436626" cy="5363495"/>
+          </a:xfrm>
+        </p:spPr>
+        <p:txBody>
+          <a:bodyPr anchor="ctr">
+            <a:normAutofit/>
+          </a:bodyPr>
+          <a:lstStyle/>
+          <a:p>
+            <a:pPr marL="457200" indent="-457200">
+              <a:lnSpc>
+                <a:spcPct val="150000"/>
+              </a:lnSpc>
+              <a:buFont typeface="+mj-lt"/>
+              <a:buAutoNum type="arabicPeriod"/>
+            </a:pPr>
+            <a:r>
+              <a:rPr lang="en-US" sz="2000" dirty="0"/>
+              <a:t>.NET API    </a:t>
+            </a:r>
+            <a:r>
+              <a:rPr lang="en-US" sz="2000" dirty="0">
+                <a:sym typeface="Wingdings" panose="05000000000000000000" pitchFamily="2" charset="2"/>
+              </a:rPr>
+              <a:t> 	Zip 		 	WebApp (Windows)         	</a:t>
+            </a:r>
+            <a:r>
+              <a:rPr lang="en-US" sz="2000" b="1" dirty="0">
+                <a:sym typeface="Wingdings" panose="05000000000000000000" pitchFamily="2" charset="2"/>
+              </a:rPr>
+              <a:t>ICO/Charlotte/Wilbur</a:t>
+            </a:r>
+          </a:p>
+          <a:p>
+            <a:pPr marL="457200" indent="-457200">
+              <a:lnSpc>
+                <a:spcPct val="150000"/>
+              </a:lnSpc>
+              <a:buFont typeface="+mj-lt"/>
+              <a:buAutoNum type="arabicPeriod"/>
+            </a:pPr>
+            <a:r>
+              <a:rPr lang="en-US" sz="2000" dirty="0">
+                <a:sym typeface="Wingdings" panose="05000000000000000000" pitchFamily="2" charset="2"/>
+              </a:rPr>
+              <a:t>.NET Code  	Docker 		 	WebApp (Docker-Linux)   	</a:t>
+            </a:r>
+            <a:r>
+              <a:rPr lang="en-US" sz="2000" b="1" dirty="0">
+                <a:sym typeface="Wingdings" panose="05000000000000000000" pitchFamily="2" charset="2"/>
+              </a:rPr>
+              <a:t>Tannhauser</a:t>
+            </a:r>
+          </a:p>
+          <a:p>
+            <a:pPr marL="457200" indent="-457200">
+              <a:lnSpc>
+                <a:spcPct val="150000"/>
+              </a:lnSpc>
+              <a:buFont typeface="+mj-lt"/>
+              <a:buAutoNum type="arabicPeriod"/>
+            </a:pPr>
+            <a:r>
+              <a:rPr lang="en-US" sz="2000" dirty="0">
+                <a:sym typeface="Wingdings" panose="05000000000000000000" pitchFamily="2" charset="2"/>
+              </a:rPr>
+              <a:t> Next/Node 	 Docker		 	WebApp (Docker-Linux)     </a:t>
+            </a:r>
+            <a:r>
+              <a:rPr lang="en-US" sz="2000" b="1" dirty="0">
+                <a:sym typeface="Wingdings" panose="05000000000000000000" pitchFamily="2" charset="2"/>
+              </a:rPr>
+              <a:t>Partnerships/Car-value</a:t>
+            </a:r>
+          </a:p>
+          <a:p>
+            <a:pPr marL="457200" indent="-457200">
+              <a:lnSpc>
+                <a:spcPct val="150000"/>
+              </a:lnSpc>
+              <a:buFont typeface="+mj-lt"/>
+              <a:buAutoNum type="arabicPeriod"/>
+            </a:pPr>
+            <a:r>
+              <a:rPr lang="en-US" sz="2000" dirty="0">
+                <a:sym typeface="Wingdings" panose="05000000000000000000" pitchFamily="2" charset="2"/>
+              </a:rPr>
+              <a:t> Next/Node  	Zip		 	WebApp(Linux) 		</a:t>
+            </a:r>
+            <a:r>
+              <a:rPr lang="en-US" sz="2000" b="1" dirty="0">
+                <a:sym typeface="Wingdings" panose="05000000000000000000" pitchFamily="2" charset="2"/>
+              </a:rPr>
+              <a:t>SMC</a:t>
+            </a:r>
+          </a:p>
+          <a:p>
+            <a:pPr marL="457200" indent="-457200">
+              <a:lnSpc>
+                <a:spcPct val="150000"/>
+              </a:lnSpc>
+              <a:buFont typeface="+mj-lt"/>
+              <a:buAutoNum type="arabicPeriod"/>
+            </a:pPr>
+            <a:r>
+              <a:rPr lang="en-US" sz="2000" dirty="0">
+                <a:sym typeface="Wingdings" panose="05000000000000000000" pitchFamily="2" charset="2"/>
+              </a:rPr>
+              <a:t> Next 	 Build Artifacts on Target 	Azure Static Web App	</a:t>
+            </a:r>
+            <a:r>
+              <a:rPr lang="en-US" sz="2000" b="1" dirty="0">
+                <a:sym typeface="Wingdings" panose="05000000000000000000" pitchFamily="2" charset="2"/>
+              </a:rPr>
+              <a:t>Junk Drawer</a:t>
+            </a:r>
+          </a:p>
+          <a:p>
+            <a:pPr marL="457200" indent="-457200">
+              <a:buAutoNum type="arabicPeriod" startAt="6"/>
+            </a:pPr>
+            <a:r>
+              <a:rPr lang="en-US" sz="2000" dirty="0">
+                <a:sym typeface="Wingdings" panose="05000000000000000000" pitchFamily="2" charset="2"/>
+              </a:rPr>
+              <a:t>.NET function  Zip 			 	</a:t>
+            </a:r>
+            <a:r>
+              <a:rPr lang="en-US" sz="2000" dirty="0" err="1">
+                <a:sym typeface="Wingdings" panose="05000000000000000000" pitchFamily="2" charset="2"/>
+              </a:rPr>
+              <a:t>Func</a:t>
+            </a:r>
+            <a:r>
+              <a:rPr lang="en-US" sz="2000" dirty="0">
+                <a:sym typeface="Wingdings" panose="05000000000000000000" pitchFamily="2" charset="2"/>
+              </a:rPr>
+              <a:t> App(Windows)	</a:t>
+            </a:r>
+            <a:r>
+              <a:rPr lang="en-US" sz="2000" b="1" dirty="0">
+                <a:sym typeface="Wingdings" panose="05000000000000000000" pitchFamily="2" charset="2"/>
+              </a:rPr>
+              <a:t>Picsy/SMC Function</a:t>
+            </a:r>
+          </a:p>
+          <a:p>
+            <a:pPr marL="457200" indent="-457200">
+              <a:buAutoNum type="arabicPeriod" startAt="6"/>
+            </a:pPr>
+            <a:endParaRPr lang="en-US" sz="2000" b="1" dirty="0">
+              <a:sym typeface="Wingdings" panose="05000000000000000000" pitchFamily="2" charset="2"/>
+            </a:endParaRPr>
+          </a:p>
+          <a:p>
+            <a:pPr marL="457200" indent="-457200">
+              <a:buFont typeface="Arial" panose="020B0604020202020204" pitchFamily="34" charset="0"/>
+              <a:buAutoNum type="arabicPeriod" startAt="6"/>
+            </a:pPr>
+            <a:r>
+              <a:rPr lang="en-US" sz="2000" dirty="0">
+                <a:sym typeface="Wingdings" panose="05000000000000000000" pitchFamily="2" charset="2"/>
+              </a:rPr>
+              <a:t>.NET function  Docker 		 	</a:t>
+            </a:r>
+            <a:r>
+              <a:rPr lang="en-US" sz="2000" dirty="0" err="1">
+                <a:sym typeface="Wingdings" panose="05000000000000000000" pitchFamily="2" charset="2"/>
+              </a:rPr>
+              <a:t>Func</a:t>
+            </a:r>
+            <a:r>
+              <a:rPr lang="en-US" sz="2000" dirty="0">
+                <a:sym typeface="Wingdings" panose="05000000000000000000" pitchFamily="2" charset="2"/>
+              </a:rPr>
+              <a:t> App(Docker-Linux)	</a:t>
+            </a:r>
+            <a:r>
+              <a:rPr lang="en-US" sz="2000" b="1" dirty="0">
+                <a:sym typeface="Wingdings" panose="05000000000000000000" pitchFamily="2" charset="2"/>
+              </a:rPr>
+              <a:t>Oliver</a:t>
+            </a:r>
+          </a:p>
+          <a:p>
+            <a:pPr marL="457200" indent="-457200">
+              <a:buAutoNum type="arabicPeriod" startAt="6"/>
+            </a:pPr>
+            <a:endParaRPr lang="en-US" sz="2000" b="1" dirty="0">
+              <a:sym typeface="Wingdings" panose="05000000000000000000" pitchFamily="2" charset="2"/>
+            </a:endParaRPr>
+          </a:p>
+          <a:p>
+            <a:endParaRPr lang="en-US" sz="2000" b="1" dirty="0">
+              <a:sym typeface="Wingdings" panose="05000000000000000000" pitchFamily="2" charset="2"/>
+            </a:endParaRPr>
+          </a:p>
+          <a:p>
+            <a:endParaRPr lang="en-US" sz="2000" dirty="0"/>
+          </a:p>
+        </p:txBody>
+      </p:sp>
+    </p:spTree>
+    <p:extLst>
+      <p:ext uri="{BB962C8B-B14F-4D97-AF65-F5344CB8AC3E}">
+        <p14:creationId xmlns:p14="http://schemas.microsoft.com/office/powerpoint/2010/main" val="3647993470"/>
+      </p:ext>
+    </p:extLst>
+  </p:cSld>
+  <p:clrMapOvr>
+    <a:masterClrMapping/>
+  </p:clrMapOvr>
+</p:sld>
+</file>
+
+<file path=ppt/slides/slide20.xml><?xml version="1.0" encoding="utf-8"?>
 <p:sld xmlns:a="http://schemas.openxmlformats.org/drawingml/2006/main" xmlns:r="http://schemas.openxmlformats.org/officeDocument/2006/relationships" xmlns:p="http://schemas.openxmlformats.org/presentationml/2006/main">
   <p:cSld>
     <p:bg>
@@ -5352,7 +8064,7 @@
 </p:sld>
 </file>
 
-<file path=ppt/slides/slide14.xml><?xml version="1.0" encoding="utf-8"?>
+<file path=ppt/slides/slide21.xml><?xml version="1.0" encoding="utf-8"?>
 <p:sld xmlns:a="http://schemas.openxmlformats.org/drawingml/2006/main" xmlns:r="http://schemas.openxmlformats.org/officeDocument/2006/relationships" xmlns:p="http://schemas.openxmlformats.org/presentationml/2006/main">
   <p:cSld>
     <p:bg>
@@ -6208,7 +8920,7 @@
 </p:sld>
 </file>
 
-<file path=ppt/slides/slide15.xml><?xml version="1.0" encoding="utf-8"?>
+<file path=ppt/slides/slide22.xml><?xml version="1.0" encoding="utf-8"?>
 <p:sld xmlns:a="http://schemas.openxmlformats.org/drawingml/2006/main" xmlns:r="http://schemas.openxmlformats.org/officeDocument/2006/relationships" xmlns:p="http://schemas.openxmlformats.org/presentationml/2006/main">
   <p:cSld>
     <p:bg>
@@ -6686,7 +9398,7 @@
 </p:sld>
 </file>
 
-<file path=ppt/slides/slide16.xml><?xml version="1.0" encoding="utf-8"?>
+<file path=ppt/slides/slide23.xml><?xml version="1.0" encoding="utf-8"?>
 <p:sld xmlns:a="http://schemas.openxmlformats.org/drawingml/2006/main" xmlns:r="http://schemas.openxmlformats.org/officeDocument/2006/relationships" xmlns:p="http://schemas.openxmlformats.org/presentationml/2006/main">
   <p:cSld>
     <p:bg>
@@ -7145,7 +9857,7 @@
 </p:sld>
 </file>
 
-<file path=ppt/slides/slide17.xml><?xml version="1.0" encoding="utf-8"?>
+<file path=ppt/slides/slide24.xml><?xml version="1.0" encoding="utf-8"?>
 <p:sld xmlns:a="http://schemas.openxmlformats.org/drawingml/2006/main" xmlns:r="http://schemas.openxmlformats.org/officeDocument/2006/relationships" xmlns:p="http://schemas.openxmlformats.org/presentationml/2006/main">
   <p:cSld>
     <p:spTree>
@@ -7854,7 +10566,7 @@
 </p:sld>
 </file>
 
-<file path=ppt/slides/slide18.xml><?xml version="1.0" encoding="utf-8"?>
+<file path=ppt/slides/slide25.xml><?xml version="1.0" encoding="utf-8"?>
 <p:sld xmlns:a="http://schemas.openxmlformats.org/drawingml/2006/main" xmlns:r="http://schemas.openxmlformats.org/officeDocument/2006/relationships" xmlns:p="http://schemas.openxmlformats.org/presentationml/2006/main">
   <p:cSld>
     <p:spTree>
@@ -9086,7 +11798,7 @@
 </p:sld>
 </file>
 
-<file path=ppt/slides/slide19.xml><?xml version="1.0" encoding="utf-8"?>
+<file path=ppt/slides/slide26.xml><?xml version="1.0" encoding="utf-8"?>
 <p:sld xmlns:a="http://schemas.openxmlformats.org/drawingml/2006/main" xmlns:r="http://schemas.openxmlformats.org/officeDocument/2006/relationships" xmlns:p="http://schemas.openxmlformats.org/presentationml/2006/main">
   <p:cSld>
     <p:spTree>
@@ -9241,183 +11953,7 @@
 </p:sld>
 </file>
 
-<file path=ppt/slides/slide2.xml><?xml version="1.0" encoding="utf-8"?>
-<p:sld xmlns:a="http://schemas.openxmlformats.org/drawingml/2006/main" xmlns:r="http://schemas.openxmlformats.org/officeDocument/2006/relationships" xmlns:p="http://schemas.openxmlformats.org/presentationml/2006/main">
-  <p:cSld>
-    <p:spTree>
-      <p:nvGrpSpPr>
-        <p:cNvPr id="1" name=""/>
-        <p:cNvGrpSpPr/>
-        <p:nvPr/>
-      </p:nvGrpSpPr>
-      <p:grpSpPr>
-        <a:xfrm>
-          <a:off x="0" y="0"/>
-          <a:ext cx="0" cy="0"/>
-          <a:chOff x="0" y="0"/>
-          <a:chExt cx="0" cy="0"/>
-        </a:xfrm>
-      </p:grpSpPr>
-      <p:sp>
-        <p:nvSpPr>
-          <p:cNvPr id="2" name="Title 1">
-            <a:extLst>
-              <a:ext uri="{FF2B5EF4-FFF2-40B4-BE49-F238E27FC236}">
-                <a16:creationId xmlns:a16="http://schemas.microsoft.com/office/drawing/2014/main" id="{15804445-7390-8F5B-1917-668701E2A6DE}"/>
-              </a:ext>
-            </a:extLst>
-          </p:cNvPr>
-          <p:cNvSpPr>
-            <a:spLocks noGrp="1"/>
-          </p:cNvSpPr>
-          <p:nvPr>
-            <p:ph type="title"/>
-          </p:nvPr>
-        </p:nvSpPr>
-        <p:spPr/>
-        <p:txBody>
-          <a:bodyPr/>
-          <a:lstStyle/>
-          <a:p>
-            <a:r>
-              <a:rPr lang="en-US" dirty="0"/>
-              <a:t>Introduction</a:t>
-            </a:r>
-          </a:p>
-        </p:txBody>
-      </p:sp>
-      <p:sp>
-        <p:nvSpPr>
-          <p:cNvPr id="3" name="Content Placeholder 2">
-            <a:extLst>
-              <a:ext uri="{FF2B5EF4-FFF2-40B4-BE49-F238E27FC236}">
-                <a16:creationId xmlns:a16="http://schemas.microsoft.com/office/drawing/2014/main" id="{8D58C5CC-5DA4-9746-E833-559414137D85}"/>
-              </a:ext>
-            </a:extLst>
-          </p:cNvPr>
-          <p:cNvSpPr>
-            <a:spLocks noGrp="1"/>
-          </p:cNvSpPr>
-          <p:nvPr>
-            <p:ph idx="1"/>
-          </p:nvPr>
-        </p:nvSpPr>
-        <p:spPr/>
-        <p:txBody>
-          <a:bodyPr/>
-          <a:lstStyle/>
-          <a:p>
-            <a:r>
-              <a:rPr lang="en-US" dirty="0"/>
-              <a:t>K8s is not suitable for every scenario</a:t>
-            </a:r>
-          </a:p>
-          <a:p>
-            <a:r>
-              <a:rPr lang="en-US" dirty="0"/>
-              <a:t>ACA uses k8s under the hood </a:t>
-            </a:r>
-          </a:p>
-          <a:p>
-            <a:r>
-              <a:rPr lang="en-US" dirty="0"/>
-              <a:t>Less infra to maintain</a:t>
-            </a:r>
-          </a:p>
-          <a:p>
-            <a:r>
-              <a:rPr lang="en-US" dirty="0"/>
-              <a:t>Has limitations </a:t>
-            </a:r>
-            <a:r>
-              <a:rPr lang="en-US" dirty="0">
-                <a:sym typeface="Wingdings" panose="05000000000000000000" pitchFamily="2" charset="2"/>
-              </a:rPr>
-              <a:t> many tools that are supported by </a:t>
-            </a:r>
-            <a:r>
-              <a:rPr lang="en-US" dirty="0" err="1">
-                <a:sym typeface="Wingdings" panose="05000000000000000000" pitchFamily="2" charset="2"/>
-              </a:rPr>
-              <a:t>cncf</a:t>
-            </a:r>
-            <a:r>
-              <a:rPr lang="en-US" dirty="0">
-                <a:sym typeface="Wingdings" panose="05000000000000000000" pitchFamily="2" charset="2"/>
-              </a:rPr>
-              <a:t> are not available. </a:t>
-            </a:r>
-          </a:p>
-          <a:p>
-            <a:r>
-              <a:rPr lang="en-US" dirty="0">
-                <a:sym typeface="Wingdings" panose="05000000000000000000" pitchFamily="2" charset="2"/>
-              </a:rPr>
-              <a:t>ACA plans </a:t>
-            </a:r>
-          </a:p>
-          <a:p>
-            <a:pPr lvl="1"/>
-            <a:r>
-              <a:rPr lang="en-US" dirty="0">
-                <a:sym typeface="Wingdings" panose="05000000000000000000" pitchFamily="2" charset="2"/>
-              </a:rPr>
-              <a:t>Consumption – no specific requirements </a:t>
-            </a:r>
-          </a:p>
-          <a:p>
-            <a:pPr lvl="1"/>
-            <a:r>
-              <a:rPr lang="en-US" dirty="0">
-                <a:sym typeface="Wingdings" panose="05000000000000000000" pitchFamily="2" charset="2"/>
-              </a:rPr>
-              <a:t>Dedicated (workload profile) – specific requirements for </a:t>
-            </a:r>
-            <a:r>
-              <a:rPr lang="en-US" dirty="0" err="1">
-                <a:sym typeface="Wingdings" panose="05000000000000000000" pitchFamily="2" charset="2"/>
-              </a:rPr>
-              <a:t>security,cost</a:t>
-            </a:r>
-            <a:r>
-              <a:rPr lang="en-US" dirty="0">
-                <a:sym typeface="Wingdings" panose="05000000000000000000" pitchFamily="2" charset="2"/>
-              </a:rPr>
-              <a:t> and hardware . (integrating with app gateway, user defined routes with firewall </a:t>
-            </a:r>
-            <a:r>
-              <a:rPr lang="en-US" dirty="0" err="1">
-                <a:sym typeface="Wingdings" panose="05000000000000000000" pitchFamily="2" charset="2"/>
-              </a:rPr>
-              <a:t>etc</a:t>
-            </a:r>
-            <a:r>
-              <a:rPr lang="en-US" dirty="0">
-                <a:sym typeface="Wingdings" panose="05000000000000000000" pitchFamily="2" charset="2"/>
-              </a:rPr>
-              <a:t>)</a:t>
-            </a:r>
-          </a:p>
-          <a:p>
-            <a:pPr lvl="1"/>
-            <a:endParaRPr lang="en-US" dirty="0"/>
-          </a:p>
-        </p:txBody>
-      </p:sp>
-    </p:spTree>
-    <p:extLst>
-      <p:ext uri="{BB962C8B-B14F-4D97-AF65-F5344CB8AC3E}">
-        <p14:creationId xmlns:p14="http://schemas.microsoft.com/office/powerpoint/2010/main" val="2057367586"/>
-      </p:ext>
-    </p:extLst>
-  </p:cSld>
-  <p:clrMapOvr>
-    <a:masterClrMapping/>
-  </p:clrMapOvr>
-</p:sld>
-</file>
-
-<file path=ppt/slides/slide20.xml><?xml version="1.0" encoding="utf-8"?>
+<file path=ppt/slides/slide27.xml><?xml version="1.0" encoding="utf-8"?>
 <p:sld xmlns:a="http://schemas.openxmlformats.org/drawingml/2006/main" xmlns:r="http://schemas.openxmlformats.org/officeDocument/2006/relationships" xmlns:p="http://schemas.openxmlformats.org/presentationml/2006/main">
   <p:cSld>
     <p:spTree>
@@ -9581,7 +12117,7 @@
 </p:sld>
 </file>
 
-<file path=ppt/slides/slide21.xml><?xml version="1.0" encoding="utf-8"?>
+<file path=ppt/slides/slide28.xml><?xml version="1.0" encoding="utf-8"?>
 <p:sld xmlns:a="http://schemas.openxmlformats.org/drawingml/2006/main" xmlns:r="http://schemas.openxmlformats.org/officeDocument/2006/relationships" xmlns:p="http://schemas.openxmlformats.org/presentationml/2006/main">
   <p:cSld>
     <p:spTree>
@@ -9681,6 +12217,14 @@
 <file path=ppt/slides/slide3.xml><?xml version="1.0" encoding="utf-8"?>
 <p:sld xmlns:a="http://schemas.openxmlformats.org/drawingml/2006/main" xmlns:r="http://schemas.openxmlformats.org/officeDocument/2006/relationships" xmlns:p="http://schemas.openxmlformats.org/presentationml/2006/main">
   <p:cSld>
+    <p:bg>
+      <p:bgPr>
+        <a:solidFill>
+          <a:schemeClr val="bg1"/>
+        </a:solidFill>
+        <a:effectLst/>
+      </p:bgPr>
+    </p:bg>
     <p:spTree>
       <p:nvGrpSpPr>
         <p:cNvPr id="1" name=""/>
@@ -9695,12 +12239,388 @@
           <a:chExt cx="0" cy="0"/>
         </a:xfrm>
       </p:grpSpPr>
+      <p:sp useBgFill="1">
+        <p:nvSpPr>
+          <p:cNvPr id="15" name="Rectangle 14">
+            <a:extLst>
+              <a:ext uri="{FF2B5EF4-FFF2-40B4-BE49-F238E27FC236}">
+                <a16:creationId xmlns:a16="http://schemas.microsoft.com/office/drawing/2014/main" id="{1B15ED52-F352-441B-82BF-E0EA34836D08}"/>
+              </a:ext>
+              <a:ext uri="{C183D7F6-B498-43B3-948B-1728B52AA6E4}">
+                <adec:decorative xmlns:adec="http://schemas.microsoft.com/office/drawing/2017/decorative" val="1"/>
+              </a:ext>
+            </a:extLst>
+          </p:cNvPr>
+          <p:cNvSpPr>
+            <a:spLocks noGrp="1" noRot="1" noChangeAspect="1" noMove="1" noResize="1" noEditPoints="1" noAdjustHandles="1" noChangeArrowheads="1" noChangeShapeType="1" noTextEdit="1"/>
+          </p:cNvSpPr>
+          <p:nvPr>
+            <p:extLst>
+              <p:ext uri="{386F3935-93C4-4BCD-93E2-E3B085C9AB24}">
+                <p16:designElem xmlns:p16="http://schemas.microsoft.com/office/powerpoint/2015/main" val="1"/>
+              </p:ext>
+            </p:extLst>
+          </p:nvPr>
+        </p:nvSpPr>
+        <p:spPr>
+          <a:xfrm>
+            <a:off x="0" y="0"/>
+            <a:ext cx="12192000" cy="6858000"/>
+          </a:xfrm>
+          <a:prstGeom prst="rect">
+            <a:avLst/>
+          </a:prstGeom>
+          <a:ln w="12700" cap="flat" cmpd="sng" algn="ctr">
+            <a:noFill/>
+            <a:prstDash val="solid"/>
+            <a:miter lim="800000"/>
+          </a:ln>
+          <a:effectLst/>
+          <a:extLst>
+            <a:ext uri="{91240B29-F687-4F45-9708-019B960494DF}">
+              <a14:hiddenLine xmlns:a14="http://schemas.microsoft.com/office/drawing/2010/main" w="12700" cap="flat" cmpd="sng" algn="ctr">
+                <a:solidFill>
+                  <a:schemeClr val="accent1">
+                    <a:shade val="50000"/>
+                  </a:schemeClr>
+                </a:solidFill>
+                <a:prstDash val="solid"/>
+                <a:miter lim="800000"/>
+              </a14:hiddenLine>
+            </a:ext>
+          </a:extLst>
+        </p:spPr>
+        <p:style>
+          <a:lnRef idx="2">
+            <a:schemeClr val="accent1">
+              <a:shade val="50000"/>
+            </a:schemeClr>
+          </a:lnRef>
+          <a:fillRef idx="1">
+            <a:schemeClr val="accent1"/>
+          </a:fillRef>
+          <a:effectRef idx="0">
+            <a:schemeClr val="accent1"/>
+          </a:effectRef>
+          <a:fontRef idx="minor">
+            <a:schemeClr val="lt1"/>
+          </a:fontRef>
+        </p:style>
+        <p:txBody>
+          <a:bodyPr rtlCol="0" anchor="ctr"/>
+          <a:lstStyle/>
+          <a:p>
+            <a:pPr algn="ctr"/>
+            <a:endParaRPr lang="en-US"/>
+          </a:p>
+        </p:txBody>
+      </p:sp>
+      <p:sp>
+        <p:nvSpPr>
+          <p:cNvPr id="17" name="Rectangle 16">
+            <a:extLst>
+              <a:ext uri="{FF2B5EF4-FFF2-40B4-BE49-F238E27FC236}">
+                <a16:creationId xmlns:a16="http://schemas.microsoft.com/office/drawing/2014/main" id="{3B2E3793-BFE6-45A2-9B7B-E18844431C99}"/>
+              </a:ext>
+              <a:ext uri="{C183D7F6-B498-43B3-948B-1728B52AA6E4}">
+                <adec:decorative xmlns:adec="http://schemas.microsoft.com/office/drawing/2017/decorative" val="1"/>
+              </a:ext>
+            </a:extLst>
+          </p:cNvPr>
+          <p:cNvSpPr>
+            <a:spLocks noGrp="1" noRot="1" noChangeAspect="1" noMove="1" noResize="1" noEditPoints="1" noAdjustHandles="1" noChangeArrowheads="1" noChangeShapeType="1" noTextEdit="1"/>
+          </p:cNvSpPr>
+          <p:nvPr>
+            <p:extLst>
+              <p:ext uri="{386F3935-93C4-4BCD-93E2-E3B085C9AB24}">
+                <p16:designElem xmlns:p16="http://schemas.microsoft.com/office/powerpoint/2015/main" val="1"/>
+              </p:ext>
+            </p:extLst>
+          </p:nvPr>
+        </p:nvSpPr>
+        <p:spPr>
+          <a:xfrm flipH="1">
+            <a:off x="-1" y="-1"/>
+            <a:ext cx="12191998" cy="1590742"/>
+          </a:xfrm>
+          <a:prstGeom prst="rect">
+            <a:avLst/>
+          </a:prstGeom>
+          <a:gradFill>
+            <a:gsLst>
+              <a:gs pos="0">
+                <a:srgbClr val="000000"/>
+              </a:gs>
+              <a:gs pos="100000">
+                <a:schemeClr val="accent1">
+                  <a:lumMod val="75000"/>
+                </a:schemeClr>
+              </a:gs>
+            </a:gsLst>
+            <a:lin ang="8400000" scaled="0"/>
+          </a:gradFill>
+          <a:ln>
+            <a:noFill/>
+          </a:ln>
+        </p:spPr>
+        <p:style>
+          <a:lnRef idx="2">
+            <a:schemeClr val="accent1">
+              <a:shade val="50000"/>
+            </a:schemeClr>
+          </a:lnRef>
+          <a:fillRef idx="1">
+            <a:schemeClr val="accent1"/>
+          </a:fillRef>
+          <a:effectRef idx="0">
+            <a:schemeClr val="accent1"/>
+          </a:effectRef>
+          <a:fontRef idx="minor">
+            <a:schemeClr val="lt1"/>
+          </a:fontRef>
+        </p:style>
+        <p:txBody>
+          <a:bodyPr rtlCol="0" anchor="ctr"/>
+          <a:lstStyle/>
+          <a:p>
+            <a:pPr algn="ctr"/>
+            <a:endParaRPr lang="en-US"/>
+          </a:p>
+        </p:txBody>
+      </p:sp>
+      <p:sp>
+        <p:nvSpPr>
+          <p:cNvPr id="18" name="Rectangle 17">
+            <a:extLst>
+              <a:ext uri="{FF2B5EF4-FFF2-40B4-BE49-F238E27FC236}">
+                <a16:creationId xmlns:a16="http://schemas.microsoft.com/office/drawing/2014/main" id="{BC4C4868-CB8F-4AF9-9CDB-8108F2C19B67}"/>
+              </a:ext>
+              <a:ext uri="{C183D7F6-B498-43B3-948B-1728B52AA6E4}">
+                <adec:decorative xmlns:adec="http://schemas.microsoft.com/office/drawing/2017/decorative" val="1"/>
+              </a:ext>
+            </a:extLst>
+          </p:cNvPr>
+          <p:cNvSpPr>
+            <a:spLocks noGrp="1" noRot="1" noChangeAspect="1" noMove="1" noResize="1" noEditPoints="1" noAdjustHandles="1" noChangeArrowheads="1" noChangeShapeType="1" noTextEdit="1"/>
+          </p:cNvSpPr>
+          <p:nvPr>
+            <p:extLst>
+              <p:ext uri="{386F3935-93C4-4BCD-93E2-E3B085C9AB24}">
+                <p16:designElem xmlns:p16="http://schemas.microsoft.com/office/powerpoint/2015/main" val="1"/>
+              </p:ext>
+            </p:extLst>
+          </p:nvPr>
+        </p:nvSpPr>
+        <p:spPr>
+          <a:xfrm rot="10800000" flipH="1">
+            <a:off x="-3" y="0"/>
+            <a:ext cx="8115306" cy="1590742"/>
+          </a:xfrm>
+          <a:prstGeom prst="rect">
+            <a:avLst/>
+          </a:prstGeom>
+          <a:gradFill>
+            <a:gsLst>
+              <a:gs pos="20000">
+                <a:schemeClr val="accent1">
+                  <a:alpha val="0"/>
+                </a:schemeClr>
+              </a:gs>
+              <a:gs pos="100000">
+                <a:schemeClr val="accent1">
+                  <a:lumMod val="50000"/>
+                  <a:alpha val="55000"/>
+                </a:schemeClr>
+              </a:gs>
+            </a:gsLst>
+            <a:lin ang="13800000" scaled="0"/>
+          </a:gradFill>
+          <a:ln>
+            <a:noFill/>
+          </a:ln>
+        </p:spPr>
+        <p:style>
+          <a:lnRef idx="2">
+            <a:schemeClr val="accent1">
+              <a:shade val="50000"/>
+            </a:schemeClr>
+          </a:lnRef>
+          <a:fillRef idx="1">
+            <a:schemeClr val="accent1"/>
+          </a:fillRef>
+          <a:effectRef idx="0">
+            <a:schemeClr val="accent1"/>
+          </a:effectRef>
+          <a:fontRef idx="minor">
+            <a:schemeClr val="lt1"/>
+          </a:fontRef>
+        </p:style>
+        <p:txBody>
+          <a:bodyPr rtlCol="0" anchor="ctr"/>
+          <a:lstStyle/>
+          <a:p>
+            <a:pPr algn="ctr"/>
+            <a:endParaRPr lang="en-US"/>
+          </a:p>
+        </p:txBody>
+      </p:sp>
+      <p:sp>
+        <p:nvSpPr>
+          <p:cNvPr id="14" name="Rectangle 13">
+            <a:extLst>
+              <a:ext uri="{FF2B5EF4-FFF2-40B4-BE49-F238E27FC236}">
+                <a16:creationId xmlns:a16="http://schemas.microsoft.com/office/drawing/2014/main" id="{375E0459-6403-40CD-989D-56A4407CA12E}"/>
+              </a:ext>
+              <a:ext uri="{C183D7F6-B498-43B3-948B-1728B52AA6E4}">
+                <adec:decorative xmlns:adec="http://schemas.microsoft.com/office/drawing/2017/decorative" val="1"/>
+              </a:ext>
+            </a:extLst>
+          </p:cNvPr>
+          <p:cNvSpPr>
+            <a:spLocks noGrp="1" noRot="1" noChangeAspect="1" noMove="1" noResize="1" noEditPoints="1" noAdjustHandles="1" noChangeArrowheads="1" noChangeShapeType="1" noTextEdit="1"/>
+          </p:cNvSpPr>
+          <p:nvPr>
+            <p:extLst>
+              <p:ext uri="{386F3935-93C4-4BCD-93E2-E3B085C9AB24}">
+                <p16:designElem xmlns:p16="http://schemas.microsoft.com/office/powerpoint/2015/main" val="1"/>
+              </p:ext>
+            </p:extLst>
+          </p:nvPr>
+        </p:nvSpPr>
+        <p:spPr>
+          <a:xfrm flipH="1">
+            <a:off x="8115299" y="-1"/>
+            <a:ext cx="4076698" cy="1590742"/>
+          </a:xfrm>
+          <a:prstGeom prst="rect">
+            <a:avLst/>
+          </a:prstGeom>
+          <a:gradFill>
+            <a:gsLst>
+              <a:gs pos="0">
+                <a:schemeClr val="accent1">
+                  <a:alpha val="66000"/>
+                </a:schemeClr>
+              </a:gs>
+              <a:gs pos="100000">
+                <a:srgbClr val="000000">
+                  <a:alpha val="30000"/>
+                </a:srgbClr>
+              </a:gs>
+            </a:gsLst>
+            <a:lin ang="13200000" scaled="0"/>
+          </a:gradFill>
+          <a:ln>
+            <a:noFill/>
+          </a:ln>
+        </p:spPr>
+        <p:style>
+          <a:lnRef idx="2">
+            <a:schemeClr val="accent1">
+              <a:shade val="50000"/>
+            </a:schemeClr>
+          </a:lnRef>
+          <a:fillRef idx="1">
+            <a:schemeClr val="accent1"/>
+          </a:fillRef>
+          <a:effectRef idx="0">
+            <a:schemeClr val="accent1"/>
+          </a:effectRef>
+          <a:fontRef idx="minor">
+            <a:schemeClr val="lt1"/>
+          </a:fontRef>
+        </p:style>
+        <p:txBody>
+          <a:bodyPr rtlCol="0" anchor="ctr"/>
+          <a:lstStyle/>
+          <a:p>
+            <a:pPr algn="ctr"/>
+            <a:endParaRPr lang="en-US"/>
+          </a:p>
+        </p:txBody>
+      </p:sp>
+      <p:sp>
+        <p:nvSpPr>
+          <p:cNvPr id="16" name="Rectangle 15">
+            <a:extLst>
+              <a:ext uri="{FF2B5EF4-FFF2-40B4-BE49-F238E27FC236}">
+                <a16:creationId xmlns:a16="http://schemas.microsoft.com/office/drawing/2014/main" id="{53E5B1A8-3AC9-4BD1-9BBC-78CA94F2D1BA}"/>
+              </a:ext>
+              <a:ext uri="{C183D7F6-B498-43B3-948B-1728B52AA6E4}">
+                <adec:decorative xmlns:adec="http://schemas.microsoft.com/office/drawing/2017/decorative" val="1"/>
+              </a:ext>
+            </a:extLst>
+          </p:cNvPr>
+          <p:cNvSpPr>
+            <a:spLocks noGrp="1" noRot="1" noChangeAspect="1" noMove="1" noResize="1" noEditPoints="1" noAdjustHandles="1" noChangeArrowheads="1" noChangeShapeType="1" noTextEdit="1"/>
+          </p:cNvSpPr>
+          <p:nvPr>
+            <p:extLst>
+              <p:ext uri="{386F3935-93C4-4BCD-93E2-E3B085C9AB24}">
+                <p16:designElem xmlns:p16="http://schemas.microsoft.com/office/powerpoint/2015/main" val="1"/>
+              </p:ext>
+            </p:extLst>
+          </p:nvPr>
+        </p:nvSpPr>
+        <p:spPr>
+          <a:xfrm>
+            <a:off x="459350" y="-1"/>
+            <a:ext cx="11732646" cy="1597433"/>
+          </a:xfrm>
+          <a:prstGeom prst="rect">
+            <a:avLst/>
+          </a:prstGeom>
+          <a:gradFill>
+            <a:gsLst>
+              <a:gs pos="50000">
+                <a:srgbClr val="000000">
+                  <a:alpha val="0"/>
+                </a:srgbClr>
+              </a:gs>
+              <a:gs pos="99000">
+                <a:schemeClr val="accent1">
+                  <a:lumMod val="50000"/>
+                  <a:alpha val="52000"/>
+                </a:schemeClr>
+              </a:gs>
+            </a:gsLst>
+            <a:lin ang="16800000" scaled="0"/>
+          </a:gradFill>
+          <a:ln>
+            <a:noFill/>
+          </a:ln>
+        </p:spPr>
+        <p:style>
+          <a:lnRef idx="2">
+            <a:schemeClr val="accent1">
+              <a:shade val="50000"/>
+            </a:schemeClr>
+          </a:lnRef>
+          <a:fillRef idx="1">
+            <a:schemeClr val="accent1"/>
+          </a:fillRef>
+          <a:effectRef idx="0">
+            <a:schemeClr val="accent1"/>
+          </a:effectRef>
+          <a:fontRef idx="minor">
+            <a:schemeClr val="lt1"/>
+          </a:fontRef>
+        </p:style>
+        <p:txBody>
+          <a:bodyPr rtlCol="0" anchor="ctr"/>
+          <a:lstStyle/>
+          <a:p>
+            <a:pPr algn="ctr"/>
+            <a:endParaRPr lang="en-US"/>
+          </a:p>
+        </p:txBody>
+      </p:sp>
       <p:sp>
         <p:nvSpPr>
           <p:cNvPr id="2" name="Title 1">
             <a:extLst>
               <a:ext uri="{FF2B5EF4-FFF2-40B4-BE49-F238E27FC236}">
-                <a16:creationId xmlns:a16="http://schemas.microsoft.com/office/drawing/2014/main" id="{FDC028AE-EB9F-466B-42D5-E5ACFFD1D2DA}"/>
+                <a16:creationId xmlns:a16="http://schemas.microsoft.com/office/drawing/2014/main" id="{0345D252-A835-93B8-7F7C-58873749D946}"/>
               </a:ext>
             </a:extLst>
           </p:cNvPr>
@@ -9711,14 +12631,25 @@
             <p:ph type="title"/>
           </p:nvPr>
         </p:nvSpPr>
-        <p:spPr/>
-        <p:txBody>
-          <a:bodyPr/>
-          <a:lstStyle/>
-          <a:p>
-            <a:r>
-              <a:rPr lang="en-US" dirty="0"/>
-              <a:t>Use cases</a:t>
+        <p:spPr>
+          <a:xfrm>
+            <a:off x="1371599" y="294538"/>
+            <a:ext cx="9895951" cy="1033669"/>
+          </a:xfrm>
+        </p:spPr>
+        <p:txBody>
+          <a:bodyPr>
+            <a:normAutofit/>
+          </a:bodyPr>
+          <a:lstStyle/>
+          <a:p>
+            <a:r>
+              <a:rPr lang="en-US" sz="4000">
+                <a:solidFill>
+                  <a:srgbClr val="FFFFFF"/>
+                </a:solidFill>
+              </a:rPr>
+              <a:t>What is ACA ?</a:t>
             </a:r>
           </a:p>
         </p:txBody>
@@ -9728,7 +12659,7 @@
           <p:cNvPr id="3" name="Content Placeholder 2">
             <a:extLst>
               <a:ext uri="{FF2B5EF4-FFF2-40B4-BE49-F238E27FC236}">
-                <a16:creationId xmlns:a16="http://schemas.microsoft.com/office/drawing/2014/main" id="{EE32FCB5-DDD6-7812-BE3C-77DF78911673}"/>
+                <a16:creationId xmlns:a16="http://schemas.microsoft.com/office/drawing/2014/main" id="{87DCD523-867F-6770-8017-BC06C7032F14}"/>
               </a:ext>
             </a:extLst>
           </p:cNvPr>
@@ -9739,49 +12670,142 @@
             <p:ph idx="1"/>
           </p:nvPr>
         </p:nvSpPr>
-        <p:spPr/>
-        <p:txBody>
-          <a:bodyPr/>
-          <a:lstStyle/>
-          <a:p>
-            <a:r>
-              <a:rPr lang="en-US" dirty="0"/>
-              <a:t>Public Api Endpoints – http requests are split between 2 versions of the container app where the first version gets 80% and new version receives 20%</a:t>
-            </a:r>
-          </a:p>
-          <a:p>
-            <a:r>
-              <a:rPr lang="en-US" dirty="0"/>
-              <a:t>Background jobs – job that transforms data in a database</a:t>
-            </a:r>
-          </a:p>
-          <a:p>
-            <a:r>
-              <a:rPr lang="en-US" dirty="0"/>
-              <a:t>Event driven processes - </a:t>
-            </a:r>
-          </a:p>
-          <a:p>
-            <a:r>
-              <a:rPr lang="en-US" dirty="0"/>
-              <a:t>Microservices – Deploys and manages microservices arch with the option to integrate with Dapr</a:t>
-            </a:r>
-          </a:p>
-          <a:p>
-            <a:r>
-              <a:rPr lang="en-US" dirty="0"/>
-              <a:t>Self hosted build agents </a:t>
-            </a:r>
-          </a:p>
-          <a:p>
-            <a:endParaRPr lang="en-US" dirty="0"/>
+        <p:spPr>
+          <a:xfrm>
+            <a:off x="1371599" y="1885278"/>
+            <a:ext cx="10184297" cy="4678183"/>
+          </a:xfrm>
+        </p:spPr>
+        <p:txBody>
+          <a:bodyPr anchor="ctr">
+            <a:normAutofit fontScale="92500" lnSpcReduction="20000"/>
+          </a:bodyPr>
+          <a:lstStyle/>
+          <a:p>
+            <a:pPr lvl="1"/>
+            <a:endParaRPr lang="en-US" sz="1600" b="1" dirty="0"/>
+          </a:p>
+          <a:p>
+            <a:pPr lvl="1"/>
+            <a:endParaRPr lang="en-US" sz="1600" b="1" dirty="0"/>
+          </a:p>
+          <a:p>
+            <a:pPr lvl="1"/>
+            <a:endParaRPr lang="en-US" sz="1600" b="1" dirty="0"/>
+          </a:p>
+          <a:p>
+            <a:pPr lvl="1"/>
+            <a:endParaRPr lang="en-US" sz="1600" b="1" dirty="0"/>
+          </a:p>
+          <a:p>
+            <a:pPr lvl="1"/>
+            <a:r>
+              <a:rPr lang="en-US" sz="2100" b="1" dirty="0"/>
+              <a:t>Serverless container service that supports microservice applications and robust autoscaling capabilities without the overhead of managing complex infrastructure.</a:t>
+            </a:r>
+          </a:p>
+          <a:p>
+            <a:pPr lvl="1"/>
+            <a:endParaRPr lang="en-US" sz="2100" dirty="0"/>
+          </a:p>
+          <a:p>
+            <a:pPr lvl="1"/>
+            <a:r>
+              <a:rPr lang="en-US" sz="2100" b="1" dirty="0"/>
+              <a:t>Enables you to run microservices and containerized applications on a serverless platform that runs on top of Azure Kubernetes Service.</a:t>
+            </a:r>
+          </a:p>
+          <a:p>
+            <a:pPr lvl="1"/>
+            <a:endParaRPr lang="en-US" sz="2100" dirty="0">
+              <a:effectLst/>
+              <a:latin typeface="Arial Nova" panose="020F0502020204030204" pitchFamily="34" charset="0"/>
+            </a:endParaRPr>
+          </a:p>
+          <a:p>
+            <a:pPr lvl="2"/>
+            <a:r>
+              <a:rPr lang="en-US" sz="2100" dirty="0"/>
+              <a:t>ACA uses k8s under the hood . </a:t>
+            </a:r>
+          </a:p>
+          <a:p>
+            <a:pPr lvl="2"/>
+            <a:endParaRPr lang="en-US" sz="2100" dirty="0"/>
+          </a:p>
+          <a:p>
+            <a:pPr lvl="2"/>
+            <a:r>
+              <a:rPr lang="en-US" sz="2100" dirty="0"/>
+              <a:t>K8S – To run containerized application with its rich container orchestration features.</a:t>
+            </a:r>
+          </a:p>
+          <a:p>
+            <a:pPr lvl="2"/>
+            <a:endParaRPr lang="en-US" sz="2100" dirty="0"/>
+          </a:p>
+          <a:p>
+            <a:pPr lvl="2"/>
+            <a:r>
+              <a:rPr lang="en-US" sz="2100" dirty="0"/>
+              <a:t>AKS =&gt;   Managed K8S</a:t>
+            </a:r>
+          </a:p>
+          <a:p>
+            <a:pPr lvl="2"/>
+            <a:endParaRPr lang="en-US" sz="2100" dirty="0"/>
+          </a:p>
+          <a:p>
+            <a:pPr lvl="2"/>
+            <a:r>
+              <a:rPr lang="en-US" sz="2100" dirty="0"/>
+              <a:t>ACA =&gt;  Managed AKS </a:t>
+            </a:r>
+          </a:p>
+          <a:p>
+            <a:pPr lvl="1"/>
+            <a:endParaRPr lang="en-US" sz="1600" dirty="0"/>
+          </a:p>
+          <a:p>
+            <a:pPr lvl="1"/>
+            <a:endParaRPr lang="en-US" sz="1600" dirty="0"/>
+          </a:p>
+          <a:p>
+            <a:pPr lvl="1"/>
+            <a:endParaRPr lang="en-US" sz="1600" dirty="0">
+              <a:effectLst/>
+              <a:latin typeface="Arial Nova" panose="020F0502020204030204" pitchFamily="34" charset="0"/>
+            </a:endParaRPr>
+          </a:p>
+          <a:p>
+            <a:pPr lvl="1"/>
+            <a:endParaRPr lang="en-US" sz="1600" dirty="0">
+              <a:effectLst/>
+              <a:latin typeface="Arial Nova" panose="020F0502020204030204" pitchFamily="34" charset="0"/>
+            </a:endParaRPr>
+          </a:p>
+          <a:p>
+            <a:endParaRPr lang="en-US" sz="1600" dirty="0">
+              <a:latin typeface="Arial Nova" panose="020F0502020204030204" pitchFamily="34" charset="0"/>
+            </a:endParaRPr>
+          </a:p>
+          <a:p>
+            <a:endParaRPr lang="en-US" sz="1600" dirty="0">
+              <a:effectLst/>
+              <a:latin typeface="Arial Nova" panose="020F0502020204030204" pitchFamily="34" charset="0"/>
+            </a:endParaRPr>
+          </a:p>
+          <a:p>
+            <a:endParaRPr lang="en-US" sz="1600" dirty="0">
+              <a:latin typeface="Arial Nova" panose="020F0502020204030204" pitchFamily="34" charset="0"/>
+            </a:endParaRPr>
           </a:p>
         </p:txBody>
       </p:sp>
     </p:spTree>
     <p:extLst>
       <p:ext uri="{BB962C8B-B14F-4D97-AF65-F5344CB8AC3E}">
-        <p14:creationId xmlns:p14="http://schemas.microsoft.com/office/powerpoint/2010/main" val="990311256"/>
+        <p14:creationId xmlns:p14="http://schemas.microsoft.com/office/powerpoint/2010/main" val="2437478756"/>
       </p:ext>
     </p:extLst>
   </p:cSld>
@@ -9794,6 +12818,14 @@
 <file path=ppt/slides/slide4.xml><?xml version="1.0" encoding="utf-8"?>
 <p:sld xmlns:a="http://schemas.openxmlformats.org/drawingml/2006/main" xmlns:r="http://schemas.openxmlformats.org/officeDocument/2006/relationships" xmlns:p="http://schemas.openxmlformats.org/presentationml/2006/main">
   <p:cSld>
+    <p:bg>
+      <p:bgPr>
+        <a:solidFill>
+          <a:schemeClr val="bg1"/>
+        </a:solidFill>
+        <a:effectLst/>
+      </p:bgPr>
+    </p:bg>
     <p:spTree>
       <p:nvGrpSpPr>
         <p:cNvPr id="1" name=""/>
@@ -9808,54 +12840,357 @@
           <a:chExt cx="0" cy="0"/>
         </a:xfrm>
       </p:grpSpPr>
-      <p:sp>
-        <p:nvSpPr>
-          <p:cNvPr id="2" name="Title 1">
-            <a:extLst>
-              <a:ext uri="{FF2B5EF4-FFF2-40B4-BE49-F238E27FC236}">
-                <a16:creationId xmlns:a16="http://schemas.microsoft.com/office/drawing/2014/main" id="{3C3C7372-E28F-92AD-D11E-A576CF6A4DCF}"/>
-              </a:ext>
-            </a:extLst>
-          </p:cNvPr>
-          <p:cNvSpPr>
-            <a:spLocks noGrp="1"/>
-          </p:cNvSpPr>
-          <p:nvPr>
-            <p:ph type="title"/>
+      <p:sp useBgFill="1">
+        <p:nvSpPr>
+          <p:cNvPr id="11" name="Rectangle 10">
+            <a:extLst>
+              <a:ext uri="{FF2B5EF4-FFF2-40B4-BE49-F238E27FC236}">
+                <a16:creationId xmlns:a16="http://schemas.microsoft.com/office/drawing/2014/main" id="{A8384FB5-9ADC-4DDC-881B-597D56F5B15D}"/>
+              </a:ext>
+              <a:ext uri="{C183D7F6-B498-43B3-948B-1728B52AA6E4}">
+                <adec:decorative xmlns:adec="http://schemas.microsoft.com/office/drawing/2017/decorative" val="1"/>
+              </a:ext>
+            </a:extLst>
+          </p:cNvPr>
+          <p:cNvSpPr>
+            <a:spLocks noGrp="1" noRot="1" noChangeAspect="1" noMove="1" noResize="1" noEditPoints="1" noAdjustHandles="1" noChangeArrowheads="1" noChangeShapeType="1" noTextEdit="1"/>
+          </p:cNvSpPr>
+          <p:nvPr>
+            <p:extLst>
+              <p:ext uri="{386F3935-93C4-4BCD-93E2-E3B085C9AB24}">
+                <p16:designElem xmlns:p16="http://schemas.microsoft.com/office/powerpoint/2015/main" val="1"/>
+              </p:ext>
+            </p:extLst>
           </p:nvPr>
         </p:nvSpPr>
         <p:spPr>
           <a:xfrm>
-            <a:off x="1593908" y="260059"/>
-            <a:ext cx="9759892" cy="1430629"/>
+            <a:off x="0" y="0"/>
+            <a:ext cx="12192000" cy="6858000"/>
+          </a:xfrm>
+          <a:prstGeom prst="rect">
+            <a:avLst/>
+          </a:prstGeom>
+          <a:ln w="12700" cap="flat" cmpd="sng" algn="ctr">
+            <a:noFill/>
+            <a:prstDash val="solid"/>
+            <a:miter lim="800000"/>
+          </a:ln>
+          <a:effectLst/>
+          <a:extLst>
+            <a:ext uri="{91240B29-F687-4F45-9708-019B960494DF}">
+              <a14:hiddenLine xmlns:a14="http://schemas.microsoft.com/office/drawing/2010/main" w="12700" cap="flat" cmpd="sng" algn="ctr">
+                <a:solidFill>
+                  <a:schemeClr val="accent1">
+                    <a:shade val="50000"/>
+                  </a:schemeClr>
+                </a:solidFill>
+                <a:prstDash val="solid"/>
+                <a:miter lim="800000"/>
+              </a14:hiddenLine>
+            </a:ext>
+          </a:extLst>
+        </p:spPr>
+        <p:style>
+          <a:lnRef idx="2">
+            <a:schemeClr val="accent1">
+              <a:shade val="50000"/>
+            </a:schemeClr>
+          </a:lnRef>
+          <a:fillRef idx="1">
+            <a:schemeClr val="accent1"/>
+          </a:fillRef>
+          <a:effectRef idx="0">
+            <a:schemeClr val="accent1"/>
+          </a:effectRef>
+          <a:fontRef idx="minor">
+            <a:schemeClr val="lt1"/>
+          </a:fontRef>
+        </p:style>
+        <p:txBody>
+          <a:bodyPr rtlCol="0" anchor="ctr"/>
+          <a:lstStyle/>
+          <a:p>
+            <a:pPr algn="ctr"/>
+            <a:endParaRPr lang="en-US"/>
+          </a:p>
+        </p:txBody>
+      </p:sp>
+      <p:sp>
+        <p:nvSpPr>
+          <p:cNvPr id="13" name="Rectangle 12">
+            <a:extLst>
+              <a:ext uri="{FF2B5EF4-FFF2-40B4-BE49-F238E27FC236}">
+                <a16:creationId xmlns:a16="http://schemas.microsoft.com/office/drawing/2014/main" id="{1199E1B1-A8C0-4FE8-A5A8-1CB41D69F857}"/>
+              </a:ext>
+              <a:ext uri="{C183D7F6-B498-43B3-948B-1728B52AA6E4}">
+                <adec:decorative xmlns:adec="http://schemas.microsoft.com/office/drawing/2017/decorative" val="1"/>
+              </a:ext>
+            </a:extLst>
+          </p:cNvPr>
+          <p:cNvSpPr>
+            <a:spLocks noGrp="1" noRot="1" noChangeAspect="1" noMove="1" noResize="1" noEditPoints="1" noAdjustHandles="1" noChangeArrowheads="1" noChangeShapeType="1" noTextEdit="1"/>
+          </p:cNvSpPr>
+          <p:nvPr>
+            <p:extLst>
+              <p:ext uri="{386F3935-93C4-4BCD-93E2-E3B085C9AB24}">
+                <p16:designElem xmlns:p16="http://schemas.microsoft.com/office/powerpoint/2015/main" val="1"/>
+              </p:ext>
+            </p:extLst>
+          </p:nvPr>
+        </p:nvSpPr>
+        <p:spPr>
+          <a:xfrm rot="10800000" flipH="1">
+            <a:off x="2" y="0"/>
+            <a:ext cx="12191998" cy="1575955"/>
+          </a:xfrm>
+          <a:prstGeom prst="rect">
+            <a:avLst/>
+          </a:prstGeom>
+          <a:gradFill>
+            <a:gsLst>
+              <a:gs pos="0">
+                <a:srgbClr val="000000">
+                  <a:alpha val="96000"/>
+                </a:srgbClr>
+              </a:gs>
+              <a:gs pos="100000">
+                <a:schemeClr val="accent1">
+                  <a:lumMod val="75000"/>
+                </a:schemeClr>
+              </a:gs>
+            </a:gsLst>
+            <a:lin ang="6000000" scaled="0"/>
+          </a:gradFill>
+          <a:ln>
+            <a:noFill/>
+          </a:ln>
+        </p:spPr>
+        <p:style>
+          <a:lnRef idx="2">
+            <a:schemeClr val="accent1">
+              <a:shade val="50000"/>
+            </a:schemeClr>
+          </a:lnRef>
+          <a:fillRef idx="1">
+            <a:schemeClr val="accent1"/>
+          </a:fillRef>
+          <a:effectRef idx="0">
+            <a:schemeClr val="accent1"/>
+          </a:effectRef>
+          <a:fontRef idx="minor">
+            <a:schemeClr val="lt1"/>
+          </a:fontRef>
+        </p:style>
+        <p:txBody>
+          <a:bodyPr rtlCol="0" anchor="ctr"/>
+          <a:lstStyle/>
+          <a:p>
+            <a:pPr algn="ctr"/>
+            <a:endParaRPr lang="en-US"/>
+          </a:p>
+        </p:txBody>
+      </p:sp>
+      <p:sp>
+        <p:nvSpPr>
+          <p:cNvPr id="15" name="Rectangle 14">
+            <a:extLst>
+              <a:ext uri="{FF2B5EF4-FFF2-40B4-BE49-F238E27FC236}">
+                <a16:creationId xmlns:a16="http://schemas.microsoft.com/office/drawing/2014/main" id="{84A8DE83-DE75-4B41-9DB4-A7EC0B0DEC0B}"/>
+              </a:ext>
+              <a:ext uri="{C183D7F6-B498-43B3-948B-1728B52AA6E4}">
+                <adec:decorative xmlns:adec="http://schemas.microsoft.com/office/drawing/2017/decorative" val="1"/>
+              </a:ext>
+            </a:extLst>
+          </p:cNvPr>
+          <p:cNvSpPr>
+            <a:spLocks noGrp="1" noRot="1" noChangeAspect="1" noMove="1" noResize="1" noEditPoints="1" noAdjustHandles="1" noChangeArrowheads="1" noChangeShapeType="1" noTextEdit="1"/>
+          </p:cNvSpPr>
+          <p:nvPr>
+            <p:extLst>
+              <p:ext uri="{386F3935-93C4-4BCD-93E2-E3B085C9AB24}">
+                <p16:designElem xmlns:p16="http://schemas.microsoft.com/office/powerpoint/2015/main" val="1"/>
+              </p:ext>
+            </p:extLst>
+          </p:nvPr>
+        </p:nvSpPr>
+        <p:spPr>
+          <a:xfrm>
+            <a:off x="0" y="0"/>
+            <a:ext cx="8128856" cy="1575461"/>
+          </a:xfrm>
+          <a:prstGeom prst="rect">
+            <a:avLst/>
+          </a:prstGeom>
+          <a:gradFill>
+            <a:gsLst>
+              <a:gs pos="0">
+                <a:schemeClr val="accent1">
+                  <a:alpha val="41000"/>
+                </a:schemeClr>
+              </a:gs>
+              <a:gs pos="74000">
+                <a:schemeClr val="accent1">
+                  <a:lumMod val="60000"/>
+                  <a:lumOff val="40000"/>
+                  <a:alpha val="0"/>
+                </a:schemeClr>
+              </a:gs>
+            </a:gsLst>
+            <a:lin ang="8400000" scaled="0"/>
+          </a:gradFill>
+          <a:ln>
+            <a:noFill/>
+          </a:ln>
+        </p:spPr>
+        <p:style>
+          <a:lnRef idx="2">
+            <a:schemeClr val="accent1">
+              <a:shade val="50000"/>
+            </a:schemeClr>
+          </a:lnRef>
+          <a:fillRef idx="1">
+            <a:schemeClr val="accent1"/>
+          </a:fillRef>
+          <a:effectRef idx="0">
+            <a:schemeClr val="accent1"/>
+          </a:effectRef>
+          <a:fontRef idx="minor">
+            <a:schemeClr val="lt1"/>
+          </a:fontRef>
+        </p:style>
+        <p:txBody>
+          <a:bodyPr rtlCol="0" anchor="ctr"/>
+          <a:lstStyle/>
+          <a:p>
+            <a:pPr algn="ctr"/>
+            <a:endParaRPr lang="en-US"/>
+          </a:p>
+        </p:txBody>
+      </p:sp>
+      <p:sp>
+        <p:nvSpPr>
+          <p:cNvPr id="17" name="Rectangle 16">
+            <a:extLst>
+              <a:ext uri="{FF2B5EF4-FFF2-40B4-BE49-F238E27FC236}">
+                <a16:creationId xmlns:a16="http://schemas.microsoft.com/office/drawing/2014/main" id="{A7009A0A-BEF5-4EAC-AF15-E4F9F002E239}"/>
+              </a:ext>
+              <a:ext uri="{C183D7F6-B498-43B3-948B-1728B52AA6E4}">
+                <adec:decorative xmlns:adec="http://schemas.microsoft.com/office/drawing/2017/decorative" val="1"/>
+              </a:ext>
+            </a:extLst>
+          </p:cNvPr>
+          <p:cNvSpPr>
+            <a:spLocks noGrp="1" noRot="1" noChangeAspect="1" noMove="1" noResize="1" noEditPoints="1" noAdjustHandles="1" noChangeArrowheads="1" noChangeShapeType="1" noTextEdit="1"/>
+          </p:cNvSpPr>
+          <p:nvPr>
+            <p:extLst>
+              <p:ext uri="{386F3935-93C4-4BCD-93E2-E3B085C9AB24}">
+                <p16:designElem xmlns:p16="http://schemas.microsoft.com/office/powerpoint/2015/main" val="1"/>
+              </p:ext>
+            </p:extLst>
+          </p:nvPr>
+        </p:nvSpPr>
+        <p:spPr>
+          <a:xfrm flipH="1">
+            <a:off x="-3" y="-1"/>
+            <a:ext cx="12192002" cy="1574311"/>
+          </a:xfrm>
+          <a:prstGeom prst="rect">
+            <a:avLst/>
+          </a:prstGeom>
+          <a:gradFill>
+            <a:gsLst>
+              <a:gs pos="0">
+                <a:srgbClr val="000000">
+                  <a:alpha val="63000"/>
+                </a:srgbClr>
+              </a:gs>
+              <a:gs pos="78000">
+                <a:schemeClr val="accent1">
+                  <a:alpha val="15000"/>
+                </a:schemeClr>
+              </a:gs>
+            </a:gsLst>
+            <a:lin ang="15600000" scaled="0"/>
+          </a:gradFill>
+          <a:ln>
+            <a:noFill/>
+          </a:ln>
+        </p:spPr>
+        <p:style>
+          <a:lnRef idx="2">
+            <a:schemeClr val="accent1">
+              <a:shade val="50000"/>
+            </a:schemeClr>
+          </a:lnRef>
+          <a:fillRef idx="1">
+            <a:schemeClr val="accent1"/>
+          </a:fillRef>
+          <a:effectRef idx="0">
+            <a:schemeClr val="accent1"/>
+          </a:effectRef>
+          <a:fontRef idx="minor">
+            <a:schemeClr val="lt1"/>
+          </a:fontRef>
+        </p:style>
+        <p:txBody>
+          <a:bodyPr rtlCol="0" anchor="ctr"/>
+          <a:lstStyle/>
+          <a:p>
+            <a:pPr algn="ctr"/>
+            <a:endParaRPr lang="en-US"/>
+          </a:p>
+        </p:txBody>
+      </p:sp>
+      <p:sp>
+        <p:nvSpPr>
+          <p:cNvPr id="2" name="Title 1">
+            <a:extLst>
+              <a:ext uri="{FF2B5EF4-FFF2-40B4-BE49-F238E27FC236}">
+                <a16:creationId xmlns:a16="http://schemas.microsoft.com/office/drawing/2014/main" id="{AB26614A-9B10-BE3D-BE5D-35DE3D1F24B5}"/>
+              </a:ext>
+            </a:extLst>
+          </p:cNvPr>
+          <p:cNvSpPr>
+            <a:spLocks noGrp="1"/>
+          </p:cNvSpPr>
+          <p:nvPr>
+            <p:ph type="title"/>
+          </p:nvPr>
+        </p:nvSpPr>
+        <p:spPr>
+          <a:xfrm>
+            <a:off x="699713" y="248038"/>
+            <a:ext cx="7063721" cy="1159200"/>
           </a:xfrm>
         </p:spPr>
         <p:txBody>
-          <a:bodyPr>
-            <a:normAutofit fontScale="90000"/>
+          <a:bodyPr vert="horz" lIns="91440" tIns="45720" rIns="91440" bIns="45720" rtlCol="0" anchor="ctr">
+            <a:normAutofit/>
           </a:bodyPr>
           <a:lstStyle/>
           <a:p>
             <a:r>
-              <a:rPr lang="en-US" dirty="0"/>
-              <a:t>AKS vs ACA</a:t>
-            </a:r>
-            <a:br>
-              <a:rPr lang="en-US" dirty="0"/>
-            </a:br>
-            <a:br>
-              <a:rPr lang="en-US" dirty="0"/>
-            </a:br>
-            <a:endParaRPr lang="en-US" dirty="0"/>
+              <a:rPr lang="en-US" sz="4000" kern="1200">
+                <a:solidFill>
+                  <a:srgbClr val="FFFFFF"/>
+                </a:solidFill>
+                <a:latin typeface="+mj-lt"/>
+                <a:ea typeface="+mj-ea"/>
+                <a:cs typeface="+mj-cs"/>
+              </a:rPr>
+              <a:t>Diff between ACA and AKS</a:t>
+            </a:r>
           </a:p>
         </p:txBody>
       </p:sp>
       <p:graphicFrame>
         <p:nvGraphicFramePr>
-          <p:cNvPr id="4" name="Table 4">
-            <a:extLst>
-              <a:ext uri="{FF2B5EF4-FFF2-40B4-BE49-F238E27FC236}">
-                <a16:creationId xmlns:a16="http://schemas.microsoft.com/office/drawing/2014/main" id="{F699CB56-EA3E-F102-AD8A-294B07A10871}"/>
+          <p:cNvPr id="6" name="Table 4">
+            <a:extLst>
+              <a:ext uri="{FF2B5EF4-FFF2-40B4-BE49-F238E27FC236}">
+                <a16:creationId xmlns:a16="http://schemas.microsoft.com/office/drawing/2014/main" id="{A97E68E1-08CA-75E2-8292-FE8BC75E951F}"/>
               </a:ext>
             </a:extLst>
           </p:cNvPr>
@@ -9865,14 +13200,14 @@
           <p:nvPr>
             <p:extLst>
               <p:ext uri="{D42A27DB-BD31-4B8C-83A1-F6EECF244321}">
-                <p14:modId xmlns:p14="http://schemas.microsoft.com/office/powerpoint/2010/main" val="141817336"/>
+                <p14:modId xmlns:p14="http://schemas.microsoft.com/office/powerpoint/2010/main" val="2858556312"/>
               </p:ext>
             </p:extLst>
           </p:nvPr>
         </p:nvGraphicFramePr>
         <p:xfrm>
-          <a:off x="1560352" y="1753298"/>
-          <a:ext cx="8599648" cy="2323748"/>
+          <a:off x="734493" y="1966293"/>
+          <a:ext cx="10723013" cy="4452162"/>
         </p:xfrm>
         <a:graphic>
           <a:graphicData uri="http://schemas.openxmlformats.org/drawingml/2006/table">
@@ -9881,14 +13216,14 @@
                 <a:tableStyleId>{5C22544A-7EE6-4342-B048-85BDC9FD1C3A}</a:tableStyleId>
               </a:tblPr>
               <a:tblGrid>
-                <a:gridCol w="4366936">
+                <a:gridCol w="5525189">
                   <a:extLst>
                     <a:ext uri="{9D8B030D-6E8A-4147-A177-3AD203B41FA5}">
                       <a16:colId xmlns:a16="http://schemas.microsoft.com/office/drawing/2014/main" val="3350739668"/>
                     </a:ext>
                   </a:extLst>
                 </a:gridCol>
-                <a:gridCol w="4232712">
+                <a:gridCol w="5197824">
                   <a:extLst>
                     <a:ext uri="{9D8B030D-6E8A-4147-A177-3AD203B41FA5}">
                       <a16:colId xmlns:a16="http://schemas.microsoft.com/office/drawing/2014/main" val="3116987152"/>
@@ -9896,19 +13231,19 @@
                   </a:extLst>
                 </a:gridCol>
               </a:tblGrid>
-              <a:tr h="404130">
+              <a:tr h="576162">
                 <a:tc>
                   <a:txBody>
                     <a:bodyPr/>
                     <a:lstStyle/>
                     <a:p>
                       <a:r>
-                        <a:rPr lang="en-US" dirty="0"/>
+                        <a:rPr lang="en-US" sz="2600"/>
                         <a:t>AKS</a:t>
                       </a:r>
                     </a:p>
                   </a:txBody>
-                  <a:tcPr/>
+                  <a:tcPr marL="130946" marR="130946" marT="65473" marB="65473"/>
                 </a:tc>
                 <a:tc>
                   <a:txBody>
@@ -9916,12 +13251,12 @@
                     <a:lstStyle/>
                     <a:p>
                       <a:r>
-                        <a:rPr lang="en-US" dirty="0"/>
+                        <a:rPr lang="en-US" sz="2600"/>
                         <a:t>ACA</a:t>
                       </a:r>
                     </a:p>
                   </a:txBody>
-                  <a:tcPr/>
+                  <a:tcPr marL="130946" marR="130946" marT="65473" marB="65473"/>
                 </a:tc>
                 <a:extLst>
                   <a:ext uri="{0D108BD9-81ED-4DB2-BD59-A6C34878D82A}">
@@ -9929,19 +13264,19 @@
                   </a:ext>
                 </a:extLst>
               </a:tr>
-              <a:tr h="404130">
+              <a:tr h="576162">
                 <a:tc>
                   <a:txBody>
                     <a:bodyPr/>
                     <a:lstStyle/>
                     <a:p>
                       <a:r>
-                        <a:rPr lang="en-US" dirty="0"/>
+                        <a:rPr lang="en-US" sz="2600"/>
                         <a:t>Partially Managed Service</a:t>
                       </a:r>
                     </a:p>
                   </a:txBody>
-                  <a:tcPr/>
+                  <a:tcPr marL="130946" marR="130946" marT="65473" marB="65473"/>
                 </a:tc>
                 <a:tc>
                   <a:txBody>
@@ -9949,12 +13284,12 @@
                     <a:lstStyle/>
                     <a:p>
                       <a:r>
-                        <a:rPr lang="en-US" dirty="0"/>
+                        <a:rPr lang="en-US" sz="2600"/>
                         <a:t>Fully Managed Service</a:t>
                       </a:r>
                     </a:p>
                   </a:txBody>
-                  <a:tcPr/>
+                  <a:tcPr marL="130946" marR="130946" marT="65473" marB="65473"/>
                 </a:tc>
                 <a:extLst>
                   <a:ext uri="{0D108BD9-81ED-4DB2-BD59-A6C34878D82A}">
@@ -9962,19 +13297,19 @@
                   </a:ext>
                 </a:extLst>
               </a:tr>
-              <a:tr h="404130">
+              <a:tr h="969000">
                 <a:tc>
                   <a:txBody>
                     <a:bodyPr/>
                     <a:lstStyle/>
                     <a:p>
                       <a:r>
-                        <a:rPr lang="en-US" dirty="0"/>
+                        <a:rPr lang="en-US" sz="2600"/>
                         <a:t>More control flexibility and extensibility</a:t>
                       </a:r>
                     </a:p>
                   </a:txBody>
-                  <a:tcPr/>
+                  <a:tcPr marL="130946" marR="130946" marT="65473" marB="65473"/>
                 </a:tc>
                 <a:tc>
                   <a:txBody>
@@ -9982,12 +13317,12 @@
                     <a:lstStyle/>
                     <a:p>
                       <a:r>
-                        <a:rPr lang="en-US" dirty="0"/>
+                        <a:rPr lang="en-US" sz="2600"/>
                         <a:t>More black box and opinionated </a:t>
                       </a:r>
                     </a:p>
                   </a:txBody>
-                  <a:tcPr/>
+                  <a:tcPr marL="130946" marR="130946" marT="65473" marB="65473"/>
                 </a:tc>
                 <a:extLst>
                   <a:ext uri="{0D108BD9-81ED-4DB2-BD59-A6C34878D82A}">
@@ -9995,19 +13330,19 @@
                   </a:ext>
                 </a:extLst>
               </a:tr>
-              <a:tr h="404130">
+              <a:tr h="969000">
                 <a:tc>
                   <a:txBody>
                     <a:bodyPr/>
                     <a:lstStyle/>
                     <a:p>
                       <a:r>
-                        <a:rPr lang="en-US" dirty="0"/>
+                        <a:rPr lang="en-US" sz="2600"/>
                         <a:t>More maintenance and operational work</a:t>
                       </a:r>
                     </a:p>
                   </a:txBody>
-                  <a:tcPr/>
+                  <a:tcPr marL="130946" marR="130946" marT="65473" marB="65473"/>
                 </a:tc>
                 <a:tc>
                   <a:txBody>
@@ -10015,12 +13350,12 @@
                     <a:lstStyle/>
                     <a:p>
                       <a:r>
-                        <a:rPr lang="en-US" dirty="0"/>
+                        <a:rPr lang="en-US" sz="2600"/>
                         <a:t>Less maintenance and operation overhead</a:t>
                       </a:r>
                     </a:p>
                   </a:txBody>
-                  <a:tcPr/>
+                  <a:tcPr marL="130946" marR="130946" marT="65473" marB="65473"/>
                 </a:tc>
                 <a:extLst>
                   <a:ext uri="{0D108BD9-81ED-4DB2-BD59-A6C34878D82A}">
@@ -10028,19 +13363,19 @@
                   </a:ext>
                 </a:extLst>
               </a:tr>
-              <a:tr h="707228">
+              <a:tr h="1361838">
                 <a:tc>
                   <a:txBody>
                     <a:bodyPr/>
                     <a:lstStyle/>
                     <a:p>
                       <a:r>
-                        <a:rPr lang="en-US" dirty="0"/>
+                        <a:rPr lang="en-US" sz="2600"/>
                         <a:t>Extensive k8s competence needed</a:t>
                       </a:r>
                     </a:p>
                   </a:txBody>
-                  <a:tcPr/>
+                  <a:tcPr marL="130946" marR="130946" marT="65473" marB="65473"/>
                 </a:tc>
                 <a:tc>
                   <a:txBody>
@@ -10065,15 +13400,15 @@
                         <a:defRPr/>
                       </a:pPr>
                       <a:r>
-                        <a:rPr lang="en-US" dirty="0"/>
+                        <a:rPr lang="en-US" sz="2600"/>
                         <a:t>Foundational k8s competence needed</a:t>
                       </a:r>
                     </a:p>
                     <a:p>
-                      <a:endParaRPr lang="en-US" dirty="0"/>
+                      <a:endParaRPr lang="en-US" sz="2600"/>
                     </a:p>
                   </a:txBody>
-                  <a:tcPr/>
+                  <a:tcPr marL="130946" marR="130946" marT="65473" marB="65473"/>
                 </a:tc>
                 <a:extLst>
                   <a:ext uri="{0D108BD9-81ED-4DB2-BD59-A6C34878D82A}">
@@ -10088,7 +13423,7 @@
     </p:spTree>
     <p:extLst>
       <p:ext uri="{BB962C8B-B14F-4D97-AF65-F5344CB8AC3E}">
-        <p14:creationId xmlns:p14="http://schemas.microsoft.com/office/powerpoint/2010/main" val="650619122"/>
+        <p14:creationId xmlns:p14="http://schemas.microsoft.com/office/powerpoint/2010/main" val="1715887228"/>
       </p:ext>
     </p:extLst>
   </p:cSld>
@@ -10101,6 +13436,14 @@
 <file path=ppt/slides/slide5.xml><?xml version="1.0" encoding="utf-8"?>
 <p:sld xmlns:a="http://schemas.openxmlformats.org/drawingml/2006/main" xmlns:r="http://schemas.openxmlformats.org/officeDocument/2006/relationships" xmlns:p="http://schemas.openxmlformats.org/presentationml/2006/main">
   <p:cSld>
+    <p:bg>
+      <p:bgPr>
+        <a:solidFill>
+          <a:schemeClr val="bg1"/>
+        </a:solidFill>
+        <a:effectLst/>
+      </p:bgPr>
+    </p:bg>
     <p:spTree>
       <p:nvGrpSpPr>
         <p:cNvPr id="1" name=""/>
@@ -10115,68 +13458,608 @@
           <a:chExt cx="0" cy="0"/>
         </a:xfrm>
       </p:grpSpPr>
-      <p:sp>
-        <p:nvSpPr>
-          <p:cNvPr id="2" name="Title 1">
-            <a:extLst>
-              <a:ext uri="{FF2B5EF4-FFF2-40B4-BE49-F238E27FC236}">
-                <a16:creationId xmlns:a16="http://schemas.microsoft.com/office/drawing/2014/main" id="{A9C1FBBC-1F0A-A8CC-8635-F62AA20BB1CC}"/>
-              </a:ext>
-            </a:extLst>
-          </p:cNvPr>
-          <p:cNvSpPr>
-            <a:spLocks noGrp="1"/>
-          </p:cNvSpPr>
-          <p:nvPr>
-            <p:ph type="title"/>
-          </p:nvPr>
-        </p:nvSpPr>
-        <p:spPr/>
-        <p:txBody>
-          <a:bodyPr/>
-          <a:lstStyle/>
-          <a:p>
-            <a:r>
-              <a:rPr lang="en-US"/>
-              <a:t>Overview </a:t>
-            </a:r>
-            <a:endParaRPr lang="en-US" dirty="0"/>
-          </a:p>
-        </p:txBody>
-      </p:sp>
-      <p:pic>
-        <p:nvPicPr>
-          <p:cNvPr id="5" name="Content Placeholder 4" descr="A screenshot of a container application&#10;&#10;Description automatically generated">
-            <a:extLst>
-              <a:ext uri="{FF2B5EF4-FFF2-40B4-BE49-F238E27FC236}">
-                <a16:creationId xmlns:a16="http://schemas.microsoft.com/office/drawing/2014/main" id="{8723D72A-EC2A-C193-D4C2-70133CD8BC68}"/>
-              </a:ext>
-            </a:extLst>
-          </p:cNvPr>
-          <p:cNvPicPr>
-            <a:picLocks noGrp="1" noChangeAspect="1"/>
-          </p:cNvPicPr>
-          <p:nvPr>
-            <p:ph idx="1"/>
-          </p:nvPr>
-        </p:nvPicPr>
-        <p:blipFill>
-          <a:blip r:embed="rId3"/>
-          <a:stretch>
-            <a:fillRect/>
-          </a:stretch>
-        </p:blipFill>
+      <p:sp useBgFill="1">
+        <p:nvSpPr>
+          <p:cNvPr id="8" name="Rectangle 7">
+            <a:extLst>
+              <a:ext uri="{FF2B5EF4-FFF2-40B4-BE49-F238E27FC236}">
+                <a16:creationId xmlns:a16="http://schemas.microsoft.com/office/drawing/2014/main" id="{1B15ED52-F352-441B-82BF-E0EA34836D08}"/>
+              </a:ext>
+              <a:ext uri="{C183D7F6-B498-43B3-948B-1728B52AA6E4}">
+                <adec:decorative xmlns:adec="http://schemas.microsoft.com/office/drawing/2017/decorative" val="1"/>
+              </a:ext>
+            </a:extLst>
+          </p:cNvPr>
+          <p:cNvSpPr>
+            <a:spLocks noGrp="1" noRot="1" noChangeAspect="1" noMove="1" noResize="1" noEditPoints="1" noAdjustHandles="1" noChangeArrowheads="1" noChangeShapeType="1" noTextEdit="1"/>
+          </p:cNvSpPr>
+          <p:nvPr>
+            <p:extLst>
+              <p:ext uri="{386F3935-93C4-4BCD-93E2-E3B085C9AB24}">
+                <p16:designElem xmlns:p16="http://schemas.microsoft.com/office/powerpoint/2015/main" val="1"/>
+              </p:ext>
+            </p:extLst>
+          </p:nvPr>
+        </p:nvSpPr>
         <p:spPr>
           <a:xfrm>
-            <a:off x="2140373" y="1690688"/>
-            <a:ext cx="6609344" cy="4363161"/>
+            <a:off x="0" y="0"/>
+            <a:ext cx="12192000" cy="6858000"/>
+          </a:xfrm>
+          <a:prstGeom prst="rect">
+            <a:avLst/>
+          </a:prstGeom>
+          <a:ln w="12700" cap="flat" cmpd="sng" algn="ctr">
+            <a:noFill/>
+            <a:prstDash val="solid"/>
+            <a:miter lim="800000"/>
+          </a:ln>
+          <a:effectLst/>
+          <a:extLst>
+            <a:ext uri="{91240B29-F687-4F45-9708-019B960494DF}">
+              <a14:hiddenLine xmlns:a14="http://schemas.microsoft.com/office/drawing/2010/main" w="12700" cap="flat" cmpd="sng" algn="ctr">
+                <a:solidFill>
+                  <a:schemeClr val="accent1">
+                    <a:shade val="50000"/>
+                  </a:schemeClr>
+                </a:solidFill>
+                <a:prstDash val="solid"/>
+                <a:miter lim="800000"/>
+              </a14:hiddenLine>
+            </a:ext>
+          </a:extLst>
+        </p:spPr>
+        <p:style>
+          <a:lnRef idx="2">
+            <a:schemeClr val="accent1">
+              <a:shade val="50000"/>
+            </a:schemeClr>
+          </a:lnRef>
+          <a:fillRef idx="1">
+            <a:schemeClr val="accent1"/>
+          </a:fillRef>
+          <a:effectRef idx="0">
+            <a:schemeClr val="accent1"/>
+          </a:effectRef>
+          <a:fontRef idx="minor">
+            <a:schemeClr val="lt1"/>
+          </a:fontRef>
+        </p:style>
+        <p:txBody>
+          <a:bodyPr rtlCol="0" anchor="ctr"/>
+          <a:lstStyle/>
+          <a:p>
+            <a:pPr algn="ctr"/>
+            <a:endParaRPr lang="en-US"/>
+          </a:p>
+        </p:txBody>
+      </p:sp>
+      <p:sp>
+        <p:nvSpPr>
+          <p:cNvPr id="10" name="Rectangle 9">
+            <a:extLst>
+              <a:ext uri="{FF2B5EF4-FFF2-40B4-BE49-F238E27FC236}">
+                <a16:creationId xmlns:a16="http://schemas.microsoft.com/office/drawing/2014/main" id="{3B2E3793-BFE6-45A2-9B7B-E18844431C99}"/>
+              </a:ext>
+              <a:ext uri="{C183D7F6-B498-43B3-948B-1728B52AA6E4}">
+                <adec:decorative xmlns:adec="http://schemas.microsoft.com/office/drawing/2017/decorative" val="1"/>
+              </a:ext>
+            </a:extLst>
+          </p:cNvPr>
+          <p:cNvSpPr>
+            <a:spLocks noGrp="1" noRot="1" noChangeAspect="1" noMove="1" noResize="1" noEditPoints="1" noAdjustHandles="1" noChangeArrowheads="1" noChangeShapeType="1" noTextEdit="1"/>
+          </p:cNvSpPr>
+          <p:nvPr>
+            <p:extLst>
+              <p:ext uri="{386F3935-93C4-4BCD-93E2-E3B085C9AB24}">
+                <p16:designElem xmlns:p16="http://schemas.microsoft.com/office/powerpoint/2015/main" val="1"/>
+              </p:ext>
+            </p:extLst>
+          </p:nvPr>
+        </p:nvSpPr>
+        <p:spPr>
+          <a:xfrm flipH="1">
+            <a:off x="-1" y="-1"/>
+            <a:ext cx="12191998" cy="1590742"/>
+          </a:xfrm>
+          <a:prstGeom prst="rect">
+            <a:avLst/>
+          </a:prstGeom>
+          <a:gradFill>
+            <a:gsLst>
+              <a:gs pos="0">
+                <a:srgbClr val="000000"/>
+              </a:gs>
+              <a:gs pos="100000">
+                <a:schemeClr val="accent1">
+                  <a:lumMod val="75000"/>
+                </a:schemeClr>
+              </a:gs>
+            </a:gsLst>
+            <a:lin ang="8400000" scaled="0"/>
+          </a:gradFill>
+          <a:ln>
+            <a:noFill/>
+          </a:ln>
+        </p:spPr>
+        <p:style>
+          <a:lnRef idx="2">
+            <a:schemeClr val="accent1">
+              <a:shade val="50000"/>
+            </a:schemeClr>
+          </a:lnRef>
+          <a:fillRef idx="1">
+            <a:schemeClr val="accent1"/>
+          </a:fillRef>
+          <a:effectRef idx="0">
+            <a:schemeClr val="accent1"/>
+          </a:effectRef>
+          <a:fontRef idx="minor">
+            <a:schemeClr val="lt1"/>
+          </a:fontRef>
+        </p:style>
+        <p:txBody>
+          <a:bodyPr rtlCol="0" anchor="ctr"/>
+          <a:lstStyle/>
+          <a:p>
+            <a:pPr algn="ctr"/>
+            <a:endParaRPr lang="en-US"/>
+          </a:p>
+        </p:txBody>
+      </p:sp>
+      <p:sp>
+        <p:nvSpPr>
+          <p:cNvPr id="12" name="Rectangle 11">
+            <a:extLst>
+              <a:ext uri="{FF2B5EF4-FFF2-40B4-BE49-F238E27FC236}">
+                <a16:creationId xmlns:a16="http://schemas.microsoft.com/office/drawing/2014/main" id="{BC4C4868-CB8F-4AF9-9CDB-8108F2C19B67}"/>
+              </a:ext>
+              <a:ext uri="{C183D7F6-B498-43B3-948B-1728B52AA6E4}">
+                <adec:decorative xmlns:adec="http://schemas.microsoft.com/office/drawing/2017/decorative" val="1"/>
+              </a:ext>
+            </a:extLst>
+          </p:cNvPr>
+          <p:cNvSpPr>
+            <a:spLocks noGrp="1" noRot="1" noChangeAspect="1" noMove="1" noResize="1" noEditPoints="1" noAdjustHandles="1" noChangeArrowheads="1" noChangeShapeType="1" noTextEdit="1"/>
+          </p:cNvSpPr>
+          <p:nvPr>
+            <p:extLst>
+              <p:ext uri="{386F3935-93C4-4BCD-93E2-E3B085C9AB24}">
+                <p16:designElem xmlns:p16="http://schemas.microsoft.com/office/powerpoint/2015/main" val="1"/>
+              </p:ext>
+            </p:extLst>
+          </p:nvPr>
+        </p:nvSpPr>
+        <p:spPr>
+          <a:xfrm rot="10800000" flipH="1">
+            <a:off x="-3" y="0"/>
+            <a:ext cx="8115306" cy="1590742"/>
+          </a:xfrm>
+          <a:prstGeom prst="rect">
+            <a:avLst/>
+          </a:prstGeom>
+          <a:gradFill>
+            <a:gsLst>
+              <a:gs pos="20000">
+                <a:schemeClr val="accent1">
+                  <a:alpha val="0"/>
+                </a:schemeClr>
+              </a:gs>
+              <a:gs pos="100000">
+                <a:schemeClr val="accent1">
+                  <a:lumMod val="50000"/>
+                  <a:alpha val="55000"/>
+                </a:schemeClr>
+              </a:gs>
+            </a:gsLst>
+            <a:lin ang="13800000" scaled="0"/>
+          </a:gradFill>
+          <a:ln>
+            <a:noFill/>
+          </a:ln>
+        </p:spPr>
+        <p:style>
+          <a:lnRef idx="2">
+            <a:schemeClr val="accent1">
+              <a:shade val="50000"/>
+            </a:schemeClr>
+          </a:lnRef>
+          <a:fillRef idx="1">
+            <a:schemeClr val="accent1"/>
+          </a:fillRef>
+          <a:effectRef idx="0">
+            <a:schemeClr val="accent1"/>
+          </a:effectRef>
+          <a:fontRef idx="minor">
+            <a:schemeClr val="lt1"/>
+          </a:fontRef>
+        </p:style>
+        <p:txBody>
+          <a:bodyPr rtlCol="0" anchor="ctr"/>
+          <a:lstStyle/>
+          <a:p>
+            <a:pPr algn="ctr"/>
+            <a:endParaRPr lang="en-US"/>
+          </a:p>
+        </p:txBody>
+      </p:sp>
+      <p:sp>
+        <p:nvSpPr>
+          <p:cNvPr id="14" name="Rectangle 13">
+            <a:extLst>
+              <a:ext uri="{FF2B5EF4-FFF2-40B4-BE49-F238E27FC236}">
+                <a16:creationId xmlns:a16="http://schemas.microsoft.com/office/drawing/2014/main" id="{375E0459-6403-40CD-989D-56A4407CA12E}"/>
+              </a:ext>
+              <a:ext uri="{C183D7F6-B498-43B3-948B-1728B52AA6E4}">
+                <adec:decorative xmlns:adec="http://schemas.microsoft.com/office/drawing/2017/decorative" val="1"/>
+              </a:ext>
+            </a:extLst>
+          </p:cNvPr>
+          <p:cNvSpPr>
+            <a:spLocks noGrp="1" noRot="1" noChangeAspect="1" noMove="1" noResize="1" noEditPoints="1" noAdjustHandles="1" noChangeArrowheads="1" noChangeShapeType="1" noTextEdit="1"/>
+          </p:cNvSpPr>
+          <p:nvPr>
+            <p:extLst>
+              <p:ext uri="{386F3935-93C4-4BCD-93E2-E3B085C9AB24}">
+                <p16:designElem xmlns:p16="http://schemas.microsoft.com/office/powerpoint/2015/main" val="1"/>
+              </p:ext>
+            </p:extLst>
+          </p:nvPr>
+        </p:nvSpPr>
+        <p:spPr>
+          <a:xfrm flipH="1">
+            <a:off x="8115299" y="-1"/>
+            <a:ext cx="4076698" cy="1590742"/>
+          </a:xfrm>
+          <a:prstGeom prst="rect">
+            <a:avLst/>
+          </a:prstGeom>
+          <a:gradFill>
+            <a:gsLst>
+              <a:gs pos="0">
+                <a:schemeClr val="accent1">
+                  <a:alpha val="66000"/>
+                </a:schemeClr>
+              </a:gs>
+              <a:gs pos="100000">
+                <a:srgbClr val="000000">
+                  <a:alpha val="30000"/>
+                </a:srgbClr>
+              </a:gs>
+            </a:gsLst>
+            <a:lin ang="13200000" scaled="0"/>
+          </a:gradFill>
+          <a:ln>
+            <a:noFill/>
+          </a:ln>
+        </p:spPr>
+        <p:style>
+          <a:lnRef idx="2">
+            <a:schemeClr val="accent1">
+              <a:shade val="50000"/>
+            </a:schemeClr>
+          </a:lnRef>
+          <a:fillRef idx="1">
+            <a:schemeClr val="accent1"/>
+          </a:fillRef>
+          <a:effectRef idx="0">
+            <a:schemeClr val="accent1"/>
+          </a:effectRef>
+          <a:fontRef idx="minor">
+            <a:schemeClr val="lt1"/>
+          </a:fontRef>
+        </p:style>
+        <p:txBody>
+          <a:bodyPr rtlCol="0" anchor="ctr"/>
+          <a:lstStyle/>
+          <a:p>
+            <a:pPr algn="ctr"/>
+            <a:endParaRPr lang="en-US"/>
+          </a:p>
+        </p:txBody>
+      </p:sp>
+      <p:sp>
+        <p:nvSpPr>
+          <p:cNvPr id="16" name="Rectangle 15">
+            <a:extLst>
+              <a:ext uri="{FF2B5EF4-FFF2-40B4-BE49-F238E27FC236}">
+                <a16:creationId xmlns:a16="http://schemas.microsoft.com/office/drawing/2014/main" id="{53E5B1A8-3AC9-4BD1-9BBC-78CA94F2D1BA}"/>
+              </a:ext>
+              <a:ext uri="{C183D7F6-B498-43B3-948B-1728B52AA6E4}">
+                <adec:decorative xmlns:adec="http://schemas.microsoft.com/office/drawing/2017/decorative" val="1"/>
+              </a:ext>
+            </a:extLst>
+          </p:cNvPr>
+          <p:cNvSpPr>
+            <a:spLocks noGrp="1" noRot="1" noChangeAspect="1" noMove="1" noResize="1" noEditPoints="1" noAdjustHandles="1" noChangeArrowheads="1" noChangeShapeType="1" noTextEdit="1"/>
+          </p:cNvSpPr>
+          <p:nvPr>
+            <p:extLst>
+              <p:ext uri="{386F3935-93C4-4BCD-93E2-E3B085C9AB24}">
+                <p16:designElem xmlns:p16="http://schemas.microsoft.com/office/powerpoint/2015/main" val="1"/>
+              </p:ext>
+            </p:extLst>
+          </p:nvPr>
+        </p:nvSpPr>
+        <p:spPr>
+          <a:xfrm>
+            <a:off x="459350" y="-1"/>
+            <a:ext cx="11732646" cy="1597433"/>
+          </a:xfrm>
+          <a:prstGeom prst="rect">
+            <a:avLst/>
+          </a:prstGeom>
+          <a:gradFill>
+            <a:gsLst>
+              <a:gs pos="50000">
+                <a:srgbClr val="000000">
+                  <a:alpha val="0"/>
+                </a:srgbClr>
+              </a:gs>
+              <a:gs pos="99000">
+                <a:schemeClr val="accent1">
+                  <a:lumMod val="50000"/>
+                  <a:alpha val="52000"/>
+                </a:schemeClr>
+              </a:gs>
+            </a:gsLst>
+            <a:lin ang="16800000" scaled="0"/>
+          </a:gradFill>
+          <a:ln>
+            <a:noFill/>
+          </a:ln>
+        </p:spPr>
+        <p:style>
+          <a:lnRef idx="2">
+            <a:schemeClr val="accent1">
+              <a:shade val="50000"/>
+            </a:schemeClr>
+          </a:lnRef>
+          <a:fillRef idx="1">
+            <a:schemeClr val="accent1"/>
+          </a:fillRef>
+          <a:effectRef idx="0">
+            <a:schemeClr val="accent1"/>
+          </a:effectRef>
+          <a:fontRef idx="minor">
+            <a:schemeClr val="lt1"/>
+          </a:fontRef>
+        </p:style>
+        <p:txBody>
+          <a:bodyPr rtlCol="0" anchor="ctr"/>
+          <a:lstStyle/>
+          <a:p>
+            <a:pPr algn="ctr"/>
+            <a:endParaRPr lang="en-US"/>
+          </a:p>
+        </p:txBody>
+      </p:sp>
+      <p:sp>
+        <p:nvSpPr>
+          <p:cNvPr id="2" name="Title 1">
+            <a:extLst>
+              <a:ext uri="{FF2B5EF4-FFF2-40B4-BE49-F238E27FC236}">
+                <a16:creationId xmlns:a16="http://schemas.microsoft.com/office/drawing/2014/main" id="{62CF2C6E-C03B-9E4A-2436-CAF6BD2CD8D5}"/>
+              </a:ext>
+            </a:extLst>
+          </p:cNvPr>
+          <p:cNvSpPr>
+            <a:spLocks noGrp="1"/>
+          </p:cNvSpPr>
+          <p:nvPr>
+            <p:ph type="title"/>
+          </p:nvPr>
+        </p:nvSpPr>
+        <p:spPr>
+          <a:xfrm>
+            <a:off x="1371599" y="294538"/>
+            <a:ext cx="9895951" cy="1033669"/>
           </a:xfrm>
         </p:spPr>
-      </p:pic>
+        <p:txBody>
+          <a:bodyPr>
+            <a:normAutofit/>
+          </a:bodyPr>
+          <a:lstStyle/>
+          <a:p>
+            <a:r>
+              <a:rPr lang="en-US" sz="4000">
+                <a:solidFill>
+                  <a:srgbClr val="FFFFFF"/>
+                </a:solidFill>
+              </a:rPr>
+              <a:t>Common Use Cases</a:t>
+            </a:r>
+          </a:p>
+        </p:txBody>
+      </p:sp>
+      <p:sp>
+        <p:nvSpPr>
+          <p:cNvPr id="3" name="Content Placeholder 2">
+            <a:extLst>
+              <a:ext uri="{FF2B5EF4-FFF2-40B4-BE49-F238E27FC236}">
+                <a16:creationId xmlns:a16="http://schemas.microsoft.com/office/drawing/2014/main" id="{91D28AB5-26C2-14E2-8E52-D8A97909E0DE}"/>
+              </a:ext>
+            </a:extLst>
+          </p:cNvPr>
+          <p:cNvSpPr>
+            <a:spLocks noGrp="1"/>
+          </p:cNvSpPr>
+          <p:nvPr>
+            <p:ph idx="1"/>
+          </p:nvPr>
+        </p:nvSpPr>
+        <p:spPr>
+          <a:xfrm>
+            <a:off x="1371599" y="1590741"/>
+            <a:ext cx="9724031" cy="4410814"/>
+          </a:xfrm>
+        </p:spPr>
+        <p:txBody>
+          <a:bodyPr anchor="ctr">
+            <a:normAutofit/>
+          </a:bodyPr>
+          <a:lstStyle/>
+          <a:p>
+            <a:pPr lvl="1">
+              <a:spcBef>
+                <a:spcPts val="0"/>
+              </a:spcBef>
+              <a:buSzPts val="1000"/>
+              <a:buFont typeface="Wingdings" panose="05000000000000000000" pitchFamily="2" charset="2"/>
+              <a:buChar char="q"/>
+              <a:tabLst>
+                <a:tab pos="457200" algn="l"/>
+              </a:tabLst>
+            </a:pPr>
+            <a:r>
+              <a:rPr lang="en-US" sz="2000" kern="0" dirty="0">
+                <a:effectLst/>
+                <a:latin typeface="Segoe UI" panose="020B0502040204020203" pitchFamily="34" charset="0"/>
+                <a:ea typeface="Times New Roman" panose="02020603050405020304" pitchFamily="18" charset="0"/>
+                <a:cs typeface="Times New Roman" panose="02020603050405020304" pitchFamily="18" charset="0"/>
+              </a:rPr>
+              <a:t>Deploying API endpoints</a:t>
+            </a:r>
+          </a:p>
+          <a:p>
+            <a:pPr lvl="1">
+              <a:spcBef>
+                <a:spcPts val="0"/>
+              </a:spcBef>
+              <a:buSzPts val="1000"/>
+              <a:buFont typeface="Wingdings" panose="05000000000000000000" pitchFamily="2" charset="2"/>
+              <a:buChar char="q"/>
+              <a:tabLst>
+                <a:tab pos="457200" algn="l"/>
+              </a:tabLst>
+            </a:pPr>
+            <a:endParaRPr lang="en-US" sz="2000" kern="100" dirty="0">
+              <a:effectLst/>
+              <a:latin typeface="Calibri" panose="020F0502020204030204" pitchFamily="34" charset="0"/>
+              <a:ea typeface="Calibri" panose="020F0502020204030204" pitchFamily="34" charset="0"/>
+              <a:cs typeface="Times New Roman" panose="02020603050405020304" pitchFamily="18" charset="0"/>
+            </a:endParaRPr>
+          </a:p>
+          <a:p>
+            <a:pPr lvl="1">
+              <a:spcBef>
+                <a:spcPts val="0"/>
+              </a:spcBef>
+              <a:buSzPts val="1000"/>
+              <a:buFont typeface="Wingdings" panose="05000000000000000000" pitchFamily="2" charset="2"/>
+              <a:buChar char="q"/>
+              <a:tabLst>
+                <a:tab pos="457200" algn="l"/>
+              </a:tabLst>
+            </a:pPr>
+            <a:r>
+              <a:rPr lang="en-US" sz="2000" kern="0" dirty="0">
+                <a:effectLst/>
+                <a:latin typeface="Segoe UI" panose="020B0502040204020203" pitchFamily="34" charset="0"/>
+                <a:ea typeface="Times New Roman" panose="02020603050405020304" pitchFamily="18" charset="0"/>
+                <a:cs typeface="Times New Roman" panose="02020603050405020304" pitchFamily="18" charset="0"/>
+              </a:rPr>
+              <a:t>Hosting background processing applications</a:t>
+            </a:r>
+          </a:p>
+          <a:p>
+            <a:pPr lvl="1">
+              <a:spcBef>
+                <a:spcPts val="0"/>
+              </a:spcBef>
+              <a:buSzPts val="1000"/>
+              <a:buFont typeface="Wingdings" panose="05000000000000000000" pitchFamily="2" charset="2"/>
+              <a:buChar char="q"/>
+              <a:tabLst>
+                <a:tab pos="457200" algn="l"/>
+              </a:tabLst>
+            </a:pPr>
+            <a:endParaRPr lang="en-US" sz="2000" kern="100" dirty="0">
+              <a:effectLst/>
+              <a:latin typeface="Calibri" panose="020F0502020204030204" pitchFamily="34" charset="0"/>
+              <a:ea typeface="Calibri" panose="020F0502020204030204" pitchFamily="34" charset="0"/>
+              <a:cs typeface="Times New Roman" panose="02020603050405020304" pitchFamily="18" charset="0"/>
+            </a:endParaRPr>
+          </a:p>
+          <a:p>
+            <a:pPr lvl="1">
+              <a:spcBef>
+                <a:spcPts val="0"/>
+              </a:spcBef>
+              <a:buSzPts val="1000"/>
+              <a:buFont typeface="Wingdings" panose="05000000000000000000" pitchFamily="2" charset="2"/>
+              <a:buChar char="q"/>
+              <a:tabLst>
+                <a:tab pos="457200" algn="l"/>
+              </a:tabLst>
+            </a:pPr>
+            <a:r>
+              <a:rPr lang="en-US" sz="2000" kern="0" dirty="0">
+                <a:effectLst/>
+                <a:latin typeface="Segoe UI" panose="020B0502040204020203" pitchFamily="34" charset="0"/>
+                <a:ea typeface="Times New Roman" panose="02020603050405020304" pitchFamily="18" charset="0"/>
+                <a:cs typeface="Times New Roman" panose="02020603050405020304" pitchFamily="18" charset="0"/>
+              </a:rPr>
+              <a:t>Handling event-driven processing</a:t>
+            </a:r>
+          </a:p>
+          <a:p>
+            <a:pPr lvl="1">
+              <a:spcBef>
+                <a:spcPts val="0"/>
+              </a:spcBef>
+              <a:buSzPts val="1000"/>
+              <a:buFont typeface="Wingdings" panose="05000000000000000000" pitchFamily="2" charset="2"/>
+              <a:buChar char="q"/>
+              <a:tabLst>
+                <a:tab pos="457200" algn="l"/>
+              </a:tabLst>
+            </a:pPr>
+            <a:endParaRPr lang="en-US" sz="2000" kern="100" dirty="0">
+              <a:effectLst/>
+              <a:latin typeface="Calibri" panose="020F0502020204030204" pitchFamily="34" charset="0"/>
+              <a:ea typeface="Calibri" panose="020F0502020204030204" pitchFamily="34" charset="0"/>
+              <a:cs typeface="Times New Roman" panose="02020603050405020304" pitchFamily="18" charset="0"/>
+            </a:endParaRPr>
+          </a:p>
+          <a:p>
+            <a:pPr lvl="1">
+              <a:spcBef>
+                <a:spcPts val="0"/>
+              </a:spcBef>
+              <a:buSzPts val="1000"/>
+              <a:buFont typeface="Wingdings" panose="05000000000000000000" pitchFamily="2" charset="2"/>
+              <a:buChar char="q"/>
+              <a:tabLst>
+                <a:tab pos="457200" algn="l"/>
+              </a:tabLst>
+            </a:pPr>
+            <a:r>
+              <a:rPr lang="en-US" sz="2000" kern="0" dirty="0">
+                <a:effectLst/>
+                <a:latin typeface="Segoe UI" panose="020B0502040204020203" pitchFamily="34" charset="0"/>
+                <a:ea typeface="Times New Roman" panose="02020603050405020304" pitchFamily="18" charset="0"/>
+                <a:cs typeface="Times New Roman" panose="02020603050405020304" pitchFamily="18" charset="0"/>
+              </a:rPr>
+              <a:t>Running microservices</a:t>
+            </a:r>
+            <a:endParaRPr lang="en-US" sz="2000" kern="100" dirty="0">
+              <a:effectLst/>
+              <a:latin typeface="Calibri" panose="020F0502020204030204" pitchFamily="34" charset="0"/>
+              <a:ea typeface="Calibri" panose="020F0502020204030204" pitchFamily="34" charset="0"/>
+              <a:cs typeface="Times New Roman" panose="02020603050405020304" pitchFamily="18" charset="0"/>
+            </a:endParaRPr>
+          </a:p>
+          <a:p>
+            <a:endParaRPr lang="en-US" sz="2000" dirty="0"/>
+          </a:p>
+        </p:txBody>
+      </p:sp>
     </p:spTree>
     <p:extLst>
       <p:ext uri="{BB962C8B-B14F-4D97-AF65-F5344CB8AC3E}">
-        <p14:creationId xmlns:p14="http://schemas.microsoft.com/office/powerpoint/2010/main" val="2460111788"/>
+        <p14:creationId xmlns:p14="http://schemas.microsoft.com/office/powerpoint/2010/main" val="3860016775"/>
       </p:ext>
     </p:extLst>
   </p:cSld>
@@ -10189,6 +14072,14 @@
 <file path=ppt/slides/slide6.xml><?xml version="1.0" encoding="utf-8"?>
 <p:sld xmlns:a="http://schemas.openxmlformats.org/drawingml/2006/main" xmlns:r="http://schemas.openxmlformats.org/officeDocument/2006/relationships" xmlns:p="http://schemas.openxmlformats.org/presentationml/2006/main">
   <p:cSld>
+    <p:bg>
+      <p:bgPr>
+        <a:solidFill>
+          <a:schemeClr val="bg1"/>
+        </a:solidFill>
+        <a:effectLst/>
+      </p:bgPr>
+    </p:bg>
     <p:spTree>
       <p:nvGrpSpPr>
         <p:cNvPr id="1" name=""/>
@@ -10203,118 +14094,355 @@
           <a:chExt cx="0" cy="0"/>
         </a:xfrm>
       </p:grpSpPr>
-      <p:sp>
-        <p:nvSpPr>
-          <p:cNvPr id="2" name="Title 1">
-            <a:extLst>
-              <a:ext uri="{FF2B5EF4-FFF2-40B4-BE49-F238E27FC236}">
-                <a16:creationId xmlns:a16="http://schemas.microsoft.com/office/drawing/2014/main" id="{93B61793-BCDA-3D3F-3CA2-D709371DF46D}"/>
-              </a:ext>
-            </a:extLst>
-          </p:cNvPr>
-          <p:cNvSpPr>
-            <a:spLocks noGrp="1"/>
-          </p:cNvSpPr>
-          <p:nvPr>
-            <p:ph type="title"/>
-          </p:nvPr>
-        </p:nvSpPr>
-        <p:spPr/>
-        <p:txBody>
-          <a:bodyPr/>
-          <a:lstStyle/>
-          <a:p>
-            <a:r>
-              <a:rPr lang="en-US" dirty="0"/>
-              <a:t>Limitations </a:t>
-            </a:r>
-          </a:p>
-        </p:txBody>
-      </p:sp>
-      <p:sp>
-        <p:nvSpPr>
-          <p:cNvPr id="3" name="Content Placeholder 2">
-            <a:extLst>
-              <a:ext uri="{FF2B5EF4-FFF2-40B4-BE49-F238E27FC236}">
-                <a16:creationId xmlns:a16="http://schemas.microsoft.com/office/drawing/2014/main" id="{E9AE3C9F-DB9F-8EBD-EECA-7E12836791CD}"/>
-              </a:ext>
-            </a:extLst>
-          </p:cNvPr>
-          <p:cNvSpPr>
-            <a:spLocks noGrp="1"/>
-          </p:cNvSpPr>
-          <p:nvPr>
-            <p:ph idx="1"/>
-          </p:nvPr>
-        </p:nvSpPr>
-        <p:spPr/>
-        <p:txBody>
-          <a:bodyPr/>
-          <a:lstStyle/>
-          <a:p>
-            <a:r>
-              <a:rPr lang="en-US" dirty="0"/>
-              <a:t>No access to underlying k8s </a:t>
-            </a:r>
-            <a:r>
-              <a:rPr lang="en-US" dirty="0" err="1"/>
-              <a:t>apis</a:t>
-            </a:r>
-            <a:r>
-              <a:rPr lang="en-US" dirty="0"/>
-              <a:t> and control plane</a:t>
-            </a:r>
-          </a:p>
-          <a:p>
-            <a:r>
-              <a:rPr lang="en-US" dirty="0"/>
-              <a:t>Privileged containers are not supported</a:t>
-            </a:r>
-          </a:p>
-          <a:p>
-            <a:r>
-              <a:rPr lang="en-US" dirty="0"/>
-              <a:t>URL/Path-based routing not supported out of the box</a:t>
-            </a:r>
-          </a:p>
-          <a:p>
-            <a:pPr lvl="1"/>
-            <a:r>
-              <a:rPr lang="en-US" dirty="0"/>
-              <a:t>Use Proxy Servers like NGINX or YARP either in a dedicated container or as part of existing app container</a:t>
-            </a:r>
-          </a:p>
-          <a:p>
-            <a:r>
-              <a:rPr lang="en-US" dirty="0"/>
-              <a:t>Windows containers are not supported</a:t>
-            </a:r>
-          </a:p>
-          <a:p>
-            <a:pPr lvl="1"/>
-            <a:r>
-              <a:rPr lang="en-US" dirty="0"/>
-              <a:t>Azure container instance can be an alternative</a:t>
-            </a:r>
-          </a:p>
-          <a:p>
-            <a:pPr lvl="1"/>
-            <a:endParaRPr lang="en-US" dirty="0"/>
-          </a:p>
-          <a:p>
-            <a:pPr lvl="1"/>
-            <a:endParaRPr lang="en-US" dirty="0"/>
-          </a:p>
-          <a:p>
-            <a:pPr lvl="1"/>
-            <a:endParaRPr lang="en-US" dirty="0"/>
-          </a:p>
-        </p:txBody>
-      </p:sp>
+      <p:sp useBgFill="1">
+        <p:nvSpPr>
+          <p:cNvPr id="1031" name="Rectangle 1030">
+            <a:extLst>
+              <a:ext uri="{FF2B5EF4-FFF2-40B4-BE49-F238E27FC236}">
+                <a16:creationId xmlns:a16="http://schemas.microsoft.com/office/drawing/2014/main" id="{AB8C311F-7253-4AED-9701-7FC0708C41C7}"/>
+              </a:ext>
+              <a:ext uri="{C183D7F6-B498-43B3-948B-1728B52AA6E4}">
+                <adec:decorative xmlns:adec="http://schemas.microsoft.com/office/drawing/2017/decorative" val="1"/>
+              </a:ext>
+            </a:extLst>
+          </p:cNvPr>
+          <p:cNvSpPr>
+            <a:spLocks noGrp="1" noRot="1" noChangeAspect="1" noMove="1" noResize="1" noEditPoints="1" noAdjustHandles="1" noChangeArrowheads="1" noChangeShapeType="1" noTextEdit="1"/>
+          </p:cNvSpPr>
+          <p:nvPr>
+            <p:extLst>
+              <p:ext uri="{386F3935-93C4-4BCD-93E2-E3B085C9AB24}">
+                <p16:designElem xmlns:p16="http://schemas.microsoft.com/office/powerpoint/2015/main" val="1"/>
+              </p:ext>
+            </p:extLst>
+          </p:nvPr>
+        </p:nvSpPr>
+        <p:spPr>
+          <a:xfrm>
+            <a:off x="0" y="0"/>
+            <a:ext cx="12192000" cy="6858000"/>
+          </a:xfrm>
+          <a:prstGeom prst="rect">
+            <a:avLst/>
+          </a:prstGeom>
+          <a:ln w="12700" cap="flat" cmpd="sng" algn="ctr">
+            <a:noFill/>
+            <a:prstDash val="solid"/>
+            <a:miter lim="800000"/>
+          </a:ln>
+          <a:effectLst/>
+          <a:extLst>
+            <a:ext uri="{91240B29-F687-4F45-9708-019B960494DF}">
+              <a14:hiddenLine xmlns:a14="http://schemas.microsoft.com/office/drawing/2010/main" w="12700" cap="flat" cmpd="sng" algn="ctr">
+                <a:solidFill>
+                  <a:schemeClr val="accent1">
+                    <a:shade val="50000"/>
+                  </a:schemeClr>
+                </a:solidFill>
+                <a:prstDash val="solid"/>
+                <a:miter lim="800000"/>
+              </a14:hiddenLine>
+            </a:ext>
+          </a:extLst>
+        </p:spPr>
+        <p:style>
+          <a:lnRef idx="2">
+            <a:schemeClr val="accent1">
+              <a:shade val="50000"/>
+            </a:schemeClr>
+          </a:lnRef>
+          <a:fillRef idx="1">
+            <a:schemeClr val="accent1"/>
+          </a:fillRef>
+          <a:effectRef idx="0">
+            <a:schemeClr val="accent1"/>
+          </a:effectRef>
+          <a:fontRef idx="minor">
+            <a:schemeClr val="lt1"/>
+          </a:fontRef>
+        </p:style>
+        <p:txBody>
+          <a:bodyPr rtlCol="0" anchor="ctr"/>
+          <a:lstStyle/>
+          <a:p>
+            <a:pPr algn="ctr"/>
+            <a:endParaRPr lang="en-US"/>
+          </a:p>
+        </p:txBody>
+      </p:sp>
+      <p:sp>
+        <p:nvSpPr>
+          <p:cNvPr id="1033" name="Rectangle 1032">
+            <a:extLst>
+              <a:ext uri="{FF2B5EF4-FFF2-40B4-BE49-F238E27FC236}">
+                <a16:creationId xmlns:a16="http://schemas.microsoft.com/office/drawing/2014/main" id="{E2384209-CB15-4CDF-9D31-C44FD9A3F20D}"/>
+              </a:ext>
+              <a:ext uri="{C183D7F6-B498-43B3-948B-1728B52AA6E4}">
+                <adec:decorative xmlns:adec="http://schemas.microsoft.com/office/drawing/2017/decorative" val="1"/>
+              </a:ext>
+            </a:extLst>
+          </p:cNvPr>
+          <p:cNvSpPr>
+            <a:spLocks noGrp="1" noRot="1" noChangeAspect="1" noMove="1" noResize="1" noEditPoints="1" noAdjustHandles="1" noChangeArrowheads="1" noChangeShapeType="1" noTextEdit="1"/>
+          </p:cNvSpPr>
+          <p:nvPr>
+            <p:extLst>
+              <p:ext uri="{386F3935-93C4-4BCD-93E2-E3B085C9AB24}">
+                <p16:designElem xmlns:p16="http://schemas.microsoft.com/office/powerpoint/2015/main" val="1"/>
+              </p:ext>
+            </p:extLst>
+          </p:nvPr>
+        </p:nvSpPr>
+        <p:spPr>
+          <a:xfrm rot="16200000" flipH="1">
+            <a:off x="2666617" y="-2666188"/>
+            <a:ext cx="6858000" cy="12191233"/>
+          </a:xfrm>
+          <a:prstGeom prst="rect">
+            <a:avLst/>
+          </a:prstGeom>
+          <a:gradFill>
+            <a:gsLst>
+              <a:gs pos="8000">
+                <a:schemeClr val="accent1"/>
+              </a:gs>
+              <a:gs pos="100000">
+                <a:schemeClr val="accent1">
+                  <a:lumMod val="50000"/>
+                </a:schemeClr>
+              </a:gs>
+            </a:gsLst>
+            <a:lin ang="12000000" scaled="0"/>
+          </a:gradFill>
+          <a:ln>
+            <a:noFill/>
+          </a:ln>
+        </p:spPr>
+        <p:style>
+          <a:lnRef idx="2">
+            <a:schemeClr val="accent1">
+              <a:shade val="50000"/>
+            </a:schemeClr>
+          </a:lnRef>
+          <a:fillRef idx="1">
+            <a:schemeClr val="accent1"/>
+          </a:fillRef>
+          <a:effectRef idx="0">
+            <a:schemeClr val="accent1"/>
+          </a:effectRef>
+          <a:fontRef idx="minor">
+            <a:schemeClr val="lt1"/>
+          </a:fontRef>
+        </p:style>
+        <p:txBody>
+          <a:bodyPr rtlCol="0" anchor="ctr"/>
+          <a:lstStyle/>
+          <a:p>
+            <a:pPr algn="ctr"/>
+            <a:endParaRPr lang="en-US"/>
+          </a:p>
+        </p:txBody>
+      </p:sp>
+      <p:sp>
+        <p:nvSpPr>
+          <p:cNvPr id="1035" name="Rectangle 1034">
+            <a:extLst>
+              <a:ext uri="{FF2B5EF4-FFF2-40B4-BE49-F238E27FC236}">
+                <a16:creationId xmlns:a16="http://schemas.microsoft.com/office/drawing/2014/main" id="{2633B3B5-CC90-43F0-8714-D31D1F3F0209}"/>
+              </a:ext>
+              <a:ext uri="{C183D7F6-B498-43B3-948B-1728B52AA6E4}">
+                <adec:decorative xmlns:adec="http://schemas.microsoft.com/office/drawing/2017/decorative" val="1"/>
+              </a:ext>
+            </a:extLst>
+          </p:cNvPr>
+          <p:cNvSpPr>
+            <a:spLocks noGrp="1" noRot="1" noChangeAspect="1" noMove="1" noResize="1" noEditPoints="1" noAdjustHandles="1" noChangeArrowheads="1" noChangeShapeType="1" noTextEdit="1"/>
+          </p:cNvSpPr>
+          <p:nvPr>
+            <p:extLst>
+              <p:ext uri="{386F3935-93C4-4BCD-93E2-E3B085C9AB24}">
+                <p16:designElem xmlns:p16="http://schemas.microsoft.com/office/powerpoint/2015/main" val="1"/>
+              </p:ext>
+            </p:extLst>
+          </p:nvPr>
+        </p:nvSpPr>
+        <p:spPr>
+          <a:xfrm rot="10800000" flipH="1">
+            <a:off x="-2311" y="0"/>
+            <a:ext cx="9070846" cy="6857572"/>
+          </a:xfrm>
+          <a:prstGeom prst="rect">
+            <a:avLst/>
+          </a:prstGeom>
+          <a:gradFill>
+            <a:gsLst>
+              <a:gs pos="8000">
+                <a:srgbClr val="000000">
+                  <a:alpha val="52000"/>
+                </a:srgbClr>
+              </a:gs>
+              <a:gs pos="100000">
+                <a:schemeClr val="accent1"/>
+              </a:gs>
+            </a:gsLst>
+            <a:lin ang="4800000" scaled="0"/>
+          </a:gradFill>
+          <a:ln>
+            <a:noFill/>
+          </a:ln>
+        </p:spPr>
+        <p:style>
+          <a:lnRef idx="2">
+            <a:schemeClr val="accent1">
+              <a:shade val="50000"/>
+            </a:schemeClr>
+          </a:lnRef>
+          <a:fillRef idx="1">
+            <a:schemeClr val="accent1"/>
+          </a:fillRef>
+          <a:effectRef idx="0">
+            <a:schemeClr val="accent1"/>
+          </a:effectRef>
+          <a:fontRef idx="minor">
+            <a:schemeClr val="lt1"/>
+          </a:fontRef>
+        </p:style>
+        <p:txBody>
+          <a:bodyPr rtlCol="0" anchor="ctr"/>
+          <a:lstStyle/>
+          <a:p>
+            <a:pPr algn="ctr"/>
+            <a:endParaRPr lang="en-US"/>
+          </a:p>
+        </p:txBody>
+      </p:sp>
+      <p:sp>
+        <p:nvSpPr>
+          <p:cNvPr id="1037" name="Rectangle 1036">
+            <a:extLst>
+              <a:ext uri="{FF2B5EF4-FFF2-40B4-BE49-F238E27FC236}">
+                <a16:creationId xmlns:a16="http://schemas.microsoft.com/office/drawing/2014/main" id="{A8D57A06-A426-446D-B02C-A2DC6B62E45E}"/>
+              </a:ext>
+              <a:ext uri="{C183D7F6-B498-43B3-948B-1728B52AA6E4}">
+                <adec:decorative xmlns:adec="http://schemas.microsoft.com/office/drawing/2017/decorative" val="1"/>
+              </a:ext>
+            </a:extLst>
+          </p:cNvPr>
+          <p:cNvSpPr>
+            <a:spLocks noGrp="1" noRot="1" noChangeAspect="1" noMove="1" noResize="1" noEditPoints="1" noAdjustHandles="1" noChangeArrowheads="1" noChangeShapeType="1" noTextEdit="1"/>
+          </p:cNvSpPr>
+          <p:nvPr>
+            <p:extLst>
+              <p:ext uri="{386F3935-93C4-4BCD-93E2-E3B085C9AB24}">
+                <p16:designElem xmlns:p16="http://schemas.microsoft.com/office/powerpoint/2015/main" val="1"/>
+              </p:ext>
+            </p:extLst>
+          </p:nvPr>
+        </p:nvSpPr>
+        <p:spPr>
+          <a:xfrm rot="16200000" flipH="1">
+            <a:off x="3649491" y="-1685840"/>
+            <a:ext cx="4894564" cy="12193546"/>
+          </a:xfrm>
+          <a:prstGeom prst="rect">
+            <a:avLst/>
+          </a:prstGeom>
+          <a:gradFill>
+            <a:gsLst>
+              <a:gs pos="0">
+                <a:schemeClr val="accent5">
+                  <a:lumMod val="60000"/>
+                  <a:lumOff val="40000"/>
+                  <a:alpha val="0"/>
+                </a:schemeClr>
+              </a:gs>
+              <a:gs pos="100000">
+                <a:srgbClr val="000000">
+                  <a:alpha val="46000"/>
+                </a:srgbClr>
+              </a:gs>
+            </a:gsLst>
+            <a:lin ang="1200000" scaled="0"/>
+          </a:gradFill>
+          <a:ln>
+            <a:noFill/>
+          </a:ln>
+        </p:spPr>
+        <p:style>
+          <a:lnRef idx="2">
+            <a:schemeClr val="accent1">
+              <a:shade val="50000"/>
+            </a:schemeClr>
+          </a:lnRef>
+          <a:fillRef idx="1">
+            <a:schemeClr val="accent1"/>
+          </a:fillRef>
+          <a:effectRef idx="0">
+            <a:schemeClr val="accent1"/>
+          </a:effectRef>
+          <a:fontRef idx="minor">
+            <a:schemeClr val="lt1"/>
+          </a:fontRef>
+        </p:style>
+        <p:txBody>
+          <a:bodyPr rtlCol="0" anchor="ctr"/>
+          <a:lstStyle/>
+          <a:p>
+            <a:pPr algn="ctr"/>
+            <a:endParaRPr lang="en-US"/>
+          </a:p>
+        </p:txBody>
+      </p:sp>
+      <p:pic>
+        <p:nvPicPr>
+          <p:cNvPr id="1026" name="Picture 2" descr="Example scenarios for Azure Container Apps.">
+            <a:extLst>
+              <a:ext uri="{FF2B5EF4-FFF2-40B4-BE49-F238E27FC236}">
+                <a16:creationId xmlns:a16="http://schemas.microsoft.com/office/drawing/2014/main" id="{B9568784-568B-53A5-9DB5-6C4923C38761}"/>
+              </a:ext>
+            </a:extLst>
+          </p:cNvPr>
+          <p:cNvPicPr>
+            <a:picLocks noChangeAspect="1" noChangeArrowheads="1"/>
+          </p:cNvPicPr>
+          <p:nvPr/>
+        </p:nvPicPr>
+        <p:blipFill>
+          <a:blip r:embed="rId3">
+            <a:extLst>
+              <a:ext uri="{28A0092B-C50C-407E-A947-70E740481C1C}">
+                <a14:useLocalDpi xmlns:a14="http://schemas.microsoft.com/office/drawing/2010/main" val="0"/>
+              </a:ext>
+            </a:extLst>
+          </a:blip>
+          <a:stretch>
+            <a:fillRect/>
+          </a:stretch>
+        </p:blipFill>
+        <p:spPr bwMode="auto">
+          <a:xfrm>
+            <a:off x="905083" y="457200"/>
+            <a:ext cx="10381834" cy="5943600"/>
+          </a:xfrm>
+          <a:prstGeom prst="rect">
+            <a:avLst/>
+          </a:prstGeom>
+          <a:noFill/>
+          <a:extLst>
+            <a:ext uri="{909E8E84-426E-40DD-AFC4-6F175D3DCCD1}">
+              <a14:hiddenFill xmlns:a14="http://schemas.microsoft.com/office/drawing/2010/main">
+                <a:solidFill>
+                  <a:srgbClr val="FFFFFF"/>
+                </a:solidFill>
+              </a14:hiddenFill>
+            </a:ext>
+          </a:extLst>
+        </p:spPr>
+      </p:pic>
     </p:spTree>
     <p:extLst>
       <p:ext uri="{BB962C8B-B14F-4D97-AF65-F5344CB8AC3E}">
-        <p14:creationId xmlns:p14="http://schemas.microsoft.com/office/powerpoint/2010/main" val="3612978818"/>
+        <p14:creationId xmlns:p14="http://schemas.microsoft.com/office/powerpoint/2010/main" val="3799150683"/>
       </p:ext>
     </p:extLst>
   </p:cSld>
@@ -10327,6 +14455,14 @@
 <file path=ppt/slides/slide7.xml><?xml version="1.0" encoding="utf-8"?>
 <p:sld xmlns:a="http://schemas.openxmlformats.org/drawingml/2006/main" xmlns:r="http://schemas.openxmlformats.org/officeDocument/2006/relationships" xmlns:p="http://schemas.openxmlformats.org/presentationml/2006/main">
   <p:cSld>
+    <p:bg>
+      <p:bgPr>
+        <a:solidFill>
+          <a:schemeClr val="bg1"/>
+        </a:solidFill>
+        <a:effectLst/>
+      </p:bgPr>
+    </p:bg>
     <p:spTree>
       <p:nvGrpSpPr>
         <p:cNvPr id="1" name=""/>
@@ -10341,12 +14477,485 @@
           <a:chExt cx="0" cy="0"/>
         </a:xfrm>
       </p:grpSpPr>
+      <p:sp useBgFill="1">
+        <p:nvSpPr>
+          <p:cNvPr id="9" name="Rectangle 8">
+            <a:extLst>
+              <a:ext uri="{FF2B5EF4-FFF2-40B4-BE49-F238E27FC236}">
+                <a16:creationId xmlns:a16="http://schemas.microsoft.com/office/drawing/2014/main" id="{A8384FB5-9ADC-4DDC-881B-597D56F5B15D}"/>
+              </a:ext>
+              <a:ext uri="{C183D7F6-B498-43B3-948B-1728B52AA6E4}">
+                <adec:decorative xmlns:adec="http://schemas.microsoft.com/office/drawing/2017/decorative" val="1"/>
+              </a:ext>
+            </a:extLst>
+          </p:cNvPr>
+          <p:cNvSpPr>
+            <a:spLocks noGrp="1" noRot="1" noChangeAspect="1" noMove="1" noResize="1" noEditPoints="1" noAdjustHandles="1" noChangeArrowheads="1" noChangeShapeType="1" noTextEdit="1"/>
+          </p:cNvSpPr>
+          <p:nvPr>
+            <p:extLst>
+              <p:ext uri="{386F3935-93C4-4BCD-93E2-E3B085C9AB24}">
+                <p16:designElem xmlns:p16="http://schemas.microsoft.com/office/powerpoint/2015/main" val="1"/>
+              </p:ext>
+            </p:extLst>
+          </p:nvPr>
+        </p:nvSpPr>
+        <p:spPr>
+          <a:xfrm>
+            <a:off x="0" y="0"/>
+            <a:ext cx="12192000" cy="6858000"/>
+          </a:xfrm>
+          <a:prstGeom prst="rect">
+            <a:avLst/>
+          </a:prstGeom>
+          <a:ln w="12700" cap="flat" cmpd="sng" algn="ctr">
+            <a:noFill/>
+            <a:prstDash val="solid"/>
+            <a:miter lim="800000"/>
+          </a:ln>
+          <a:effectLst/>
+          <a:extLst>
+            <a:ext uri="{91240B29-F687-4F45-9708-019B960494DF}">
+              <a14:hiddenLine xmlns:a14="http://schemas.microsoft.com/office/drawing/2010/main" w="12700" cap="flat" cmpd="sng" algn="ctr">
+                <a:solidFill>
+                  <a:schemeClr val="accent1">
+                    <a:shade val="50000"/>
+                  </a:schemeClr>
+                </a:solidFill>
+                <a:prstDash val="solid"/>
+                <a:miter lim="800000"/>
+              </a14:hiddenLine>
+            </a:ext>
+          </a:extLst>
+        </p:spPr>
+        <p:style>
+          <a:lnRef idx="2">
+            <a:schemeClr val="accent1">
+              <a:shade val="50000"/>
+            </a:schemeClr>
+          </a:lnRef>
+          <a:fillRef idx="1">
+            <a:schemeClr val="accent1"/>
+          </a:fillRef>
+          <a:effectRef idx="0">
+            <a:schemeClr val="accent1"/>
+          </a:effectRef>
+          <a:fontRef idx="minor">
+            <a:schemeClr val="lt1"/>
+          </a:fontRef>
+        </p:style>
+        <p:txBody>
+          <a:bodyPr rtlCol="0" anchor="ctr"/>
+          <a:lstStyle/>
+          <a:p>
+            <a:pPr algn="ctr"/>
+            <a:endParaRPr lang="en-US"/>
+          </a:p>
+        </p:txBody>
+      </p:sp>
+      <p:sp>
+        <p:nvSpPr>
+          <p:cNvPr id="11" name="Rectangle 10">
+            <a:extLst>
+              <a:ext uri="{FF2B5EF4-FFF2-40B4-BE49-F238E27FC236}">
+                <a16:creationId xmlns:a16="http://schemas.microsoft.com/office/drawing/2014/main" id="{91E5A9A7-95C6-4F4F-B00E-C82E07FE62EF}"/>
+              </a:ext>
+              <a:ext uri="{C183D7F6-B498-43B3-948B-1728B52AA6E4}">
+                <adec:decorative xmlns:adec="http://schemas.microsoft.com/office/drawing/2017/decorative" val="1"/>
+              </a:ext>
+            </a:extLst>
+          </p:cNvPr>
+          <p:cNvSpPr>
+            <a:spLocks noGrp="1" noRot="1" noChangeAspect="1" noMove="1" noResize="1" noEditPoints="1" noAdjustHandles="1" noChangeArrowheads="1" noChangeShapeType="1" noTextEdit="1"/>
+          </p:cNvSpPr>
+          <p:nvPr>
+            <p:extLst>
+              <p:ext uri="{386F3935-93C4-4BCD-93E2-E3B085C9AB24}">
+                <p16:designElem xmlns:p16="http://schemas.microsoft.com/office/powerpoint/2015/main" val="1"/>
+              </p:ext>
+            </p:extLst>
+          </p:nvPr>
+        </p:nvSpPr>
+        <p:spPr>
+          <a:xfrm rot="5400000" flipH="1">
+            <a:off x="-1417539" y="1417538"/>
+            <a:ext cx="6875818" cy="4040744"/>
+          </a:xfrm>
+          <a:prstGeom prst="rect">
+            <a:avLst/>
+          </a:prstGeom>
+          <a:gradFill>
+            <a:gsLst>
+              <a:gs pos="0">
+                <a:srgbClr val="000000"/>
+              </a:gs>
+              <a:gs pos="100000">
+                <a:schemeClr val="accent1">
+                  <a:lumMod val="75000"/>
+                </a:schemeClr>
+              </a:gs>
+            </a:gsLst>
+            <a:lin ang="18600000" scaled="0"/>
+          </a:gradFill>
+          <a:ln>
+            <a:noFill/>
+          </a:ln>
+        </p:spPr>
+        <p:style>
+          <a:lnRef idx="2">
+            <a:schemeClr val="accent1">
+              <a:shade val="50000"/>
+            </a:schemeClr>
+          </a:lnRef>
+          <a:fillRef idx="1">
+            <a:schemeClr val="accent1"/>
+          </a:fillRef>
+          <a:effectRef idx="0">
+            <a:schemeClr val="accent1"/>
+          </a:effectRef>
+          <a:fontRef idx="minor">
+            <a:schemeClr val="lt1"/>
+          </a:fontRef>
+        </p:style>
+        <p:txBody>
+          <a:bodyPr rtlCol="0" anchor="ctr"/>
+          <a:lstStyle/>
+          <a:p>
+            <a:pPr algn="ctr"/>
+            <a:endParaRPr lang="en-US" dirty="0"/>
+          </a:p>
+        </p:txBody>
+      </p:sp>
+      <p:sp>
+        <p:nvSpPr>
+          <p:cNvPr id="13" name="Rectangle 12">
+            <a:extLst>
+              <a:ext uri="{FF2B5EF4-FFF2-40B4-BE49-F238E27FC236}">
+                <a16:creationId xmlns:a16="http://schemas.microsoft.com/office/drawing/2014/main" id="{D07DD2DE-F619-49DD-B5E7-03A290FF4ED1}"/>
+              </a:ext>
+              <a:ext uri="{C183D7F6-B498-43B3-948B-1728B52AA6E4}">
+                <adec:decorative xmlns:adec="http://schemas.microsoft.com/office/drawing/2017/decorative" val="1"/>
+              </a:ext>
+            </a:extLst>
+          </p:cNvPr>
+          <p:cNvSpPr>
+            <a:spLocks noGrp="1" noRot="1" noChangeAspect="1" noMove="1" noResize="1" noEditPoints="1" noAdjustHandles="1" noChangeArrowheads="1" noChangeShapeType="1" noTextEdit="1"/>
+          </p:cNvSpPr>
+          <p:nvPr>
+            <p:extLst>
+              <p:ext uri="{386F3935-93C4-4BCD-93E2-E3B085C9AB24}">
+                <p16:designElem xmlns:p16="http://schemas.microsoft.com/office/powerpoint/2015/main" val="1"/>
+              </p:ext>
+            </p:extLst>
+          </p:nvPr>
+        </p:nvSpPr>
+        <p:spPr>
+          <a:xfrm rot="16200000">
+            <a:off x="-158495" y="2660473"/>
+            <a:ext cx="4355594" cy="4038603"/>
+          </a:xfrm>
+          <a:prstGeom prst="rect">
+            <a:avLst/>
+          </a:prstGeom>
+          <a:gradFill>
+            <a:gsLst>
+              <a:gs pos="0">
+                <a:schemeClr val="accent1">
+                  <a:alpha val="50000"/>
+                </a:schemeClr>
+              </a:gs>
+              <a:gs pos="100000">
+                <a:schemeClr val="accent1">
+                  <a:lumMod val="50000"/>
+                  <a:alpha val="0"/>
+                </a:schemeClr>
+              </a:gs>
+            </a:gsLst>
+            <a:lin ang="11400000" scaled="0"/>
+          </a:gradFill>
+          <a:ln>
+            <a:noFill/>
+          </a:ln>
+        </p:spPr>
+        <p:style>
+          <a:lnRef idx="2">
+            <a:schemeClr val="accent1">
+              <a:shade val="50000"/>
+            </a:schemeClr>
+          </a:lnRef>
+          <a:fillRef idx="1">
+            <a:schemeClr val="accent1"/>
+          </a:fillRef>
+          <a:effectRef idx="0">
+            <a:schemeClr val="accent1"/>
+          </a:effectRef>
+          <a:fontRef idx="minor">
+            <a:schemeClr val="lt1"/>
+          </a:fontRef>
+        </p:style>
+        <p:txBody>
+          <a:bodyPr rtlCol="0" anchor="ctr"/>
+          <a:lstStyle/>
+          <a:p>
+            <a:pPr algn="ctr"/>
+            <a:endParaRPr lang="en-US"/>
+          </a:p>
+        </p:txBody>
+      </p:sp>
+      <p:sp>
+        <p:nvSpPr>
+          <p:cNvPr id="15" name="Rectangle 14">
+            <a:extLst>
+              <a:ext uri="{FF2B5EF4-FFF2-40B4-BE49-F238E27FC236}">
+                <a16:creationId xmlns:a16="http://schemas.microsoft.com/office/drawing/2014/main" id="{85149191-5F60-4A28-AAFF-039F96B0F3EC}"/>
+              </a:ext>
+              <a:ext uri="{C183D7F6-B498-43B3-948B-1728B52AA6E4}">
+                <adec:decorative xmlns:adec="http://schemas.microsoft.com/office/drawing/2017/decorative" val="1"/>
+              </a:ext>
+            </a:extLst>
+          </p:cNvPr>
+          <p:cNvSpPr>
+            <a:spLocks noGrp="1" noRot="1" noChangeAspect="1" noMove="1" noResize="1" noEditPoints="1" noAdjustHandles="1" noChangeArrowheads="1" noChangeShapeType="1" noTextEdit="1"/>
+          </p:cNvSpPr>
+          <p:nvPr>
+            <p:extLst>
+              <p:ext uri="{386F3935-93C4-4BCD-93E2-E3B085C9AB24}">
+                <p16:designElem xmlns:p16="http://schemas.microsoft.com/office/powerpoint/2015/main" val="1"/>
+              </p:ext>
+            </p:extLst>
+          </p:nvPr>
+        </p:nvSpPr>
+        <p:spPr>
+          <a:xfrm rot="16200000" flipH="1">
+            <a:off x="-1180882" y="1638085"/>
+            <a:ext cx="6857572" cy="3581401"/>
+          </a:xfrm>
+          <a:prstGeom prst="rect">
+            <a:avLst/>
+          </a:prstGeom>
+          <a:gradFill>
+            <a:gsLst>
+              <a:gs pos="0">
+                <a:srgbClr val="000000">
+                  <a:alpha val="59000"/>
+                </a:srgbClr>
+              </a:gs>
+              <a:gs pos="69000">
+                <a:schemeClr val="accent1">
+                  <a:alpha val="0"/>
+                </a:schemeClr>
+              </a:gs>
+            </a:gsLst>
+            <a:lin ang="13200000" scaled="0"/>
+          </a:gradFill>
+          <a:ln>
+            <a:noFill/>
+          </a:ln>
+        </p:spPr>
+        <p:style>
+          <a:lnRef idx="2">
+            <a:schemeClr val="accent1">
+              <a:shade val="50000"/>
+            </a:schemeClr>
+          </a:lnRef>
+          <a:fillRef idx="1">
+            <a:schemeClr val="accent1"/>
+          </a:fillRef>
+          <a:effectRef idx="0">
+            <a:schemeClr val="accent1"/>
+          </a:effectRef>
+          <a:fontRef idx="minor">
+            <a:schemeClr val="lt1"/>
+          </a:fontRef>
+        </p:style>
+        <p:txBody>
+          <a:bodyPr rtlCol="0" anchor="ctr"/>
+          <a:lstStyle/>
+          <a:p>
+            <a:pPr algn="ctr"/>
+            <a:endParaRPr lang="en-US" dirty="0"/>
+          </a:p>
+        </p:txBody>
+      </p:sp>
+      <p:sp>
+        <p:nvSpPr>
+          <p:cNvPr id="17" name="Freeform: Shape 16">
+            <a:extLst>
+              <a:ext uri="{FF2B5EF4-FFF2-40B4-BE49-F238E27FC236}">
+                <a16:creationId xmlns:a16="http://schemas.microsoft.com/office/drawing/2014/main" id="{F8260ED5-17F7-4158-B241-D51DD4CF1B7E}"/>
+              </a:ext>
+              <a:ext uri="{C183D7F6-B498-43B3-948B-1728B52AA6E4}">
+                <adec:decorative xmlns:adec="http://schemas.microsoft.com/office/drawing/2017/decorative" val="1"/>
+              </a:ext>
+            </a:extLst>
+          </p:cNvPr>
+          <p:cNvSpPr>
+            <a:spLocks noGrp="1" noRot="1" noChangeAspect="1" noMove="1" noResize="1" noEditPoints="1" noAdjustHandles="1" noChangeArrowheads="1" noChangeShapeType="1" noTextEdit="1"/>
+          </p:cNvSpPr>
+          <p:nvPr>
+            <p:extLst>
+              <p:ext uri="{386F3935-93C4-4BCD-93E2-E3B085C9AB24}">
+                <p16:designElem xmlns:p16="http://schemas.microsoft.com/office/powerpoint/2015/main" val="1"/>
+              </p:ext>
+            </p:extLst>
+          </p:nvPr>
+        </p:nvSpPr>
+        <p:spPr>
+          <a:xfrm rot="6097846">
+            <a:off x="-747355" y="1201312"/>
+            <a:ext cx="4808302" cy="4088666"/>
+          </a:xfrm>
+          <a:custGeom>
+            <a:avLst/>
+            <a:gdLst>
+              <a:gd name="connsiteX0" fmla="*/ 48844 w 4808302"/>
+              <a:gd name="connsiteY0" fmla="*/ 2888671 h 4088666"/>
+              <a:gd name="connsiteX1" fmla="*/ 0 w 4808302"/>
+              <a:gd name="connsiteY1" fmla="*/ 2404151 h 4088666"/>
+              <a:gd name="connsiteX2" fmla="*/ 2404151 w 4808302"/>
+              <a:gd name="connsiteY2" fmla="*/ 0 h 4088666"/>
+              <a:gd name="connsiteX3" fmla="*/ 4808302 w 4808302"/>
+              <a:gd name="connsiteY3" fmla="*/ 2404151 h 4088666"/>
+              <a:gd name="connsiteX4" fmla="*/ 4700216 w 4808302"/>
+              <a:gd name="connsiteY4" fmla="*/ 3119072 h 4088666"/>
+              <a:gd name="connsiteX5" fmla="*/ 4643143 w 4808302"/>
+              <a:gd name="connsiteY5" fmla="*/ 3275009 h 4088666"/>
+              <a:gd name="connsiteX6" fmla="*/ 690093 w 4808302"/>
+              <a:gd name="connsiteY6" fmla="*/ 4088666 h 4088666"/>
+              <a:gd name="connsiteX7" fmla="*/ 548991 w 4808302"/>
+              <a:gd name="connsiteY7" fmla="*/ 3933414 h 4088666"/>
+              <a:gd name="connsiteX8" fmla="*/ 48844 w 4808302"/>
+              <a:gd name="connsiteY8" fmla="*/ 2888671 h 4088666"/>
+            </a:gdLst>
+            <a:ahLst/>
+            <a:cxnLst>
+              <a:cxn ang="0">
+                <a:pos x="connsiteX0" y="connsiteY0"/>
+              </a:cxn>
+              <a:cxn ang="0">
+                <a:pos x="connsiteX1" y="connsiteY1"/>
+              </a:cxn>
+              <a:cxn ang="0">
+                <a:pos x="connsiteX2" y="connsiteY2"/>
+              </a:cxn>
+              <a:cxn ang="0">
+                <a:pos x="connsiteX3" y="connsiteY3"/>
+              </a:cxn>
+              <a:cxn ang="0">
+                <a:pos x="connsiteX4" y="connsiteY4"/>
+              </a:cxn>
+              <a:cxn ang="0">
+                <a:pos x="connsiteX5" y="connsiteY5"/>
+              </a:cxn>
+              <a:cxn ang="0">
+                <a:pos x="connsiteX6" y="connsiteY6"/>
+              </a:cxn>
+              <a:cxn ang="0">
+                <a:pos x="connsiteX7" y="connsiteY7"/>
+              </a:cxn>
+              <a:cxn ang="0">
+                <a:pos x="connsiteX8" y="connsiteY8"/>
+              </a:cxn>
+            </a:cxnLst>
+            <a:rect l="l" t="t" r="r" b="b"/>
+            <a:pathLst>
+              <a:path w="4808302" h="4088666">
+                <a:moveTo>
+                  <a:pt x="48844" y="2888671"/>
+                </a:moveTo>
+                <a:cubicBezTo>
+                  <a:pt x="16818" y="2732167"/>
+                  <a:pt x="0" y="2570123"/>
+                  <a:pt x="0" y="2404151"/>
+                </a:cubicBezTo>
+                <a:cubicBezTo>
+                  <a:pt x="0" y="1076375"/>
+                  <a:pt x="1076375" y="0"/>
+                  <a:pt x="2404151" y="0"/>
+                </a:cubicBezTo>
+                <a:cubicBezTo>
+                  <a:pt x="3731927" y="0"/>
+                  <a:pt x="4808302" y="1076375"/>
+                  <a:pt x="4808302" y="2404151"/>
+                </a:cubicBezTo>
+                <a:cubicBezTo>
+                  <a:pt x="4808302" y="2653109"/>
+                  <a:pt x="4770461" y="2893229"/>
+                  <a:pt x="4700216" y="3119072"/>
+                </a:cubicBezTo>
+                <a:lnTo>
+                  <a:pt x="4643143" y="3275009"/>
+                </a:lnTo>
+                <a:lnTo>
+                  <a:pt x="690093" y="4088666"/>
+                </a:lnTo>
+                <a:lnTo>
+                  <a:pt x="548991" y="3933414"/>
+                </a:lnTo>
+                <a:cubicBezTo>
+                  <a:pt x="304015" y="3636572"/>
+                  <a:pt x="128908" y="3279932"/>
+                  <a:pt x="48844" y="2888671"/>
+                </a:cubicBezTo>
+                <a:close/>
+              </a:path>
+            </a:pathLst>
+          </a:custGeom>
+          <a:gradFill>
+            <a:gsLst>
+              <a:gs pos="39000">
+                <a:schemeClr val="accent1">
+                  <a:lumMod val="60000"/>
+                  <a:lumOff val="40000"/>
+                  <a:alpha val="0"/>
+                </a:schemeClr>
+              </a:gs>
+              <a:gs pos="100000">
+                <a:schemeClr val="accent1">
+                  <a:lumMod val="75000"/>
+                  <a:alpha val="26000"/>
+                </a:schemeClr>
+              </a:gs>
+            </a:gsLst>
+            <a:lin ang="18600000" scaled="0"/>
+          </a:gradFill>
+          <a:ln>
+            <a:noFill/>
+          </a:ln>
+        </p:spPr>
+        <p:style>
+          <a:lnRef idx="2">
+            <a:schemeClr val="accent1">
+              <a:shade val="50000"/>
+            </a:schemeClr>
+          </a:lnRef>
+          <a:fillRef idx="1">
+            <a:schemeClr val="accent1"/>
+          </a:fillRef>
+          <a:effectRef idx="0">
+            <a:schemeClr val="accent1"/>
+          </a:effectRef>
+          <a:fontRef idx="minor">
+            <a:schemeClr val="lt1"/>
+          </a:fontRef>
+        </p:style>
+        <p:txBody>
+          <a:bodyPr wrap="square" rtlCol="0" anchor="ctr">
+            <a:noAutofit/>
+          </a:bodyPr>
+          <a:lstStyle/>
+          <a:p>
+            <a:pPr algn="ctr"/>
+            <a:endParaRPr lang="en-US" dirty="0"/>
+          </a:p>
+        </p:txBody>
+      </p:sp>
       <p:sp>
         <p:nvSpPr>
           <p:cNvPr id="2" name="Title 1">
             <a:extLst>
               <a:ext uri="{FF2B5EF4-FFF2-40B4-BE49-F238E27FC236}">
-                <a16:creationId xmlns:a16="http://schemas.microsoft.com/office/drawing/2014/main" id="{21AA4204-6B8A-60AE-7278-4C526DE925C1}"/>
+                <a16:creationId xmlns:a16="http://schemas.microsoft.com/office/drawing/2014/main" id="{3C726A6A-7017-3335-9FD3-54D09133DB86}"/>
               </a:ext>
             </a:extLst>
           </p:cNvPr>
@@ -10357,58 +14966,68 @@
             <p:ph type="title"/>
           </p:nvPr>
         </p:nvSpPr>
-        <p:spPr/>
-        <p:txBody>
-          <a:bodyPr/>
-          <a:lstStyle/>
-          <a:p>
-            <a:r>
-              <a:rPr lang="en-US" dirty="0"/>
-              <a:t>Rollbacks are easier </a:t>
-            </a:r>
-          </a:p>
-        </p:txBody>
-      </p:sp>
-      <p:sp>
-        <p:nvSpPr>
-          <p:cNvPr id="3" name="Content Placeholder 2">
-            <a:extLst>
-              <a:ext uri="{FF2B5EF4-FFF2-40B4-BE49-F238E27FC236}">
-                <a16:creationId xmlns:a16="http://schemas.microsoft.com/office/drawing/2014/main" id="{3FDB5E1E-651D-3BA7-02BE-1D93C828084F}"/>
-              </a:ext>
-            </a:extLst>
-          </p:cNvPr>
-          <p:cNvSpPr>
-            <a:spLocks noGrp="1"/>
-          </p:cNvSpPr>
+        <p:spPr>
+          <a:xfrm>
+            <a:off x="660041" y="2767106"/>
+            <a:ext cx="2880828" cy="3071906"/>
+          </a:xfrm>
+        </p:spPr>
+        <p:txBody>
+          <a:bodyPr vert="horz" lIns="91440" tIns="45720" rIns="91440" bIns="45720" rtlCol="0" anchor="t">
+            <a:normAutofit/>
+          </a:bodyPr>
+          <a:lstStyle/>
+          <a:p>
+            <a:r>
+              <a:rPr lang="en-US" sz="4000" kern="1200">
+                <a:solidFill>
+                  <a:srgbClr val="FFFFFF"/>
+                </a:solidFill>
+                <a:latin typeface="+mj-lt"/>
+                <a:ea typeface="+mj-ea"/>
+                <a:cs typeface="+mj-cs"/>
+              </a:rPr>
+              <a:t>ACA - Overview</a:t>
+            </a:r>
+          </a:p>
+        </p:txBody>
+      </p:sp>
+      <p:pic>
+        <p:nvPicPr>
+          <p:cNvPr id="4" name="Content Placeholder 4" descr="A screenshot of a container application&#10;&#10;Description automatically generated">
+            <a:extLst>
+              <a:ext uri="{FF2B5EF4-FFF2-40B4-BE49-F238E27FC236}">
+                <a16:creationId xmlns:a16="http://schemas.microsoft.com/office/drawing/2014/main" id="{0196D445-D4F0-EE3E-E093-8BD2481872E3}"/>
+              </a:ext>
+            </a:extLst>
+          </p:cNvPr>
+          <p:cNvPicPr>
+            <a:picLocks noGrp="1" noChangeAspect="1"/>
+          </p:cNvPicPr>
           <p:nvPr>
             <p:ph idx="1"/>
           </p:nvPr>
-        </p:nvSpPr>
-        <p:spPr/>
-        <p:txBody>
-          <a:bodyPr/>
-          <a:lstStyle/>
-          <a:p>
-            <a:r>
-              <a:rPr lang="en-US" dirty="0"/>
-              <a:t>Because env vars are specific to revisions</a:t>
-            </a:r>
-            <a:r>
-              <a:rPr lang="en-US"/>
-              <a:t>. </a:t>
-            </a:r>
-            <a:endParaRPr lang="en-US" dirty="0"/>
-          </a:p>
-          <a:p>
-            <a:endParaRPr lang="en-US" dirty="0"/>
-          </a:p>
-        </p:txBody>
-      </p:sp>
+        </p:nvPicPr>
+        <p:blipFill>
+          <a:blip r:embed="rId3"/>
+          <a:stretch>
+            <a:fillRect/>
+          </a:stretch>
+        </p:blipFill>
+        <p:spPr>
+          <a:xfrm>
+            <a:off x="4038604" y="723653"/>
+            <a:ext cx="8153395" cy="5381240"/>
+          </a:xfrm>
+          <a:prstGeom prst="rect">
+            <a:avLst/>
+          </a:prstGeom>
+        </p:spPr>
+      </p:pic>
     </p:spTree>
     <p:extLst>
       <p:ext uri="{BB962C8B-B14F-4D97-AF65-F5344CB8AC3E}">
-        <p14:creationId xmlns:p14="http://schemas.microsoft.com/office/powerpoint/2010/main" val="3828244979"/>
+        <p14:creationId xmlns:p14="http://schemas.microsoft.com/office/powerpoint/2010/main" val="2583545272"/>
       </p:ext>
     </p:extLst>
   </p:cSld>
@@ -10421,6 +15040,14 @@
 <file path=ppt/slides/slide8.xml><?xml version="1.0" encoding="utf-8"?>
 <p:sld xmlns:a="http://schemas.openxmlformats.org/drawingml/2006/main" xmlns:r="http://schemas.openxmlformats.org/officeDocument/2006/relationships" xmlns:p="http://schemas.openxmlformats.org/presentationml/2006/main">
   <p:cSld>
+    <p:bg>
+      <p:bgPr>
+        <a:solidFill>
+          <a:schemeClr val="bg1"/>
+        </a:solidFill>
+        <a:effectLst/>
+      </p:bgPr>
+    </p:bg>
     <p:spTree>
       <p:nvGrpSpPr>
         <p:cNvPr id="1" name=""/>
@@ -10435,68 +15062,687 @@
           <a:chExt cx="0" cy="0"/>
         </a:xfrm>
       </p:grpSpPr>
-      <p:sp>
-        <p:nvSpPr>
-          <p:cNvPr id="2" name="Title 1">
-            <a:extLst>
-              <a:ext uri="{FF2B5EF4-FFF2-40B4-BE49-F238E27FC236}">
-                <a16:creationId xmlns:a16="http://schemas.microsoft.com/office/drawing/2014/main" id="{945DE629-3F06-4723-FFEC-9B45518EA82E}"/>
-              </a:ext>
-            </a:extLst>
-          </p:cNvPr>
-          <p:cNvSpPr>
-            <a:spLocks noGrp="1"/>
-          </p:cNvSpPr>
-          <p:nvPr>
-            <p:ph type="title"/>
-          </p:nvPr>
-        </p:nvSpPr>
-        <p:spPr/>
-        <p:txBody>
-          <a:bodyPr/>
-          <a:lstStyle/>
-          <a:p>
-            <a:r>
-              <a:rPr lang="en-US" dirty="0"/>
-              <a:t>Demo- ACA revision and traffic splitting</a:t>
-            </a:r>
-          </a:p>
-        </p:txBody>
-      </p:sp>
-      <p:pic>
-        <p:nvPicPr>
-          <p:cNvPr id="5" name="Picture 4">
-            <a:extLst>
-              <a:ext uri="{FF2B5EF4-FFF2-40B4-BE49-F238E27FC236}">
-                <a16:creationId xmlns:a16="http://schemas.microsoft.com/office/drawing/2014/main" id="{5208E907-3A72-C9F1-D4F7-6639833A4E84}"/>
-              </a:ext>
-            </a:extLst>
-          </p:cNvPr>
-          <p:cNvPicPr>
-            <a:picLocks noChangeAspect="1"/>
-          </p:cNvPicPr>
-          <p:nvPr/>
-        </p:nvPicPr>
-        <p:blipFill>
-          <a:blip r:embed="rId3"/>
-          <a:stretch>
-            <a:fillRect/>
-          </a:stretch>
-        </p:blipFill>
+      <p:sp useBgFill="1">
+        <p:nvSpPr>
+          <p:cNvPr id="8" name="Rectangle 7">
+            <a:extLst>
+              <a:ext uri="{FF2B5EF4-FFF2-40B4-BE49-F238E27FC236}">
+                <a16:creationId xmlns:a16="http://schemas.microsoft.com/office/drawing/2014/main" id="{1B15ED52-F352-441B-82BF-E0EA34836D08}"/>
+              </a:ext>
+              <a:ext uri="{C183D7F6-B498-43B3-948B-1728B52AA6E4}">
+                <adec:decorative xmlns:adec="http://schemas.microsoft.com/office/drawing/2017/decorative" val="1"/>
+              </a:ext>
+            </a:extLst>
+          </p:cNvPr>
+          <p:cNvSpPr>
+            <a:spLocks noGrp="1" noRot="1" noChangeAspect="1" noMove="1" noResize="1" noEditPoints="1" noAdjustHandles="1" noChangeArrowheads="1" noChangeShapeType="1" noTextEdit="1"/>
+          </p:cNvSpPr>
+          <p:nvPr>
+            <p:extLst>
+              <p:ext uri="{386F3935-93C4-4BCD-93E2-E3B085C9AB24}">
+                <p16:designElem xmlns:p16="http://schemas.microsoft.com/office/powerpoint/2015/main" val="1"/>
+              </p:ext>
+            </p:extLst>
+          </p:nvPr>
+        </p:nvSpPr>
         <p:spPr>
           <a:xfrm>
-            <a:off x="2094956" y="2234020"/>
-            <a:ext cx="7505700" cy="3905250"/>
+            <a:off x="0" y="0"/>
+            <a:ext cx="12192000" cy="6858000"/>
           </a:xfrm>
           <a:prstGeom prst="rect">
             <a:avLst/>
           </a:prstGeom>
+          <a:ln w="12700" cap="flat" cmpd="sng" algn="ctr">
+            <a:noFill/>
+            <a:prstDash val="solid"/>
+            <a:miter lim="800000"/>
+          </a:ln>
+          <a:effectLst/>
+          <a:extLst>
+            <a:ext uri="{91240B29-F687-4F45-9708-019B960494DF}">
+              <a14:hiddenLine xmlns:a14="http://schemas.microsoft.com/office/drawing/2010/main" w="12700" cap="flat" cmpd="sng" algn="ctr">
+                <a:solidFill>
+                  <a:schemeClr val="accent1">
+                    <a:shade val="50000"/>
+                  </a:schemeClr>
+                </a:solidFill>
+                <a:prstDash val="solid"/>
+                <a:miter lim="800000"/>
+              </a14:hiddenLine>
+            </a:ext>
+          </a:extLst>
         </p:spPr>
-      </p:pic>
+        <p:style>
+          <a:lnRef idx="2">
+            <a:schemeClr val="accent1">
+              <a:shade val="50000"/>
+            </a:schemeClr>
+          </a:lnRef>
+          <a:fillRef idx="1">
+            <a:schemeClr val="accent1"/>
+          </a:fillRef>
+          <a:effectRef idx="0">
+            <a:schemeClr val="accent1"/>
+          </a:effectRef>
+          <a:fontRef idx="minor">
+            <a:schemeClr val="lt1"/>
+          </a:fontRef>
+        </p:style>
+        <p:txBody>
+          <a:bodyPr rtlCol="0" anchor="ctr"/>
+          <a:lstStyle/>
+          <a:p>
+            <a:pPr algn="ctr"/>
+            <a:endParaRPr lang="en-US"/>
+          </a:p>
+        </p:txBody>
+      </p:sp>
+      <p:sp>
+        <p:nvSpPr>
+          <p:cNvPr id="10" name="Rectangle 9">
+            <a:extLst>
+              <a:ext uri="{FF2B5EF4-FFF2-40B4-BE49-F238E27FC236}">
+                <a16:creationId xmlns:a16="http://schemas.microsoft.com/office/drawing/2014/main" id="{3B2E3793-BFE6-45A2-9B7B-E18844431C99}"/>
+              </a:ext>
+              <a:ext uri="{C183D7F6-B498-43B3-948B-1728B52AA6E4}">
+                <adec:decorative xmlns:adec="http://schemas.microsoft.com/office/drawing/2017/decorative" val="1"/>
+              </a:ext>
+            </a:extLst>
+          </p:cNvPr>
+          <p:cNvSpPr>
+            <a:spLocks noGrp="1" noRot="1" noChangeAspect="1" noMove="1" noResize="1" noEditPoints="1" noAdjustHandles="1" noChangeArrowheads="1" noChangeShapeType="1" noTextEdit="1"/>
+          </p:cNvSpPr>
+          <p:nvPr>
+            <p:extLst>
+              <p:ext uri="{386F3935-93C4-4BCD-93E2-E3B085C9AB24}">
+                <p16:designElem xmlns:p16="http://schemas.microsoft.com/office/powerpoint/2015/main" val="1"/>
+              </p:ext>
+            </p:extLst>
+          </p:nvPr>
+        </p:nvSpPr>
+        <p:spPr>
+          <a:xfrm flipH="1">
+            <a:off x="-1" y="-1"/>
+            <a:ext cx="12191998" cy="1590742"/>
+          </a:xfrm>
+          <a:prstGeom prst="rect">
+            <a:avLst/>
+          </a:prstGeom>
+          <a:gradFill>
+            <a:gsLst>
+              <a:gs pos="0">
+                <a:srgbClr val="000000"/>
+              </a:gs>
+              <a:gs pos="100000">
+                <a:schemeClr val="accent1">
+                  <a:lumMod val="75000"/>
+                </a:schemeClr>
+              </a:gs>
+            </a:gsLst>
+            <a:lin ang="8400000" scaled="0"/>
+          </a:gradFill>
+          <a:ln>
+            <a:noFill/>
+          </a:ln>
+        </p:spPr>
+        <p:style>
+          <a:lnRef idx="2">
+            <a:schemeClr val="accent1">
+              <a:shade val="50000"/>
+            </a:schemeClr>
+          </a:lnRef>
+          <a:fillRef idx="1">
+            <a:schemeClr val="accent1"/>
+          </a:fillRef>
+          <a:effectRef idx="0">
+            <a:schemeClr val="accent1"/>
+          </a:effectRef>
+          <a:fontRef idx="minor">
+            <a:schemeClr val="lt1"/>
+          </a:fontRef>
+        </p:style>
+        <p:txBody>
+          <a:bodyPr rtlCol="0" anchor="ctr"/>
+          <a:lstStyle/>
+          <a:p>
+            <a:pPr algn="ctr"/>
+            <a:endParaRPr lang="en-US"/>
+          </a:p>
+        </p:txBody>
+      </p:sp>
+      <p:sp>
+        <p:nvSpPr>
+          <p:cNvPr id="12" name="Rectangle 11">
+            <a:extLst>
+              <a:ext uri="{FF2B5EF4-FFF2-40B4-BE49-F238E27FC236}">
+                <a16:creationId xmlns:a16="http://schemas.microsoft.com/office/drawing/2014/main" id="{BC4C4868-CB8F-4AF9-9CDB-8108F2C19B67}"/>
+              </a:ext>
+              <a:ext uri="{C183D7F6-B498-43B3-948B-1728B52AA6E4}">
+                <adec:decorative xmlns:adec="http://schemas.microsoft.com/office/drawing/2017/decorative" val="1"/>
+              </a:ext>
+            </a:extLst>
+          </p:cNvPr>
+          <p:cNvSpPr>
+            <a:spLocks noGrp="1" noRot="1" noChangeAspect="1" noMove="1" noResize="1" noEditPoints="1" noAdjustHandles="1" noChangeArrowheads="1" noChangeShapeType="1" noTextEdit="1"/>
+          </p:cNvSpPr>
+          <p:nvPr>
+            <p:extLst>
+              <p:ext uri="{386F3935-93C4-4BCD-93E2-E3B085C9AB24}">
+                <p16:designElem xmlns:p16="http://schemas.microsoft.com/office/powerpoint/2015/main" val="1"/>
+              </p:ext>
+            </p:extLst>
+          </p:nvPr>
+        </p:nvSpPr>
+        <p:spPr>
+          <a:xfrm rot="10800000" flipH="1">
+            <a:off x="-3" y="0"/>
+            <a:ext cx="8115306" cy="1590742"/>
+          </a:xfrm>
+          <a:prstGeom prst="rect">
+            <a:avLst/>
+          </a:prstGeom>
+          <a:gradFill>
+            <a:gsLst>
+              <a:gs pos="20000">
+                <a:schemeClr val="accent1">
+                  <a:alpha val="0"/>
+                </a:schemeClr>
+              </a:gs>
+              <a:gs pos="100000">
+                <a:schemeClr val="accent1">
+                  <a:lumMod val="50000"/>
+                  <a:alpha val="55000"/>
+                </a:schemeClr>
+              </a:gs>
+            </a:gsLst>
+            <a:lin ang="13800000" scaled="0"/>
+          </a:gradFill>
+          <a:ln>
+            <a:noFill/>
+          </a:ln>
+        </p:spPr>
+        <p:style>
+          <a:lnRef idx="2">
+            <a:schemeClr val="accent1">
+              <a:shade val="50000"/>
+            </a:schemeClr>
+          </a:lnRef>
+          <a:fillRef idx="1">
+            <a:schemeClr val="accent1"/>
+          </a:fillRef>
+          <a:effectRef idx="0">
+            <a:schemeClr val="accent1"/>
+          </a:effectRef>
+          <a:fontRef idx="minor">
+            <a:schemeClr val="lt1"/>
+          </a:fontRef>
+        </p:style>
+        <p:txBody>
+          <a:bodyPr rtlCol="0" anchor="ctr"/>
+          <a:lstStyle/>
+          <a:p>
+            <a:pPr algn="ctr"/>
+            <a:endParaRPr lang="en-US"/>
+          </a:p>
+        </p:txBody>
+      </p:sp>
+      <p:sp>
+        <p:nvSpPr>
+          <p:cNvPr id="14" name="Rectangle 13">
+            <a:extLst>
+              <a:ext uri="{FF2B5EF4-FFF2-40B4-BE49-F238E27FC236}">
+                <a16:creationId xmlns:a16="http://schemas.microsoft.com/office/drawing/2014/main" id="{375E0459-6403-40CD-989D-56A4407CA12E}"/>
+              </a:ext>
+              <a:ext uri="{C183D7F6-B498-43B3-948B-1728B52AA6E4}">
+                <adec:decorative xmlns:adec="http://schemas.microsoft.com/office/drawing/2017/decorative" val="1"/>
+              </a:ext>
+            </a:extLst>
+          </p:cNvPr>
+          <p:cNvSpPr>
+            <a:spLocks noGrp="1" noRot="1" noChangeAspect="1" noMove="1" noResize="1" noEditPoints="1" noAdjustHandles="1" noChangeArrowheads="1" noChangeShapeType="1" noTextEdit="1"/>
+          </p:cNvSpPr>
+          <p:nvPr>
+            <p:extLst>
+              <p:ext uri="{386F3935-93C4-4BCD-93E2-E3B085C9AB24}">
+                <p16:designElem xmlns:p16="http://schemas.microsoft.com/office/powerpoint/2015/main" val="1"/>
+              </p:ext>
+            </p:extLst>
+          </p:nvPr>
+        </p:nvSpPr>
+        <p:spPr>
+          <a:xfrm flipH="1">
+            <a:off x="8115299" y="-1"/>
+            <a:ext cx="4076698" cy="1590742"/>
+          </a:xfrm>
+          <a:prstGeom prst="rect">
+            <a:avLst/>
+          </a:prstGeom>
+          <a:gradFill>
+            <a:gsLst>
+              <a:gs pos="0">
+                <a:schemeClr val="accent1">
+                  <a:alpha val="66000"/>
+                </a:schemeClr>
+              </a:gs>
+              <a:gs pos="100000">
+                <a:srgbClr val="000000">
+                  <a:alpha val="30000"/>
+                </a:srgbClr>
+              </a:gs>
+            </a:gsLst>
+            <a:lin ang="13200000" scaled="0"/>
+          </a:gradFill>
+          <a:ln>
+            <a:noFill/>
+          </a:ln>
+        </p:spPr>
+        <p:style>
+          <a:lnRef idx="2">
+            <a:schemeClr val="accent1">
+              <a:shade val="50000"/>
+            </a:schemeClr>
+          </a:lnRef>
+          <a:fillRef idx="1">
+            <a:schemeClr val="accent1"/>
+          </a:fillRef>
+          <a:effectRef idx="0">
+            <a:schemeClr val="accent1"/>
+          </a:effectRef>
+          <a:fontRef idx="minor">
+            <a:schemeClr val="lt1"/>
+          </a:fontRef>
+        </p:style>
+        <p:txBody>
+          <a:bodyPr rtlCol="0" anchor="ctr"/>
+          <a:lstStyle/>
+          <a:p>
+            <a:pPr algn="ctr"/>
+            <a:endParaRPr lang="en-US"/>
+          </a:p>
+        </p:txBody>
+      </p:sp>
+      <p:sp>
+        <p:nvSpPr>
+          <p:cNvPr id="16" name="Rectangle 15">
+            <a:extLst>
+              <a:ext uri="{FF2B5EF4-FFF2-40B4-BE49-F238E27FC236}">
+                <a16:creationId xmlns:a16="http://schemas.microsoft.com/office/drawing/2014/main" id="{53E5B1A8-3AC9-4BD1-9BBC-78CA94F2D1BA}"/>
+              </a:ext>
+              <a:ext uri="{C183D7F6-B498-43B3-948B-1728B52AA6E4}">
+                <adec:decorative xmlns:adec="http://schemas.microsoft.com/office/drawing/2017/decorative" val="1"/>
+              </a:ext>
+            </a:extLst>
+          </p:cNvPr>
+          <p:cNvSpPr>
+            <a:spLocks noGrp="1" noRot="1" noChangeAspect="1" noMove="1" noResize="1" noEditPoints="1" noAdjustHandles="1" noChangeArrowheads="1" noChangeShapeType="1" noTextEdit="1"/>
+          </p:cNvSpPr>
+          <p:nvPr>
+            <p:extLst>
+              <p:ext uri="{386F3935-93C4-4BCD-93E2-E3B085C9AB24}">
+                <p16:designElem xmlns:p16="http://schemas.microsoft.com/office/powerpoint/2015/main" val="1"/>
+              </p:ext>
+            </p:extLst>
+          </p:nvPr>
+        </p:nvSpPr>
+        <p:spPr>
+          <a:xfrm>
+            <a:off x="459350" y="-1"/>
+            <a:ext cx="11732646" cy="1597433"/>
+          </a:xfrm>
+          <a:prstGeom prst="rect">
+            <a:avLst/>
+          </a:prstGeom>
+          <a:gradFill>
+            <a:gsLst>
+              <a:gs pos="50000">
+                <a:srgbClr val="000000">
+                  <a:alpha val="0"/>
+                </a:srgbClr>
+              </a:gs>
+              <a:gs pos="99000">
+                <a:schemeClr val="accent1">
+                  <a:lumMod val="50000"/>
+                  <a:alpha val="52000"/>
+                </a:schemeClr>
+              </a:gs>
+            </a:gsLst>
+            <a:lin ang="16800000" scaled="0"/>
+          </a:gradFill>
+          <a:ln>
+            <a:noFill/>
+          </a:ln>
+        </p:spPr>
+        <p:style>
+          <a:lnRef idx="2">
+            <a:schemeClr val="accent1">
+              <a:shade val="50000"/>
+            </a:schemeClr>
+          </a:lnRef>
+          <a:fillRef idx="1">
+            <a:schemeClr val="accent1"/>
+          </a:fillRef>
+          <a:effectRef idx="0">
+            <a:schemeClr val="accent1"/>
+          </a:effectRef>
+          <a:fontRef idx="minor">
+            <a:schemeClr val="lt1"/>
+          </a:fontRef>
+        </p:style>
+        <p:txBody>
+          <a:bodyPr rtlCol="0" anchor="ctr"/>
+          <a:lstStyle/>
+          <a:p>
+            <a:pPr algn="ctr"/>
+            <a:endParaRPr lang="en-US"/>
+          </a:p>
+        </p:txBody>
+      </p:sp>
+      <p:sp>
+        <p:nvSpPr>
+          <p:cNvPr id="2" name="Title 1">
+            <a:extLst>
+              <a:ext uri="{FF2B5EF4-FFF2-40B4-BE49-F238E27FC236}">
+                <a16:creationId xmlns:a16="http://schemas.microsoft.com/office/drawing/2014/main" id="{2C3D52F1-8520-4779-CF16-613403E53284}"/>
+              </a:ext>
+            </a:extLst>
+          </p:cNvPr>
+          <p:cNvSpPr>
+            <a:spLocks noGrp="1"/>
+          </p:cNvSpPr>
+          <p:nvPr>
+            <p:ph type="title"/>
+          </p:nvPr>
+        </p:nvSpPr>
+        <p:spPr>
+          <a:xfrm>
+            <a:off x="1371599" y="294538"/>
+            <a:ext cx="9895951" cy="1033669"/>
+          </a:xfrm>
+        </p:spPr>
+        <p:txBody>
+          <a:bodyPr>
+            <a:normAutofit/>
+          </a:bodyPr>
+          <a:lstStyle/>
+          <a:p>
+            <a:r>
+              <a:rPr lang="en-US" sz="4000">
+                <a:solidFill>
+                  <a:srgbClr val="FFFFFF"/>
+                </a:solidFill>
+              </a:rPr>
+              <a:t>Features </a:t>
+            </a:r>
+          </a:p>
+        </p:txBody>
+      </p:sp>
+      <p:sp>
+        <p:nvSpPr>
+          <p:cNvPr id="3" name="Content Placeholder 2">
+            <a:extLst>
+              <a:ext uri="{FF2B5EF4-FFF2-40B4-BE49-F238E27FC236}">
+                <a16:creationId xmlns:a16="http://schemas.microsoft.com/office/drawing/2014/main" id="{9936EC8B-92B3-8BB4-46BA-FB09550CAB95}"/>
+              </a:ext>
+            </a:extLst>
+          </p:cNvPr>
+          <p:cNvSpPr>
+            <a:spLocks noGrp="1"/>
+          </p:cNvSpPr>
+          <p:nvPr>
+            <p:ph idx="1"/>
+          </p:nvPr>
+        </p:nvSpPr>
+        <p:spPr>
+          <a:xfrm>
+            <a:off x="649356" y="1497496"/>
+            <a:ext cx="11542643" cy="6453808"/>
+          </a:xfrm>
+        </p:spPr>
+        <p:txBody>
+          <a:bodyPr anchor="ctr">
+            <a:normAutofit/>
+          </a:bodyPr>
+          <a:lstStyle/>
+          <a:p>
+            <a:pPr marR="0" lvl="0">
+              <a:lnSpc>
+                <a:spcPct val="150000"/>
+              </a:lnSpc>
+              <a:buSzPts val="1000"/>
+              <a:buFont typeface="Wingdings" panose="05000000000000000000" pitchFamily="2" charset="2"/>
+              <a:buChar char="ü"/>
+              <a:tabLst>
+                <a:tab pos="647700" algn="l"/>
+              </a:tabLst>
+            </a:pPr>
+            <a:r>
+              <a:rPr lang="en-US" sz="1800" dirty="0">
+                <a:effectLst/>
+                <a:latin typeface="Segoe UI" panose="020B0502040204020203" pitchFamily="34" charset="0"/>
+                <a:ea typeface="Times New Roman" panose="02020603050405020304" pitchFamily="18" charset="0"/>
+              </a:rPr>
+              <a:t>Use the Azure CLI extension, Azure portal or Azure Resource Manager templates to manage your applications.</a:t>
+            </a:r>
+          </a:p>
+          <a:p>
+            <a:pPr marR="0" lvl="0">
+              <a:lnSpc>
+                <a:spcPct val="150000"/>
+              </a:lnSpc>
+              <a:buSzPts val="1000"/>
+              <a:buFont typeface="Wingdings" panose="05000000000000000000" pitchFamily="2" charset="2"/>
+              <a:buChar char="ü"/>
+              <a:tabLst>
+                <a:tab pos="647700" algn="l"/>
+              </a:tabLst>
+            </a:pPr>
+            <a:r>
+              <a:rPr lang="en-US" sz="1800" dirty="0">
+                <a:effectLst/>
+                <a:latin typeface="Segoe UI" panose="020B0502040204020203" pitchFamily="34" charset="0"/>
+                <a:ea typeface="Times New Roman" panose="02020603050405020304" pitchFamily="18" charset="0"/>
+              </a:rPr>
+              <a:t>Enable HTTPS or TCP ingress without having to manage other Azure infrastructure.</a:t>
+            </a:r>
+          </a:p>
+          <a:p>
+            <a:pPr marR="0" lvl="0">
+              <a:lnSpc>
+                <a:spcPct val="150000"/>
+              </a:lnSpc>
+              <a:buSzPts val="1000"/>
+              <a:buFont typeface="Wingdings" panose="05000000000000000000" pitchFamily="2" charset="2"/>
+              <a:buChar char="ü"/>
+              <a:tabLst>
+                <a:tab pos="647700" algn="l"/>
+              </a:tabLst>
+            </a:pPr>
+            <a:r>
+              <a:rPr lang="en-US" sz="1800" dirty="0">
+                <a:effectLst/>
+                <a:latin typeface="Segoe UI" panose="020B0502040204020203" pitchFamily="34" charset="0"/>
+                <a:ea typeface="Times New Roman" panose="02020603050405020304" pitchFamily="18" charset="0"/>
+              </a:rPr>
+              <a:t>Build microservices with </a:t>
+            </a:r>
+            <a:r>
+              <a:rPr lang="en-US" sz="1800" dirty="0" err="1">
+                <a:effectLst/>
+                <a:latin typeface="Segoe UI" panose="020B0502040204020203" pitchFamily="34" charset="0"/>
+                <a:ea typeface="Times New Roman" panose="02020603050405020304" pitchFamily="18" charset="0"/>
+              </a:rPr>
+              <a:t>Dapr</a:t>
+            </a:r>
+            <a:r>
+              <a:rPr lang="en-US" sz="1800" dirty="0">
+                <a:effectLst/>
+                <a:latin typeface="Segoe UI" panose="020B0502040204020203" pitchFamily="34" charset="0"/>
+                <a:ea typeface="Times New Roman" panose="02020603050405020304" pitchFamily="18" charset="0"/>
+              </a:rPr>
+              <a:t> and access its rich set of APIs.</a:t>
+            </a:r>
+            <a:endParaRPr lang="en-US" sz="1800" dirty="0">
+              <a:effectLst/>
+              <a:latin typeface="Times New Roman" panose="02020603050405020304" pitchFamily="18" charset="0"/>
+              <a:ea typeface="Times New Roman" panose="02020603050405020304" pitchFamily="18" charset="0"/>
+            </a:endParaRPr>
+          </a:p>
+          <a:p>
+            <a:pPr marR="0" lvl="0">
+              <a:lnSpc>
+                <a:spcPct val="150000"/>
+              </a:lnSpc>
+              <a:buSzPts val="1000"/>
+              <a:buFont typeface="Wingdings" panose="05000000000000000000" pitchFamily="2" charset="2"/>
+              <a:buChar char="ü"/>
+              <a:tabLst>
+                <a:tab pos="647700" algn="l"/>
+              </a:tabLst>
+            </a:pPr>
+            <a:r>
+              <a:rPr lang="en-US" sz="1800" dirty="0">
+                <a:effectLst/>
+                <a:latin typeface="Segoe UI" panose="020B0502040204020203" pitchFamily="34" charset="0"/>
+                <a:ea typeface="Times New Roman" panose="02020603050405020304" pitchFamily="18" charset="0"/>
+              </a:rPr>
+              <a:t>Run jobs on-demand, on a schedule, or based on events.</a:t>
+            </a:r>
+            <a:endParaRPr lang="en-US" sz="1800" dirty="0">
+              <a:effectLst/>
+              <a:latin typeface="Times New Roman" panose="02020603050405020304" pitchFamily="18" charset="0"/>
+              <a:ea typeface="Times New Roman" panose="02020603050405020304" pitchFamily="18" charset="0"/>
+            </a:endParaRPr>
+          </a:p>
+          <a:p>
+            <a:pPr>
+              <a:lnSpc>
+                <a:spcPct val="150000"/>
+              </a:lnSpc>
+              <a:buFont typeface="Wingdings" panose="05000000000000000000" pitchFamily="2" charset="2"/>
+              <a:buChar char="ü"/>
+            </a:pPr>
+            <a:r>
+              <a:rPr lang="en-US" sz="1800" dirty="0">
+                <a:effectLst/>
+                <a:latin typeface="Segoe UI" panose="020B0502040204020203" pitchFamily="34" charset="0"/>
+                <a:ea typeface="Times New Roman" panose="02020603050405020304" pitchFamily="18" charset="0"/>
+              </a:rPr>
+              <a:t>  Add Azure Functions and Azure Spring Apps to your Azure Container Apps environment.</a:t>
+            </a:r>
+          </a:p>
+          <a:p>
+            <a:pPr marR="0" lvl="0">
+              <a:lnSpc>
+                <a:spcPct val="150000"/>
+              </a:lnSpc>
+              <a:buSzPts val="1000"/>
+              <a:buFont typeface="Wingdings" panose="05000000000000000000" pitchFamily="2" charset="2"/>
+              <a:buChar char="ü"/>
+              <a:tabLst>
+                <a:tab pos="647700" algn="l"/>
+              </a:tabLst>
+            </a:pPr>
+            <a:r>
+              <a:rPr lang="en-US" sz="1800" dirty="0">
+                <a:effectLst/>
+                <a:latin typeface="Segoe UI" panose="020B0502040204020203" pitchFamily="34" charset="0"/>
+                <a:ea typeface="Times New Roman" panose="02020603050405020304" pitchFamily="18" charset="0"/>
+              </a:rPr>
+              <a:t>Use specialized hardware for access to increased compute resources.</a:t>
+            </a:r>
+            <a:endParaRPr lang="en-US" sz="1800" dirty="0">
+              <a:effectLst/>
+              <a:latin typeface="Times New Roman" panose="02020603050405020304" pitchFamily="18" charset="0"/>
+              <a:ea typeface="Times New Roman" panose="02020603050405020304" pitchFamily="18" charset="0"/>
+            </a:endParaRPr>
+          </a:p>
+          <a:p>
+            <a:pPr marR="0" lvl="0">
+              <a:lnSpc>
+                <a:spcPct val="150000"/>
+              </a:lnSpc>
+              <a:buSzPts val="1000"/>
+              <a:buFont typeface="Wingdings" panose="05000000000000000000" pitchFamily="2" charset="2"/>
+              <a:buChar char="ü"/>
+              <a:tabLst>
+                <a:tab pos="647700" algn="l"/>
+              </a:tabLst>
+            </a:pPr>
+            <a:r>
+              <a:rPr lang="en-US" sz="1800" dirty="0">
+                <a:effectLst/>
+                <a:latin typeface="Segoe UI" panose="020B0502040204020203" pitchFamily="34" charset="0"/>
+                <a:ea typeface="Times New Roman" panose="02020603050405020304" pitchFamily="18" charset="0"/>
+              </a:rPr>
+              <a:t>Run multiple container revisions and manage the container app's application lifecycle.</a:t>
+            </a:r>
+          </a:p>
+          <a:p>
+            <a:pPr>
+              <a:lnSpc>
+                <a:spcPct val="150000"/>
+              </a:lnSpc>
+              <a:buSzPts val="1000"/>
+              <a:buFont typeface="Wingdings" panose="05000000000000000000" pitchFamily="2" charset="2"/>
+              <a:buChar char="ü"/>
+              <a:tabLst>
+                <a:tab pos="647700" algn="l"/>
+              </a:tabLst>
+            </a:pPr>
+            <a:r>
+              <a:rPr lang="en-US" sz="1800" dirty="0" err="1">
+                <a:effectLst/>
+                <a:latin typeface="Segoe UI" panose="020B0502040204020203" pitchFamily="34" charset="0"/>
+                <a:ea typeface="Times New Roman" panose="02020603050405020304" pitchFamily="18" charset="0"/>
+              </a:rPr>
+              <a:t>Autoscale</a:t>
+            </a:r>
+            <a:r>
+              <a:rPr lang="en-US" sz="1800" dirty="0">
+                <a:effectLst/>
+                <a:latin typeface="Segoe UI" panose="020B0502040204020203" pitchFamily="34" charset="0"/>
+                <a:ea typeface="Times New Roman" panose="02020603050405020304" pitchFamily="18" charset="0"/>
+              </a:rPr>
+              <a:t> your apps based on any KEDA-supported scale trigger. Most applications can scale to zero.</a:t>
+            </a:r>
+            <a:endParaRPr lang="en-US" sz="1800" dirty="0">
+              <a:effectLst/>
+              <a:latin typeface="Times New Roman" panose="02020603050405020304" pitchFamily="18" charset="0"/>
+              <a:ea typeface="Times New Roman" panose="02020603050405020304" pitchFamily="18" charset="0"/>
+            </a:endParaRPr>
+          </a:p>
+          <a:p>
+            <a:pPr marL="342900" marR="0" lvl="0" indent="-342900">
+              <a:buSzPts val="1000"/>
+              <a:buFont typeface="Symbol" panose="05050102010706020507" pitchFamily="18" charset="2"/>
+              <a:buChar char=""/>
+              <a:tabLst>
+                <a:tab pos="647700" algn="l"/>
+              </a:tabLst>
+            </a:pPr>
+            <a:endParaRPr lang="en-US" sz="1800" dirty="0">
+              <a:effectLst/>
+              <a:latin typeface="Times New Roman" panose="02020603050405020304" pitchFamily="18" charset="0"/>
+              <a:ea typeface="Times New Roman" panose="02020603050405020304" pitchFamily="18" charset="0"/>
+            </a:endParaRPr>
+          </a:p>
+          <a:p>
+            <a:endParaRPr lang="en-US" sz="1800" dirty="0">
+              <a:effectLst/>
+              <a:latin typeface="Times New Roman" panose="02020603050405020304" pitchFamily="18" charset="0"/>
+              <a:ea typeface="Times New Roman" panose="02020603050405020304" pitchFamily="18" charset="0"/>
+            </a:endParaRPr>
+          </a:p>
+          <a:p>
+            <a:endParaRPr lang="en-US" sz="1800" dirty="0"/>
+          </a:p>
+        </p:txBody>
+      </p:sp>
     </p:spTree>
     <p:extLst>
       <p:ext uri="{BB962C8B-B14F-4D97-AF65-F5344CB8AC3E}">
-        <p14:creationId xmlns:p14="http://schemas.microsoft.com/office/powerpoint/2010/main" val="1368933956"/>
+        <p14:creationId xmlns:p14="http://schemas.microsoft.com/office/powerpoint/2010/main" val="3726155342"/>
       </p:ext>
     </p:extLst>
   </p:cSld>
@@ -10509,6 +15755,14 @@
 <file path=ppt/slides/slide9.xml><?xml version="1.0" encoding="utf-8"?>
 <p:sld xmlns:a="http://schemas.openxmlformats.org/drawingml/2006/main" xmlns:r="http://schemas.openxmlformats.org/officeDocument/2006/relationships" xmlns:p="http://schemas.openxmlformats.org/presentationml/2006/main">
   <p:cSld>
+    <p:bg>
+      <p:bgPr>
+        <a:solidFill>
+          <a:schemeClr val="bg1"/>
+        </a:solidFill>
+        <a:effectLst/>
+      </p:bgPr>
+    </p:bg>
     <p:spTree>
       <p:nvGrpSpPr>
         <p:cNvPr id="1" name=""/>
@@ -10523,12 +15777,388 @@
           <a:chExt cx="0" cy="0"/>
         </a:xfrm>
       </p:grpSpPr>
+      <p:sp useBgFill="1">
+        <p:nvSpPr>
+          <p:cNvPr id="8" name="Rectangle 7">
+            <a:extLst>
+              <a:ext uri="{FF2B5EF4-FFF2-40B4-BE49-F238E27FC236}">
+                <a16:creationId xmlns:a16="http://schemas.microsoft.com/office/drawing/2014/main" id="{1B15ED52-F352-441B-82BF-E0EA34836D08}"/>
+              </a:ext>
+              <a:ext uri="{C183D7F6-B498-43B3-948B-1728B52AA6E4}">
+                <adec:decorative xmlns:adec="http://schemas.microsoft.com/office/drawing/2017/decorative" val="1"/>
+              </a:ext>
+            </a:extLst>
+          </p:cNvPr>
+          <p:cNvSpPr>
+            <a:spLocks noGrp="1" noRot="1" noChangeAspect="1" noMove="1" noResize="1" noEditPoints="1" noAdjustHandles="1" noChangeArrowheads="1" noChangeShapeType="1" noTextEdit="1"/>
+          </p:cNvSpPr>
+          <p:nvPr>
+            <p:extLst>
+              <p:ext uri="{386F3935-93C4-4BCD-93E2-E3B085C9AB24}">
+                <p16:designElem xmlns:p16="http://schemas.microsoft.com/office/powerpoint/2015/main" val="1"/>
+              </p:ext>
+            </p:extLst>
+          </p:nvPr>
+        </p:nvSpPr>
+        <p:spPr>
+          <a:xfrm>
+            <a:off x="0" y="0"/>
+            <a:ext cx="12192000" cy="6858000"/>
+          </a:xfrm>
+          <a:prstGeom prst="rect">
+            <a:avLst/>
+          </a:prstGeom>
+          <a:ln w="12700" cap="flat" cmpd="sng" algn="ctr">
+            <a:noFill/>
+            <a:prstDash val="solid"/>
+            <a:miter lim="800000"/>
+          </a:ln>
+          <a:effectLst/>
+          <a:extLst>
+            <a:ext uri="{91240B29-F687-4F45-9708-019B960494DF}">
+              <a14:hiddenLine xmlns:a14="http://schemas.microsoft.com/office/drawing/2010/main" w="12700" cap="flat" cmpd="sng" algn="ctr">
+                <a:solidFill>
+                  <a:schemeClr val="accent1">
+                    <a:shade val="50000"/>
+                  </a:schemeClr>
+                </a:solidFill>
+                <a:prstDash val="solid"/>
+                <a:miter lim="800000"/>
+              </a14:hiddenLine>
+            </a:ext>
+          </a:extLst>
+        </p:spPr>
+        <p:style>
+          <a:lnRef idx="2">
+            <a:schemeClr val="accent1">
+              <a:shade val="50000"/>
+            </a:schemeClr>
+          </a:lnRef>
+          <a:fillRef idx="1">
+            <a:schemeClr val="accent1"/>
+          </a:fillRef>
+          <a:effectRef idx="0">
+            <a:schemeClr val="accent1"/>
+          </a:effectRef>
+          <a:fontRef idx="minor">
+            <a:schemeClr val="lt1"/>
+          </a:fontRef>
+        </p:style>
+        <p:txBody>
+          <a:bodyPr rtlCol="0" anchor="ctr"/>
+          <a:lstStyle/>
+          <a:p>
+            <a:pPr algn="ctr"/>
+            <a:endParaRPr lang="en-US"/>
+          </a:p>
+        </p:txBody>
+      </p:sp>
+      <p:sp>
+        <p:nvSpPr>
+          <p:cNvPr id="10" name="Rectangle 9">
+            <a:extLst>
+              <a:ext uri="{FF2B5EF4-FFF2-40B4-BE49-F238E27FC236}">
+                <a16:creationId xmlns:a16="http://schemas.microsoft.com/office/drawing/2014/main" id="{3B2E3793-BFE6-45A2-9B7B-E18844431C99}"/>
+              </a:ext>
+              <a:ext uri="{C183D7F6-B498-43B3-948B-1728B52AA6E4}">
+                <adec:decorative xmlns:adec="http://schemas.microsoft.com/office/drawing/2017/decorative" val="1"/>
+              </a:ext>
+            </a:extLst>
+          </p:cNvPr>
+          <p:cNvSpPr>
+            <a:spLocks noGrp="1" noRot="1" noChangeAspect="1" noMove="1" noResize="1" noEditPoints="1" noAdjustHandles="1" noChangeArrowheads="1" noChangeShapeType="1" noTextEdit="1"/>
+          </p:cNvSpPr>
+          <p:nvPr>
+            <p:extLst>
+              <p:ext uri="{386F3935-93C4-4BCD-93E2-E3B085C9AB24}">
+                <p16:designElem xmlns:p16="http://schemas.microsoft.com/office/powerpoint/2015/main" val="1"/>
+              </p:ext>
+            </p:extLst>
+          </p:nvPr>
+        </p:nvSpPr>
+        <p:spPr>
+          <a:xfrm flipH="1">
+            <a:off x="-1" y="-1"/>
+            <a:ext cx="12191998" cy="1590742"/>
+          </a:xfrm>
+          <a:prstGeom prst="rect">
+            <a:avLst/>
+          </a:prstGeom>
+          <a:gradFill>
+            <a:gsLst>
+              <a:gs pos="0">
+                <a:srgbClr val="000000"/>
+              </a:gs>
+              <a:gs pos="100000">
+                <a:schemeClr val="accent1">
+                  <a:lumMod val="75000"/>
+                </a:schemeClr>
+              </a:gs>
+            </a:gsLst>
+            <a:lin ang="8400000" scaled="0"/>
+          </a:gradFill>
+          <a:ln>
+            <a:noFill/>
+          </a:ln>
+        </p:spPr>
+        <p:style>
+          <a:lnRef idx="2">
+            <a:schemeClr val="accent1">
+              <a:shade val="50000"/>
+            </a:schemeClr>
+          </a:lnRef>
+          <a:fillRef idx="1">
+            <a:schemeClr val="accent1"/>
+          </a:fillRef>
+          <a:effectRef idx="0">
+            <a:schemeClr val="accent1"/>
+          </a:effectRef>
+          <a:fontRef idx="minor">
+            <a:schemeClr val="lt1"/>
+          </a:fontRef>
+        </p:style>
+        <p:txBody>
+          <a:bodyPr rtlCol="0" anchor="ctr"/>
+          <a:lstStyle/>
+          <a:p>
+            <a:pPr algn="ctr"/>
+            <a:endParaRPr lang="en-US"/>
+          </a:p>
+        </p:txBody>
+      </p:sp>
+      <p:sp>
+        <p:nvSpPr>
+          <p:cNvPr id="12" name="Rectangle 11">
+            <a:extLst>
+              <a:ext uri="{FF2B5EF4-FFF2-40B4-BE49-F238E27FC236}">
+                <a16:creationId xmlns:a16="http://schemas.microsoft.com/office/drawing/2014/main" id="{BC4C4868-CB8F-4AF9-9CDB-8108F2C19B67}"/>
+              </a:ext>
+              <a:ext uri="{C183D7F6-B498-43B3-948B-1728B52AA6E4}">
+                <adec:decorative xmlns:adec="http://schemas.microsoft.com/office/drawing/2017/decorative" val="1"/>
+              </a:ext>
+            </a:extLst>
+          </p:cNvPr>
+          <p:cNvSpPr>
+            <a:spLocks noGrp="1" noRot="1" noChangeAspect="1" noMove="1" noResize="1" noEditPoints="1" noAdjustHandles="1" noChangeArrowheads="1" noChangeShapeType="1" noTextEdit="1"/>
+          </p:cNvSpPr>
+          <p:nvPr>
+            <p:extLst>
+              <p:ext uri="{386F3935-93C4-4BCD-93E2-E3B085C9AB24}">
+                <p16:designElem xmlns:p16="http://schemas.microsoft.com/office/powerpoint/2015/main" val="1"/>
+              </p:ext>
+            </p:extLst>
+          </p:nvPr>
+        </p:nvSpPr>
+        <p:spPr>
+          <a:xfrm rot="10800000" flipH="1">
+            <a:off x="-3" y="0"/>
+            <a:ext cx="8115306" cy="1590742"/>
+          </a:xfrm>
+          <a:prstGeom prst="rect">
+            <a:avLst/>
+          </a:prstGeom>
+          <a:gradFill>
+            <a:gsLst>
+              <a:gs pos="20000">
+                <a:schemeClr val="accent1">
+                  <a:alpha val="0"/>
+                </a:schemeClr>
+              </a:gs>
+              <a:gs pos="100000">
+                <a:schemeClr val="accent1">
+                  <a:lumMod val="50000"/>
+                  <a:alpha val="55000"/>
+                </a:schemeClr>
+              </a:gs>
+            </a:gsLst>
+            <a:lin ang="13800000" scaled="0"/>
+          </a:gradFill>
+          <a:ln>
+            <a:noFill/>
+          </a:ln>
+        </p:spPr>
+        <p:style>
+          <a:lnRef idx="2">
+            <a:schemeClr val="accent1">
+              <a:shade val="50000"/>
+            </a:schemeClr>
+          </a:lnRef>
+          <a:fillRef idx="1">
+            <a:schemeClr val="accent1"/>
+          </a:fillRef>
+          <a:effectRef idx="0">
+            <a:schemeClr val="accent1"/>
+          </a:effectRef>
+          <a:fontRef idx="minor">
+            <a:schemeClr val="lt1"/>
+          </a:fontRef>
+        </p:style>
+        <p:txBody>
+          <a:bodyPr rtlCol="0" anchor="ctr"/>
+          <a:lstStyle/>
+          <a:p>
+            <a:pPr algn="ctr"/>
+            <a:endParaRPr lang="en-US"/>
+          </a:p>
+        </p:txBody>
+      </p:sp>
+      <p:sp>
+        <p:nvSpPr>
+          <p:cNvPr id="14" name="Rectangle 13">
+            <a:extLst>
+              <a:ext uri="{FF2B5EF4-FFF2-40B4-BE49-F238E27FC236}">
+                <a16:creationId xmlns:a16="http://schemas.microsoft.com/office/drawing/2014/main" id="{375E0459-6403-40CD-989D-56A4407CA12E}"/>
+              </a:ext>
+              <a:ext uri="{C183D7F6-B498-43B3-948B-1728B52AA6E4}">
+                <adec:decorative xmlns:adec="http://schemas.microsoft.com/office/drawing/2017/decorative" val="1"/>
+              </a:ext>
+            </a:extLst>
+          </p:cNvPr>
+          <p:cNvSpPr>
+            <a:spLocks noGrp="1" noRot="1" noChangeAspect="1" noMove="1" noResize="1" noEditPoints="1" noAdjustHandles="1" noChangeArrowheads="1" noChangeShapeType="1" noTextEdit="1"/>
+          </p:cNvSpPr>
+          <p:nvPr>
+            <p:extLst>
+              <p:ext uri="{386F3935-93C4-4BCD-93E2-E3B085C9AB24}">
+                <p16:designElem xmlns:p16="http://schemas.microsoft.com/office/powerpoint/2015/main" val="1"/>
+              </p:ext>
+            </p:extLst>
+          </p:nvPr>
+        </p:nvSpPr>
+        <p:spPr>
+          <a:xfrm flipH="1">
+            <a:off x="8115299" y="-1"/>
+            <a:ext cx="4076698" cy="1590742"/>
+          </a:xfrm>
+          <a:prstGeom prst="rect">
+            <a:avLst/>
+          </a:prstGeom>
+          <a:gradFill>
+            <a:gsLst>
+              <a:gs pos="0">
+                <a:schemeClr val="accent1">
+                  <a:alpha val="66000"/>
+                </a:schemeClr>
+              </a:gs>
+              <a:gs pos="100000">
+                <a:srgbClr val="000000">
+                  <a:alpha val="30000"/>
+                </a:srgbClr>
+              </a:gs>
+            </a:gsLst>
+            <a:lin ang="13200000" scaled="0"/>
+          </a:gradFill>
+          <a:ln>
+            <a:noFill/>
+          </a:ln>
+        </p:spPr>
+        <p:style>
+          <a:lnRef idx="2">
+            <a:schemeClr val="accent1">
+              <a:shade val="50000"/>
+            </a:schemeClr>
+          </a:lnRef>
+          <a:fillRef idx="1">
+            <a:schemeClr val="accent1"/>
+          </a:fillRef>
+          <a:effectRef idx="0">
+            <a:schemeClr val="accent1"/>
+          </a:effectRef>
+          <a:fontRef idx="minor">
+            <a:schemeClr val="lt1"/>
+          </a:fontRef>
+        </p:style>
+        <p:txBody>
+          <a:bodyPr rtlCol="0" anchor="ctr"/>
+          <a:lstStyle/>
+          <a:p>
+            <a:pPr algn="ctr"/>
+            <a:endParaRPr lang="en-US"/>
+          </a:p>
+        </p:txBody>
+      </p:sp>
+      <p:sp>
+        <p:nvSpPr>
+          <p:cNvPr id="16" name="Rectangle 15">
+            <a:extLst>
+              <a:ext uri="{FF2B5EF4-FFF2-40B4-BE49-F238E27FC236}">
+                <a16:creationId xmlns:a16="http://schemas.microsoft.com/office/drawing/2014/main" id="{53E5B1A8-3AC9-4BD1-9BBC-78CA94F2D1BA}"/>
+              </a:ext>
+              <a:ext uri="{C183D7F6-B498-43B3-948B-1728B52AA6E4}">
+                <adec:decorative xmlns:adec="http://schemas.microsoft.com/office/drawing/2017/decorative" val="1"/>
+              </a:ext>
+            </a:extLst>
+          </p:cNvPr>
+          <p:cNvSpPr>
+            <a:spLocks noGrp="1" noRot="1" noChangeAspect="1" noMove="1" noResize="1" noEditPoints="1" noAdjustHandles="1" noChangeArrowheads="1" noChangeShapeType="1" noTextEdit="1"/>
+          </p:cNvSpPr>
+          <p:nvPr>
+            <p:extLst>
+              <p:ext uri="{386F3935-93C4-4BCD-93E2-E3B085C9AB24}">
+                <p16:designElem xmlns:p16="http://schemas.microsoft.com/office/powerpoint/2015/main" val="1"/>
+              </p:ext>
+            </p:extLst>
+          </p:nvPr>
+        </p:nvSpPr>
+        <p:spPr>
+          <a:xfrm>
+            <a:off x="459350" y="-1"/>
+            <a:ext cx="11732646" cy="1597433"/>
+          </a:xfrm>
+          <a:prstGeom prst="rect">
+            <a:avLst/>
+          </a:prstGeom>
+          <a:gradFill>
+            <a:gsLst>
+              <a:gs pos="50000">
+                <a:srgbClr val="000000">
+                  <a:alpha val="0"/>
+                </a:srgbClr>
+              </a:gs>
+              <a:gs pos="99000">
+                <a:schemeClr val="accent1">
+                  <a:lumMod val="50000"/>
+                  <a:alpha val="52000"/>
+                </a:schemeClr>
+              </a:gs>
+            </a:gsLst>
+            <a:lin ang="16800000" scaled="0"/>
+          </a:gradFill>
+          <a:ln>
+            <a:noFill/>
+          </a:ln>
+        </p:spPr>
+        <p:style>
+          <a:lnRef idx="2">
+            <a:schemeClr val="accent1">
+              <a:shade val="50000"/>
+            </a:schemeClr>
+          </a:lnRef>
+          <a:fillRef idx="1">
+            <a:schemeClr val="accent1"/>
+          </a:fillRef>
+          <a:effectRef idx="0">
+            <a:schemeClr val="accent1"/>
+          </a:effectRef>
+          <a:fontRef idx="minor">
+            <a:schemeClr val="lt1"/>
+          </a:fontRef>
+        </p:style>
+        <p:txBody>
+          <a:bodyPr rtlCol="0" anchor="ctr"/>
+          <a:lstStyle/>
+          <a:p>
+            <a:pPr algn="ctr"/>
+            <a:endParaRPr lang="en-US"/>
+          </a:p>
+        </p:txBody>
+      </p:sp>
       <p:sp>
         <p:nvSpPr>
           <p:cNvPr id="2" name="Title 1">
             <a:extLst>
               <a:ext uri="{FF2B5EF4-FFF2-40B4-BE49-F238E27FC236}">
-                <a16:creationId xmlns:a16="http://schemas.microsoft.com/office/drawing/2014/main" id="{1D95D16C-B7D3-0E82-6082-714D2DB9D11C}"/>
+                <a16:creationId xmlns:a16="http://schemas.microsoft.com/office/drawing/2014/main" id="{2C3D52F1-8520-4779-CF16-613403E53284}"/>
               </a:ext>
             </a:extLst>
           </p:cNvPr>
@@ -10539,14 +16169,25 @@
             <p:ph type="title"/>
           </p:nvPr>
         </p:nvSpPr>
-        <p:spPr/>
-        <p:txBody>
-          <a:bodyPr/>
-          <a:lstStyle/>
-          <a:p>
-            <a:r>
-              <a:rPr lang="en-US" dirty="0"/>
-              <a:t>Scaling		</a:t>
+        <p:spPr>
+          <a:xfrm>
+            <a:off x="1371599" y="294538"/>
+            <a:ext cx="9895951" cy="1033669"/>
+          </a:xfrm>
+        </p:spPr>
+        <p:txBody>
+          <a:bodyPr>
+            <a:normAutofit/>
+          </a:bodyPr>
+          <a:lstStyle/>
+          <a:p>
+            <a:r>
+              <a:rPr lang="en-US" sz="4000" dirty="0">
+                <a:solidFill>
+                  <a:srgbClr val="FFFFFF"/>
+                </a:solidFill>
+              </a:rPr>
+              <a:t>Features Cont..</a:t>
             </a:r>
           </a:p>
         </p:txBody>
@@ -10556,7 +16197,7 @@
           <p:cNvPr id="3" name="Content Placeholder 2">
             <a:extLst>
               <a:ext uri="{FF2B5EF4-FFF2-40B4-BE49-F238E27FC236}">
-                <a16:creationId xmlns:a16="http://schemas.microsoft.com/office/drawing/2014/main" id="{9BFB871B-CA93-D960-3EA7-DCE151634A75}"/>
+                <a16:creationId xmlns:a16="http://schemas.microsoft.com/office/drawing/2014/main" id="{9936EC8B-92B3-8BB4-46BA-FB09550CAB95}"/>
               </a:ext>
             </a:extLst>
           </p:cNvPr>
@@ -10567,101 +16208,202 @@
             <p:ph idx="1"/>
           </p:nvPr>
         </p:nvSpPr>
-        <p:spPr/>
-        <p:txBody>
-          <a:bodyPr/>
-          <a:lstStyle/>
-          <a:p>
-            <a:pPr algn="l">
-              <a:buFont typeface="Arial" panose="020B0604020202020204" pitchFamily="34" charset="0"/>
-              <a:buChar char="•"/>
+        <p:spPr>
+          <a:xfrm>
+            <a:off x="649356" y="1497496"/>
+            <a:ext cx="11542643" cy="6453808"/>
+          </a:xfrm>
+        </p:spPr>
+        <p:txBody>
+          <a:bodyPr anchor="ctr">
+            <a:normAutofit/>
+          </a:bodyPr>
+          <a:lstStyle/>
+          <a:p>
+            <a:pPr marL="342900" marR="0" lvl="0" indent="-342900">
+              <a:lnSpc>
+                <a:spcPct val="170000"/>
+              </a:lnSpc>
+              <a:buSzPts val="1000"/>
+              <a:buFont typeface="Symbol" panose="05050102010706020507" pitchFamily="18" charset="2"/>
+              <a:buChar char=""/>
+              <a:tabLst>
+                <a:tab pos="647700" algn="l"/>
+              </a:tabLst>
             </a:pPr>
             <a:r>
-              <a:rPr lang="en-US" b="0" i="0" dirty="0">
+              <a:rPr lang="en-US" sz="1800" dirty="0">
                 <a:solidFill>
                   <a:srgbClr val="161616"/>
                 </a:solidFill>
-                <a:effectLst/>
                 <a:latin typeface="Segoe UI" panose="020B0502040204020203" pitchFamily="34" charset="0"/>
               </a:rPr>
-              <a:t>HTTP traffic</a:t>
-            </a:r>
-          </a:p>
-          <a:p>
-            <a:pPr algn="l">
-              <a:buFont typeface="Arial" panose="020B0604020202020204" pitchFamily="34" charset="0"/>
-              <a:buChar char="•"/>
+              <a:t>Split traffic across multiple versions of an application for Blue/Green deployments and A/B testing scenarios.</a:t>
+            </a:r>
+          </a:p>
+          <a:p>
+            <a:pPr marL="342900" marR="0" lvl="0" indent="-342900">
+              <a:lnSpc>
+                <a:spcPct val="170000"/>
+              </a:lnSpc>
+              <a:buSzPts val="1000"/>
+              <a:buFont typeface="Symbol" panose="05050102010706020507" pitchFamily="18" charset="2"/>
+              <a:buChar char=""/>
+              <a:tabLst>
+                <a:tab pos="647700" algn="l"/>
+              </a:tabLst>
             </a:pPr>
             <a:r>
-              <a:rPr lang="en-US" b="0" i="0" dirty="0">
+              <a:rPr lang="en-US" sz="1800" dirty="0">
                 <a:solidFill>
                   <a:srgbClr val="161616"/>
                 </a:solidFill>
-                <a:effectLst/>
                 <a:latin typeface="Segoe UI" panose="020B0502040204020203" pitchFamily="34" charset="0"/>
               </a:rPr>
-              <a:t>Event-driven processing</a:t>
-            </a:r>
-          </a:p>
-          <a:p>
-            <a:pPr algn="l">
-              <a:buFont typeface="Arial" panose="020B0604020202020204" pitchFamily="34" charset="0"/>
-              <a:buChar char="•"/>
+              <a:t>Use internal ingress and service discovery for secure internal-only endpoints with built-in DNS-based service discovery.</a:t>
+            </a:r>
+          </a:p>
+          <a:p>
+            <a:pPr marL="342900" marR="0" lvl="0" indent="-342900">
+              <a:lnSpc>
+                <a:spcPct val="170000"/>
+              </a:lnSpc>
+              <a:buSzPts val="1000"/>
+              <a:buFont typeface="Symbol" panose="05050102010706020507" pitchFamily="18" charset="2"/>
+              <a:buChar char=""/>
+              <a:tabLst>
+                <a:tab pos="647700" algn="l"/>
+              </a:tabLst>
             </a:pPr>
             <a:r>
-              <a:rPr lang="en-US" b="0" i="0" dirty="0">
+              <a:rPr lang="en-US" sz="1800" dirty="0">
                 <a:solidFill>
                   <a:srgbClr val="161616"/>
                 </a:solidFill>
-                <a:effectLst/>
                 <a:latin typeface="Segoe UI" panose="020B0502040204020203" pitchFamily="34" charset="0"/>
               </a:rPr>
-              <a:t>CPU or memory load</a:t>
-            </a:r>
-          </a:p>
-          <a:p>
-            <a:pPr algn="l">
-              <a:buFont typeface="Arial" panose="020B0604020202020204" pitchFamily="34" charset="0"/>
-              <a:buChar char="•"/>
+              <a:t>Run containers from any registry, public or private, including Docker Hub and Azure Container Registry (ACR).</a:t>
+            </a:r>
+          </a:p>
+          <a:p>
+            <a:pPr marL="342900" marR="0" lvl="0" indent="-342900">
+              <a:lnSpc>
+                <a:spcPct val="170000"/>
+              </a:lnSpc>
+              <a:buSzPts val="1000"/>
+              <a:buFont typeface="Symbol" panose="05050102010706020507" pitchFamily="18" charset="2"/>
+              <a:buChar char=""/>
+              <a:tabLst>
+                <a:tab pos="647700" algn="l"/>
+              </a:tabLst>
             </a:pPr>
             <a:r>
-              <a:rPr lang="en-US" b="0" i="0" dirty="0">
+              <a:rPr lang="en-US" sz="1800" dirty="0">
                 <a:solidFill>
                   <a:srgbClr val="161616"/>
                 </a:solidFill>
-                <a:effectLst/>
                 <a:latin typeface="Segoe UI" panose="020B0502040204020203" pitchFamily="34" charset="0"/>
               </a:rPr>
-              <a:t>Any </a:t>
-            </a:r>
-            <a:r>
-              <a:rPr lang="en-US" b="0" i="0" u="none" strike="noStrike" dirty="0">
+              <a:t>Provide an existing virtual network when creating an environment for your container apps.</a:t>
+            </a:r>
+          </a:p>
+          <a:p>
+            <a:pPr marL="342900" marR="0" lvl="0" indent="-342900">
+              <a:lnSpc>
+                <a:spcPct val="170000"/>
+              </a:lnSpc>
+              <a:buSzPts val="1000"/>
+              <a:buFont typeface="Symbol" panose="05050102010706020507" pitchFamily="18" charset="2"/>
+              <a:buChar char=""/>
+              <a:tabLst>
+                <a:tab pos="647700" algn="l"/>
+              </a:tabLst>
+            </a:pPr>
+            <a:r>
+              <a:rPr lang="en-US" sz="1800" dirty="0">
                 <a:solidFill>
                   <a:srgbClr val="161616"/>
                 </a:solidFill>
-                <a:effectLst/>
                 <a:latin typeface="Segoe UI" panose="020B0502040204020203" pitchFamily="34" charset="0"/>
-                <a:hlinkClick r:id="rId3"/>
-              </a:rPr>
-              <a:t>KEDA-supported scaler</a:t>
-            </a:r>
-            <a:endParaRPr lang="en-US" b="0" i="0" dirty="0">
-              <a:solidFill>
-                <a:srgbClr val="161616"/>
-              </a:solidFill>
+              </a:rPr>
+              <a:t>Securely manage secrets directly in your application.</a:t>
+            </a:r>
+          </a:p>
+          <a:p>
+            <a:pPr marL="342900" marR="0" lvl="0" indent="-342900">
+              <a:lnSpc>
+                <a:spcPct val="170000"/>
+              </a:lnSpc>
+              <a:buSzPts val="1000"/>
+              <a:buFont typeface="Symbol" panose="05050102010706020507" pitchFamily="18" charset="2"/>
+              <a:buChar char=""/>
+              <a:tabLst>
+                <a:tab pos="647700" algn="l"/>
+              </a:tabLst>
+            </a:pPr>
+            <a:r>
+              <a:rPr lang="en-US" sz="1800" dirty="0">
+                <a:solidFill>
+                  <a:srgbClr val="161616"/>
+                </a:solidFill>
+                <a:latin typeface="Segoe UI" panose="020B0502040204020203" pitchFamily="34" charset="0"/>
+              </a:rPr>
+              <a:t>Monitor logs using Azure Log Analytics.</a:t>
+            </a:r>
+          </a:p>
+          <a:p>
+            <a:pPr marL="342900" marR="0" lvl="0" indent="-342900">
+              <a:lnSpc>
+                <a:spcPct val="170000"/>
+              </a:lnSpc>
+              <a:buSzPts val="1000"/>
+              <a:buFont typeface="Symbol" panose="05050102010706020507" pitchFamily="18" charset="2"/>
+              <a:buChar char=""/>
+              <a:tabLst>
+                <a:tab pos="647700" algn="l"/>
+              </a:tabLst>
+            </a:pPr>
+            <a:r>
+              <a:rPr lang="en-US" sz="1800" dirty="0">
+                <a:solidFill>
+                  <a:srgbClr val="161616"/>
+                </a:solidFill>
+                <a:latin typeface="Segoe UI" panose="020B0502040204020203" pitchFamily="34" charset="0"/>
+              </a:rPr>
+              <a:t>Override (already generous) quotas to increase limits on a per-account basis.</a:t>
+            </a:r>
+          </a:p>
+          <a:p>
+            <a:pPr marL="342900" marR="0" lvl="0" indent="-342900">
+              <a:buSzPts val="1000"/>
+              <a:buFont typeface="Symbol" panose="05050102010706020507" pitchFamily="18" charset="2"/>
+              <a:buChar char=""/>
+              <a:tabLst>
+                <a:tab pos="647700" algn="l"/>
+              </a:tabLst>
+            </a:pPr>
+            <a:endParaRPr lang="en-US" sz="1800" dirty="0">
               <a:effectLst/>
-              <a:latin typeface="Segoe UI" panose="020B0502040204020203" pitchFamily="34" charset="0"/>
+              <a:latin typeface="Times New Roman" panose="02020603050405020304" pitchFamily="18" charset="0"/>
+              <a:ea typeface="Times New Roman" panose="02020603050405020304" pitchFamily="18" charset="0"/>
             </a:endParaRPr>
           </a:p>
           <a:p>
-            <a:endParaRPr lang="en-US" dirty="0"/>
+            <a:endParaRPr lang="en-US" sz="1800" dirty="0">
+              <a:effectLst/>
+              <a:latin typeface="Times New Roman" panose="02020603050405020304" pitchFamily="18" charset="0"/>
+              <a:ea typeface="Times New Roman" panose="02020603050405020304" pitchFamily="18" charset="0"/>
+            </a:endParaRPr>
+          </a:p>
+          <a:p>
+            <a:endParaRPr lang="en-US" sz="1800" dirty="0"/>
           </a:p>
         </p:txBody>
       </p:sp>
     </p:spTree>
     <p:extLst>
       <p:ext uri="{BB962C8B-B14F-4D97-AF65-F5344CB8AC3E}">
-        <p14:creationId xmlns:p14="http://schemas.microsoft.com/office/powerpoint/2010/main" val="711567672"/>
+        <p14:creationId xmlns:p14="http://schemas.microsoft.com/office/powerpoint/2010/main" val="3339942081"/>
       </p:ext>
     </p:extLst>
   </p:cSld>
